--- a/ArchitectureOverviewStatus.pptx
+++ b/ArchitectureOverviewStatus.pptx
@@ -259,7 +259,7 @@
           <a:p>
             <a:fld id="{F6BA3A16-3FC4-A846-A984-B81C473670D4}" type="datetimeFigureOut">
               <a:rPr lang="en-US" smtClean="0"/>
-              <a:t>4/16/20</a:t>
+              <a:t>4/28/20</a:t>
             </a:fld>
             <a:endParaRPr lang="en-US"/>
           </a:p>
@@ -457,7 +457,7 @@
           <a:p>
             <a:fld id="{F6BA3A16-3FC4-A846-A984-B81C473670D4}" type="datetimeFigureOut">
               <a:rPr lang="en-US" smtClean="0"/>
-              <a:t>4/16/20</a:t>
+              <a:t>4/28/20</a:t>
             </a:fld>
             <a:endParaRPr lang="en-US"/>
           </a:p>
@@ -665,7 +665,7 @@
           <a:p>
             <a:fld id="{F6BA3A16-3FC4-A846-A984-B81C473670D4}" type="datetimeFigureOut">
               <a:rPr lang="en-US" smtClean="0"/>
-              <a:t>4/16/20</a:t>
+              <a:t>4/28/20</a:t>
             </a:fld>
             <a:endParaRPr lang="en-US"/>
           </a:p>
@@ -863,7 +863,7 @@
           <a:p>
             <a:fld id="{F6BA3A16-3FC4-A846-A984-B81C473670D4}" type="datetimeFigureOut">
               <a:rPr lang="en-US" smtClean="0"/>
-              <a:t>4/16/20</a:t>
+              <a:t>4/28/20</a:t>
             </a:fld>
             <a:endParaRPr lang="en-US"/>
           </a:p>
@@ -1138,7 +1138,7 @@
           <a:p>
             <a:fld id="{F6BA3A16-3FC4-A846-A984-B81C473670D4}" type="datetimeFigureOut">
               <a:rPr lang="en-US" smtClean="0"/>
-              <a:t>4/16/20</a:t>
+              <a:t>4/28/20</a:t>
             </a:fld>
             <a:endParaRPr lang="en-US"/>
           </a:p>
@@ -1403,7 +1403,7 @@
           <a:p>
             <a:fld id="{F6BA3A16-3FC4-A846-A984-B81C473670D4}" type="datetimeFigureOut">
               <a:rPr lang="en-US" smtClean="0"/>
-              <a:t>4/16/20</a:t>
+              <a:t>4/28/20</a:t>
             </a:fld>
             <a:endParaRPr lang="en-US"/>
           </a:p>
@@ -1815,7 +1815,7 @@
           <a:p>
             <a:fld id="{F6BA3A16-3FC4-A846-A984-B81C473670D4}" type="datetimeFigureOut">
               <a:rPr lang="en-US" smtClean="0"/>
-              <a:t>4/16/20</a:t>
+              <a:t>4/28/20</a:t>
             </a:fld>
             <a:endParaRPr lang="en-US"/>
           </a:p>
@@ -1956,7 +1956,7 @@
           <a:p>
             <a:fld id="{F6BA3A16-3FC4-A846-A984-B81C473670D4}" type="datetimeFigureOut">
               <a:rPr lang="en-US" smtClean="0"/>
-              <a:t>4/16/20</a:t>
+              <a:t>4/28/20</a:t>
             </a:fld>
             <a:endParaRPr lang="en-US"/>
           </a:p>
@@ -2069,7 +2069,7 @@
           <a:p>
             <a:fld id="{F6BA3A16-3FC4-A846-A984-B81C473670D4}" type="datetimeFigureOut">
               <a:rPr lang="en-US" smtClean="0"/>
-              <a:t>4/16/20</a:t>
+              <a:t>4/28/20</a:t>
             </a:fld>
             <a:endParaRPr lang="en-US"/>
           </a:p>
@@ -2380,7 +2380,7 @@
           <a:p>
             <a:fld id="{F6BA3A16-3FC4-A846-A984-B81C473670D4}" type="datetimeFigureOut">
               <a:rPr lang="en-US" smtClean="0"/>
-              <a:t>4/16/20</a:t>
+              <a:t>4/28/20</a:t>
             </a:fld>
             <a:endParaRPr lang="en-US"/>
           </a:p>
@@ -2668,7 +2668,7 @@
           <a:p>
             <a:fld id="{F6BA3A16-3FC4-A846-A984-B81C473670D4}" type="datetimeFigureOut">
               <a:rPr lang="en-US" smtClean="0"/>
-              <a:t>4/16/20</a:t>
+              <a:t>4/28/20</a:t>
             </a:fld>
             <a:endParaRPr lang="en-US"/>
           </a:p>
@@ -2909,7 +2909,7 @@
           <a:p>
             <a:fld id="{F6BA3A16-3FC4-A846-A984-B81C473670D4}" type="datetimeFigureOut">
               <a:rPr lang="en-US" smtClean="0"/>
-              <a:t>4/16/20</a:t>
+              <a:t>4/28/20</a:t>
             </a:fld>
             <a:endParaRPr lang="en-US"/>
           </a:p>
@@ -3340,7 +3340,7 @@
         </p:nvGrpSpPr>
         <p:grpSpPr>
           <a:xfrm>
-            <a:off x="499257" y="927004"/>
+            <a:off x="499257" y="678807"/>
             <a:ext cx="1371600" cy="4062616"/>
             <a:chOff x="499257" y="259492"/>
             <a:chExt cx="1371600" cy="4062616"/>
@@ -3621,7 +3621,7 @@
         </p:nvCxnSpPr>
         <p:spPr>
           <a:xfrm flipH="1">
-            <a:off x="1874111" y="2334981"/>
+            <a:off x="1874111" y="2086784"/>
             <a:ext cx="866220" cy="0"/>
           </a:xfrm>
           <a:prstGeom prst="line">
@@ -3662,8 +3662,8 @@
         </p:nvCxnSpPr>
         <p:spPr>
           <a:xfrm flipH="1">
-            <a:off x="7446985" y="2404817"/>
-            <a:ext cx="855505" cy="0"/>
+            <a:off x="7420860" y="1980890"/>
+            <a:ext cx="365760" cy="0"/>
           </a:xfrm>
           <a:prstGeom prst="line">
             <a:avLst/>
@@ -3702,7 +3702,7 @@
         </p:nvGrpSpPr>
         <p:grpSpPr>
           <a:xfrm>
-            <a:off x="8351918" y="998388"/>
+            <a:off x="7816338" y="632625"/>
             <a:ext cx="1371600" cy="2696530"/>
             <a:chOff x="7845289" y="361073"/>
             <a:chExt cx="1371600" cy="2696530"/>
@@ -3955,7 +3955,7 @@
             </a:solidFill>
             <a:ln w="38100">
               <a:solidFill>
-                <a:srgbClr val="C00000"/>
+                <a:srgbClr val="FFC000"/>
               </a:solidFill>
             </a:ln>
           </p:spPr>
@@ -4085,8 +4085,8 @@
           </p:nvSpPr>
           <p:spPr>
             <a:xfrm>
-              <a:off x="8149414" y="1105754"/>
-              <a:ext cx="763351" cy="276999"/>
+              <a:off x="7948715" y="1105754"/>
+              <a:ext cx="1183496" cy="276999"/>
             </a:xfrm>
             <a:prstGeom prst="rect">
               <a:avLst/>
@@ -4094,11 +4094,12 @@
             <a:noFill/>
           </p:spPr>
           <p:txBody>
-            <a:bodyPr wrap="none" rtlCol="0">
+            <a:bodyPr wrap="square" rtlCol="0">
               <a:spAutoFit/>
             </a:bodyPr>
             <a:lstStyle/>
             <a:p>
+              <a:pPr algn="ctr"/>
               <a:r>
                 <a:rPr lang="en-US" sz="1200" dirty="0">
                   <a:solidFill>
@@ -4129,10 +4130,10 @@
         </p:nvGrpSpPr>
         <p:grpSpPr>
           <a:xfrm>
-            <a:off x="4098056" y="5391035"/>
-            <a:ext cx="1371600" cy="612354"/>
+            <a:off x="4098056" y="5053770"/>
+            <a:ext cx="1371600" cy="445150"/>
             <a:chOff x="6005397" y="3057603"/>
-            <a:chExt cx="1371600" cy="612354"/>
+            <a:chExt cx="1371600" cy="445150"/>
           </a:xfrm>
         </p:grpSpPr>
         <p:sp>
@@ -4150,7 +4151,7 @@
           <p:spPr>
             <a:xfrm>
               <a:off x="6005397" y="3057603"/>
-              <a:ext cx="1371600" cy="612354"/>
+              <a:ext cx="1371600" cy="445150"/>
             </a:xfrm>
             <a:prstGeom prst="rect">
               <a:avLst/>
@@ -4244,7 +4245,7 @@
         </p:nvSpPr>
         <p:spPr>
           <a:xfrm>
-            <a:off x="2740331" y="998388"/>
+            <a:off x="2740331" y="750191"/>
             <a:ext cx="1371600" cy="3991232"/>
           </a:xfrm>
           <a:prstGeom prst="rect">
@@ -4303,7 +4304,7 @@
         </p:blipFill>
         <p:spPr>
           <a:xfrm>
-            <a:off x="3197531" y="1130195"/>
+            <a:off x="3197531" y="881998"/>
             <a:ext cx="457200" cy="457200"/>
           </a:xfrm>
           <a:prstGeom prst="rect">
@@ -4325,7 +4326,7 @@
         </p:nvSpPr>
         <p:spPr>
           <a:xfrm>
-            <a:off x="2906822" y="1579156"/>
+            <a:off x="2906822" y="1330959"/>
             <a:ext cx="1038619" cy="276999"/>
           </a:xfrm>
           <a:prstGeom prst="rect">
@@ -4369,7 +4370,7 @@
         </p:nvSpPr>
         <p:spPr>
           <a:xfrm>
-            <a:off x="3510609" y="1954501"/>
+            <a:off x="3510609" y="1706304"/>
             <a:ext cx="1121397" cy="276999"/>
           </a:xfrm>
           <a:prstGeom prst="rect">
@@ -4415,7 +4416,7 @@
         </p:nvSpPr>
         <p:spPr>
           <a:xfrm>
-            <a:off x="3510609" y="2308814"/>
+            <a:off x="3510609" y="2060617"/>
             <a:ext cx="1156086" cy="276999"/>
           </a:xfrm>
           <a:prstGeom prst="rect">
@@ -4461,7 +4462,7 @@
         </p:nvSpPr>
         <p:spPr>
           <a:xfrm>
-            <a:off x="3510609" y="2663127"/>
+            <a:off x="3510609" y="2414930"/>
             <a:ext cx="1531766" cy="276999"/>
           </a:xfrm>
           <a:prstGeom prst="rect">
@@ -4510,7 +4511,7 @@
         </p:nvSpPr>
         <p:spPr>
           <a:xfrm>
-            <a:off x="3510609" y="3017440"/>
+            <a:off x="3510609" y="2769243"/>
             <a:ext cx="1199367" cy="276999"/>
           </a:xfrm>
           <a:prstGeom prst="rect">
@@ -4563,7 +4564,7 @@
         </p:nvSpPr>
         <p:spPr>
           <a:xfrm>
-            <a:off x="3510609" y="3371753"/>
+            <a:off x="3510609" y="3123556"/>
             <a:ext cx="1394934" cy="276999"/>
           </a:xfrm>
           <a:prstGeom prst="rect">
@@ -4696,10 +4697,10 @@
         </p:nvGrpSpPr>
         <p:grpSpPr>
           <a:xfrm>
-            <a:off x="6001526" y="3450668"/>
-            <a:ext cx="1430200" cy="2139482"/>
-            <a:chOff x="5986268" y="2573324"/>
-            <a:chExt cx="1430200" cy="2139482"/>
+            <a:off x="6030826" y="3084905"/>
+            <a:ext cx="1371600" cy="1538952"/>
+            <a:chOff x="6015568" y="2573324"/>
+            <a:chExt cx="1371600" cy="1538952"/>
           </a:xfrm>
         </p:grpSpPr>
         <p:sp>
@@ -4717,7 +4718,7 @@
           <p:spPr>
             <a:xfrm>
               <a:off x="6015568" y="2573324"/>
-              <a:ext cx="1371600" cy="2139482"/>
+              <a:ext cx="1371600" cy="1538952"/>
             </a:xfrm>
             <a:prstGeom prst="rect">
               <a:avLst/>
@@ -4767,8 +4768,8 @@
           </p:nvSpPr>
           <p:spPr>
             <a:xfrm>
-              <a:off x="5986268" y="3051295"/>
-              <a:ext cx="1430200" cy="646331"/>
+              <a:off x="6022906" y="3051295"/>
+              <a:ext cx="1364262" cy="276999"/>
             </a:xfrm>
             <a:prstGeom prst="rect">
               <a:avLst/>
@@ -4776,7 +4777,7 @@
             <a:noFill/>
           </p:spPr>
           <p:txBody>
-            <a:bodyPr wrap="none" rtlCol="0">
+            <a:bodyPr wrap="square" rtlCol="0">
               <a:spAutoFit/>
             </a:bodyPr>
             <a:lstStyle/>
@@ -4792,37 +4793,7 @@
                   <a:latin typeface="Arial" panose="020B0604020202020204" pitchFamily="34" charset="0"/>
                   <a:cs typeface="Arial" panose="020B0604020202020204" pitchFamily="34" charset="0"/>
                 </a:rPr>
-                <a:t>Connect </a:t>
-              </a:r>
-            </a:p>
-            <a:p>
-              <a:pPr algn="ctr"/>
-              <a:r>
-                <a:rPr lang="en-US" sz="1200" dirty="0">
-                  <a:solidFill>
-                    <a:schemeClr val="bg1">
-                      <a:lumMod val="50000"/>
-                    </a:schemeClr>
-                  </a:solidFill>
-                  <a:latin typeface="Arial" panose="020B0604020202020204" pitchFamily="34" charset="0"/>
-                  <a:cs typeface="Arial" panose="020B0604020202020204" pitchFamily="34" charset="0"/>
-                </a:rPr>
-                <a:t>Site Management </a:t>
-              </a:r>
-            </a:p>
-            <a:p>
-              <a:pPr algn="ctr"/>
-              <a:r>
-                <a:rPr lang="en-US" sz="1200" dirty="0">
-                  <a:solidFill>
-                    <a:schemeClr val="bg1">
-                      <a:lumMod val="50000"/>
-                    </a:schemeClr>
-                  </a:solidFill>
-                  <a:latin typeface="Arial" panose="020B0604020202020204" pitchFamily="34" charset="0"/>
-                  <a:cs typeface="Arial" panose="020B0604020202020204" pitchFamily="34" charset="0"/>
-                </a:rPr>
-                <a:t>PWA</a:t>
+                <a:t> Site App </a:t>
               </a:r>
             </a:p>
           </p:txBody>
@@ -4871,7 +4842,7 @@
           </p:nvSpPr>
           <p:spPr>
             <a:xfrm>
-              <a:off x="6140670" y="3833868"/>
+              <a:off x="6129384" y="3374218"/>
               <a:ext cx="1121397" cy="646331"/>
             </a:xfrm>
             <a:prstGeom prst="rect">
@@ -4907,10 +4878,10 @@
       </p:grpSp>
       <p:grpSp>
         <p:nvGrpSpPr>
-          <p:cNvPr id="32" name="Group 31">
-            <a:extLst>
-              <a:ext uri="{FF2B5EF4-FFF2-40B4-BE49-F238E27FC236}">
-                <a16:creationId xmlns:a16="http://schemas.microsoft.com/office/drawing/2014/main" id="{CDA95891-1C65-5348-8CF4-1E03D1277D22}"/>
+          <p:cNvPr id="9" name="Group 8">
+            <a:extLst>
+              <a:ext uri="{FF2B5EF4-FFF2-40B4-BE49-F238E27FC236}">
+                <a16:creationId xmlns:a16="http://schemas.microsoft.com/office/drawing/2014/main" id="{76D129A0-1930-204B-B51C-7E889B275F20}"/>
               </a:ext>
             </a:extLst>
           </p:cNvPr>
@@ -4919,18 +4890,18 @@
         </p:nvGrpSpPr>
         <p:grpSpPr>
           <a:xfrm>
-            <a:off x="10404178" y="1366508"/>
-            <a:ext cx="1300356" cy="2693493"/>
-            <a:chOff x="10307928" y="307727"/>
-            <a:chExt cx="1300356" cy="2693493"/>
+            <a:off x="155448" y="5391088"/>
+            <a:ext cx="5314208" cy="1270530"/>
+            <a:chOff x="155448" y="5391088"/>
+            <a:chExt cx="5314208" cy="1270530"/>
           </a:xfrm>
         </p:grpSpPr>
         <p:sp>
           <p:nvSpPr>
-            <p:cNvPr id="54" name="Rectangle 53">
+            <p:cNvPr id="8" name="Rectangle 7">
               <a:extLst>
                 <a:ext uri="{FF2B5EF4-FFF2-40B4-BE49-F238E27FC236}">
-                  <a16:creationId xmlns:a16="http://schemas.microsoft.com/office/drawing/2014/main" id="{D1E2FCEE-6277-1D45-A6A9-1BA683A9B36B}"/>
+                  <a16:creationId xmlns:a16="http://schemas.microsoft.com/office/drawing/2014/main" id="{A2469AF2-DF57-BB45-9EE9-6D09F5A2C457}"/>
                 </a:ext>
               </a:extLst>
             </p:cNvPr>
@@ -4939,139 +4910,46 @@
           </p:nvSpPr>
           <p:spPr>
             <a:xfrm>
-              <a:off x="10409466" y="755868"/>
-              <a:ext cx="1097280" cy="646331"/>
+              <a:off x="155448" y="5755191"/>
+              <a:ext cx="5314208" cy="906427"/>
             </a:xfrm>
             <a:prstGeom prst="rect">
               <a:avLst/>
             </a:prstGeom>
             <a:solidFill>
-              <a:schemeClr val="bg1"/>
+              <a:schemeClr val="bg1">
+                <a:lumMod val="95000"/>
+              </a:schemeClr>
             </a:solidFill>
-            <a:ln w="38100">
+            <a:ln>
               <a:solidFill>
-                <a:srgbClr val="00B050"/>
+                <a:schemeClr val="tx1"/>
               </a:solidFill>
+              <a:prstDash val="dash"/>
             </a:ln>
           </p:spPr>
+          <p:style>
+            <a:lnRef idx="2">
+              <a:schemeClr val="accent1">
+                <a:shade val="50000"/>
+              </a:schemeClr>
+            </a:lnRef>
+            <a:fillRef idx="1">
+              <a:schemeClr val="accent1"/>
+            </a:fillRef>
+            <a:effectRef idx="0">
+              <a:schemeClr val="accent1"/>
+            </a:effectRef>
+            <a:fontRef idx="minor">
+              <a:schemeClr val="lt1"/>
+            </a:fontRef>
+          </p:style>
           <p:txBody>
-            <a:bodyPr wrap="square">
-              <a:spAutoFit/>
-            </a:bodyPr>
+            <a:bodyPr rtlCol="0" anchor="ctr"/>
             <a:lstStyle/>
             <a:p>
               <a:pPr algn="ctr"/>
-              <a:r>
-                <a:rPr lang="en-US" sz="1200" dirty="0">
-                  <a:latin typeface="Arial" panose="020B0604020202020204" pitchFamily="34" charset="0"/>
-                  <a:cs typeface="Arial" panose="020B0604020202020204" pitchFamily="34" charset="0"/>
-                </a:rPr>
-                <a:t>Complete or almost complete</a:t>
-              </a:r>
-              <a:endParaRPr lang="en-US" sz="1200" dirty="0"/>
-            </a:p>
-          </p:txBody>
-        </p:sp>
-        <p:sp>
-          <p:nvSpPr>
-            <p:cNvPr id="55" name="Rectangle 54">
-              <a:extLst>
-                <a:ext uri="{FF2B5EF4-FFF2-40B4-BE49-F238E27FC236}">
-                  <a16:creationId xmlns:a16="http://schemas.microsoft.com/office/drawing/2014/main" id="{AFD978A6-56A3-AA41-8741-39F67B9DB91E}"/>
-                </a:ext>
-              </a:extLst>
-            </p:cNvPr>
-            <p:cNvSpPr/>
-            <p:nvPr/>
-          </p:nvSpPr>
-          <p:spPr>
-            <a:xfrm>
-              <a:off x="10409466" y="2539555"/>
-              <a:ext cx="1097280" cy="461665"/>
-            </a:xfrm>
-            <a:prstGeom prst="rect">
-              <a:avLst/>
-            </a:prstGeom>
-            <a:solidFill>
-              <a:schemeClr val="bg1"/>
-            </a:solidFill>
-            <a:ln w="38100">
-              <a:solidFill>
-                <a:srgbClr val="C00000"/>
-              </a:solidFill>
-            </a:ln>
-          </p:spPr>
-          <p:txBody>
-            <a:bodyPr wrap="square">
-              <a:spAutoFit/>
-            </a:bodyPr>
-            <a:lstStyle/>
-            <a:p>
-              <a:pPr algn="ctr"/>
-              <a:r>
-                <a:rPr lang="en-US" sz="1200" dirty="0">
-                  <a:latin typeface="Arial" panose="020B0604020202020204" pitchFamily="34" charset="0"/>
-                  <a:cs typeface="Arial" panose="020B0604020202020204" pitchFamily="34" charset="0"/>
-                </a:rPr>
-                <a:t>Not </a:t>
-              </a:r>
-            </a:p>
-            <a:p>
-              <a:pPr algn="ctr"/>
-              <a:r>
-                <a:rPr lang="en-US" sz="1200" dirty="0">
-                  <a:latin typeface="Arial" panose="020B0604020202020204" pitchFamily="34" charset="0"/>
-                  <a:cs typeface="Arial" panose="020B0604020202020204" pitchFamily="34" charset="0"/>
-                </a:rPr>
-                <a:t>Started</a:t>
-              </a:r>
-            </a:p>
-          </p:txBody>
-        </p:sp>
-        <p:sp>
-          <p:nvSpPr>
-            <p:cNvPr id="61" name="Rectangle 60">
-              <a:extLst>
-                <a:ext uri="{FF2B5EF4-FFF2-40B4-BE49-F238E27FC236}">
-                  <a16:creationId xmlns:a16="http://schemas.microsoft.com/office/drawing/2014/main" id="{1940505D-7B2C-E84D-88C9-B14207CC02EF}"/>
-                </a:ext>
-              </a:extLst>
-            </p:cNvPr>
-            <p:cNvSpPr/>
-            <p:nvPr/>
-          </p:nvSpPr>
-          <p:spPr>
-            <a:xfrm>
-              <a:off x="10409466" y="1559817"/>
-              <a:ext cx="1097280" cy="276999"/>
-            </a:xfrm>
-            <a:prstGeom prst="rect">
-              <a:avLst/>
-            </a:prstGeom>
-            <a:solidFill>
-              <a:schemeClr val="bg1"/>
-            </a:solidFill>
-            <a:ln w="38100">
-              <a:solidFill>
-                <a:srgbClr val="FFFF00"/>
-              </a:solidFill>
-            </a:ln>
-          </p:spPr>
-          <p:txBody>
-            <a:bodyPr wrap="square">
-              <a:spAutoFit/>
-            </a:bodyPr>
-            <a:lstStyle/>
-            <a:p>
-              <a:pPr algn="ctr"/>
-              <a:r>
-                <a:rPr lang="en-US" sz="1200" dirty="0">
-                  <a:latin typeface="Arial" panose="020B0604020202020204" pitchFamily="34" charset="0"/>
-                  <a:cs typeface="Arial" panose="020B0604020202020204" pitchFamily="34" charset="0"/>
-                </a:rPr>
-                <a:t>Prototype</a:t>
-              </a:r>
-              <a:endParaRPr lang="en-US" sz="1200" dirty="0"/>
+              <a:endParaRPr lang="en-US"/>
             </a:p>
           </p:txBody>
         </p:sp>
@@ -5089,7 +4967,7 @@
           </p:nvSpPr>
           <p:spPr>
             <a:xfrm>
-              <a:off x="10307928" y="307727"/>
+              <a:off x="2162374" y="5391088"/>
               <a:ext cx="1300356" cy="369332"/>
             </a:xfrm>
             <a:prstGeom prst="rect">
@@ -5113,52 +4991,223 @@
             </a:p>
           </p:txBody>
         </p:sp>
-        <p:sp>
-          <p:nvSpPr>
-            <p:cNvPr id="66" name="Rectangle 65">
+        <p:grpSp>
+          <p:nvGrpSpPr>
+            <p:cNvPr id="3" name="Group 2">
               <a:extLst>
                 <a:ext uri="{FF2B5EF4-FFF2-40B4-BE49-F238E27FC236}">
-                  <a16:creationId xmlns:a16="http://schemas.microsoft.com/office/drawing/2014/main" id="{7F043CFA-7DC2-C44A-8264-0E7AD4BE55BE}"/>
+                  <a16:creationId xmlns:a16="http://schemas.microsoft.com/office/drawing/2014/main" id="{C9C3C71A-51F2-DB43-A921-3620E45F32C0}"/>
                 </a:ext>
               </a:extLst>
             </p:cNvPr>
-            <p:cNvSpPr/>
+            <p:cNvGrpSpPr/>
             <p:nvPr/>
-          </p:nvSpPr>
-          <p:spPr>
+          </p:nvGrpSpPr>
+          <p:grpSpPr>
             <a:xfrm>
-              <a:off x="10409466" y="1982423"/>
-              <a:ext cx="1097280" cy="461665"/>
+              <a:off x="356617" y="5885239"/>
+              <a:ext cx="4911871" cy="646331"/>
+              <a:chOff x="400525" y="5867582"/>
+              <a:chExt cx="4911871" cy="646331"/>
             </a:xfrm>
-            <a:prstGeom prst="rect">
-              <a:avLst/>
-            </a:prstGeom>
-            <a:solidFill>
-              <a:schemeClr val="bg1"/>
-            </a:solidFill>
-            <a:ln w="38100">
+          </p:grpSpPr>
+          <p:sp>
+            <p:nvSpPr>
+              <p:cNvPr id="54" name="Rectangle 53">
+                <a:extLst>
+                  <a:ext uri="{FF2B5EF4-FFF2-40B4-BE49-F238E27FC236}">
+                    <a16:creationId xmlns:a16="http://schemas.microsoft.com/office/drawing/2014/main" id="{D1E2FCEE-6277-1D45-A6A9-1BA683A9B36B}"/>
+                  </a:ext>
+                </a:extLst>
+              </p:cNvPr>
+              <p:cNvSpPr/>
+              <p:nvPr/>
+            </p:nvSpPr>
+            <p:spPr>
+              <a:xfrm>
+                <a:off x="400525" y="5867582"/>
+                <a:ext cx="1097280" cy="646331"/>
+              </a:xfrm>
+              <a:prstGeom prst="rect">
+                <a:avLst/>
+              </a:prstGeom>
               <a:solidFill>
-                <a:srgbClr val="FFC000"/>
+                <a:schemeClr val="bg1"/>
               </a:solidFill>
-            </a:ln>
-          </p:spPr>
-          <p:txBody>
-            <a:bodyPr wrap="square">
-              <a:spAutoFit/>
-            </a:bodyPr>
-            <a:lstStyle/>
-            <a:p>
-              <a:pPr algn="ctr"/>
-              <a:r>
-                <a:rPr lang="en-US" sz="1200" dirty="0">
-                  <a:latin typeface="Arial" panose="020B0604020202020204" pitchFamily="34" charset="0"/>
-                  <a:cs typeface="Arial" panose="020B0604020202020204" pitchFamily="34" charset="0"/>
-                </a:rPr>
-                <a:t>In active development</a:t>
-              </a:r>
-            </a:p>
-          </p:txBody>
-        </p:sp>
+              <a:ln w="38100">
+                <a:solidFill>
+                  <a:srgbClr val="00B050"/>
+                </a:solidFill>
+              </a:ln>
+            </p:spPr>
+            <p:txBody>
+              <a:bodyPr wrap="square">
+                <a:spAutoFit/>
+              </a:bodyPr>
+              <a:lstStyle/>
+              <a:p>
+                <a:pPr algn="ctr"/>
+                <a:r>
+                  <a:rPr lang="en-US" sz="1200" dirty="0">
+                    <a:latin typeface="Arial" panose="020B0604020202020204" pitchFamily="34" charset="0"/>
+                    <a:cs typeface="Arial" panose="020B0604020202020204" pitchFamily="34" charset="0"/>
+                  </a:rPr>
+                  <a:t>Complete or almost complete</a:t>
+                </a:r>
+                <a:endParaRPr lang="en-US" sz="1200" dirty="0"/>
+              </a:p>
+            </p:txBody>
+          </p:sp>
+          <p:sp>
+            <p:nvSpPr>
+              <p:cNvPr id="55" name="Rectangle 54">
+                <a:extLst>
+                  <a:ext uri="{FF2B5EF4-FFF2-40B4-BE49-F238E27FC236}">
+                    <a16:creationId xmlns:a16="http://schemas.microsoft.com/office/drawing/2014/main" id="{AFD978A6-56A3-AA41-8741-39F67B9DB91E}"/>
+                  </a:ext>
+                </a:extLst>
+              </p:cNvPr>
+              <p:cNvSpPr/>
+              <p:nvPr/>
+            </p:nvSpPr>
+            <p:spPr>
+              <a:xfrm>
+                <a:off x="4215116" y="5959915"/>
+                <a:ext cx="1097280" cy="461665"/>
+              </a:xfrm>
+              <a:prstGeom prst="rect">
+                <a:avLst/>
+              </a:prstGeom>
+              <a:solidFill>
+                <a:schemeClr val="bg1"/>
+              </a:solidFill>
+              <a:ln w="38100">
+                <a:solidFill>
+                  <a:srgbClr val="C00000"/>
+                </a:solidFill>
+              </a:ln>
+            </p:spPr>
+            <p:txBody>
+              <a:bodyPr wrap="square">
+                <a:spAutoFit/>
+              </a:bodyPr>
+              <a:lstStyle/>
+              <a:p>
+                <a:pPr algn="ctr"/>
+                <a:r>
+                  <a:rPr lang="en-US" sz="1200" dirty="0">
+                    <a:latin typeface="Arial" panose="020B0604020202020204" pitchFamily="34" charset="0"/>
+                    <a:cs typeface="Arial" panose="020B0604020202020204" pitchFamily="34" charset="0"/>
+                  </a:rPr>
+                  <a:t>Not </a:t>
+                </a:r>
+              </a:p>
+              <a:p>
+                <a:pPr algn="ctr"/>
+                <a:r>
+                  <a:rPr lang="en-US" sz="1200" dirty="0">
+                    <a:latin typeface="Arial" panose="020B0604020202020204" pitchFamily="34" charset="0"/>
+                    <a:cs typeface="Arial" panose="020B0604020202020204" pitchFamily="34" charset="0"/>
+                  </a:rPr>
+                  <a:t>Started</a:t>
+                </a:r>
+              </a:p>
+            </p:txBody>
+          </p:sp>
+          <p:sp>
+            <p:nvSpPr>
+              <p:cNvPr id="61" name="Rectangle 60">
+                <a:extLst>
+                  <a:ext uri="{FF2B5EF4-FFF2-40B4-BE49-F238E27FC236}">
+                    <a16:creationId xmlns:a16="http://schemas.microsoft.com/office/drawing/2014/main" id="{1940505D-7B2C-E84D-88C9-B14207CC02EF}"/>
+                  </a:ext>
+                </a:extLst>
+              </p:cNvPr>
+              <p:cNvSpPr/>
+              <p:nvPr/>
+            </p:nvSpPr>
+            <p:spPr>
+              <a:xfrm>
+                <a:off x="1672055" y="6052248"/>
+                <a:ext cx="1097280" cy="276999"/>
+              </a:xfrm>
+              <a:prstGeom prst="rect">
+                <a:avLst/>
+              </a:prstGeom>
+              <a:solidFill>
+                <a:schemeClr val="bg1"/>
+              </a:solidFill>
+              <a:ln w="38100">
+                <a:solidFill>
+                  <a:srgbClr val="FFFF00"/>
+                </a:solidFill>
+              </a:ln>
+            </p:spPr>
+            <p:txBody>
+              <a:bodyPr wrap="square">
+                <a:spAutoFit/>
+              </a:bodyPr>
+              <a:lstStyle/>
+              <a:p>
+                <a:pPr algn="ctr"/>
+                <a:r>
+                  <a:rPr lang="en-US" sz="1200" dirty="0">
+                    <a:latin typeface="Arial" panose="020B0604020202020204" pitchFamily="34" charset="0"/>
+                    <a:cs typeface="Arial" panose="020B0604020202020204" pitchFamily="34" charset="0"/>
+                  </a:rPr>
+                  <a:t>Prototype</a:t>
+                </a:r>
+                <a:endParaRPr lang="en-US" sz="1200" dirty="0"/>
+              </a:p>
+            </p:txBody>
+          </p:sp>
+          <p:sp>
+            <p:nvSpPr>
+              <p:cNvPr id="66" name="Rectangle 65">
+                <a:extLst>
+                  <a:ext uri="{FF2B5EF4-FFF2-40B4-BE49-F238E27FC236}">
+                    <a16:creationId xmlns:a16="http://schemas.microsoft.com/office/drawing/2014/main" id="{7F043CFA-7DC2-C44A-8264-0E7AD4BE55BE}"/>
+                  </a:ext>
+                </a:extLst>
+              </p:cNvPr>
+              <p:cNvSpPr/>
+              <p:nvPr/>
+            </p:nvSpPr>
+            <p:spPr>
+              <a:xfrm>
+                <a:off x="2943585" y="5959915"/>
+                <a:ext cx="1097280" cy="461665"/>
+              </a:xfrm>
+              <a:prstGeom prst="rect">
+                <a:avLst/>
+              </a:prstGeom>
+              <a:solidFill>
+                <a:schemeClr val="bg1"/>
+              </a:solidFill>
+              <a:ln w="38100">
+                <a:solidFill>
+                  <a:srgbClr val="FFC000"/>
+                </a:solidFill>
+              </a:ln>
+            </p:spPr>
+            <p:txBody>
+              <a:bodyPr wrap="square">
+                <a:spAutoFit/>
+              </a:bodyPr>
+              <a:lstStyle/>
+              <a:p>
+                <a:pPr algn="ctr"/>
+                <a:r>
+                  <a:rPr lang="en-US" sz="1200" dirty="0">
+                    <a:latin typeface="Arial" panose="020B0604020202020204" pitchFamily="34" charset="0"/>
+                    <a:cs typeface="Arial" panose="020B0604020202020204" pitchFamily="34" charset="0"/>
+                  </a:rPr>
+                  <a:t>In active development</a:t>
+                </a:r>
+              </a:p>
+            </p:txBody>
+          </p:sp>
+        </p:grpSp>
       </p:grpSp>
       <p:grpSp>
         <p:nvGrpSpPr>
@@ -5174,7 +5223,7 @@
         </p:nvGrpSpPr>
         <p:grpSpPr>
           <a:xfrm>
-            <a:off x="6030826" y="998388"/>
+            <a:off x="6030826" y="632625"/>
             <a:ext cx="1371600" cy="2354666"/>
             <a:chOff x="6030826" y="325312"/>
             <a:chExt cx="1371600" cy="2354666"/>
@@ -5245,8 +5294,8 @@
           </p:nvSpPr>
           <p:spPr>
             <a:xfrm>
-              <a:off x="6144642" y="766707"/>
-              <a:ext cx="1143968" cy="276999"/>
+              <a:off x="6038164" y="766707"/>
+              <a:ext cx="1364262" cy="276999"/>
             </a:xfrm>
             <a:prstGeom prst="rect">
               <a:avLst/>
@@ -5254,7 +5303,7 @@
             <a:noFill/>
           </p:spPr>
           <p:txBody>
-            <a:bodyPr wrap="none" rtlCol="0">
+            <a:bodyPr wrap="square" rtlCol="0">
               <a:spAutoFit/>
             </a:bodyPr>
             <a:lstStyle/>
@@ -5269,7 +5318,7 @@
                   <a:latin typeface="Arial" panose="020B0604020202020204" pitchFamily="34" charset="0"/>
                   <a:cs typeface="Arial" panose="020B0604020202020204" pitchFamily="34" charset="0"/>
                 </a:rPr>
-                <a:t>Connect PWA</a:t>
+                <a:t>Participant App</a:t>
               </a:r>
             </a:p>
           </p:txBody>
@@ -5494,7 +5543,7 @@
         </p:nvCxnSpPr>
         <p:spPr>
           <a:xfrm flipH="1" flipV="1">
-            <a:off x="4496531" y="3864565"/>
+            <a:off x="4496531" y="3616368"/>
             <a:ext cx="287325" cy="1492978"/>
           </a:xfrm>
           <a:prstGeom prst="line">
@@ -5534,7 +5583,7 @@
         </p:nvSpPr>
         <p:spPr>
           <a:xfrm>
-            <a:off x="155448" y="755868"/>
+            <a:off x="155448" y="507671"/>
             <a:ext cx="4984962" cy="4346484"/>
           </a:xfrm>
           <a:prstGeom prst="rect">
@@ -5595,7 +5644,7 @@
         </p:blipFill>
         <p:spPr>
           <a:xfrm>
-            <a:off x="9625" y="176942"/>
+            <a:off x="9625" y="-71255"/>
             <a:ext cx="2836595" cy="734988"/>
           </a:xfrm>
           <a:prstGeom prst="rect">
@@ -5617,8 +5666,8 @@
         </p:nvSpPr>
         <p:spPr>
           <a:xfrm>
-            <a:off x="5733348" y="846376"/>
-            <a:ext cx="4336636" cy="4905467"/>
+            <a:off x="5733348" y="480613"/>
+            <a:ext cx="5929384" cy="6011624"/>
           </a:xfrm>
           <a:prstGeom prst="rect">
             <a:avLst/>
@@ -5678,7 +5727,7 @@
         </p:blipFill>
         <p:spPr>
           <a:xfrm>
-            <a:off x="5645743" y="348785"/>
+            <a:off x="5645743" y="-16978"/>
             <a:ext cx="1190024" cy="487910"/>
           </a:xfrm>
           <a:prstGeom prst="rect">
@@ -5700,7 +5749,7 @@
         </p:nvSpPr>
         <p:spPr>
           <a:xfrm>
-            <a:off x="3510609" y="3726065"/>
+            <a:off x="3510609" y="3477868"/>
             <a:ext cx="911981" cy="276999"/>
           </a:xfrm>
           <a:prstGeom prst="rect">
@@ -5731,6 +5780,778 @@
           </a:p>
         </p:txBody>
       </p:sp>
+      <p:grpSp>
+        <p:nvGrpSpPr>
+          <p:cNvPr id="63" name="Group 62">
+            <a:extLst>
+              <a:ext uri="{FF2B5EF4-FFF2-40B4-BE49-F238E27FC236}">
+                <a16:creationId xmlns:a16="http://schemas.microsoft.com/office/drawing/2014/main" id="{F4DB520B-2EF0-0547-8F94-9D98713E3F43}"/>
+              </a:ext>
+            </a:extLst>
+          </p:cNvPr>
+          <p:cNvGrpSpPr/>
+          <p:nvPr/>
+        </p:nvGrpSpPr>
+        <p:grpSpPr>
+          <a:xfrm>
+            <a:off x="7816338" y="3421056"/>
+            <a:ext cx="1371600" cy="1433099"/>
+            <a:chOff x="6015568" y="2573324"/>
+            <a:chExt cx="1371600" cy="1433099"/>
+          </a:xfrm>
+        </p:grpSpPr>
+        <p:sp>
+          <p:nvSpPr>
+            <p:cNvPr id="72" name="Rectangle 71">
+              <a:extLst>
+                <a:ext uri="{FF2B5EF4-FFF2-40B4-BE49-F238E27FC236}">
+                  <a16:creationId xmlns:a16="http://schemas.microsoft.com/office/drawing/2014/main" id="{096B8B24-6EC0-9544-ADA1-CFECAA35C947}"/>
+                </a:ext>
+              </a:extLst>
+            </p:cNvPr>
+            <p:cNvSpPr/>
+            <p:nvPr/>
+          </p:nvSpPr>
+          <p:spPr>
+            <a:xfrm>
+              <a:off x="6015568" y="2573324"/>
+              <a:ext cx="1371600" cy="1433099"/>
+            </a:xfrm>
+            <a:prstGeom prst="rect">
+              <a:avLst/>
+            </a:prstGeom>
+            <a:solidFill>
+              <a:schemeClr val="bg1">
+                <a:lumMod val="85000"/>
+              </a:schemeClr>
+            </a:solidFill>
+          </p:spPr>
+          <p:style>
+            <a:lnRef idx="2">
+              <a:schemeClr val="accent1">
+                <a:shade val="50000"/>
+              </a:schemeClr>
+            </a:lnRef>
+            <a:fillRef idx="1">
+              <a:schemeClr val="accent1"/>
+            </a:fillRef>
+            <a:effectRef idx="0">
+              <a:schemeClr val="accent1"/>
+            </a:effectRef>
+            <a:fontRef idx="minor">
+              <a:schemeClr val="lt1"/>
+            </a:fontRef>
+          </p:style>
+          <p:txBody>
+            <a:bodyPr rtlCol="0" anchor="ctr"/>
+            <a:lstStyle/>
+            <a:p>
+              <a:pPr algn="ctr"/>
+              <a:endParaRPr lang="en-US" dirty="0"/>
+            </a:p>
+          </p:txBody>
+        </p:sp>
+        <p:sp>
+          <p:nvSpPr>
+            <p:cNvPr id="74" name="TextBox 73">
+              <a:extLst>
+                <a:ext uri="{FF2B5EF4-FFF2-40B4-BE49-F238E27FC236}">
+                  <a16:creationId xmlns:a16="http://schemas.microsoft.com/office/drawing/2014/main" id="{48D34A17-18AB-AB45-88A2-D3EDE7B2EDCD}"/>
+                </a:ext>
+              </a:extLst>
+            </p:cNvPr>
+            <p:cNvSpPr txBox="1"/>
+            <p:nvPr/>
+          </p:nvSpPr>
+          <p:spPr>
+            <a:xfrm>
+              <a:off x="6015568" y="3051295"/>
+              <a:ext cx="1356733" cy="276999"/>
+            </a:xfrm>
+            <a:prstGeom prst="rect">
+              <a:avLst/>
+            </a:prstGeom>
+            <a:noFill/>
+          </p:spPr>
+          <p:txBody>
+            <a:bodyPr wrap="square" rtlCol="0">
+              <a:spAutoFit/>
+            </a:bodyPr>
+            <a:lstStyle/>
+            <a:p>
+              <a:pPr algn="ctr"/>
+              <a:r>
+                <a:rPr lang="en-US" sz="1200" dirty="0">
+                  <a:solidFill>
+                    <a:schemeClr val="bg1">
+                      <a:lumMod val="50000"/>
+                    </a:schemeClr>
+                  </a:solidFill>
+                  <a:latin typeface="Arial" panose="020B0604020202020204" pitchFamily="34" charset="0"/>
+                  <a:cs typeface="Arial" panose="020B0604020202020204" pitchFamily="34" charset="0"/>
+                </a:rPr>
+                <a:t>DCEG App </a:t>
+              </a:r>
+            </a:p>
+          </p:txBody>
+        </p:sp>
+        <p:pic>
+          <p:nvPicPr>
+            <p:cNvPr id="75" name="Picture 74">
+              <a:extLst>
+                <a:ext uri="{FF2B5EF4-FFF2-40B4-BE49-F238E27FC236}">
+                  <a16:creationId xmlns:a16="http://schemas.microsoft.com/office/drawing/2014/main" id="{E987E68F-6487-8346-A021-F1157C2FE78D}"/>
+                </a:ext>
+              </a:extLst>
+            </p:cNvPr>
+            <p:cNvPicPr>
+              <a:picLocks noChangeAspect="1"/>
+            </p:cNvPicPr>
+            <p:nvPr/>
+          </p:nvPicPr>
+          <p:blipFill>
+            <a:blip r:embed="rId4"/>
+            <a:stretch>
+              <a:fillRect/>
+            </a:stretch>
+          </p:blipFill>
+          <p:spPr>
+            <a:xfrm>
+              <a:off x="6498168" y="2681091"/>
+              <a:ext cx="406400" cy="406400"/>
+            </a:xfrm>
+            <a:prstGeom prst="rect">
+              <a:avLst/>
+            </a:prstGeom>
+          </p:spPr>
+        </p:pic>
+        <p:sp>
+          <p:nvSpPr>
+            <p:cNvPr id="79" name="Rectangle 78">
+              <a:extLst>
+                <a:ext uri="{FF2B5EF4-FFF2-40B4-BE49-F238E27FC236}">
+                  <a16:creationId xmlns:a16="http://schemas.microsoft.com/office/drawing/2014/main" id="{15E01A9C-495F-3949-8F98-0FD215300BA6}"/>
+                </a:ext>
+              </a:extLst>
+            </p:cNvPr>
+            <p:cNvSpPr/>
+            <p:nvPr/>
+          </p:nvSpPr>
+          <p:spPr>
+            <a:xfrm>
+              <a:off x="6140670" y="3350537"/>
+              <a:ext cx="1121397" cy="461665"/>
+            </a:xfrm>
+            <a:prstGeom prst="rect">
+              <a:avLst/>
+            </a:prstGeom>
+            <a:solidFill>
+              <a:schemeClr val="bg1"/>
+            </a:solidFill>
+            <a:ln w="38100">
+              <a:solidFill>
+                <a:srgbClr val="C00000"/>
+              </a:solidFill>
+            </a:ln>
+          </p:spPr>
+          <p:txBody>
+            <a:bodyPr wrap="square">
+              <a:spAutoFit/>
+            </a:bodyPr>
+            <a:lstStyle/>
+            <a:p>
+              <a:pPr algn="ctr"/>
+              <a:r>
+                <a:rPr lang="en-US" sz="1200" dirty="0">
+                  <a:latin typeface="Arial" panose="020B0604020202020204" pitchFamily="34" charset="0"/>
+                  <a:cs typeface="Arial" panose="020B0604020202020204" pitchFamily="34" charset="0"/>
+                </a:rPr>
+                <a:t>DCEG Dashboard</a:t>
+              </a:r>
+              <a:endParaRPr lang="en-US" sz="1200" dirty="0"/>
+            </a:p>
+          </p:txBody>
+        </p:sp>
+      </p:grpSp>
+      <p:grpSp>
+        <p:nvGrpSpPr>
+          <p:cNvPr id="80" name="Group 79">
+            <a:extLst>
+              <a:ext uri="{FF2B5EF4-FFF2-40B4-BE49-F238E27FC236}">
+                <a16:creationId xmlns:a16="http://schemas.microsoft.com/office/drawing/2014/main" id="{7FB13247-FC15-8D4C-B315-5953A2F206F2}"/>
+              </a:ext>
+            </a:extLst>
+          </p:cNvPr>
+          <p:cNvGrpSpPr/>
+          <p:nvPr/>
+        </p:nvGrpSpPr>
+        <p:grpSpPr>
+          <a:xfrm>
+            <a:off x="6038164" y="4669781"/>
+            <a:ext cx="1371600" cy="1604216"/>
+            <a:chOff x="6015568" y="2573324"/>
+            <a:chExt cx="1371600" cy="1604216"/>
+          </a:xfrm>
+        </p:grpSpPr>
+        <p:sp>
+          <p:nvSpPr>
+            <p:cNvPr id="81" name="Rectangle 80">
+              <a:extLst>
+                <a:ext uri="{FF2B5EF4-FFF2-40B4-BE49-F238E27FC236}">
+                  <a16:creationId xmlns:a16="http://schemas.microsoft.com/office/drawing/2014/main" id="{32DC6D91-4AC0-034D-A655-E0876C433FD7}"/>
+                </a:ext>
+              </a:extLst>
+            </p:cNvPr>
+            <p:cNvSpPr/>
+            <p:nvPr/>
+          </p:nvSpPr>
+          <p:spPr>
+            <a:xfrm>
+              <a:off x="6015568" y="2573324"/>
+              <a:ext cx="1371600" cy="1604216"/>
+            </a:xfrm>
+            <a:prstGeom prst="rect">
+              <a:avLst/>
+            </a:prstGeom>
+            <a:solidFill>
+              <a:schemeClr val="bg1">
+                <a:lumMod val="85000"/>
+              </a:schemeClr>
+            </a:solidFill>
+          </p:spPr>
+          <p:style>
+            <a:lnRef idx="2">
+              <a:schemeClr val="accent1">
+                <a:shade val="50000"/>
+              </a:schemeClr>
+            </a:lnRef>
+            <a:fillRef idx="1">
+              <a:schemeClr val="accent1"/>
+            </a:fillRef>
+            <a:effectRef idx="0">
+              <a:schemeClr val="accent1"/>
+            </a:effectRef>
+            <a:fontRef idx="minor">
+              <a:schemeClr val="lt1"/>
+            </a:fontRef>
+          </p:style>
+          <p:txBody>
+            <a:bodyPr rtlCol="0" anchor="ctr"/>
+            <a:lstStyle/>
+            <a:p>
+              <a:pPr algn="ctr"/>
+              <a:endParaRPr lang="en-US" dirty="0"/>
+            </a:p>
+          </p:txBody>
+        </p:sp>
+        <p:sp>
+          <p:nvSpPr>
+            <p:cNvPr id="82" name="TextBox 81">
+              <a:extLst>
+                <a:ext uri="{FF2B5EF4-FFF2-40B4-BE49-F238E27FC236}">
+                  <a16:creationId xmlns:a16="http://schemas.microsoft.com/office/drawing/2014/main" id="{C0D6B4C8-E79E-C54E-8940-3FB98F953D5E}"/>
+                </a:ext>
+              </a:extLst>
+            </p:cNvPr>
+            <p:cNvSpPr txBox="1"/>
+            <p:nvPr/>
+          </p:nvSpPr>
+          <p:spPr>
+            <a:xfrm>
+              <a:off x="6015568" y="3051295"/>
+              <a:ext cx="1371599" cy="276999"/>
+            </a:xfrm>
+            <a:prstGeom prst="rect">
+              <a:avLst/>
+            </a:prstGeom>
+            <a:noFill/>
+          </p:spPr>
+          <p:txBody>
+            <a:bodyPr wrap="square" rtlCol="0">
+              <a:spAutoFit/>
+            </a:bodyPr>
+            <a:lstStyle/>
+            <a:p>
+              <a:pPr algn="ctr"/>
+              <a:r>
+                <a:rPr lang="en-US" sz="1200" dirty="0">
+                  <a:solidFill>
+                    <a:schemeClr val="bg1">
+                      <a:lumMod val="50000"/>
+                    </a:schemeClr>
+                  </a:solidFill>
+                  <a:latin typeface="Arial" panose="020B0604020202020204" pitchFamily="34" charset="0"/>
+                  <a:cs typeface="Arial" panose="020B0604020202020204" pitchFamily="34" charset="0"/>
+                </a:rPr>
+                <a:t>NORC App</a:t>
+              </a:r>
+            </a:p>
+          </p:txBody>
+        </p:sp>
+        <p:pic>
+          <p:nvPicPr>
+            <p:cNvPr id="83" name="Picture 82">
+              <a:extLst>
+                <a:ext uri="{FF2B5EF4-FFF2-40B4-BE49-F238E27FC236}">
+                  <a16:creationId xmlns:a16="http://schemas.microsoft.com/office/drawing/2014/main" id="{E4B891D9-6B53-0840-80CD-7ABAA47819A8}"/>
+                </a:ext>
+              </a:extLst>
+            </p:cNvPr>
+            <p:cNvPicPr>
+              <a:picLocks noChangeAspect="1"/>
+            </p:cNvPicPr>
+            <p:nvPr/>
+          </p:nvPicPr>
+          <p:blipFill>
+            <a:blip r:embed="rId4"/>
+            <a:stretch>
+              <a:fillRect/>
+            </a:stretch>
+          </p:blipFill>
+          <p:spPr>
+            <a:xfrm>
+              <a:off x="6498168" y="2681091"/>
+              <a:ext cx="406400" cy="406400"/>
+            </a:xfrm>
+            <a:prstGeom prst="rect">
+              <a:avLst/>
+            </a:prstGeom>
+          </p:spPr>
+        </p:pic>
+        <p:sp>
+          <p:nvSpPr>
+            <p:cNvPr id="84" name="Rectangle 83">
+              <a:extLst>
+                <a:ext uri="{FF2B5EF4-FFF2-40B4-BE49-F238E27FC236}">
+                  <a16:creationId xmlns:a16="http://schemas.microsoft.com/office/drawing/2014/main" id="{94181F05-D4E1-1A4D-90CD-CF5187676BCB}"/>
+                </a:ext>
+              </a:extLst>
+            </p:cNvPr>
+            <p:cNvSpPr/>
+            <p:nvPr/>
+          </p:nvSpPr>
+          <p:spPr>
+            <a:xfrm>
+              <a:off x="6140670" y="3350537"/>
+              <a:ext cx="1121397" cy="461665"/>
+            </a:xfrm>
+            <a:prstGeom prst="rect">
+              <a:avLst/>
+            </a:prstGeom>
+            <a:solidFill>
+              <a:schemeClr val="bg1"/>
+            </a:solidFill>
+            <a:ln w="38100">
+              <a:solidFill>
+                <a:srgbClr val="C00000"/>
+              </a:solidFill>
+            </a:ln>
+          </p:spPr>
+          <p:txBody>
+            <a:bodyPr wrap="square">
+              <a:spAutoFit/>
+            </a:bodyPr>
+            <a:lstStyle/>
+            <a:p>
+              <a:pPr algn="ctr"/>
+              <a:r>
+                <a:rPr lang="en-US" sz="1200" dirty="0">
+                  <a:latin typeface="Arial" panose="020B0604020202020204" pitchFamily="34" charset="0"/>
+                  <a:cs typeface="Arial" panose="020B0604020202020204" pitchFamily="34" charset="0"/>
+                </a:rPr>
+                <a:t>NORC Dashboard</a:t>
+              </a:r>
+              <a:endParaRPr lang="en-US" sz="1200" dirty="0"/>
+            </a:p>
+          </p:txBody>
+        </p:sp>
+      </p:grpSp>
+      <p:grpSp>
+        <p:nvGrpSpPr>
+          <p:cNvPr id="86" name="Group 85">
+            <a:extLst>
+              <a:ext uri="{FF2B5EF4-FFF2-40B4-BE49-F238E27FC236}">
+                <a16:creationId xmlns:a16="http://schemas.microsoft.com/office/drawing/2014/main" id="{9AE5A5D8-2795-0842-A036-7409707B6D24}"/>
+              </a:ext>
+            </a:extLst>
+          </p:cNvPr>
+          <p:cNvGrpSpPr/>
+          <p:nvPr/>
+        </p:nvGrpSpPr>
+        <p:grpSpPr>
+          <a:xfrm>
+            <a:off x="9541181" y="615825"/>
+            <a:ext cx="1371600" cy="1604216"/>
+            <a:chOff x="6015568" y="2573324"/>
+            <a:chExt cx="1371600" cy="1604216"/>
+          </a:xfrm>
+        </p:grpSpPr>
+        <p:sp>
+          <p:nvSpPr>
+            <p:cNvPr id="87" name="Rectangle 86">
+              <a:extLst>
+                <a:ext uri="{FF2B5EF4-FFF2-40B4-BE49-F238E27FC236}">
+                  <a16:creationId xmlns:a16="http://schemas.microsoft.com/office/drawing/2014/main" id="{E45D7D79-FD75-AE4C-BA7E-C5F9B5814482}"/>
+                </a:ext>
+              </a:extLst>
+            </p:cNvPr>
+            <p:cNvSpPr/>
+            <p:nvPr/>
+          </p:nvSpPr>
+          <p:spPr>
+            <a:xfrm>
+              <a:off x="6015568" y="2573324"/>
+              <a:ext cx="1371600" cy="1604216"/>
+            </a:xfrm>
+            <a:prstGeom prst="rect">
+              <a:avLst/>
+            </a:prstGeom>
+            <a:solidFill>
+              <a:schemeClr val="bg1">
+                <a:lumMod val="85000"/>
+              </a:schemeClr>
+            </a:solidFill>
+          </p:spPr>
+          <p:style>
+            <a:lnRef idx="2">
+              <a:schemeClr val="accent1">
+                <a:shade val="50000"/>
+              </a:schemeClr>
+            </a:lnRef>
+            <a:fillRef idx="1">
+              <a:schemeClr val="accent1"/>
+            </a:fillRef>
+            <a:effectRef idx="0">
+              <a:schemeClr val="accent1"/>
+            </a:effectRef>
+            <a:fontRef idx="minor">
+              <a:schemeClr val="lt1"/>
+            </a:fontRef>
+          </p:style>
+          <p:txBody>
+            <a:bodyPr rtlCol="0" anchor="ctr"/>
+            <a:lstStyle/>
+            <a:p>
+              <a:pPr algn="ctr"/>
+              <a:endParaRPr lang="en-US" dirty="0"/>
+            </a:p>
+          </p:txBody>
+        </p:sp>
+        <p:sp>
+          <p:nvSpPr>
+            <p:cNvPr id="88" name="TextBox 87">
+              <a:extLst>
+                <a:ext uri="{FF2B5EF4-FFF2-40B4-BE49-F238E27FC236}">
+                  <a16:creationId xmlns:a16="http://schemas.microsoft.com/office/drawing/2014/main" id="{BB97D53C-ABD6-BF47-A231-DC0A4F3C0CAC}"/>
+                </a:ext>
+              </a:extLst>
+            </p:cNvPr>
+            <p:cNvSpPr txBox="1"/>
+            <p:nvPr/>
+          </p:nvSpPr>
+          <p:spPr>
+            <a:xfrm>
+              <a:off x="6022330" y="3051295"/>
+              <a:ext cx="1364838" cy="461665"/>
+            </a:xfrm>
+            <a:prstGeom prst="rect">
+              <a:avLst/>
+            </a:prstGeom>
+            <a:noFill/>
+          </p:spPr>
+          <p:txBody>
+            <a:bodyPr wrap="square" rtlCol="0">
+              <a:spAutoFit/>
+            </a:bodyPr>
+            <a:lstStyle/>
+            <a:p>
+              <a:pPr algn="ctr"/>
+              <a:r>
+                <a:rPr lang="en-US" sz="1200" dirty="0">
+                  <a:solidFill>
+                    <a:schemeClr val="bg1">
+                      <a:lumMod val="50000"/>
+                    </a:schemeClr>
+                  </a:solidFill>
+                  <a:latin typeface="Arial" panose="020B0604020202020204" pitchFamily="34" charset="0"/>
+                  <a:cs typeface="Arial" panose="020B0604020202020204" pitchFamily="34" charset="0"/>
+                </a:rPr>
+                <a:t>NCI Processing Lab App</a:t>
+              </a:r>
+            </a:p>
+          </p:txBody>
+        </p:sp>
+        <p:pic>
+          <p:nvPicPr>
+            <p:cNvPr id="89" name="Picture 88">
+              <a:extLst>
+                <a:ext uri="{FF2B5EF4-FFF2-40B4-BE49-F238E27FC236}">
+                  <a16:creationId xmlns:a16="http://schemas.microsoft.com/office/drawing/2014/main" id="{62DA907B-24B2-FF45-8D67-9F96D5F35E34}"/>
+                </a:ext>
+              </a:extLst>
+            </p:cNvPr>
+            <p:cNvPicPr>
+              <a:picLocks noChangeAspect="1"/>
+            </p:cNvPicPr>
+            <p:nvPr/>
+          </p:nvPicPr>
+          <p:blipFill>
+            <a:blip r:embed="rId4"/>
+            <a:stretch>
+              <a:fillRect/>
+            </a:stretch>
+          </p:blipFill>
+          <p:spPr>
+            <a:xfrm>
+              <a:off x="6498168" y="2681091"/>
+              <a:ext cx="406400" cy="406400"/>
+            </a:xfrm>
+            <a:prstGeom prst="rect">
+              <a:avLst/>
+            </a:prstGeom>
+          </p:spPr>
+        </p:pic>
+        <p:sp>
+          <p:nvSpPr>
+            <p:cNvPr id="90" name="Rectangle 89">
+              <a:extLst>
+                <a:ext uri="{FF2B5EF4-FFF2-40B4-BE49-F238E27FC236}">
+                  <a16:creationId xmlns:a16="http://schemas.microsoft.com/office/drawing/2014/main" id="{EC64AAF8-1F23-BA48-84C3-6037134B0D7B}"/>
+                </a:ext>
+              </a:extLst>
+            </p:cNvPr>
+            <p:cNvSpPr/>
+            <p:nvPr/>
+          </p:nvSpPr>
+          <p:spPr>
+            <a:xfrm>
+              <a:off x="6140670" y="3572608"/>
+              <a:ext cx="1121397" cy="461665"/>
+            </a:xfrm>
+            <a:prstGeom prst="rect">
+              <a:avLst/>
+            </a:prstGeom>
+            <a:solidFill>
+              <a:schemeClr val="bg1"/>
+            </a:solidFill>
+            <a:ln w="38100">
+              <a:solidFill>
+                <a:srgbClr val="C00000"/>
+              </a:solidFill>
+            </a:ln>
+          </p:spPr>
+          <p:txBody>
+            <a:bodyPr wrap="square">
+              <a:spAutoFit/>
+            </a:bodyPr>
+            <a:lstStyle/>
+            <a:p>
+              <a:pPr algn="ctr"/>
+              <a:r>
+                <a:rPr lang="en-US" sz="1200" dirty="0">
+                  <a:latin typeface="Arial" panose="020B0604020202020204" pitchFamily="34" charset="0"/>
+                  <a:cs typeface="Arial" panose="020B0604020202020204" pitchFamily="34" charset="0"/>
+                </a:rPr>
+                <a:t>Lab Dashboard</a:t>
+              </a:r>
+              <a:endParaRPr lang="en-US" sz="1200" dirty="0"/>
+            </a:p>
+          </p:txBody>
+        </p:sp>
+      </p:grpSp>
+      <p:grpSp>
+        <p:nvGrpSpPr>
+          <p:cNvPr id="91" name="Group 90">
+            <a:extLst>
+              <a:ext uri="{FF2B5EF4-FFF2-40B4-BE49-F238E27FC236}">
+                <a16:creationId xmlns:a16="http://schemas.microsoft.com/office/drawing/2014/main" id="{0D71B359-C9E0-A045-BB75-E85B00E6EB6D}"/>
+              </a:ext>
+            </a:extLst>
+          </p:cNvPr>
+          <p:cNvGrpSpPr/>
+          <p:nvPr/>
+        </p:nvGrpSpPr>
+        <p:grpSpPr>
+          <a:xfrm>
+            <a:off x="9550910" y="2376131"/>
+            <a:ext cx="1371600" cy="1378736"/>
+            <a:chOff x="6015568" y="2573324"/>
+            <a:chExt cx="1371600" cy="1378736"/>
+          </a:xfrm>
+        </p:grpSpPr>
+        <p:sp>
+          <p:nvSpPr>
+            <p:cNvPr id="92" name="Rectangle 91">
+              <a:extLst>
+                <a:ext uri="{FF2B5EF4-FFF2-40B4-BE49-F238E27FC236}">
+                  <a16:creationId xmlns:a16="http://schemas.microsoft.com/office/drawing/2014/main" id="{0F0A814E-A0E1-EF45-83E0-581EBE282B0E}"/>
+                </a:ext>
+              </a:extLst>
+            </p:cNvPr>
+            <p:cNvSpPr/>
+            <p:nvPr/>
+          </p:nvSpPr>
+          <p:spPr>
+            <a:xfrm>
+              <a:off x="6015568" y="2573324"/>
+              <a:ext cx="1371600" cy="1378736"/>
+            </a:xfrm>
+            <a:prstGeom prst="rect">
+              <a:avLst/>
+            </a:prstGeom>
+            <a:solidFill>
+              <a:schemeClr val="bg1">
+                <a:lumMod val="85000"/>
+              </a:schemeClr>
+            </a:solidFill>
+          </p:spPr>
+          <p:style>
+            <a:lnRef idx="2">
+              <a:schemeClr val="accent1">
+                <a:shade val="50000"/>
+              </a:schemeClr>
+            </a:lnRef>
+            <a:fillRef idx="1">
+              <a:schemeClr val="accent1"/>
+            </a:fillRef>
+            <a:effectRef idx="0">
+              <a:schemeClr val="accent1"/>
+            </a:effectRef>
+            <a:fontRef idx="minor">
+              <a:schemeClr val="lt1"/>
+            </a:fontRef>
+          </p:style>
+          <p:txBody>
+            <a:bodyPr rtlCol="0" anchor="ctr"/>
+            <a:lstStyle/>
+            <a:p>
+              <a:pPr algn="ctr"/>
+              <a:endParaRPr lang="en-US" dirty="0"/>
+            </a:p>
+          </p:txBody>
+        </p:sp>
+        <p:sp>
+          <p:nvSpPr>
+            <p:cNvPr id="93" name="TextBox 92">
+              <a:extLst>
+                <a:ext uri="{FF2B5EF4-FFF2-40B4-BE49-F238E27FC236}">
+                  <a16:creationId xmlns:a16="http://schemas.microsoft.com/office/drawing/2014/main" id="{95DCBB11-FC77-8943-817F-78D5C7839481}"/>
+                </a:ext>
+              </a:extLst>
+            </p:cNvPr>
+            <p:cNvSpPr txBox="1"/>
+            <p:nvPr/>
+          </p:nvSpPr>
+          <p:spPr>
+            <a:xfrm>
+              <a:off x="6015568" y="3051295"/>
+              <a:ext cx="1361871" cy="276999"/>
+            </a:xfrm>
+            <a:prstGeom prst="rect">
+              <a:avLst/>
+            </a:prstGeom>
+            <a:noFill/>
+          </p:spPr>
+          <p:txBody>
+            <a:bodyPr wrap="square" rtlCol="0">
+              <a:spAutoFit/>
+            </a:bodyPr>
+            <a:lstStyle/>
+            <a:p>
+              <a:pPr algn="ctr"/>
+              <a:r>
+                <a:rPr lang="en-US" sz="1200" dirty="0">
+                  <a:solidFill>
+                    <a:schemeClr val="bg1">
+                      <a:lumMod val="50000"/>
+                    </a:schemeClr>
+                  </a:solidFill>
+                  <a:latin typeface="Arial" panose="020B0604020202020204" pitchFamily="34" charset="0"/>
+                  <a:cs typeface="Arial" panose="020B0604020202020204" pitchFamily="34" charset="0"/>
+                </a:rPr>
+                <a:t>Biospecimen App </a:t>
+              </a:r>
+            </a:p>
+          </p:txBody>
+        </p:sp>
+        <p:pic>
+          <p:nvPicPr>
+            <p:cNvPr id="94" name="Picture 93">
+              <a:extLst>
+                <a:ext uri="{FF2B5EF4-FFF2-40B4-BE49-F238E27FC236}">
+                  <a16:creationId xmlns:a16="http://schemas.microsoft.com/office/drawing/2014/main" id="{E40B4AA4-EACA-1B47-ADBC-C5C1FCFB6DE8}"/>
+                </a:ext>
+              </a:extLst>
+            </p:cNvPr>
+            <p:cNvPicPr>
+              <a:picLocks noChangeAspect="1"/>
+            </p:cNvPicPr>
+            <p:nvPr/>
+          </p:nvPicPr>
+          <p:blipFill>
+            <a:blip r:embed="rId4"/>
+            <a:stretch>
+              <a:fillRect/>
+            </a:stretch>
+          </p:blipFill>
+          <p:spPr>
+            <a:xfrm>
+              <a:off x="6498168" y="2681091"/>
+              <a:ext cx="406400" cy="406400"/>
+            </a:xfrm>
+            <a:prstGeom prst="rect">
+              <a:avLst/>
+            </a:prstGeom>
+          </p:spPr>
+        </p:pic>
+        <p:sp>
+          <p:nvSpPr>
+            <p:cNvPr id="95" name="Rectangle 94">
+              <a:extLst>
+                <a:ext uri="{FF2B5EF4-FFF2-40B4-BE49-F238E27FC236}">
+                  <a16:creationId xmlns:a16="http://schemas.microsoft.com/office/drawing/2014/main" id="{4D1ADB37-B226-6B4C-BFA1-613924273049}"/>
+                </a:ext>
+              </a:extLst>
+            </p:cNvPr>
+            <p:cNvSpPr/>
+            <p:nvPr/>
+          </p:nvSpPr>
+          <p:spPr>
+            <a:xfrm>
+              <a:off x="6140670" y="3358851"/>
+              <a:ext cx="1121397" cy="461665"/>
+            </a:xfrm>
+            <a:prstGeom prst="rect">
+              <a:avLst/>
+            </a:prstGeom>
+            <a:solidFill>
+              <a:schemeClr val="bg1"/>
+            </a:solidFill>
+            <a:ln w="38100">
+              <a:solidFill>
+                <a:srgbClr val="C00000"/>
+              </a:solidFill>
+            </a:ln>
+          </p:spPr>
+          <p:txBody>
+            <a:bodyPr wrap="square">
+              <a:spAutoFit/>
+            </a:bodyPr>
+            <a:lstStyle/>
+            <a:p>
+              <a:pPr algn="ctr"/>
+              <a:r>
+                <a:rPr lang="en-US" sz="1200" dirty="0">
+                  <a:latin typeface="Arial" panose="020B0604020202020204" pitchFamily="34" charset="0"/>
+                  <a:cs typeface="Arial" panose="020B0604020202020204" pitchFamily="34" charset="0"/>
+                </a:rPr>
+                <a:t>Lab Dashboard</a:t>
+              </a:r>
+              <a:endParaRPr lang="en-US" sz="1200" dirty="0"/>
+            </a:p>
+          </p:txBody>
+        </p:sp>
+      </p:grpSp>
     </p:spTree>
     <p:extLst>
       <p:ext uri="{BB962C8B-B14F-4D97-AF65-F5344CB8AC3E}">

--- a/ArchitectureOverviewStatus.pptx
+++ b/ArchitectureOverviewStatus.pptx
@@ -3447,8 +3447,8 @@
           </p:nvSpPr>
           <p:spPr>
             <a:xfrm>
-              <a:off x="665748" y="848499"/>
-              <a:ext cx="1038619" cy="461665"/>
+              <a:off x="510834" y="848499"/>
+              <a:ext cx="1354187" cy="461665"/>
             </a:xfrm>
             <a:prstGeom prst="rect">
               <a:avLst/>
@@ -3621,7 +3621,7 @@
         </p:nvCxnSpPr>
         <p:spPr>
           <a:xfrm flipH="1">
-            <a:off x="1874111" y="2086784"/>
+            <a:off x="1874111" y="1856045"/>
             <a:ext cx="866220" cy="0"/>
           </a:xfrm>
           <a:prstGeom prst="line">
@@ -3661,15 +3661,15 @@
           <p:nvPr/>
         </p:nvCxnSpPr>
         <p:spPr>
-          <a:xfrm flipH="1">
-            <a:off x="7420860" y="1980890"/>
-            <a:ext cx="365760" cy="0"/>
+          <a:xfrm>
+            <a:off x="7402426" y="1989424"/>
+            <a:ext cx="433043" cy="0"/>
           </a:xfrm>
           <a:prstGeom prst="line">
             <a:avLst/>
           </a:prstGeom>
           <a:ln>
-            <a:headEnd type="stealth" w="lg" len="lg"/>
+            <a:headEnd type="none" w="lg" len="lg"/>
             <a:tailEnd type="stealth" w="lg" len="lg"/>
           </a:ln>
         </p:spPr>
@@ -3908,7 +3908,7 @@
             </a:solidFill>
             <a:ln w="38100">
               <a:solidFill>
-                <a:srgbClr val="00B050"/>
+                <a:srgbClr val="FFC000"/>
               </a:solidFill>
             </a:ln>
           </p:spPr>
@@ -4130,10 +4130,10 @@
         </p:nvGrpSpPr>
         <p:grpSpPr>
           <a:xfrm>
-            <a:off x="4098056" y="5053770"/>
-            <a:ext cx="1371600" cy="445150"/>
+            <a:off x="68022" y="4983943"/>
+            <a:ext cx="5072387" cy="1680552"/>
             <a:chOff x="6005397" y="3057603"/>
-            <a:chExt cx="1371600" cy="445150"/>
+            <a:chExt cx="1371600" cy="1448086"/>
           </a:xfrm>
         </p:grpSpPr>
         <p:sp>
@@ -4151,7 +4151,7 @@
           <p:spPr>
             <a:xfrm>
               <a:off x="6005397" y="3057603"/>
-              <a:ext cx="1371600" cy="445150"/>
+              <a:ext cx="1371600" cy="1448086"/>
             </a:xfrm>
             <a:prstGeom prst="rect">
               <a:avLst/>
@@ -4201,8 +4201,8 @@
           </p:nvSpPr>
           <p:spPr>
             <a:xfrm>
-              <a:off x="6415320" y="3152001"/>
-              <a:ext cx="551754" cy="276999"/>
+              <a:off x="6006402" y="4263617"/>
+              <a:ext cx="1370595" cy="238683"/>
             </a:xfrm>
             <a:prstGeom prst="rect">
               <a:avLst/>
@@ -4210,11 +4210,12 @@
             <a:noFill/>
           </p:spPr>
           <p:txBody>
-            <a:bodyPr wrap="none" rtlCol="0">
+            <a:bodyPr wrap="square" rtlCol="0">
               <a:spAutoFit/>
             </a:bodyPr>
             <a:lstStyle/>
             <a:p>
+              <a:pPr algn="ctr"/>
               <a:r>
                 <a:rPr lang="en-US" sz="1200" dirty="0">
                   <a:solidFill>
@@ -4225,7 +4226,7 @@
                   <a:latin typeface="Arial" panose="020B0604020202020204" pitchFamily="34" charset="0"/>
                   <a:cs typeface="Arial" panose="020B0604020202020204" pitchFamily="34" charset="0"/>
                 </a:rPr>
-                <a:t>IHCS</a:t>
+                <a:t>IHCS use cases</a:t>
               </a:r>
             </a:p>
           </p:txBody>
@@ -4326,8 +4327,8 @@
         </p:nvSpPr>
         <p:spPr>
           <a:xfrm>
-            <a:off x="2906822" y="1330959"/>
-            <a:ext cx="1038619" cy="276999"/>
+            <a:off x="2740331" y="1330959"/>
+            <a:ext cx="1357726" cy="276999"/>
           </a:xfrm>
           <a:prstGeom prst="rect">
             <a:avLst/>
@@ -4335,7 +4336,7 @@
           <a:noFill/>
         </p:spPr>
         <p:txBody>
-          <a:bodyPr wrap="none" rtlCol="0">
+          <a:bodyPr wrap="square" rtlCol="0">
             <a:spAutoFit/>
           </a:bodyPr>
           <a:lstStyle/>
@@ -4351,7 +4352,7 @@
                 <a:latin typeface="Arial" panose="020B0604020202020204" pitchFamily="34" charset="0"/>
                 <a:cs typeface="Arial" panose="020B0604020202020204" pitchFamily="34" charset="0"/>
               </a:rPr>
-              <a:t>Connect API</a:t>
+              <a:t>Connect APIs</a:t>
             </a:r>
           </a:p>
         </p:txBody>
@@ -4370,7 +4371,7 @@
         </p:nvSpPr>
         <p:spPr>
           <a:xfrm>
-            <a:off x="3510609" y="1706304"/>
+            <a:off x="3534044" y="1629371"/>
             <a:ext cx="1121397" cy="276999"/>
           </a:xfrm>
           <a:prstGeom prst="rect">
@@ -4416,7 +4417,7 @@
         </p:nvSpPr>
         <p:spPr>
           <a:xfrm>
-            <a:off x="3510609" y="2060617"/>
+            <a:off x="3510609" y="2392222"/>
             <a:ext cx="1156086" cy="276999"/>
           </a:xfrm>
           <a:prstGeom prst="rect">
@@ -4462,7 +4463,7 @@
         </p:nvSpPr>
         <p:spPr>
           <a:xfrm>
-            <a:off x="3510609" y="2414930"/>
+            <a:off x="3497061" y="2031650"/>
             <a:ext cx="1531766" cy="276999"/>
           </a:xfrm>
           <a:prstGeom prst="rect">
@@ -4890,7 +4891,7 @@
         </p:nvGrpSpPr>
         <p:grpSpPr>
           <a:xfrm>
-            <a:off x="155448" y="5391088"/>
+            <a:off x="6136702" y="5472276"/>
             <a:ext cx="5314208" cy="1270530"/>
             <a:chOff x="155448" y="5391088"/>
             <a:chExt cx="5314208" cy="1270530"/>
@@ -5378,7 +5379,7 @@
             </a:solidFill>
             <a:ln w="38100">
               <a:solidFill>
-                <a:srgbClr val="FFFF00"/>
+                <a:srgbClr val="FFC000"/>
               </a:solidFill>
             </a:ln>
           </p:spPr>
@@ -5425,7 +5426,7 @@
             </a:solidFill>
             <a:ln w="38100">
               <a:solidFill>
-                <a:srgbClr val="C00000"/>
+                <a:srgbClr val="FFC000"/>
               </a:solidFill>
             </a:ln>
           </p:spPr>
@@ -5527,48 +5528,6 @@
           </p:txBody>
         </p:sp>
       </p:grpSp>
-      <p:cxnSp>
-        <p:nvCxnSpPr>
-          <p:cNvPr id="70" name="Straight Connector 69">
-            <a:extLst>
-              <a:ext uri="{FF2B5EF4-FFF2-40B4-BE49-F238E27FC236}">
-                <a16:creationId xmlns:a16="http://schemas.microsoft.com/office/drawing/2014/main" id="{D272FBA1-BE63-D041-BE0E-887C84673DAC}"/>
-              </a:ext>
-            </a:extLst>
-          </p:cNvPr>
-          <p:cNvCxnSpPr>
-            <a:cxnSpLocks/>
-          </p:cNvCxnSpPr>
-          <p:nvPr/>
-        </p:nvCxnSpPr>
-        <p:spPr>
-          <a:xfrm flipH="1" flipV="1">
-            <a:off x="4496531" y="3616368"/>
-            <a:ext cx="287325" cy="1492978"/>
-          </a:xfrm>
-          <a:prstGeom prst="line">
-            <a:avLst/>
-          </a:prstGeom>
-          <a:ln>
-            <a:headEnd type="none" w="lg" len="lg"/>
-            <a:tailEnd type="stealth" w="lg" len="lg"/>
-          </a:ln>
-        </p:spPr>
-        <p:style>
-          <a:lnRef idx="1">
-            <a:schemeClr val="accent1"/>
-          </a:lnRef>
-          <a:fillRef idx="0">
-            <a:schemeClr val="accent1"/>
-          </a:fillRef>
-          <a:effectRef idx="0">
-            <a:schemeClr val="accent1"/>
-          </a:effectRef>
-          <a:fontRef idx="minor">
-            <a:schemeClr val="tx1"/>
-          </a:fontRef>
-        </p:style>
-      </p:cxnSp>
       <p:sp>
         <p:nvSpPr>
           <p:cNvPr id="12" name="Rectangle 11">
@@ -5667,7 +5626,7 @@
         <p:spPr>
           <a:xfrm>
             <a:off x="5733348" y="480613"/>
-            <a:ext cx="5929384" cy="6011624"/>
+            <a:ext cx="5929384" cy="4924449"/>
           </a:xfrm>
           <a:prstGeom prst="rect">
             <a:avLst/>
@@ -5750,7 +5709,7 @@
         <p:spPr>
           <a:xfrm>
             <a:off x="3510609" y="3477868"/>
-            <a:ext cx="911981" cy="276999"/>
+            <a:ext cx="988925" cy="276999"/>
           </a:xfrm>
           <a:prstGeom prst="rect">
             <a:avLst/>
@@ -5775,7 +5734,7 @@
                 <a:latin typeface="Arial" panose="020B0604020202020204" pitchFamily="34" charset="0"/>
                 <a:cs typeface="Arial" panose="020B0604020202020204" pitchFamily="34" charset="0"/>
               </a:rPr>
-              <a:t>Future API</a:t>
+              <a:t>Future APIs</a:t>
             </a:r>
           </a:p>
         </p:txBody>
@@ -5987,10 +5946,10 @@
         </p:nvGrpSpPr>
         <p:grpSpPr>
           <a:xfrm>
-            <a:off x="6038164" y="4669781"/>
-            <a:ext cx="1371600" cy="1604216"/>
+            <a:off x="9536657" y="3835852"/>
+            <a:ext cx="1371600" cy="1433099"/>
             <a:chOff x="6015568" y="2573324"/>
-            <a:chExt cx="1371600" cy="1604216"/>
+            <a:chExt cx="1371600" cy="1433099"/>
           </a:xfrm>
         </p:grpSpPr>
         <p:sp>
@@ -6008,7 +5967,7 @@
           <p:spPr>
             <a:xfrm>
               <a:off x="6015568" y="2573324"/>
-              <a:ext cx="1371600" cy="1604216"/>
+              <a:ext cx="1371600" cy="1433099"/>
             </a:xfrm>
             <a:prstGeom prst="rect">
               <a:avLst/>
@@ -6552,6 +6511,196 @@
           </p:txBody>
         </p:sp>
       </p:grpSp>
+      <p:sp>
+        <p:nvSpPr>
+          <p:cNvPr id="85" name="Rectangle 84">
+            <a:extLst>
+              <a:ext uri="{FF2B5EF4-FFF2-40B4-BE49-F238E27FC236}">
+                <a16:creationId xmlns:a16="http://schemas.microsoft.com/office/drawing/2014/main" id="{D9DB12F3-64E1-424A-8831-75D6C5240EAC}"/>
+              </a:ext>
+            </a:extLst>
+          </p:cNvPr>
+          <p:cNvSpPr/>
+          <p:nvPr/>
+        </p:nvSpPr>
+        <p:spPr>
+          <a:xfrm>
+            <a:off x="155448" y="5035775"/>
+            <a:ext cx="1264011" cy="276999"/>
+          </a:xfrm>
+          <a:prstGeom prst="rect">
+            <a:avLst/>
+          </a:prstGeom>
+          <a:solidFill>
+            <a:schemeClr val="bg1"/>
+          </a:solidFill>
+          <a:ln w="38100">
+            <a:solidFill>
+              <a:srgbClr val="FFC000"/>
+            </a:solidFill>
+          </a:ln>
+        </p:spPr>
+        <p:txBody>
+          <a:bodyPr wrap="square">
+            <a:spAutoFit/>
+          </a:bodyPr>
+          <a:lstStyle/>
+          <a:p>
+            <a:pPr algn="ctr"/>
+            <a:r>
+              <a:rPr lang="en-US" sz="1200" dirty="0">
+                <a:latin typeface="Arial" panose="020B0604020202020204" pitchFamily="34" charset="0"/>
+                <a:cs typeface="Arial" panose="020B0604020202020204" pitchFamily="34" charset="0"/>
+              </a:rPr>
+              <a:t>Need Token/pin</a:t>
+            </a:r>
+            <a:endParaRPr lang="en-US" sz="1200" dirty="0"/>
+          </a:p>
+        </p:txBody>
+      </p:sp>
+      <p:cxnSp>
+        <p:nvCxnSpPr>
+          <p:cNvPr id="13" name="Elbow Connector 12">
+            <a:extLst>
+              <a:ext uri="{FF2B5EF4-FFF2-40B4-BE49-F238E27FC236}">
+                <a16:creationId xmlns:a16="http://schemas.microsoft.com/office/drawing/2014/main" id="{E49B0032-3016-664A-95A5-8B685B7ED4D2}"/>
+              </a:ext>
+            </a:extLst>
+          </p:cNvPr>
+          <p:cNvCxnSpPr>
+            <a:cxnSpLocks/>
+            <a:stCxn id="85" idx="3"/>
+            <a:endCxn id="26" idx="1"/>
+          </p:cNvCxnSpPr>
+          <p:nvPr/>
+        </p:nvCxnSpPr>
+        <p:spPr>
+          <a:xfrm flipV="1">
+            <a:off x="1419459" y="2170150"/>
+            <a:ext cx="2077602" cy="3004125"/>
+          </a:xfrm>
+          <a:prstGeom prst="bentConnector3">
+            <a:avLst>
+              <a:gd name="adj1" fmla="val 26554"/>
+            </a:avLst>
+          </a:prstGeom>
+          <a:ln w="38100">
+            <a:solidFill>
+              <a:srgbClr val="00B050"/>
+            </a:solidFill>
+            <a:tailEnd type="triangle"/>
+          </a:ln>
+        </p:spPr>
+        <p:style>
+          <a:lnRef idx="1">
+            <a:schemeClr val="accent1"/>
+          </a:lnRef>
+          <a:fillRef idx="0">
+            <a:schemeClr val="accent1"/>
+          </a:fillRef>
+          <a:effectRef idx="0">
+            <a:schemeClr val="accent1"/>
+          </a:effectRef>
+          <a:fontRef idx="minor">
+            <a:schemeClr val="tx1"/>
+          </a:fontRef>
+        </p:style>
+      </p:cxnSp>
+      <p:sp>
+        <p:nvSpPr>
+          <p:cNvPr id="99" name="Rectangle 98">
+            <a:extLst>
+              <a:ext uri="{FF2B5EF4-FFF2-40B4-BE49-F238E27FC236}">
+                <a16:creationId xmlns:a16="http://schemas.microsoft.com/office/drawing/2014/main" id="{8AEA6F65-C95E-1944-A16D-4B494249491D}"/>
+              </a:ext>
+            </a:extLst>
+          </p:cNvPr>
+          <p:cNvSpPr/>
+          <p:nvPr/>
+        </p:nvSpPr>
+        <p:spPr>
+          <a:xfrm>
+            <a:off x="149760" y="5383159"/>
+            <a:ext cx="1264011" cy="276999"/>
+          </a:xfrm>
+          <a:prstGeom prst="rect">
+            <a:avLst/>
+          </a:prstGeom>
+          <a:solidFill>
+            <a:schemeClr val="bg1"/>
+          </a:solidFill>
+          <a:ln w="38100">
+            <a:solidFill>
+              <a:srgbClr val="FFC000"/>
+            </a:solidFill>
+          </a:ln>
+        </p:spPr>
+        <p:txBody>
+          <a:bodyPr wrap="square">
+            <a:spAutoFit/>
+          </a:bodyPr>
+          <a:lstStyle/>
+          <a:p>
+            <a:pPr algn="ctr"/>
+            <a:r>
+              <a:rPr lang="en-US" sz="1200" dirty="0">
+                <a:latin typeface="Arial" panose="020B0604020202020204" pitchFamily="34" charset="0"/>
+                <a:cs typeface="Arial" panose="020B0604020202020204" pitchFamily="34" charset="0"/>
+              </a:rPr>
+              <a:t>Update info</a:t>
+            </a:r>
+            <a:endParaRPr lang="en-US" sz="1200" dirty="0"/>
+          </a:p>
+        </p:txBody>
+      </p:sp>
+      <p:cxnSp>
+        <p:nvCxnSpPr>
+          <p:cNvPr id="102" name="Elbow Connector 101">
+            <a:extLst>
+              <a:ext uri="{FF2B5EF4-FFF2-40B4-BE49-F238E27FC236}">
+                <a16:creationId xmlns:a16="http://schemas.microsoft.com/office/drawing/2014/main" id="{86185922-0933-6342-87AF-9A4AF02C1420}"/>
+              </a:ext>
+            </a:extLst>
+          </p:cNvPr>
+          <p:cNvCxnSpPr>
+            <a:cxnSpLocks/>
+            <a:stCxn id="99" idx="3"/>
+            <a:endCxn id="23" idx="1"/>
+          </p:cNvCxnSpPr>
+          <p:nvPr/>
+        </p:nvCxnSpPr>
+        <p:spPr>
+          <a:xfrm flipV="1">
+            <a:off x="1413771" y="2530722"/>
+            <a:ext cx="2096838" cy="2990937"/>
+          </a:xfrm>
+          <a:prstGeom prst="bentConnector3">
+            <a:avLst>
+              <a:gd name="adj1" fmla="val 30845"/>
+            </a:avLst>
+          </a:prstGeom>
+          <a:ln w="38100">
+            <a:solidFill>
+              <a:srgbClr val="00B050"/>
+            </a:solidFill>
+            <a:tailEnd type="triangle"/>
+          </a:ln>
+        </p:spPr>
+        <p:style>
+          <a:lnRef idx="1">
+            <a:schemeClr val="accent1"/>
+          </a:lnRef>
+          <a:fillRef idx="0">
+            <a:schemeClr val="accent1"/>
+          </a:fillRef>
+          <a:effectRef idx="0">
+            <a:schemeClr val="accent1"/>
+          </a:effectRef>
+          <a:fontRef idx="minor">
+            <a:schemeClr val="tx1"/>
+          </a:fontRef>
+        </p:style>
+      </p:cxnSp>
     </p:spTree>
     <p:extLst>
       <p:ext uri="{BB962C8B-B14F-4D97-AF65-F5344CB8AC3E}">

--- a/ArchitectureOverviewStatus.pptx
+++ b/ArchitectureOverviewStatus.pptx
@@ -3326,6 +3326,66 @@
           <a:chExt cx="0" cy="0"/>
         </a:xfrm>
       </p:grpSpPr>
+      <p:sp>
+        <p:nvSpPr>
+          <p:cNvPr id="209" name="L-Shape 208">
+            <a:extLst>
+              <a:ext uri="{FF2B5EF4-FFF2-40B4-BE49-F238E27FC236}">
+                <a16:creationId xmlns:a16="http://schemas.microsoft.com/office/drawing/2014/main" id="{40A98F70-6B2D-FE4A-B314-BB65186EEB6F}"/>
+              </a:ext>
+            </a:extLst>
+          </p:cNvPr>
+          <p:cNvSpPr/>
+          <p:nvPr/>
+        </p:nvSpPr>
+        <p:spPr>
+          <a:xfrm rot="10800000">
+            <a:off x="155448" y="512064"/>
+            <a:ext cx="4525369" cy="4342091"/>
+          </a:xfrm>
+          <a:prstGeom prst="corner">
+            <a:avLst>
+              <a:gd name="adj1" fmla="val 59392"/>
+              <a:gd name="adj2" fmla="val 49133"/>
+            </a:avLst>
+          </a:prstGeom>
+          <a:solidFill>
+            <a:schemeClr val="bg1">
+              <a:lumMod val="95000"/>
+            </a:schemeClr>
+          </a:solidFill>
+          <a:ln w="38100">
+            <a:solidFill>
+              <a:schemeClr val="tx1"/>
+            </a:solidFill>
+            <a:prstDash val="dash"/>
+          </a:ln>
+        </p:spPr>
+        <p:style>
+          <a:lnRef idx="2">
+            <a:schemeClr val="accent1">
+              <a:shade val="50000"/>
+            </a:schemeClr>
+          </a:lnRef>
+          <a:fillRef idx="1">
+            <a:schemeClr val="accent1"/>
+          </a:fillRef>
+          <a:effectRef idx="0">
+            <a:schemeClr val="accent1"/>
+          </a:effectRef>
+          <a:fontRef idx="minor">
+            <a:schemeClr val="lt1"/>
+          </a:fontRef>
+        </p:style>
+        <p:txBody>
+          <a:bodyPr rtlCol="0" anchor="ctr"/>
+          <a:lstStyle/>
+          <a:p>
+            <a:pPr algn="ctr"/>
+            <a:endParaRPr lang="en-US"/>
+          </a:p>
+        </p:txBody>
+      </p:sp>
       <p:grpSp>
         <p:nvGrpSpPr>
           <p:cNvPr id="76" name="Group 75">
@@ -3341,9 +3401,9 @@
         <p:grpSpPr>
           <a:xfrm>
             <a:off x="499257" y="678807"/>
-            <a:ext cx="1371600" cy="4062616"/>
+            <a:ext cx="1371600" cy="2293710"/>
             <a:chOff x="499257" y="259492"/>
-            <a:chExt cx="1371600" cy="4062616"/>
+            <a:chExt cx="1371600" cy="2293710"/>
           </a:xfrm>
         </p:grpSpPr>
         <p:sp>
@@ -3361,7 +3421,7 @@
           <p:spPr>
             <a:xfrm>
               <a:off x="499257" y="259492"/>
-              <a:ext cx="1371600" cy="4062616"/>
+              <a:ext cx="1371600" cy="2293710"/>
             </a:xfrm>
             <a:prstGeom prst="rect">
               <a:avLst/>
@@ -3448,7 +3508,7 @@
           <p:spPr>
             <a:xfrm>
               <a:off x="510834" y="848499"/>
-              <a:ext cx="1354187" cy="461665"/>
+              <a:ext cx="1354187" cy="276999"/>
             </a:xfrm>
             <a:prstGeom prst="rect">
               <a:avLst/>
@@ -3462,18 +3522,6 @@
             <a:lstStyle/>
             <a:p>
               <a:pPr algn="ctr"/>
-              <a:r>
-                <a:rPr lang="en-US" sz="1200" dirty="0">
-                  <a:solidFill>
-                    <a:schemeClr val="bg1">
-                      <a:lumMod val="50000"/>
-                    </a:schemeClr>
-                  </a:solidFill>
-                  <a:latin typeface="Arial" panose="020B0604020202020204" pitchFamily="34" charset="0"/>
-                  <a:cs typeface="Arial" panose="020B0604020202020204" pitchFamily="34" charset="0"/>
-                </a:rPr>
-                <a:t>Connect </a:t>
-              </a:r>
               <a:r>
                 <a:rPr lang="en-US" sz="1200" dirty="0" err="1">
                   <a:solidFill>
@@ -3512,7 +3560,7 @@
           </p:nvSpPr>
           <p:spPr>
             <a:xfrm>
-              <a:off x="529268" y="1335564"/>
+              <a:off x="529268" y="1168137"/>
               <a:ext cx="1311578" cy="1384995"/>
             </a:xfrm>
             <a:prstGeom prst="rect">
@@ -3646,31 +3694,1526 @@
           </a:fontRef>
         </p:style>
       </p:cxnSp>
+      <p:sp>
+        <p:nvSpPr>
+          <p:cNvPr id="11" name="Rectangle 10">
+            <a:extLst>
+              <a:ext uri="{FF2B5EF4-FFF2-40B4-BE49-F238E27FC236}">
+                <a16:creationId xmlns:a16="http://schemas.microsoft.com/office/drawing/2014/main" id="{DA1BCB67-E5DB-0A48-9120-698E32B5F743}"/>
+              </a:ext>
+            </a:extLst>
+          </p:cNvPr>
+          <p:cNvSpPr/>
+          <p:nvPr/>
+        </p:nvSpPr>
+        <p:spPr>
+          <a:xfrm>
+            <a:off x="2740331" y="750191"/>
+            <a:ext cx="1371600" cy="3991232"/>
+          </a:xfrm>
+          <a:prstGeom prst="rect">
+            <a:avLst/>
+          </a:prstGeom>
+          <a:solidFill>
+            <a:schemeClr val="bg1">
+              <a:lumMod val="85000"/>
+            </a:schemeClr>
+          </a:solidFill>
+        </p:spPr>
+        <p:style>
+          <a:lnRef idx="2">
+            <a:schemeClr val="accent1">
+              <a:shade val="50000"/>
+            </a:schemeClr>
+          </a:lnRef>
+          <a:fillRef idx="1">
+            <a:schemeClr val="accent1"/>
+          </a:fillRef>
+          <a:effectRef idx="0">
+            <a:schemeClr val="accent1"/>
+          </a:effectRef>
+          <a:fontRef idx="minor">
+            <a:schemeClr val="lt1"/>
+          </a:fontRef>
+        </p:style>
+        <p:txBody>
+          <a:bodyPr rtlCol="0" anchor="ctr"/>
+          <a:lstStyle/>
+          <a:p>
+            <a:pPr algn="ctr"/>
+            <a:endParaRPr lang="en-US"/>
+          </a:p>
+        </p:txBody>
+      </p:sp>
+      <p:pic>
+        <p:nvPicPr>
+          <p:cNvPr id="7" name="Picture 6">
+            <a:extLst>
+              <a:ext uri="{FF2B5EF4-FFF2-40B4-BE49-F238E27FC236}">
+                <a16:creationId xmlns:a16="http://schemas.microsoft.com/office/drawing/2014/main" id="{E992AB58-7B35-5B4F-8361-0DBE33B58BC4}"/>
+              </a:ext>
+            </a:extLst>
+          </p:cNvPr>
+          <p:cNvPicPr>
+            <a:picLocks noChangeAspect="1"/>
+          </p:cNvPicPr>
+          <p:nvPr/>
+        </p:nvPicPr>
+        <p:blipFill>
+          <a:blip r:embed="rId4"/>
+          <a:stretch>
+            <a:fillRect/>
+          </a:stretch>
+        </p:blipFill>
+        <p:spPr>
+          <a:xfrm>
+            <a:off x="3197531" y="881998"/>
+            <a:ext cx="457200" cy="457200"/>
+          </a:xfrm>
+          <a:prstGeom prst="rect">
+            <a:avLst/>
+          </a:prstGeom>
+        </p:spPr>
+      </p:pic>
+      <p:sp>
+        <p:nvSpPr>
+          <p:cNvPr id="10" name="TextBox 9">
+            <a:extLst>
+              <a:ext uri="{FF2B5EF4-FFF2-40B4-BE49-F238E27FC236}">
+                <a16:creationId xmlns:a16="http://schemas.microsoft.com/office/drawing/2014/main" id="{EC491EBB-1795-9F49-9EEB-C8D552E8A1C9}"/>
+              </a:ext>
+            </a:extLst>
+          </p:cNvPr>
+          <p:cNvSpPr txBox="1"/>
+          <p:nvPr/>
+        </p:nvSpPr>
+        <p:spPr>
+          <a:xfrm>
+            <a:off x="2740331" y="1330959"/>
+            <a:ext cx="1357726" cy="276999"/>
+          </a:xfrm>
+          <a:prstGeom prst="rect">
+            <a:avLst/>
+          </a:prstGeom>
+          <a:noFill/>
+        </p:spPr>
+        <p:txBody>
+          <a:bodyPr wrap="square" rtlCol="0">
+            <a:spAutoFit/>
+          </a:bodyPr>
+          <a:lstStyle/>
+          <a:p>
+            <a:pPr algn="ctr"/>
+            <a:r>
+              <a:rPr lang="en-US" sz="1200" dirty="0">
+                <a:solidFill>
+                  <a:schemeClr val="bg1">
+                    <a:lumMod val="50000"/>
+                  </a:schemeClr>
+                </a:solidFill>
+                <a:latin typeface="Arial" panose="020B0604020202020204" pitchFamily="34" charset="0"/>
+                <a:cs typeface="Arial" panose="020B0604020202020204" pitchFamily="34" charset="0"/>
+              </a:rPr>
+              <a:t>Connect APIs</a:t>
+            </a:r>
+          </a:p>
+        </p:txBody>
+      </p:sp>
+      <p:sp>
+        <p:nvSpPr>
+          <p:cNvPr id="22" name="Rectangle 21">
+            <a:extLst>
+              <a:ext uri="{FF2B5EF4-FFF2-40B4-BE49-F238E27FC236}">
+                <a16:creationId xmlns:a16="http://schemas.microsoft.com/office/drawing/2014/main" id="{0D4AA49B-4385-AE4E-9A72-2CFD2468B3D6}"/>
+              </a:ext>
+            </a:extLst>
+          </p:cNvPr>
+          <p:cNvSpPr/>
+          <p:nvPr/>
+        </p:nvSpPr>
+        <p:spPr>
+          <a:xfrm>
+            <a:off x="3041151" y="2030201"/>
+            <a:ext cx="1121397" cy="276999"/>
+          </a:xfrm>
+          <a:prstGeom prst="rect">
+            <a:avLst/>
+          </a:prstGeom>
+          <a:solidFill>
+            <a:schemeClr val="bg1"/>
+          </a:solidFill>
+          <a:ln w="38100">
+            <a:solidFill>
+              <a:srgbClr val="00B050"/>
+            </a:solidFill>
+          </a:ln>
+        </p:spPr>
+        <p:txBody>
+          <a:bodyPr wrap="none">
+            <a:spAutoFit/>
+          </a:bodyPr>
+          <a:lstStyle/>
+          <a:p>
+            <a:r>
+              <a:rPr lang="en-US" sz="1200" dirty="0" err="1">
+                <a:latin typeface="Arial" panose="020B0604020202020204" pitchFamily="34" charset="0"/>
+                <a:cs typeface="Arial" panose="020B0604020202020204" pitchFamily="34" charset="0"/>
+              </a:rPr>
+              <a:t>validateToken</a:t>
+            </a:r>
+            <a:endParaRPr lang="en-US" sz="1200" dirty="0"/>
+          </a:p>
+        </p:txBody>
+      </p:sp>
+      <p:sp>
+        <p:nvSpPr>
+          <p:cNvPr id="23" name="Rectangle 22">
+            <a:extLst>
+              <a:ext uri="{FF2B5EF4-FFF2-40B4-BE49-F238E27FC236}">
+                <a16:creationId xmlns:a16="http://schemas.microsoft.com/office/drawing/2014/main" id="{5FA90A53-119B-4F4B-8687-96E559FFCDD3}"/>
+              </a:ext>
+            </a:extLst>
+          </p:cNvPr>
+          <p:cNvSpPr/>
+          <p:nvPr/>
+        </p:nvSpPr>
+        <p:spPr>
+          <a:xfrm>
+            <a:off x="3041151" y="2414512"/>
+            <a:ext cx="1156086" cy="276999"/>
+          </a:xfrm>
+          <a:prstGeom prst="rect">
+            <a:avLst/>
+          </a:prstGeom>
+          <a:solidFill>
+            <a:schemeClr val="bg1"/>
+          </a:solidFill>
+          <a:ln w="38100">
+            <a:solidFill>
+              <a:srgbClr val="00B050"/>
+            </a:solidFill>
+          </a:ln>
+        </p:spPr>
+        <p:txBody>
+          <a:bodyPr wrap="none">
+            <a:spAutoFit/>
+          </a:bodyPr>
+          <a:lstStyle/>
+          <a:p>
+            <a:r>
+              <a:rPr lang="en-US" sz="1200" dirty="0" err="1">
+                <a:latin typeface="Arial" panose="020B0604020202020204" pitchFamily="34" charset="0"/>
+                <a:cs typeface="Arial" panose="020B0604020202020204" pitchFamily="34" charset="0"/>
+              </a:rPr>
+              <a:t>getUserProfile</a:t>
+            </a:r>
+            <a:endParaRPr lang="en-US" sz="1200" dirty="0"/>
+          </a:p>
+        </p:txBody>
+      </p:sp>
+      <p:sp>
+        <p:nvSpPr>
+          <p:cNvPr id="26" name="Rectangle 25">
+            <a:extLst>
+              <a:ext uri="{FF2B5EF4-FFF2-40B4-BE49-F238E27FC236}">
+                <a16:creationId xmlns:a16="http://schemas.microsoft.com/office/drawing/2014/main" id="{63D8B9B2-D0FC-FD4E-AA96-6D0B9B418CB9}"/>
+              </a:ext>
+            </a:extLst>
+          </p:cNvPr>
+          <p:cNvSpPr/>
+          <p:nvPr/>
+        </p:nvSpPr>
+        <p:spPr>
+          <a:xfrm>
+            <a:off x="3041151" y="3183134"/>
+            <a:ext cx="1531766" cy="276999"/>
+          </a:xfrm>
+          <a:prstGeom prst="rect">
+            <a:avLst/>
+          </a:prstGeom>
+          <a:solidFill>
+            <a:schemeClr val="bg1"/>
+          </a:solidFill>
+          <a:ln w="38100">
+            <a:solidFill>
+              <a:srgbClr val="00B050"/>
+            </a:solidFill>
+          </a:ln>
+        </p:spPr>
+        <p:txBody>
+          <a:bodyPr wrap="none">
+            <a:spAutoFit/>
+          </a:bodyPr>
+          <a:lstStyle/>
+          <a:p>
+            <a:r>
+              <a:rPr lang="en-US" sz="1200" dirty="0" err="1">
+                <a:latin typeface="Arial" panose="020B0604020202020204" pitchFamily="34" charset="0"/>
+                <a:cs typeface="Arial" panose="020B0604020202020204" pitchFamily="34" charset="0"/>
+              </a:rPr>
+              <a:t>getParticipantToken</a:t>
+            </a:r>
+            <a:endParaRPr lang="en-US" sz="1200" dirty="0">
+              <a:latin typeface="Arial" panose="020B0604020202020204" pitchFamily="34" charset="0"/>
+              <a:cs typeface="Arial" panose="020B0604020202020204" pitchFamily="34" charset="0"/>
+            </a:endParaRPr>
+          </a:p>
+        </p:txBody>
+      </p:sp>
+      <p:sp>
+        <p:nvSpPr>
+          <p:cNvPr id="62" name="Rectangle 61">
+            <a:extLst>
+              <a:ext uri="{FF2B5EF4-FFF2-40B4-BE49-F238E27FC236}">
+                <a16:creationId xmlns:a16="http://schemas.microsoft.com/office/drawing/2014/main" id="{575CA71D-10E0-BD4B-993E-C82114014B7C}"/>
+              </a:ext>
+            </a:extLst>
+          </p:cNvPr>
+          <p:cNvSpPr/>
+          <p:nvPr/>
+        </p:nvSpPr>
+        <p:spPr>
+          <a:xfrm>
+            <a:off x="3041151" y="3955695"/>
+            <a:ext cx="1199367" cy="276999"/>
+          </a:xfrm>
+          <a:prstGeom prst="rect">
+            <a:avLst/>
+          </a:prstGeom>
+          <a:solidFill>
+            <a:schemeClr val="bg1"/>
+          </a:solidFill>
+          <a:ln w="38100">
+            <a:solidFill>
+              <a:srgbClr val="00B050"/>
+            </a:solidFill>
+          </a:ln>
+        </p:spPr>
+        <p:txBody>
+          <a:bodyPr wrap="none">
+            <a:spAutoFit/>
+          </a:bodyPr>
+          <a:lstStyle/>
+          <a:p>
+            <a:r>
+              <a:rPr lang="en-US" sz="1200" b="0" i="0" dirty="0" err="1">
+                <a:solidFill>
+                  <a:srgbClr val="282828"/>
+                </a:solidFill>
+                <a:effectLst/>
+                <a:latin typeface="Arial" panose="020B0604020202020204" pitchFamily="34" charset="0"/>
+                <a:cs typeface="Arial" panose="020B0604020202020204" pitchFamily="34" charset="0"/>
+              </a:rPr>
+              <a:t>getParticipants</a:t>
+            </a:r>
+            <a:endParaRPr lang="en-US" sz="1200" dirty="0">
+              <a:latin typeface="Arial" panose="020B0604020202020204" pitchFamily="34" charset="0"/>
+              <a:cs typeface="Arial" panose="020B0604020202020204" pitchFamily="34" charset="0"/>
+            </a:endParaRPr>
+          </a:p>
+        </p:txBody>
+      </p:sp>
+      <p:grpSp>
+        <p:nvGrpSpPr>
+          <p:cNvPr id="9" name="Group 8">
+            <a:extLst>
+              <a:ext uri="{FF2B5EF4-FFF2-40B4-BE49-F238E27FC236}">
+                <a16:creationId xmlns:a16="http://schemas.microsoft.com/office/drawing/2014/main" id="{76D129A0-1930-204B-B51C-7E889B275F20}"/>
+              </a:ext>
+            </a:extLst>
+          </p:cNvPr>
+          <p:cNvGrpSpPr/>
+          <p:nvPr/>
+        </p:nvGrpSpPr>
+        <p:grpSpPr>
+          <a:xfrm>
+            <a:off x="6265203" y="5421934"/>
+            <a:ext cx="5314208" cy="1270530"/>
+            <a:chOff x="155448" y="5391088"/>
+            <a:chExt cx="5314208" cy="1270530"/>
+          </a:xfrm>
+        </p:grpSpPr>
+        <p:sp>
+          <p:nvSpPr>
+            <p:cNvPr id="8" name="Rectangle 7">
+              <a:extLst>
+                <a:ext uri="{FF2B5EF4-FFF2-40B4-BE49-F238E27FC236}">
+                  <a16:creationId xmlns:a16="http://schemas.microsoft.com/office/drawing/2014/main" id="{A2469AF2-DF57-BB45-9EE9-6D09F5A2C457}"/>
+                </a:ext>
+              </a:extLst>
+            </p:cNvPr>
+            <p:cNvSpPr/>
+            <p:nvPr/>
+          </p:nvSpPr>
+          <p:spPr>
+            <a:xfrm>
+              <a:off x="155448" y="5755191"/>
+              <a:ext cx="5314208" cy="906427"/>
+            </a:xfrm>
+            <a:prstGeom prst="rect">
+              <a:avLst/>
+            </a:prstGeom>
+            <a:solidFill>
+              <a:schemeClr val="bg1">
+                <a:lumMod val="95000"/>
+              </a:schemeClr>
+            </a:solidFill>
+            <a:ln>
+              <a:noFill/>
+              <a:prstDash val="dash"/>
+            </a:ln>
+          </p:spPr>
+          <p:style>
+            <a:lnRef idx="2">
+              <a:schemeClr val="accent1">
+                <a:shade val="50000"/>
+              </a:schemeClr>
+            </a:lnRef>
+            <a:fillRef idx="1">
+              <a:schemeClr val="accent1"/>
+            </a:fillRef>
+            <a:effectRef idx="0">
+              <a:schemeClr val="accent1"/>
+            </a:effectRef>
+            <a:fontRef idx="minor">
+              <a:schemeClr val="lt1"/>
+            </a:fontRef>
+          </p:style>
+          <p:txBody>
+            <a:bodyPr rtlCol="0" anchor="ctr"/>
+            <a:lstStyle/>
+            <a:p>
+              <a:pPr algn="ctr"/>
+              <a:endParaRPr lang="en-US"/>
+            </a:p>
+          </p:txBody>
+        </p:sp>
+        <p:sp>
+          <p:nvSpPr>
+            <p:cNvPr id="71" name="TextBox 70">
+              <a:extLst>
+                <a:ext uri="{FF2B5EF4-FFF2-40B4-BE49-F238E27FC236}">
+                  <a16:creationId xmlns:a16="http://schemas.microsoft.com/office/drawing/2014/main" id="{FEF7469F-E85C-8047-9BC0-D688FE90DA96}"/>
+                </a:ext>
+              </a:extLst>
+            </p:cNvPr>
+            <p:cNvSpPr txBox="1"/>
+            <p:nvPr/>
+          </p:nvSpPr>
+          <p:spPr>
+            <a:xfrm>
+              <a:off x="2162374" y="5391088"/>
+              <a:ext cx="1300356" cy="369332"/>
+            </a:xfrm>
+            <a:prstGeom prst="rect">
+              <a:avLst/>
+            </a:prstGeom>
+            <a:noFill/>
+          </p:spPr>
+          <p:txBody>
+            <a:bodyPr wrap="none" rtlCol="0">
+              <a:spAutoFit/>
+            </a:bodyPr>
+            <a:lstStyle/>
+            <a:p>
+              <a:r>
+                <a:rPr lang="en-US" dirty="0">
+                  <a:latin typeface="Arial" panose="020B0604020202020204" pitchFamily="34" charset="0"/>
+                  <a:cs typeface="Arial" panose="020B0604020202020204" pitchFamily="34" charset="0"/>
+                </a:rPr>
+                <a:t>Status Key</a:t>
+              </a:r>
+            </a:p>
+          </p:txBody>
+        </p:sp>
+        <p:grpSp>
+          <p:nvGrpSpPr>
+            <p:cNvPr id="3" name="Group 2">
+              <a:extLst>
+                <a:ext uri="{FF2B5EF4-FFF2-40B4-BE49-F238E27FC236}">
+                  <a16:creationId xmlns:a16="http://schemas.microsoft.com/office/drawing/2014/main" id="{C9C3C71A-51F2-DB43-A921-3620E45F32C0}"/>
+                </a:ext>
+              </a:extLst>
+            </p:cNvPr>
+            <p:cNvGrpSpPr/>
+            <p:nvPr/>
+          </p:nvGrpSpPr>
+          <p:grpSpPr>
+            <a:xfrm>
+              <a:off x="356617" y="5885239"/>
+              <a:ext cx="4911871" cy="646331"/>
+              <a:chOff x="400525" y="5867582"/>
+              <a:chExt cx="4911871" cy="646331"/>
+            </a:xfrm>
+          </p:grpSpPr>
+          <p:sp>
+            <p:nvSpPr>
+              <p:cNvPr id="54" name="Rectangle 53">
+                <a:extLst>
+                  <a:ext uri="{FF2B5EF4-FFF2-40B4-BE49-F238E27FC236}">
+                    <a16:creationId xmlns:a16="http://schemas.microsoft.com/office/drawing/2014/main" id="{D1E2FCEE-6277-1D45-A6A9-1BA683A9B36B}"/>
+                  </a:ext>
+                </a:extLst>
+              </p:cNvPr>
+              <p:cNvSpPr/>
+              <p:nvPr/>
+            </p:nvSpPr>
+            <p:spPr>
+              <a:xfrm>
+                <a:off x="400525" y="5867582"/>
+                <a:ext cx="1097280" cy="646331"/>
+              </a:xfrm>
+              <a:prstGeom prst="rect">
+                <a:avLst/>
+              </a:prstGeom>
+              <a:solidFill>
+                <a:schemeClr val="bg1"/>
+              </a:solidFill>
+              <a:ln w="38100">
+                <a:solidFill>
+                  <a:srgbClr val="00B050"/>
+                </a:solidFill>
+              </a:ln>
+            </p:spPr>
+            <p:txBody>
+              <a:bodyPr wrap="square">
+                <a:spAutoFit/>
+              </a:bodyPr>
+              <a:lstStyle/>
+              <a:p>
+                <a:pPr algn="ctr"/>
+                <a:r>
+                  <a:rPr lang="en-US" sz="1200" dirty="0">
+                    <a:latin typeface="Arial" panose="020B0604020202020204" pitchFamily="34" charset="0"/>
+                    <a:cs typeface="Arial" panose="020B0604020202020204" pitchFamily="34" charset="0"/>
+                  </a:rPr>
+                  <a:t>Complete or almost complete</a:t>
+                </a:r>
+                <a:endParaRPr lang="en-US" sz="1200" dirty="0"/>
+              </a:p>
+            </p:txBody>
+          </p:sp>
+          <p:sp>
+            <p:nvSpPr>
+              <p:cNvPr id="55" name="Rectangle 54">
+                <a:extLst>
+                  <a:ext uri="{FF2B5EF4-FFF2-40B4-BE49-F238E27FC236}">
+                    <a16:creationId xmlns:a16="http://schemas.microsoft.com/office/drawing/2014/main" id="{AFD978A6-56A3-AA41-8741-39F67B9DB91E}"/>
+                  </a:ext>
+                </a:extLst>
+              </p:cNvPr>
+              <p:cNvSpPr/>
+              <p:nvPr/>
+            </p:nvSpPr>
+            <p:spPr>
+              <a:xfrm>
+                <a:off x="4215116" y="5959915"/>
+                <a:ext cx="1097280" cy="461665"/>
+              </a:xfrm>
+              <a:prstGeom prst="rect">
+                <a:avLst/>
+              </a:prstGeom>
+              <a:solidFill>
+                <a:schemeClr val="bg1"/>
+              </a:solidFill>
+              <a:ln w="38100">
+                <a:solidFill>
+                  <a:srgbClr val="C00000"/>
+                </a:solidFill>
+              </a:ln>
+            </p:spPr>
+            <p:txBody>
+              <a:bodyPr wrap="square">
+                <a:spAutoFit/>
+              </a:bodyPr>
+              <a:lstStyle/>
+              <a:p>
+                <a:pPr algn="ctr"/>
+                <a:r>
+                  <a:rPr lang="en-US" sz="1200" dirty="0">
+                    <a:latin typeface="Arial" panose="020B0604020202020204" pitchFamily="34" charset="0"/>
+                    <a:cs typeface="Arial" panose="020B0604020202020204" pitchFamily="34" charset="0"/>
+                  </a:rPr>
+                  <a:t>Not </a:t>
+                </a:r>
+              </a:p>
+              <a:p>
+                <a:pPr algn="ctr"/>
+                <a:r>
+                  <a:rPr lang="en-US" sz="1200" dirty="0">
+                    <a:latin typeface="Arial" panose="020B0604020202020204" pitchFamily="34" charset="0"/>
+                    <a:cs typeface="Arial" panose="020B0604020202020204" pitchFamily="34" charset="0"/>
+                  </a:rPr>
+                  <a:t>Started</a:t>
+                </a:r>
+              </a:p>
+            </p:txBody>
+          </p:sp>
+          <p:sp>
+            <p:nvSpPr>
+              <p:cNvPr id="61" name="Rectangle 60">
+                <a:extLst>
+                  <a:ext uri="{FF2B5EF4-FFF2-40B4-BE49-F238E27FC236}">
+                    <a16:creationId xmlns:a16="http://schemas.microsoft.com/office/drawing/2014/main" id="{1940505D-7B2C-E84D-88C9-B14207CC02EF}"/>
+                  </a:ext>
+                </a:extLst>
+              </p:cNvPr>
+              <p:cNvSpPr/>
+              <p:nvPr/>
+            </p:nvSpPr>
+            <p:spPr>
+              <a:xfrm>
+                <a:off x="1672055" y="6052248"/>
+                <a:ext cx="1097280" cy="276999"/>
+              </a:xfrm>
+              <a:prstGeom prst="rect">
+                <a:avLst/>
+              </a:prstGeom>
+              <a:solidFill>
+                <a:schemeClr val="bg1"/>
+              </a:solidFill>
+              <a:ln w="38100">
+                <a:solidFill>
+                  <a:srgbClr val="FFFF00"/>
+                </a:solidFill>
+              </a:ln>
+            </p:spPr>
+            <p:txBody>
+              <a:bodyPr wrap="square">
+                <a:spAutoFit/>
+              </a:bodyPr>
+              <a:lstStyle/>
+              <a:p>
+                <a:pPr algn="ctr"/>
+                <a:r>
+                  <a:rPr lang="en-US" sz="1200" dirty="0">
+                    <a:latin typeface="Arial" panose="020B0604020202020204" pitchFamily="34" charset="0"/>
+                    <a:cs typeface="Arial" panose="020B0604020202020204" pitchFamily="34" charset="0"/>
+                  </a:rPr>
+                  <a:t>Prototype</a:t>
+                </a:r>
+                <a:endParaRPr lang="en-US" sz="1200" dirty="0"/>
+              </a:p>
+            </p:txBody>
+          </p:sp>
+          <p:sp>
+            <p:nvSpPr>
+              <p:cNvPr id="66" name="Rectangle 65">
+                <a:extLst>
+                  <a:ext uri="{FF2B5EF4-FFF2-40B4-BE49-F238E27FC236}">
+                    <a16:creationId xmlns:a16="http://schemas.microsoft.com/office/drawing/2014/main" id="{7F043CFA-7DC2-C44A-8264-0E7AD4BE55BE}"/>
+                  </a:ext>
+                </a:extLst>
+              </p:cNvPr>
+              <p:cNvSpPr/>
+              <p:nvPr/>
+            </p:nvSpPr>
+            <p:spPr>
+              <a:xfrm>
+                <a:off x="2943585" y="5959915"/>
+                <a:ext cx="1097280" cy="461665"/>
+              </a:xfrm>
+              <a:prstGeom prst="rect">
+                <a:avLst/>
+              </a:prstGeom>
+              <a:solidFill>
+                <a:schemeClr val="bg1"/>
+              </a:solidFill>
+              <a:ln w="38100">
+                <a:solidFill>
+                  <a:srgbClr val="FFC000"/>
+                </a:solidFill>
+              </a:ln>
+            </p:spPr>
+            <p:txBody>
+              <a:bodyPr wrap="square">
+                <a:spAutoFit/>
+              </a:bodyPr>
+              <a:lstStyle/>
+              <a:p>
+                <a:pPr algn="ctr"/>
+                <a:r>
+                  <a:rPr lang="en-US" sz="1200" dirty="0">
+                    <a:latin typeface="Arial" panose="020B0604020202020204" pitchFamily="34" charset="0"/>
+                    <a:cs typeface="Arial" panose="020B0604020202020204" pitchFamily="34" charset="0"/>
+                  </a:rPr>
+                  <a:t>In active development</a:t>
+                </a:r>
+              </a:p>
+            </p:txBody>
+          </p:sp>
+        </p:grpSp>
+      </p:grpSp>
+      <p:pic>
+        <p:nvPicPr>
+          <p:cNvPr id="16" name="Picture 15">
+            <a:extLst>
+              <a:ext uri="{FF2B5EF4-FFF2-40B4-BE49-F238E27FC236}">
+                <a16:creationId xmlns:a16="http://schemas.microsoft.com/office/drawing/2014/main" id="{A7DF90C5-A4B7-D241-ACE7-5762CF26C245}"/>
+              </a:ext>
+            </a:extLst>
+          </p:cNvPr>
+          <p:cNvPicPr>
+            <a:picLocks noChangeAspect="1"/>
+          </p:cNvPicPr>
+          <p:nvPr/>
+        </p:nvPicPr>
+        <p:blipFill>
+          <a:blip r:embed="rId5"/>
+          <a:stretch>
+            <a:fillRect/>
+          </a:stretch>
+        </p:blipFill>
+        <p:spPr>
+          <a:xfrm>
+            <a:off x="9625" y="-71255"/>
+            <a:ext cx="2836595" cy="734988"/>
+          </a:xfrm>
+          <a:prstGeom prst="rect">
+            <a:avLst/>
+          </a:prstGeom>
+        </p:spPr>
+      </p:pic>
+      <p:sp>
+        <p:nvSpPr>
+          <p:cNvPr id="77" name="Rectangle 76">
+            <a:extLst>
+              <a:ext uri="{FF2B5EF4-FFF2-40B4-BE49-F238E27FC236}">
+                <a16:creationId xmlns:a16="http://schemas.microsoft.com/office/drawing/2014/main" id="{07A1751A-2EEB-B048-98F0-614EE4706A1F}"/>
+              </a:ext>
+            </a:extLst>
+          </p:cNvPr>
+          <p:cNvSpPr/>
+          <p:nvPr/>
+        </p:nvSpPr>
+        <p:spPr>
+          <a:xfrm>
+            <a:off x="5733348" y="480613"/>
+            <a:ext cx="5929384" cy="4924449"/>
+          </a:xfrm>
+          <a:prstGeom prst="rect">
+            <a:avLst/>
+          </a:prstGeom>
+          <a:solidFill>
+            <a:schemeClr val="bg1">
+              <a:lumMod val="95000"/>
+            </a:schemeClr>
+          </a:solidFill>
+          <a:ln w="38100">
+            <a:solidFill>
+              <a:schemeClr val="tx1"/>
+            </a:solidFill>
+            <a:prstDash val="sysDash"/>
+          </a:ln>
+        </p:spPr>
+        <p:style>
+          <a:lnRef idx="2">
+            <a:schemeClr val="accent1">
+              <a:shade val="50000"/>
+            </a:schemeClr>
+          </a:lnRef>
+          <a:fillRef idx="1">
+            <a:schemeClr val="accent1"/>
+          </a:fillRef>
+          <a:effectRef idx="0">
+            <a:schemeClr val="accent1"/>
+          </a:effectRef>
+          <a:fontRef idx="minor">
+            <a:schemeClr val="lt1"/>
+          </a:fontRef>
+        </p:style>
+        <p:txBody>
+          <a:bodyPr rtlCol="0" anchor="ctr"/>
+          <a:lstStyle/>
+          <a:p>
+            <a:pPr algn="ctr"/>
+            <a:endParaRPr lang="en-US"/>
+          </a:p>
+        </p:txBody>
+      </p:sp>
+      <p:pic>
+        <p:nvPicPr>
+          <p:cNvPr id="30" name="Picture 29">
+            <a:extLst>
+              <a:ext uri="{FF2B5EF4-FFF2-40B4-BE49-F238E27FC236}">
+                <a16:creationId xmlns:a16="http://schemas.microsoft.com/office/drawing/2014/main" id="{6CBF9C16-E499-2448-AFC4-DDD18AA6EBC5}"/>
+              </a:ext>
+            </a:extLst>
+          </p:cNvPr>
+          <p:cNvPicPr>
+            <a:picLocks noChangeAspect="1"/>
+          </p:cNvPicPr>
+          <p:nvPr/>
+        </p:nvPicPr>
+        <p:blipFill>
+          <a:blip r:embed="rId6"/>
+          <a:stretch>
+            <a:fillRect/>
+          </a:stretch>
+        </p:blipFill>
+        <p:spPr>
+          <a:xfrm>
+            <a:off x="5645743" y="-16978"/>
+            <a:ext cx="1190024" cy="487910"/>
+          </a:xfrm>
+          <a:prstGeom prst="rect">
+            <a:avLst/>
+          </a:prstGeom>
+        </p:spPr>
+      </p:pic>
+      <p:sp>
+        <p:nvSpPr>
+          <p:cNvPr id="78" name="Rectangle 77">
+            <a:extLst>
+              <a:ext uri="{FF2B5EF4-FFF2-40B4-BE49-F238E27FC236}">
+                <a16:creationId xmlns:a16="http://schemas.microsoft.com/office/drawing/2014/main" id="{E434DD4D-3E84-0F4C-8688-8A7E5D78FAE0}"/>
+              </a:ext>
+            </a:extLst>
+          </p:cNvPr>
+          <p:cNvSpPr/>
+          <p:nvPr/>
+        </p:nvSpPr>
+        <p:spPr>
+          <a:xfrm>
+            <a:off x="3041151" y="4336066"/>
+            <a:ext cx="988925" cy="276999"/>
+          </a:xfrm>
+          <a:prstGeom prst="rect">
+            <a:avLst/>
+          </a:prstGeom>
+          <a:solidFill>
+            <a:schemeClr val="bg1"/>
+          </a:solidFill>
+          <a:ln w="38100">
+            <a:solidFill>
+              <a:srgbClr val="C00000"/>
+            </a:solidFill>
+          </a:ln>
+        </p:spPr>
+        <p:txBody>
+          <a:bodyPr wrap="none">
+            <a:spAutoFit/>
+          </a:bodyPr>
+          <a:lstStyle/>
+          <a:p>
+            <a:r>
+              <a:rPr lang="en-US" sz="1200" dirty="0">
+                <a:latin typeface="Arial" panose="020B0604020202020204" pitchFamily="34" charset="0"/>
+                <a:cs typeface="Arial" panose="020B0604020202020204" pitchFamily="34" charset="0"/>
+              </a:rPr>
+              <a:t>Future APIs</a:t>
+            </a:r>
+          </a:p>
+        </p:txBody>
+      </p:sp>
+      <p:grpSp>
+        <p:nvGrpSpPr>
+          <p:cNvPr id="80" name="Group 79">
+            <a:extLst>
+              <a:ext uri="{FF2B5EF4-FFF2-40B4-BE49-F238E27FC236}">
+                <a16:creationId xmlns:a16="http://schemas.microsoft.com/office/drawing/2014/main" id="{7FB13247-FC15-8D4C-B315-5953A2F206F2}"/>
+              </a:ext>
+            </a:extLst>
+          </p:cNvPr>
+          <p:cNvGrpSpPr/>
+          <p:nvPr/>
+        </p:nvGrpSpPr>
+        <p:grpSpPr>
+          <a:xfrm>
+            <a:off x="9536657" y="3835852"/>
+            <a:ext cx="1371600" cy="1433099"/>
+            <a:chOff x="6015568" y="2573324"/>
+            <a:chExt cx="1371600" cy="1433099"/>
+          </a:xfrm>
+        </p:grpSpPr>
+        <p:sp>
+          <p:nvSpPr>
+            <p:cNvPr id="81" name="Rectangle 80">
+              <a:extLst>
+                <a:ext uri="{FF2B5EF4-FFF2-40B4-BE49-F238E27FC236}">
+                  <a16:creationId xmlns:a16="http://schemas.microsoft.com/office/drawing/2014/main" id="{32DC6D91-4AC0-034D-A655-E0876C433FD7}"/>
+                </a:ext>
+              </a:extLst>
+            </p:cNvPr>
+            <p:cNvSpPr/>
+            <p:nvPr/>
+          </p:nvSpPr>
+          <p:spPr>
+            <a:xfrm>
+              <a:off x="6015568" y="2573324"/>
+              <a:ext cx="1371600" cy="1433099"/>
+            </a:xfrm>
+            <a:prstGeom prst="rect">
+              <a:avLst/>
+            </a:prstGeom>
+            <a:solidFill>
+              <a:schemeClr val="bg1">
+                <a:lumMod val="85000"/>
+              </a:schemeClr>
+            </a:solidFill>
+          </p:spPr>
+          <p:style>
+            <a:lnRef idx="2">
+              <a:schemeClr val="accent1">
+                <a:shade val="50000"/>
+              </a:schemeClr>
+            </a:lnRef>
+            <a:fillRef idx="1">
+              <a:schemeClr val="accent1"/>
+            </a:fillRef>
+            <a:effectRef idx="0">
+              <a:schemeClr val="accent1"/>
+            </a:effectRef>
+            <a:fontRef idx="minor">
+              <a:schemeClr val="lt1"/>
+            </a:fontRef>
+          </p:style>
+          <p:txBody>
+            <a:bodyPr rtlCol="0" anchor="ctr"/>
+            <a:lstStyle/>
+            <a:p>
+              <a:pPr algn="ctr"/>
+              <a:endParaRPr lang="en-US" dirty="0"/>
+            </a:p>
+          </p:txBody>
+        </p:sp>
+        <p:sp>
+          <p:nvSpPr>
+            <p:cNvPr id="82" name="TextBox 81">
+              <a:extLst>
+                <a:ext uri="{FF2B5EF4-FFF2-40B4-BE49-F238E27FC236}">
+                  <a16:creationId xmlns:a16="http://schemas.microsoft.com/office/drawing/2014/main" id="{C0D6B4C8-E79E-C54E-8940-3FB98F953D5E}"/>
+                </a:ext>
+              </a:extLst>
+            </p:cNvPr>
+            <p:cNvSpPr txBox="1"/>
+            <p:nvPr/>
+          </p:nvSpPr>
+          <p:spPr>
+            <a:xfrm>
+              <a:off x="6015568" y="3051295"/>
+              <a:ext cx="1371599" cy="276999"/>
+            </a:xfrm>
+            <a:prstGeom prst="rect">
+              <a:avLst/>
+            </a:prstGeom>
+            <a:noFill/>
+          </p:spPr>
+          <p:txBody>
+            <a:bodyPr wrap="square" rtlCol="0">
+              <a:spAutoFit/>
+            </a:bodyPr>
+            <a:lstStyle/>
+            <a:p>
+              <a:pPr algn="ctr"/>
+              <a:r>
+                <a:rPr lang="en-US" sz="1200" dirty="0">
+                  <a:solidFill>
+                    <a:schemeClr val="bg1">
+                      <a:lumMod val="50000"/>
+                    </a:schemeClr>
+                  </a:solidFill>
+                  <a:latin typeface="Arial" panose="020B0604020202020204" pitchFamily="34" charset="0"/>
+                  <a:cs typeface="Arial" panose="020B0604020202020204" pitchFamily="34" charset="0"/>
+                </a:rPr>
+                <a:t>NORC App</a:t>
+              </a:r>
+            </a:p>
+          </p:txBody>
+        </p:sp>
+        <p:pic>
+          <p:nvPicPr>
+            <p:cNvPr id="83" name="Picture 82">
+              <a:extLst>
+                <a:ext uri="{FF2B5EF4-FFF2-40B4-BE49-F238E27FC236}">
+                  <a16:creationId xmlns:a16="http://schemas.microsoft.com/office/drawing/2014/main" id="{E4B891D9-6B53-0840-80CD-7ABAA47819A8}"/>
+                </a:ext>
+              </a:extLst>
+            </p:cNvPr>
+            <p:cNvPicPr>
+              <a:picLocks noChangeAspect="1"/>
+            </p:cNvPicPr>
+            <p:nvPr/>
+          </p:nvPicPr>
+          <p:blipFill>
+            <a:blip r:embed="rId7"/>
+            <a:stretch>
+              <a:fillRect/>
+            </a:stretch>
+          </p:blipFill>
+          <p:spPr>
+            <a:xfrm>
+              <a:off x="6498168" y="2681091"/>
+              <a:ext cx="406400" cy="406400"/>
+            </a:xfrm>
+            <a:prstGeom prst="rect">
+              <a:avLst/>
+            </a:prstGeom>
+          </p:spPr>
+        </p:pic>
+        <p:sp>
+          <p:nvSpPr>
+            <p:cNvPr id="84" name="Rectangle 83">
+              <a:extLst>
+                <a:ext uri="{FF2B5EF4-FFF2-40B4-BE49-F238E27FC236}">
+                  <a16:creationId xmlns:a16="http://schemas.microsoft.com/office/drawing/2014/main" id="{94181F05-D4E1-1A4D-90CD-CF5187676BCB}"/>
+                </a:ext>
+              </a:extLst>
+            </p:cNvPr>
+            <p:cNvSpPr/>
+            <p:nvPr/>
+          </p:nvSpPr>
+          <p:spPr>
+            <a:xfrm>
+              <a:off x="6140670" y="3350537"/>
+              <a:ext cx="1121397" cy="461665"/>
+            </a:xfrm>
+            <a:prstGeom prst="rect">
+              <a:avLst/>
+            </a:prstGeom>
+            <a:solidFill>
+              <a:schemeClr val="bg1"/>
+            </a:solidFill>
+            <a:ln w="38100">
+              <a:solidFill>
+                <a:srgbClr val="C00000"/>
+              </a:solidFill>
+            </a:ln>
+          </p:spPr>
+          <p:txBody>
+            <a:bodyPr wrap="square">
+              <a:spAutoFit/>
+            </a:bodyPr>
+            <a:lstStyle/>
+            <a:p>
+              <a:pPr algn="ctr"/>
+              <a:r>
+                <a:rPr lang="en-US" sz="1200" dirty="0">
+                  <a:latin typeface="Arial" panose="020B0604020202020204" pitchFamily="34" charset="0"/>
+                  <a:cs typeface="Arial" panose="020B0604020202020204" pitchFamily="34" charset="0"/>
+                </a:rPr>
+                <a:t>NORC Dashboard</a:t>
+              </a:r>
+              <a:endParaRPr lang="en-US" sz="1200" dirty="0"/>
+            </a:p>
+          </p:txBody>
+        </p:sp>
+      </p:grpSp>
+      <p:grpSp>
+        <p:nvGrpSpPr>
+          <p:cNvPr id="86" name="Group 85">
+            <a:extLst>
+              <a:ext uri="{FF2B5EF4-FFF2-40B4-BE49-F238E27FC236}">
+                <a16:creationId xmlns:a16="http://schemas.microsoft.com/office/drawing/2014/main" id="{9AE5A5D8-2795-0842-A036-7409707B6D24}"/>
+              </a:ext>
+            </a:extLst>
+          </p:cNvPr>
+          <p:cNvGrpSpPr/>
+          <p:nvPr/>
+        </p:nvGrpSpPr>
+        <p:grpSpPr>
+          <a:xfrm>
+            <a:off x="9541181" y="615825"/>
+            <a:ext cx="1371600" cy="1604216"/>
+            <a:chOff x="6015568" y="2573324"/>
+            <a:chExt cx="1371600" cy="1604216"/>
+          </a:xfrm>
+        </p:grpSpPr>
+        <p:sp>
+          <p:nvSpPr>
+            <p:cNvPr id="87" name="Rectangle 86">
+              <a:extLst>
+                <a:ext uri="{FF2B5EF4-FFF2-40B4-BE49-F238E27FC236}">
+                  <a16:creationId xmlns:a16="http://schemas.microsoft.com/office/drawing/2014/main" id="{E45D7D79-FD75-AE4C-BA7E-C5F9B5814482}"/>
+                </a:ext>
+              </a:extLst>
+            </p:cNvPr>
+            <p:cNvSpPr/>
+            <p:nvPr/>
+          </p:nvSpPr>
+          <p:spPr>
+            <a:xfrm>
+              <a:off x="6015568" y="2573324"/>
+              <a:ext cx="1371600" cy="1604216"/>
+            </a:xfrm>
+            <a:prstGeom prst="rect">
+              <a:avLst/>
+            </a:prstGeom>
+            <a:solidFill>
+              <a:schemeClr val="bg1">
+                <a:lumMod val="85000"/>
+              </a:schemeClr>
+            </a:solidFill>
+          </p:spPr>
+          <p:style>
+            <a:lnRef idx="2">
+              <a:schemeClr val="accent1">
+                <a:shade val="50000"/>
+              </a:schemeClr>
+            </a:lnRef>
+            <a:fillRef idx="1">
+              <a:schemeClr val="accent1"/>
+            </a:fillRef>
+            <a:effectRef idx="0">
+              <a:schemeClr val="accent1"/>
+            </a:effectRef>
+            <a:fontRef idx="minor">
+              <a:schemeClr val="lt1"/>
+            </a:fontRef>
+          </p:style>
+          <p:txBody>
+            <a:bodyPr rtlCol="0" anchor="ctr"/>
+            <a:lstStyle/>
+            <a:p>
+              <a:pPr algn="ctr"/>
+              <a:endParaRPr lang="en-US" dirty="0"/>
+            </a:p>
+          </p:txBody>
+        </p:sp>
+        <p:sp>
+          <p:nvSpPr>
+            <p:cNvPr id="88" name="TextBox 87">
+              <a:extLst>
+                <a:ext uri="{FF2B5EF4-FFF2-40B4-BE49-F238E27FC236}">
+                  <a16:creationId xmlns:a16="http://schemas.microsoft.com/office/drawing/2014/main" id="{BB97D53C-ABD6-BF47-A231-DC0A4F3C0CAC}"/>
+                </a:ext>
+              </a:extLst>
+            </p:cNvPr>
+            <p:cNvSpPr txBox="1"/>
+            <p:nvPr/>
+          </p:nvSpPr>
+          <p:spPr>
+            <a:xfrm>
+              <a:off x="6022330" y="3051295"/>
+              <a:ext cx="1364838" cy="461665"/>
+            </a:xfrm>
+            <a:prstGeom prst="rect">
+              <a:avLst/>
+            </a:prstGeom>
+            <a:noFill/>
+          </p:spPr>
+          <p:txBody>
+            <a:bodyPr wrap="square" rtlCol="0">
+              <a:spAutoFit/>
+            </a:bodyPr>
+            <a:lstStyle/>
+            <a:p>
+              <a:pPr algn="ctr"/>
+              <a:r>
+                <a:rPr lang="en-US" sz="1200" dirty="0">
+                  <a:solidFill>
+                    <a:schemeClr val="bg1">
+                      <a:lumMod val="50000"/>
+                    </a:schemeClr>
+                  </a:solidFill>
+                  <a:latin typeface="Arial" panose="020B0604020202020204" pitchFamily="34" charset="0"/>
+                  <a:cs typeface="Arial" panose="020B0604020202020204" pitchFamily="34" charset="0"/>
+                </a:rPr>
+                <a:t>NCI Processing Lab App</a:t>
+              </a:r>
+            </a:p>
+          </p:txBody>
+        </p:sp>
+        <p:pic>
+          <p:nvPicPr>
+            <p:cNvPr id="89" name="Picture 88">
+              <a:extLst>
+                <a:ext uri="{FF2B5EF4-FFF2-40B4-BE49-F238E27FC236}">
+                  <a16:creationId xmlns:a16="http://schemas.microsoft.com/office/drawing/2014/main" id="{62DA907B-24B2-FF45-8D67-9F96D5F35E34}"/>
+                </a:ext>
+              </a:extLst>
+            </p:cNvPr>
+            <p:cNvPicPr>
+              <a:picLocks noChangeAspect="1"/>
+            </p:cNvPicPr>
+            <p:nvPr/>
+          </p:nvPicPr>
+          <p:blipFill>
+            <a:blip r:embed="rId7"/>
+            <a:stretch>
+              <a:fillRect/>
+            </a:stretch>
+          </p:blipFill>
+          <p:spPr>
+            <a:xfrm>
+              <a:off x="6498168" y="2681091"/>
+              <a:ext cx="406400" cy="406400"/>
+            </a:xfrm>
+            <a:prstGeom prst="rect">
+              <a:avLst/>
+            </a:prstGeom>
+          </p:spPr>
+        </p:pic>
+        <p:sp>
+          <p:nvSpPr>
+            <p:cNvPr id="90" name="Rectangle 89">
+              <a:extLst>
+                <a:ext uri="{FF2B5EF4-FFF2-40B4-BE49-F238E27FC236}">
+                  <a16:creationId xmlns:a16="http://schemas.microsoft.com/office/drawing/2014/main" id="{EC64AAF8-1F23-BA48-84C3-6037134B0D7B}"/>
+                </a:ext>
+              </a:extLst>
+            </p:cNvPr>
+            <p:cNvSpPr/>
+            <p:nvPr/>
+          </p:nvSpPr>
+          <p:spPr>
+            <a:xfrm>
+              <a:off x="6140670" y="3572608"/>
+              <a:ext cx="1121397" cy="461665"/>
+            </a:xfrm>
+            <a:prstGeom prst="rect">
+              <a:avLst/>
+            </a:prstGeom>
+            <a:solidFill>
+              <a:schemeClr val="bg1"/>
+            </a:solidFill>
+            <a:ln w="38100">
+              <a:solidFill>
+                <a:srgbClr val="C00000"/>
+              </a:solidFill>
+            </a:ln>
+          </p:spPr>
+          <p:txBody>
+            <a:bodyPr wrap="square">
+              <a:spAutoFit/>
+            </a:bodyPr>
+            <a:lstStyle/>
+            <a:p>
+              <a:pPr algn="ctr"/>
+              <a:r>
+                <a:rPr lang="en-US" sz="1200" dirty="0">
+                  <a:latin typeface="Arial" panose="020B0604020202020204" pitchFamily="34" charset="0"/>
+                  <a:cs typeface="Arial" panose="020B0604020202020204" pitchFamily="34" charset="0"/>
+                </a:rPr>
+                <a:t>Lab Dashboard</a:t>
+              </a:r>
+              <a:endParaRPr lang="en-US" sz="1200" dirty="0"/>
+            </a:p>
+          </p:txBody>
+        </p:sp>
+      </p:grpSp>
+      <p:grpSp>
+        <p:nvGrpSpPr>
+          <p:cNvPr id="91" name="Group 90">
+            <a:extLst>
+              <a:ext uri="{FF2B5EF4-FFF2-40B4-BE49-F238E27FC236}">
+                <a16:creationId xmlns:a16="http://schemas.microsoft.com/office/drawing/2014/main" id="{0D71B359-C9E0-A045-BB75-E85B00E6EB6D}"/>
+              </a:ext>
+            </a:extLst>
+          </p:cNvPr>
+          <p:cNvGrpSpPr/>
+          <p:nvPr/>
+        </p:nvGrpSpPr>
+        <p:grpSpPr>
+          <a:xfrm>
+            <a:off x="9550910" y="2376131"/>
+            <a:ext cx="1371600" cy="1378736"/>
+            <a:chOff x="6015568" y="2573324"/>
+            <a:chExt cx="1371600" cy="1378736"/>
+          </a:xfrm>
+        </p:grpSpPr>
+        <p:sp>
+          <p:nvSpPr>
+            <p:cNvPr id="92" name="Rectangle 91">
+              <a:extLst>
+                <a:ext uri="{FF2B5EF4-FFF2-40B4-BE49-F238E27FC236}">
+                  <a16:creationId xmlns:a16="http://schemas.microsoft.com/office/drawing/2014/main" id="{0F0A814E-A0E1-EF45-83E0-581EBE282B0E}"/>
+                </a:ext>
+              </a:extLst>
+            </p:cNvPr>
+            <p:cNvSpPr/>
+            <p:nvPr/>
+          </p:nvSpPr>
+          <p:spPr>
+            <a:xfrm>
+              <a:off x="6015568" y="2573324"/>
+              <a:ext cx="1371600" cy="1378736"/>
+            </a:xfrm>
+            <a:prstGeom prst="rect">
+              <a:avLst/>
+            </a:prstGeom>
+            <a:solidFill>
+              <a:schemeClr val="bg1">
+                <a:lumMod val="85000"/>
+              </a:schemeClr>
+            </a:solidFill>
+          </p:spPr>
+          <p:style>
+            <a:lnRef idx="2">
+              <a:schemeClr val="accent1">
+                <a:shade val="50000"/>
+              </a:schemeClr>
+            </a:lnRef>
+            <a:fillRef idx="1">
+              <a:schemeClr val="accent1"/>
+            </a:fillRef>
+            <a:effectRef idx="0">
+              <a:schemeClr val="accent1"/>
+            </a:effectRef>
+            <a:fontRef idx="minor">
+              <a:schemeClr val="lt1"/>
+            </a:fontRef>
+          </p:style>
+          <p:txBody>
+            <a:bodyPr rtlCol="0" anchor="ctr"/>
+            <a:lstStyle/>
+            <a:p>
+              <a:pPr algn="ctr"/>
+              <a:endParaRPr lang="en-US" dirty="0"/>
+            </a:p>
+          </p:txBody>
+        </p:sp>
+        <p:sp>
+          <p:nvSpPr>
+            <p:cNvPr id="93" name="TextBox 92">
+              <a:extLst>
+                <a:ext uri="{FF2B5EF4-FFF2-40B4-BE49-F238E27FC236}">
+                  <a16:creationId xmlns:a16="http://schemas.microsoft.com/office/drawing/2014/main" id="{95DCBB11-FC77-8943-817F-78D5C7839481}"/>
+                </a:ext>
+              </a:extLst>
+            </p:cNvPr>
+            <p:cNvSpPr txBox="1"/>
+            <p:nvPr/>
+          </p:nvSpPr>
+          <p:spPr>
+            <a:xfrm>
+              <a:off x="6015568" y="3051295"/>
+              <a:ext cx="1361871" cy="276999"/>
+            </a:xfrm>
+            <a:prstGeom prst="rect">
+              <a:avLst/>
+            </a:prstGeom>
+            <a:noFill/>
+          </p:spPr>
+          <p:txBody>
+            <a:bodyPr wrap="square" rtlCol="0">
+              <a:spAutoFit/>
+            </a:bodyPr>
+            <a:lstStyle/>
+            <a:p>
+              <a:pPr algn="ctr"/>
+              <a:r>
+                <a:rPr lang="en-US" sz="1200" dirty="0">
+                  <a:solidFill>
+                    <a:schemeClr val="bg1">
+                      <a:lumMod val="50000"/>
+                    </a:schemeClr>
+                  </a:solidFill>
+                  <a:latin typeface="Arial" panose="020B0604020202020204" pitchFamily="34" charset="0"/>
+                  <a:cs typeface="Arial" panose="020B0604020202020204" pitchFamily="34" charset="0"/>
+                </a:rPr>
+                <a:t>Biospecimen App </a:t>
+              </a:r>
+            </a:p>
+          </p:txBody>
+        </p:sp>
+        <p:pic>
+          <p:nvPicPr>
+            <p:cNvPr id="94" name="Picture 93">
+              <a:extLst>
+                <a:ext uri="{FF2B5EF4-FFF2-40B4-BE49-F238E27FC236}">
+                  <a16:creationId xmlns:a16="http://schemas.microsoft.com/office/drawing/2014/main" id="{E40B4AA4-EACA-1B47-ADBC-C5C1FCFB6DE8}"/>
+                </a:ext>
+              </a:extLst>
+            </p:cNvPr>
+            <p:cNvPicPr>
+              <a:picLocks noChangeAspect="1"/>
+            </p:cNvPicPr>
+            <p:nvPr/>
+          </p:nvPicPr>
+          <p:blipFill>
+            <a:blip r:embed="rId7"/>
+            <a:stretch>
+              <a:fillRect/>
+            </a:stretch>
+          </p:blipFill>
+          <p:spPr>
+            <a:xfrm>
+              <a:off x="6498168" y="2681091"/>
+              <a:ext cx="406400" cy="406400"/>
+            </a:xfrm>
+            <a:prstGeom prst="rect">
+              <a:avLst/>
+            </a:prstGeom>
+          </p:spPr>
+        </p:pic>
+        <p:sp>
+          <p:nvSpPr>
+            <p:cNvPr id="95" name="Rectangle 94">
+              <a:extLst>
+                <a:ext uri="{FF2B5EF4-FFF2-40B4-BE49-F238E27FC236}">
+                  <a16:creationId xmlns:a16="http://schemas.microsoft.com/office/drawing/2014/main" id="{4D1ADB37-B226-6B4C-BFA1-613924273049}"/>
+                </a:ext>
+              </a:extLst>
+            </p:cNvPr>
+            <p:cNvSpPr/>
+            <p:nvPr/>
+          </p:nvSpPr>
+          <p:spPr>
+            <a:xfrm>
+              <a:off x="6140670" y="3358851"/>
+              <a:ext cx="1121397" cy="461665"/>
+            </a:xfrm>
+            <a:prstGeom prst="rect">
+              <a:avLst/>
+            </a:prstGeom>
+            <a:solidFill>
+              <a:schemeClr val="bg1"/>
+            </a:solidFill>
+            <a:ln w="38100">
+              <a:solidFill>
+                <a:srgbClr val="C00000"/>
+              </a:solidFill>
+            </a:ln>
+          </p:spPr>
+          <p:txBody>
+            <a:bodyPr wrap="square">
+              <a:spAutoFit/>
+            </a:bodyPr>
+            <a:lstStyle/>
+            <a:p>
+              <a:pPr algn="ctr"/>
+              <a:r>
+                <a:rPr lang="en-US" sz="1200" dirty="0">
+                  <a:latin typeface="Arial" panose="020B0604020202020204" pitchFamily="34" charset="0"/>
+                  <a:cs typeface="Arial" panose="020B0604020202020204" pitchFamily="34" charset="0"/>
+                </a:rPr>
+                <a:t>Lab Dashboard</a:t>
+              </a:r>
+              <a:endParaRPr lang="en-US" sz="1200" dirty="0"/>
+            </a:p>
+          </p:txBody>
+        </p:sp>
+      </p:grpSp>
+      <p:sp>
+        <p:nvSpPr>
+          <p:cNvPr id="113" name="Rectangle 112">
+            <a:extLst>
+              <a:ext uri="{FF2B5EF4-FFF2-40B4-BE49-F238E27FC236}">
+                <a16:creationId xmlns:a16="http://schemas.microsoft.com/office/drawing/2014/main" id="{C4341477-B53B-5C4F-AEA9-F3320DCC97BE}"/>
+              </a:ext>
+            </a:extLst>
+          </p:cNvPr>
+          <p:cNvSpPr/>
+          <p:nvPr/>
+        </p:nvSpPr>
+        <p:spPr>
+          <a:xfrm>
+            <a:off x="3041151" y="2798823"/>
+            <a:ext cx="1300356" cy="276999"/>
+          </a:xfrm>
+          <a:prstGeom prst="rect">
+            <a:avLst/>
+          </a:prstGeom>
+          <a:solidFill>
+            <a:schemeClr val="bg1"/>
+          </a:solidFill>
+          <a:ln w="38100">
+            <a:solidFill>
+              <a:srgbClr val="00B050"/>
+            </a:solidFill>
+          </a:ln>
+        </p:spPr>
+        <p:txBody>
+          <a:bodyPr wrap="none">
+            <a:spAutoFit/>
+          </a:bodyPr>
+          <a:lstStyle/>
+          <a:p>
+            <a:r>
+              <a:rPr lang="en-US" sz="1200" dirty="0" err="1">
+                <a:latin typeface="Arial" panose="020B0604020202020204" pitchFamily="34" charset="0"/>
+                <a:cs typeface="Arial" panose="020B0604020202020204" pitchFamily="34" charset="0"/>
+              </a:rPr>
+              <a:t>validateSiteUser</a:t>
+            </a:r>
+            <a:endParaRPr lang="en-US" sz="1200" dirty="0">
+              <a:latin typeface="Arial" panose="020B0604020202020204" pitchFamily="34" charset="0"/>
+              <a:cs typeface="Arial" panose="020B0604020202020204" pitchFamily="34" charset="0"/>
+            </a:endParaRPr>
+          </a:p>
+        </p:txBody>
+      </p:sp>
+      <p:sp>
+        <p:nvSpPr>
+          <p:cNvPr id="118" name="Rectangle 117">
+            <a:extLst>
+              <a:ext uri="{FF2B5EF4-FFF2-40B4-BE49-F238E27FC236}">
+                <a16:creationId xmlns:a16="http://schemas.microsoft.com/office/drawing/2014/main" id="{6D1D19BE-9657-A349-9097-F04C4F096CFF}"/>
+              </a:ext>
+            </a:extLst>
+          </p:cNvPr>
+          <p:cNvSpPr/>
+          <p:nvPr/>
+        </p:nvSpPr>
+        <p:spPr>
+          <a:xfrm>
+            <a:off x="3048488" y="3552730"/>
+            <a:ext cx="1394934" cy="276999"/>
+          </a:xfrm>
+          <a:prstGeom prst="rect">
+            <a:avLst/>
+          </a:prstGeom>
+          <a:solidFill>
+            <a:schemeClr val="bg1"/>
+          </a:solidFill>
+          <a:ln w="38100">
+            <a:solidFill>
+              <a:srgbClr val="00B050"/>
+            </a:solidFill>
+          </a:ln>
+        </p:spPr>
+        <p:txBody>
+          <a:bodyPr wrap="none">
+            <a:spAutoFit/>
+          </a:bodyPr>
+          <a:lstStyle/>
+          <a:p>
+            <a:r>
+              <a:rPr lang="en-US" sz="1200" dirty="0" err="1">
+                <a:latin typeface="Arial" panose="020B0604020202020204" pitchFamily="34" charset="0"/>
+                <a:cs typeface="Arial" panose="020B0604020202020204" pitchFamily="34" charset="0"/>
+              </a:rPr>
+              <a:t>identifyParticipant</a:t>
+            </a:r>
+            <a:endParaRPr lang="en-US" sz="1200" dirty="0">
+              <a:latin typeface="Arial" panose="020B0604020202020204" pitchFamily="34" charset="0"/>
+              <a:cs typeface="Arial" panose="020B0604020202020204" pitchFamily="34" charset="0"/>
+            </a:endParaRPr>
+          </a:p>
+        </p:txBody>
+      </p:sp>
       <p:cxnSp>
         <p:nvCxnSpPr>
-          <p:cNvPr id="43" name="Straight Connector 42">
-            <a:extLst>
-              <a:ext uri="{FF2B5EF4-FFF2-40B4-BE49-F238E27FC236}">
-                <a16:creationId xmlns:a16="http://schemas.microsoft.com/office/drawing/2014/main" id="{9AB44FB4-EBF8-B24B-BD52-88CBE1BF4DCA}"/>
+          <p:cNvPr id="124" name="Elbow Connector 123">
+            <a:extLst>
+              <a:ext uri="{FF2B5EF4-FFF2-40B4-BE49-F238E27FC236}">
+                <a16:creationId xmlns:a16="http://schemas.microsoft.com/office/drawing/2014/main" id="{34178775-D351-8B49-8501-79E619E43DB7}"/>
               </a:ext>
             </a:extLst>
           </p:cNvPr>
           <p:cNvCxnSpPr>
             <a:cxnSpLocks/>
+            <a:stCxn id="53" idx="1"/>
+            <a:endCxn id="113" idx="3"/>
           </p:cNvCxnSpPr>
           <p:nvPr/>
         </p:nvCxnSpPr>
         <p:spPr>
-          <a:xfrm>
-            <a:off x="7402426" y="1989424"/>
-            <a:ext cx="433043" cy="0"/>
+          <a:xfrm rot="10800000">
+            <a:off x="4341508" y="2937323"/>
+            <a:ext cx="1689319" cy="917058"/>
           </a:xfrm>
-          <a:prstGeom prst="line">
-            <a:avLst/>
+          <a:prstGeom prst="bentConnector3">
+            <a:avLst>
+              <a:gd name="adj1" fmla="val 50000"/>
+            </a:avLst>
           </a:prstGeom>
-          <a:ln>
-            <a:headEnd type="none" w="lg" len="lg"/>
-            <a:tailEnd type="stealth" w="lg" len="lg"/>
+          <a:ln w="38100">
+            <a:solidFill>
+              <a:srgbClr val="00B050"/>
+            </a:solidFill>
+            <a:tailEnd type="triangle"/>
           </a:ln>
         </p:spPr>
         <p:style>
@@ -3688,6 +5231,2238 @@
           </a:fontRef>
         </p:style>
       </p:cxnSp>
+      <p:cxnSp>
+        <p:nvCxnSpPr>
+          <p:cNvPr id="128" name="Elbow Connector 127">
+            <a:extLst>
+              <a:ext uri="{FF2B5EF4-FFF2-40B4-BE49-F238E27FC236}">
+                <a16:creationId xmlns:a16="http://schemas.microsoft.com/office/drawing/2014/main" id="{0D6299BA-2D83-0247-A886-66EA1B9891E4}"/>
+              </a:ext>
+            </a:extLst>
+          </p:cNvPr>
+          <p:cNvCxnSpPr>
+            <a:cxnSpLocks/>
+            <a:stCxn id="25" idx="1"/>
+            <a:endCxn id="23" idx="3"/>
+          </p:cNvCxnSpPr>
+          <p:nvPr/>
+        </p:nvCxnSpPr>
+        <p:spPr>
+          <a:xfrm rot="10800000" flipV="1">
+            <a:off x="4197238" y="1809958"/>
+            <a:ext cx="1833589" cy="743054"/>
+          </a:xfrm>
+          <a:prstGeom prst="bentConnector3">
+            <a:avLst>
+              <a:gd name="adj1" fmla="val 50000"/>
+            </a:avLst>
+          </a:prstGeom>
+          <a:ln w="38100">
+            <a:solidFill>
+              <a:srgbClr val="00B050"/>
+            </a:solidFill>
+            <a:tailEnd type="triangle"/>
+          </a:ln>
+        </p:spPr>
+        <p:style>
+          <a:lnRef idx="1">
+            <a:schemeClr val="accent1"/>
+          </a:lnRef>
+          <a:fillRef idx="0">
+            <a:schemeClr val="accent1"/>
+          </a:fillRef>
+          <a:effectRef idx="0">
+            <a:schemeClr val="accent1"/>
+          </a:effectRef>
+          <a:fontRef idx="minor">
+            <a:schemeClr val="tx1"/>
+          </a:fontRef>
+        </p:style>
+      </p:cxnSp>
+      <p:cxnSp>
+        <p:nvCxnSpPr>
+          <p:cNvPr id="132" name="Elbow Connector 131">
+            <a:extLst>
+              <a:ext uri="{FF2B5EF4-FFF2-40B4-BE49-F238E27FC236}">
+                <a16:creationId xmlns:a16="http://schemas.microsoft.com/office/drawing/2014/main" id="{490BC743-32CE-C24C-8A83-647377D88B5F}"/>
+              </a:ext>
+            </a:extLst>
+          </p:cNvPr>
+          <p:cNvCxnSpPr>
+            <a:cxnSpLocks/>
+            <a:stCxn id="25" idx="1"/>
+            <a:endCxn id="22" idx="3"/>
+          </p:cNvCxnSpPr>
+          <p:nvPr/>
+        </p:nvCxnSpPr>
+        <p:spPr>
+          <a:xfrm rot="10800000" flipV="1">
+            <a:off x="4162548" y="1809957"/>
+            <a:ext cx="1868278" cy="358743"/>
+          </a:xfrm>
+          <a:prstGeom prst="bentConnector3">
+            <a:avLst>
+              <a:gd name="adj1" fmla="val 48835"/>
+            </a:avLst>
+          </a:prstGeom>
+          <a:ln w="38100">
+            <a:solidFill>
+              <a:srgbClr val="00B050"/>
+            </a:solidFill>
+            <a:tailEnd type="triangle"/>
+          </a:ln>
+        </p:spPr>
+        <p:style>
+          <a:lnRef idx="1">
+            <a:schemeClr val="accent1"/>
+          </a:lnRef>
+          <a:fillRef idx="0">
+            <a:schemeClr val="accent1"/>
+          </a:fillRef>
+          <a:effectRef idx="0">
+            <a:schemeClr val="accent1"/>
+          </a:effectRef>
+          <a:fontRef idx="minor">
+            <a:schemeClr val="tx1"/>
+          </a:fontRef>
+        </p:style>
+      </p:cxnSp>
+      <p:cxnSp>
+        <p:nvCxnSpPr>
+          <p:cNvPr id="135" name="Elbow Connector 134">
+            <a:extLst>
+              <a:ext uri="{FF2B5EF4-FFF2-40B4-BE49-F238E27FC236}">
+                <a16:creationId xmlns:a16="http://schemas.microsoft.com/office/drawing/2014/main" id="{0604A65F-DA4E-4A4F-9A6E-6185E3396B11}"/>
+              </a:ext>
+            </a:extLst>
+          </p:cNvPr>
+          <p:cNvCxnSpPr>
+            <a:cxnSpLocks/>
+            <a:stCxn id="74" idx="1"/>
+            <a:endCxn id="78" idx="3"/>
+          </p:cNvCxnSpPr>
+          <p:nvPr/>
+        </p:nvCxnSpPr>
+        <p:spPr>
+          <a:xfrm rot="10800000" flipV="1">
+            <a:off x="4030076" y="4037526"/>
+            <a:ext cx="3786262" cy="437039"/>
+          </a:xfrm>
+          <a:prstGeom prst="bentConnector3">
+            <a:avLst>
+              <a:gd name="adj1" fmla="val 4080"/>
+            </a:avLst>
+          </a:prstGeom>
+          <a:ln w="38100">
+            <a:solidFill>
+              <a:srgbClr val="FF0000"/>
+            </a:solidFill>
+            <a:tailEnd type="triangle"/>
+          </a:ln>
+        </p:spPr>
+        <p:style>
+          <a:lnRef idx="1">
+            <a:schemeClr val="accent1"/>
+          </a:lnRef>
+          <a:fillRef idx="0">
+            <a:schemeClr val="accent1"/>
+          </a:fillRef>
+          <a:effectRef idx="0">
+            <a:schemeClr val="accent1"/>
+          </a:effectRef>
+          <a:fontRef idx="minor">
+            <a:schemeClr val="tx1"/>
+          </a:fontRef>
+        </p:style>
+      </p:cxnSp>
+      <p:cxnSp>
+        <p:nvCxnSpPr>
+          <p:cNvPr id="139" name="Elbow Connector 138">
+            <a:extLst>
+              <a:ext uri="{FF2B5EF4-FFF2-40B4-BE49-F238E27FC236}">
+                <a16:creationId xmlns:a16="http://schemas.microsoft.com/office/drawing/2014/main" id="{4DF0B18B-4882-C940-89F6-3803DF09998A}"/>
+              </a:ext>
+            </a:extLst>
+          </p:cNvPr>
+          <p:cNvCxnSpPr>
+            <a:cxnSpLocks/>
+            <a:stCxn id="40" idx="1"/>
+            <a:endCxn id="78" idx="3"/>
+          </p:cNvCxnSpPr>
+          <p:nvPr/>
+        </p:nvCxnSpPr>
+        <p:spPr>
+          <a:xfrm rot="10800000" flipV="1">
+            <a:off x="4030076" y="1980890"/>
+            <a:ext cx="3786262" cy="2493676"/>
+          </a:xfrm>
+          <a:prstGeom prst="bentConnector3">
+            <a:avLst>
+              <a:gd name="adj1" fmla="val 4420"/>
+            </a:avLst>
+          </a:prstGeom>
+          <a:ln w="38100">
+            <a:solidFill>
+              <a:srgbClr val="FF0000"/>
+            </a:solidFill>
+            <a:tailEnd type="triangle"/>
+          </a:ln>
+        </p:spPr>
+        <p:style>
+          <a:lnRef idx="1">
+            <a:schemeClr val="accent1"/>
+          </a:lnRef>
+          <a:fillRef idx="0">
+            <a:schemeClr val="accent1"/>
+          </a:fillRef>
+          <a:effectRef idx="0">
+            <a:schemeClr val="accent1"/>
+          </a:effectRef>
+          <a:fontRef idx="minor">
+            <a:schemeClr val="tx1"/>
+          </a:fontRef>
+        </p:style>
+      </p:cxnSp>
+      <p:cxnSp>
+        <p:nvCxnSpPr>
+          <p:cNvPr id="161" name="Elbow Connector 160">
+            <a:extLst>
+              <a:ext uri="{FF2B5EF4-FFF2-40B4-BE49-F238E27FC236}">
+                <a16:creationId xmlns:a16="http://schemas.microsoft.com/office/drawing/2014/main" id="{05D18ED9-3389-3B46-BD76-9F3042FAF8F7}"/>
+              </a:ext>
+            </a:extLst>
+          </p:cNvPr>
+          <p:cNvCxnSpPr>
+            <a:cxnSpLocks/>
+            <a:stCxn id="87" idx="1"/>
+            <a:endCxn id="78" idx="3"/>
+          </p:cNvCxnSpPr>
+          <p:nvPr/>
+        </p:nvCxnSpPr>
+        <p:spPr>
+          <a:xfrm rot="10800000" flipV="1">
+            <a:off x="4030077" y="1417932"/>
+            <a:ext cx="5511105" cy="3056633"/>
+          </a:xfrm>
+          <a:prstGeom prst="bentConnector3">
+            <a:avLst>
+              <a:gd name="adj1" fmla="val 3262"/>
+            </a:avLst>
+          </a:prstGeom>
+          <a:ln w="38100">
+            <a:solidFill>
+              <a:srgbClr val="FF0000"/>
+            </a:solidFill>
+            <a:tailEnd type="triangle"/>
+          </a:ln>
+        </p:spPr>
+        <p:style>
+          <a:lnRef idx="1">
+            <a:schemeClr val="accent1"/>
+          </a:lnRef>
+          <a:fillRef idx="0">
+            <a:schemeClr val="accent1"/>
+          </a:fillRef>
+          <a:effectRef idx="0">
+            <a:schemeClr val="accent1"/>
+          </a:effectRef>
+          <a:fontRef idx="minor">
+            <a:schemeClr val="tx1"/>
+          </a:fontRef>
+        </p:style>
+      </p:cxnSp>
+      <p:cxnSp>
+        <p:nvCxnSpPr>
+          <p:cNvPr id="165" name="Elbow Connector 164">
+            <a:extLst>
+              <a:ext uri="{FF2B5EF4-FFF2-40B4-BE49-F238E27FC236}">
+                <a16:creationId xmlns:a16="http://schemas.microsoft.com/office/drawing/2014/main" id="{8D44490B-E9C8-3E46-98BD-3F70A405F1F4}"/>
+              </a:ext>
+            </a:extLst>
+          </p:cNvPr>
+          <p:cNvCxnSpPr>
+            <a:cxnSpLocks/>
+            <a:stCxn id="93" idx="1"/>
+            <a:endCxn id="78" idx="3"/>
+          </p:cNvCxnSpPr>
+          <p:nvPr/>
+        </p:nvCxnSpPr>
+        <p:spPr>
+          <a:xfrm rot="10800000" flipV="1">
+            <a:off x="4030076" y="2992602"/>
+            <a:ext cx="5520834" cy="1481964"/>
+          </a:xfrm>
+          <a:prstGeom prst="bentConnector3">
+            <a:avLst>
+              <a:gd name="adj1" fmla="val 3578"/>
+            </a:avLst>
+          </a:prstGeom>
+          <a:ln w="38100">
+            <a:solidFill>
+              <a:srgbClr val="FF0000"/>
+            </a:solidFill>
+            <a:tailEnd type="triangle"/>
+          </a:ln>
+        </p:spPr>
+        <p:style>
+          <a:lnRef idx="1">
+            <a:schemeClr val="accent1"/>
+          </a:lnRef>
+          <a:fillRef idx="0">
+            <a:schemeClr val="accent1"/>
+          </a:fillRef>
+          <a:effectRef idx="0">
+            <a:schemeClr val="accent1"/>
+          </a:effectRef>
+          <a:fontRef idx="minor">
+            <a:schemeClr val="tx1"/>
+          </a:fontRef>
+        </p:style>
+      </p:cxnSp>
+      <p:cxnSp>
+        <p:nvCxnSpPr>
+          <p:cNvPr id="169" name="Elbow Connector 168">
+            <a:extLst>
+              <a:ext uri="{FF2B5EF4-FFF2-40B4-BE49-F238E27FC236}">
+                <a16:creationId xmlns:a16="http://schemas.microsoft.com/office/drawing/2014/main" id="{518164F0-7669-3842-8D97-772025C66C4A}"/>
+              </a:ext>
+            </a:extLst>
+          </p:cNvPr>
+          <p:cNvCxnSpPr>
+            <a:cxnSpLocks/>
+            <a:stCxn id="82" idx="1"/>
+            <a:endCxn id="78" idx="3"/>
+          </p:cNvCxnSpPr>
+          <p:nvPr/>
+        </p:nvCxnSpPr>
+        <p:spPr>
+          <a:xfrm rot="10800000" flipV="1">
+            <a:off x="4030077" y="4452322"/>
+            <a:ext cx="5506581" cy="22243"/>
+          </a:xfrm>
+          <a:prstGeom prst="bentConnector3">
+            <a:avLst>
+              <a:gd name="adj1" fmla="val 50000"/>
+            </a:avLst>
+          </a:prstGeom>
+          <a:ln w="38100">
+            <a:solidFill>
+              <a:srgbClr val="FF0000"/>
+            </a:solidFill>
+            <a:tailEnd type="triangle"/>
+          </a:ln>
+        </p:spPr>
+        <p:style>
+          <a:lnRef idx="1">
+            <a:schemeClr val="accent1"/>
+          </a:lnRef>
+          <a:fillRef idx="0">
+            <a:schemeClr val="accent1"/>
+          </a:fillRef>
+          <a:effectRef idx="0">
+            <a:schemeClr val="accent1"/>
+          </a:effectRef>
+          <a:fontRef idx="minor">
+            <a:schemeClr val="tx1"/>
+          </a:fontRef>
+        </p:style>
+      </p:cxnSp>
+      <p:grpSp>
+        <p:nvGrpSpPr>
+          <p:cNvPr id="63" name="Group 62">
+            <a:extLst>
+              <a:ext uri="{FF2B5EF4-FFF2-40B4-BE49-F238E27FC236}">
+                <a16:creationId xmlns:a16="http://schemas.microsoft.com/office/drawing/2014/main" id="{F4DB520B-2EF0-0547-8F94-9D98713E3F43}"/>
+              </a:ext>
+            </a:extLst>
+          </p:cNvPr>
+          <p:cNvGrpSpPr/>
+          <p:nvPr/>
+        </p:nvGrpSpPr>
+        <p:grpSpPr>
+          <a:xfrm>
+            <a:off x="7816338" y="3421056"/>
+            <a:ext cx="1371600" cy="1433099"/>
+            <a:chOff x="6015568" y="2573324"/>
+            <a:chExt cx="1371600" cy="1433099"/>
+          </a:xfrm>
+        </p:grpSpPr>
+        <p:sp>
+          <p:nvSpPr>
+            <p:cNvPr id="72" name="Rectangle 71">
+              <a:extLst>
+                <a:ext uri="{FF2B5EF4-FFF2-40B4-BE49-F238E27FC236}">
+                  <a16:creationId xmlns:a16="http://schemas.microsoft.com/office/drawing/2014/main" id="{096B8B24-6EC0-9544-ADA1-CFECAA35C947}"/>
+                </a:ext>
+              </a:extLst>
+            </p:cNvPr>
+            <p:cNvSpPr/>
+            <p:nvPr/>
+          </p:nvSpPr>
+          <p:spPr>
+            <a:xfrm>
+              <a:off x="6015568" y="2573324"/>
+              <a:ext cx="1371600" cy="1433099"/>
+            </a:xfrm>
+            <a:prstGeom prst="rect">
+              <a:avLst/>
+            </a:prstGeom>
+            <a:solidFill>
+              <a:schemeClr val="bg1">
+                <a:lumMod val="85000"/>
+              </a:schemeClr>
+            </a:solidFill>
+          </p:spPr>
+          <p:style>
+            <a:lnRef idx="2">
+              <a:schemeClr val="accent1">
+                <a:shade val="50000"/>
+              </a:schemeClr>
+            </a:lnRef>
+            <a:fillRef idx="1">
+              <a:schemeClr val="accent1"/>
+            </a:fillRef>
+            <a:effectRef idx="0">
+              <a:schemeClr val="accent1"/>
+            </a:effectRef>
+            <a:fontRef idx="minor">
+              <a:schemeClr val="lt1"/>
+            </a:fontRef>
+          </p:style>
+          <p:txBody>
+            <a:bodyPr rtlCol="0" anchor="ctr"/>
+            <a:lstStyle/>
+            <a:p>
+              <a:pPr algn="ctr"/>
+              <a:endParaRPr lang="en-US" dirty="0"/>
+            </a:p>
+          </p:txBody>
+        </p:sp>
+        <p:sp>
+          <p:nvSpPr>
+            <p:cNvPr id="74" name="TextBox 73">
+              <a:extLst>
+                <a:ext uri="{FF2B5EF4-FFF2-40B4-BE49-F238E27FC236}">
+                  <a16:creationId xmlns:a16="http://schemas.microsoft.com/office/drawing/2014/main" id="{48D34A17-18AB-AB45-88A2-D3EDE7B2EDCD}"/>
+                </a:ext>
+              </a:extLst>
+            </p:cNvPr>
+            <p:cNvSpPr txBox="1"/>
+            <p:nvPr/>
+          </p:nvSpPr>
+          <p:spPr>
+            <a:xfrm>
+              <a:off x="6015568" y="3051295"/>
+              <a:ext cx="1356733" cy="276999"/>
+            </a:xfrm>
+            <a:prstGeom prst="rect">
+              <a:avLst/>
+            </a:prstGeom>
+            <a:noFill/>
+          </p:spPr>
+          <p:txBody>
+            <a:bodyPr wrap="square" rtlCol="0">
+              <a:spAutoFit/>
+            </a:bodyPr>
+            <a:lstStyle/>
+            <a:p>
+              <a:pPr algn="ctr"/>
+              <a:r>
+                <a:rPr lang="en-US" sz="1200" dirty="0">
+                  <a:solidFill>
+                    <a:schemeClr val="bg1">
+                      <a:lumMod val="50000"/>
+                    </a:schemeClr>
+                  </a:solidFill>
+                  <a:latin typeface="Arial" panose="020B0604020202020204" pitchFamily="34" charset="0"/>
+                  <a:cs typeface="Arial" panose="020B0604020202020204" pitchFamily="34" charset="0"/>
+                </a:rPr>
+                <a:t>DCEG App </a:t>
+              </a:r>
+            </a:p>
+          </p:txBody>
+        </p:sp>
+        <p:pic>
+          <p:nvPicPr>
+            <p:cNvPr id="75" name="Picture 74">
+              <a:extLst>
+                <a:ext uri="{FF2B5EF4-FFF2-40B4-BE49-F238E27FC236}">
+                  <a16:creationId xmlns:a16="http://schemas.microsoft.com/office/drawing/2014/main" id="{E987E68F-6487-8346-A021-F1157C2FE78D}"/>
+                </a:ext>
+              </a:extLst>
+            </p:cNvPr>
+            <p:cNvPicPr>
+              <a:picLocks noChangeAspect="1"/>
+            </p:cNvPicPr>
+            <p:nvPr/>
+          </p:nvPicPr>
+          <p:blipFill>
+            <a:blip r:embed="rId7"/>
+            <a:stretch>
+              <a:fillRect/>
+            </a:stretch>
+          </p:blipFill>
+          <p:spPr>
+            <a:xfrm>
+              <a:off x="6498168" y="2681091"/>
+              <a:ext cx="406400" cy="406400"/>
+            </a:xfrm>
+            <a:prstGeom prst="rect">
+              <a:avLst/>
+            </a:prstGeom>
+          </p:spPr>
+        </p:pic>
+        <p:sp>
+          <p:nvSpPr>
+            <p:cNvPr id="79" name="Rectangle 78">
+              <a:extLst>
+                <a:ext uri="{FF2B5EF4-FFF2-40B4-BE49-F238E27FC236}">
+                  <a16:creationId xmlns:a16="http://schemas.microsoft.com/office/drawing/2014/main" id="{15E01A9C-495F-3949-8F98-0FD215300BA6}"/>
+                </a:ext>
+              </a:extLst>
+            </p:cNvPr>
+            <p:cNvSpPr/>
+            <p:nvPr/>
+          </p:nvSpPr>
+          <p:spPr>
+            <a:xfrm>
+              <a:off x="6140670" y="3350537"/>
+              <a:ext cx="1121397" cy="461665"/>
+            </a:xfrm>
+            <a:prstGeom prst="rect">
+              <a:avLst/>
+            </a:prstGeom>
+            <a:solidFill>
+              <a:schemeClr val="bg1"/>
+            </a:solidFill>
+            <a:ln w="38100">
+              <a:solidFill>
+                <a:srgbClr val="C00000"/>
+              </a:solidFill>
+            </a:ln>
+          </p:spPr>
+          <p:txBody>
+            <a:bodyPr wrap="square">
+              <a:spAutoFit/>
+            </a:bodyPr>
+            <a:lstStyle/>
+            <a:p>
+              <a:pPr algn="ctr"/>
+              <a:r>
+                <a:rPr lang="en-US" sz="1200" dirty="0">
+                  <a:latin typeface="Arial" panose="020B0604020202020204" pitchFamily="34" charset="0"/>
+                  <a:cs typeface="Arial" panose="020B0604020202020204" pitchFamily="34" charset="0"/>
+                </a:rPr>
+                <a:t>DCEG Dashboard</a:t>
+              </a:r>
+              <a:endParaRPr lang="en-US" sz="1200" dirty="0"/>
+            </a:p>
+          </p:txBody>
+        </p:sp>
+      </p:grpSp>
+      <p:grpSp>
+        <p:nvGrpSpPr>
+          <p:cNvPr id="4" name="Group 3">
+            <a:extLst>
+              <a:ext uri="{FF2B5EF4-FFF2-40B4-BE49-F238E27FC236}">
+                <a16:creationId xmlns:a16="http://schemas.microsoft.com/office/drawing/2014/main" id="{C33A828C-5AF1-B940-86F7-AF48DFE182FC}"/>
+              </a:ext>
+            </a:extLst>
+          </p:cNvPr>
+          <p:cNvGrpSpPr/>
+          <p:nvPr/>
+        </p:nvGrpSpPr>
+        <p:grpSpPr>
+          <a:xfrm>
+            <a:off x="6030826" y="3084905"/>
+            <a:ext cx="1371600" cy="1538952"/>
+            <a:chOff x="6015568" y="2573324"/>
+            <a:chExt cx="1371600" cy="1538952"/>
+          </a:xfrm>
+        </p:grpSpPr>
+        <p:sp>
+          <p:nvSpPr>
+            <p:cNvPr id="53" name="Rectangle 52">
+              <a:extLst>
+                <a:ext uri="{FF2B5EF4-FFF2-40B4-BE49-F238E27FC236}">
+                  <a16:creationId xmlns:a16="http://schemas.microsoft.com/office/drawing/2014/main" id="{B2A30675-B2DC-2F42-9E11-1D108A8DCF69}"/>
+                </a:ext>
+              </a:extLst>
+            </p:cNvPr>
+            <p:cNvSpPr/>
+            <p:nvPr/>
+          </p:nvSpPr>
+          <p:spPr>
+            <a:xfrm>
+              <a:off x="6015568" y="2573324"/>
+              <a:ext cx="1371600" cy="1538952"/>
+            </a:xfrm>
+            <a:prstGeom prst="rect">
+              <a:avLst/>
+            </a:prstGeom>
+            <a:solidFill>
+              <a:schemeClr val="bg1">
+                <a:lumMod val="85000"/>
+              </a:schemeClr>
+            </a:solidFill>
+          </p:spPr>
+          <p:style>
+            <a:lnRef idx="2">
+              <a:schemeClr val="accent1">
+                <a:shade val="50000"/>
+              </a:schemeClr>
+            </a:lnRef>
+            <a:fillRef idx="1">
+              <a:schemeClr val="accent1"/>
+            </a:fillRef>
+            <a:effectRef idx="0">
+              <a:schemeClr val="accent1"/>
+            </a:effectRef>
+            <a:fontRef idx="minor">
+              <a:schemeClr val="lt1"/>
+            </a:fontRef>
+          </p:style>
+          <p:txBody>
+            <a:bodyPr rtlCol="0" anchor="ctr"/>
+            <a:lstStyle/>
+            <a:p>
+              <a:pPr algn="ctr"/>
+              <a:endParaRPr lang="en-US" dirty="0"/>
+            </a:p>
+          </p:txBody>
+        </p:sp>
+        <p:sp>
+          <p:nvSpPr>
+            <p:cNvPr id="57" name="TextBox 56">
+              <a:extLst>
+                <a:ext uri="{FF2B5EF4-FFF2-40B4-BE49-F238E27FC236}">
+                  <a16:creationId xmlns:a16="http://schemas.microsoft.com/office/drawing/2014/main" id="{A790AB81-E943-5B47-A2CF-832CFD9F549C}"/>
+                </a:ext>
+              </a:extLst>
+            </p:cNvPr>
+            <p:cNvSpPr txBox="1"/>
+            <p:nvPr/>
+          </p:nvSpPr>
+          <p:spPr>
+            <a:xfrm>
+              <a:off x="6022906" y="3051295"/>
+              <a:ext cx="1364262" cy="276999"/>
+            </a:xfrm>
+            <a:prstGeom prst="rect">
+              <a:avLst/>
+            </a:prstGeom>
+            <a:noFill/>
+          </p:spPr>
+          <p:txBody>
+            <a:bodyPr wrap="square" rtlCol="0">
+              <a:spAutoFit/>
+            </a:bodyPr>
+            <a:lstStyle/>
+            <a:p>
+              <a:pPr algn="ctr"/>
+              <a:r>
+                <a:rPr lang="en-US" sz="1200" dirty="0">
+                  <a:solidFill>
+                    <a:schemeClr val="bg1">
+                      <a:lumMod val="50000"/>
+                    </a:schemeClr>
+                  </a:solidFill>
+                  <a:latin typeface="Arial" panose="020B0604020202020204" pitchFamily="34" charset="0"/>
+                  <a:cs typeface="Arial" panose="020B0604020202020204" pitchFamily="34" charset="0"/>
+                </a:rPr>
+                <a:t> Site App </a:t>
+              </a:r>
+            </a:p>
+          </p:txBody>
+        </p:sp>
+        <p:pic>
+          <p:nvPicPr>
+            <p:cNvPr id="58" name="Picture 57">
+              <a:extLst>
+                <a:ext uri="{FF2B5EF4-FFF2-40B4-BE49-F238E27FC236}">
+                  <a16:creationId xmlns:a16="http://schemas.microsoft.com/office/drawing/2014/main" id="{AFE0A63B-FB70-2E42-AB97-F4DA1FD3CDBB}"/>
+                </a:ext>
+              </a:extLst>
+            </p:cNvPr>
+            <p:cNvPicPr>
+              <a:picLocks noChangeAspect="1"/>
+            </p:cNvPicPr>
+            <p:nvPr/>
+          </p:nvPicPr>
+          <p:blipFill>
+            <a:blip r:embed="rId7"/>
+            <a:stretch>
+              <a:fillRect/>
+            </a:stretch>
+          </p:blipFill>
+          <p:spPr>
+            <a:xfrm>
+              <a:off x="6498168" y="2681091"/>
+              <a:ext cx="406400" cy="406400"/>
+            </a:xfrm>
+            <a:prstGeom prst="rect">
+              <a:avLst/>
+            </a:prstGeom>
+          </p:spPr>
+        </p:pic>
+        <p:sp>
+          <p:nvSpPr>
+            <p:cNvPr id="65" name="Rectangle 64">
+              <a:extLst>
+                <a:ext uri="{FF2B5EF4-FFF2-40B4-BE49-F238E27FC236}">
+                  <a16:creationId xmlns:a16="http://schemas.microsoft.com/office/drawing/2014/main" id="{2ABD33C1-8EB0-F74A-99FF-CC905EFA722E}"/>
+                </a:ext>
+              </a:extLst>
+            </p:cNvPr>
+            <p:cNvSpPr/>
+            <p:nvPr/>
+          </p:nvSpPr>
+          <p:spPr>
+            <a:xfrm>
+              <a:off x="6129384" y="3374218"/>
+              <a:ext cx="1121397" cy="646331"/>
+            </a:xfrm>
+            <a:prstGeom prst="rect">
+              <a:avLst/>
+            </a:prstGeom>
+            <a:solidFill>
+              <a:schemeClr val="bg1"/>
+            </a:solidFill>
+            <a:ln w="38100">
+              <a:solidFill>
+                <a:srgbClr val="FFC000"/>
+              </a:solidFill>
+            </a:ln>
+          </p:spPr>
+          <p:txBody>
+            <a:bodyPr wrap="square">
+              <a:spAutoFit/>
+            </a:bodyPr>
+            <a:lstStyle/>
+            <a:p>
+              <a:pPr algn="ctr"/>
+              <a:r>
+                <a:rPr lang="en-US" sz="1200" dirty="0">
+                  <a:latin typeface="Arial" panose="020B0604020202020204" pitchFamily="34" charset="0"/>
+                  <a:cs typeface="Arial" panose="020B0604020202020204" pitchFamily="34" charset="0"/>
+                </a:rPr>
+                <a:t>Site Management Dashboard</a:t>
+              </a:r>
+              <a:endParaRPr lang="en-US" sz="1200" dirty="0"/>
+            </a:p>
+          </p:txBody>
+        </p:sp>
+      </p:grpSp>
+      <p:cxnSp>
+        <p:nvCxnSpPr>
+          <p:cNvPr id="184" name="Straight Arrow Connector 183">
+            <a:extLst>
+              <a:ext uri="{FF2B5EF4-FFF2-40B4-BE49-F238E27FC236}">
+                <a16:creationId xmlns:a16="http://schemas.microsoft.com/office/drawing/2014/main" id="{40B03502-AD65-8148-934F-3869AB10FCE1}"/>
+              </a:ext>
+            </a:extLst>
+          </p:cNvPr>
+          <p:cNvCxnSpPr/>
+          <p:nvPr/>
+        </p:nvCxnSpPr>
+        <p:spPr>
+          <a:xfrm>
+            <a:off x="7435151" y="1614488"/>
+            <a:ext cx="381187" cy="0"/>
+          </a:xfrm>
+          <a:prstGeom prst="straightConnector1">
+            <a:avLst/>
+          </a:prstGeom>
+          <a:ln w="38100">
+            <a:solidFill>
+              <a:srgbClr val="FFC000"/>
+            </a:solidFill>
+            <a:tailEnd type="triangle"/>
+          </a:ln>
+        </p:spPr>
+        <p:style>
+          <a:lnRef idx="1">
+            <a:schemeClr val="accent1"/>
+          </a:lnRef>
+          <a:fillRef idx="0">
+            <a:schemeClr val="accent1"/>
+          </a:fillRef>
+          <a:effectRef idx="0">
+            <a:schemeClr val="accent1"/>
+          </a:effectRef>
+          <a:fontRef idx="minor">
+            <a:schemeClr val="tx1"/>
+          </a:fontRef>
+        </p:style>
+      </p:cxnSp>
+      <p:grpSp>
+        <p:nvGrpSpPr>
+          <p:cNvPr id="214" name="Group 213">
+            <a:extLst>
+              <a:ext uri="{FF2B5EF4-FFF2-40B4-BE49-F238E27FC236}">
+                <a16:creationId xmlns:a16="http://schemas.microsoft.com/office/drawing/2014/main" id="{4C7D05CE-4D62-C74C-90A2-0BCC0066D283}"/>
+              </a:ext>
+            </a:extLst>
+          </p:cNvPr>
+          <p:cNvGrpSpPr/>
+          <p:nvPr/>
+        </p:nvGrpSpPr>
+        <p:grpSpPr>
+          <a:xfrm>
+            <a:off x="122407" y="3168539"/>
+            <a:ext cx="2254090" cy="1680552"/>
+            <a:chOff x="68023" y="4983943"/>
+            <a:chExt cx="2254090" cy="1680552"/>
+          </a:xfrm>
+        </p:grpSpPr>
+        <p:grpSp>
+          <p:nvGrpSpPr>
+            <p:cNvPr id="73" name="Group 72">
+              <a:extLst>
+                <a:ext uri="{FF2B5EF4-FFF2-40B4-BE49-F238E27FC236}">
+                  <a16:creationId xmlns:a16="http://schemas.microsoft.com/office/drawing/2014/main" id="{3F6CE830-BFFA-7F4A-B2D2-1CA44CFED0A8}"/>
+                </a:ext>
+              </a:extLst>
+            </p:cNvPr>
+            <p:cNvGrpSpPr/>
+            <p:nvPr/>
+          </p:nvGrpSpPr>
+          <p:grpSpPr>
+            <a:xfrm>
+              <a:off x="68023" y="4983943"/>
+              <a:ext cx="2254090" cy="1680552"/>
+              <a:chOff x="6005397" y="3057603"/>
+              <a:chExt cx="1371600" cy="1448086"/>
+            </a:xfrm>
+          </p:grpSpPr>
+          <p:sp>
+            <p:nvSpPr>
+              <p:cNvPr id="59" name="Rectangle 58">
+                <a:extLst>
+                  <a:ext uri="{FF2B5EF4-FFF2-40B4-BE49-F238E27FC236}">
+                    <a16:creationId xmlns:a16="http://schemas.microsoft.com/office/drawing/2014/main" id="{9C7CAED4-6918-3047-8A0B-7834A166C0BD}"/>
+                  </a:ext>
+                </a:extLst>
+              </p:cNvPr>
+              <p:cNvSpPr/>
+              <p:nvPr/>
+            </p:nvSpPr>
+            <p:spPr>
+              <a:xfrm>
+                <a:off x="6005397" y="3057603"/>
+                <a:ext cx="1371600" cy="1448086"/>
+              </a:xfrm>
+              <a:prstGeom prst="rect">
+                <a:avLst/>
+              </a:prstGeom>
+              <a:solidFill>
+                <a:schemeClr val="bg1">
+                  <a:lumMod val="85000"/>
+                </a:schemeClr>
+              </a:solidFill>
+            </p:spPr>
+            <p:style>
+              <a:lnRef idx="2">
+                <a:schemeClr val="accent1">
+                  <a:shade val="50000"/>
+                </a:schemeClr>
+              </a:lnRef>
+              <a:fillRef idx="1">
+                <a:schemeClr val="accent1"/>
+              </a:fillRef>
+              <a:effectRef idx="0">
+                <a:schemeClr val="accent1"/>
+              </a:effectRef>
+              <a:fontRef idx="minor">
+                <a:schemeClr val="lt1"/>
+              </a:fontRef>
+            </p:style>
+            <p:txBody>
+              <a:bodyPr rtlCol="0" anchor="ctr"/>
+              <a:lstStyle/>
+              <a:p>
+                <a:pPr algn="ctr"/>
+                <a:endParaRPr lang="en-US" dirty="0"/>
+              </a:p>
+            </p:txBody>
+          </p:sp>
+          <p:sp>
+            <p:nvSpPr>
+              <p:cNvPr id="60" name="TextBox 59">
+                <a:extLst>
+                  <a:ext uri="{FF2B5EF4-FFF2-40B4-BE49-F238E27FC236}">
+                    <a16:creationId xmlns:a16="http://schemas.microsoft.com/office/drawing/2014/main" id="{1EC19A9E-07DD-C541-AB3E-EA7B77C5B325}"/>
+                  </a:ext>
+                </a:extLst>
+              </p:cNvPr>
+              <p:cNvSpPr txBox="1"/>
+              <p:nvPr/>
+            </p:nvSpPr>
+            <p:spPr>
+              <a:xfrm>
+                <a:off x="6006402" y="4263617"/>
+                <a:ext cx="1370594" cy="238683"/>
+              </a:xfrm>
+              <a:prstGeom prst="rect">
+                <a:avLst/>
+              </a:prstGeom>
+              <a:noFill/>
+            </p:spPr>
+            <p:txBody>
+              <a:bodyPr wrap="square" rtlCol="0">
+                <a:spAutoFit/>
+              </a:bodyPr>
+              <a:lstStyle/>
+              <a:p>
+                <a:pPr algn="ctr"/>
+                <a:r>
+                  <a:rPr lang="en-US" sz="1200" dirty="0">
+                    <a:solidFill>
+                      <a:schemeClr val="bg1">
+                        <a:lumMod val="50000"/>
+                      </a:schemeClr>
+                    </a:solidFill>
+                    <a:latin typeface="Arial" panose="020B0604020202020204" pitchFamily="34" charset="0"/>
+                    <a:cs typeface="Arial" panose="020B0604020202020204" pitchFamily="34" charset="0"/>
+                  </a:rPr>
+                  <a:t>IHCS use cases</a:t>
+                </a:r>
+              </a:p>
+            </p:txBody>
+          </p:sp>
+        </p:grpSp>
+        <p:sp>
+          <p:nvSpPr>
+            <p:cNvPr id="85" name="Rectangle 84">
+              <a:extLst>
+                <a:ext uri="{FF2B5EF4-FFF2-40B4-BE49-F238E27FC236}">
+                  <a16:creationId xmlns:a16="http://schemas.microsoft.com/office/drawing/2014/main" id="{D9DB12F3-64E1-424A-8831-75D6C5240EAC}"/>
+                </a:ext>
+              </a:extLst>
+            </p:cNvPr>
+            <p:cNvSpPr/>
+            <p:nvPr/>
+          </p:nvSpPr>
+          <p:spPr>
+            <a:xfrm>
+              <a:off x="155448" y="5035775"/>
+              <a:ext cx="1321795" cy="276999"/>
+            </a:xfrm>
+            <a:prstGeom prst="rect">
+              <a:avLst/>
+            </a:prstGeom>
+            <a:solidFill>
+              <a:schemeClr val="bg1"/>
+            </a:solidFill>
+            <a:ln w="38100">
+              <a:solidFill>
+                <a:srgbClr val="FFC000"/>
+              </a:solidFill>
+            </a:ln>
+          </p:spPr>
+          <p:txBody>
+            <a:bodyPr wrap="square">
+              <a:spAutoFit/>
+            </a:bodyPr>
+            <a:lstStyle/>
+            <a:p>
+              <a:pPr algn="ctr"/>
+              <a:r>
+                <a:rPr lang="en-US" sz="1200" dirty="0">
+                  <a:latin typeface="Arial" panose="020B0604020202020204" pitchFamily="34" charset="0"/>
+                  <a:cs typeface="Arial" panose="020B0604020202020204" pitchFamily="34" charset="0"/>
+                </a:rPr>
+                <a:t>Get Token/pin</a:t>
+              </a:r>
+              <a:endParaRPr lang="en-US" sz="1200" dirty="0"/>
+            </a:p>
+          </p:txBody>
+        </p:sp>
+        <p:sp>
+          <p:nvSpPr>
+            <p:cNvPr id="99" name="Rectangle 98">
+              <a:extLst>
+                <a:ext uri="{FF2B5EF4-FFF2-40B4-BE49-F238E27FC236}">
+                  <a16:creationId xmlns:a16="http://schemas.microsoft.com/office/drawing/2014/main" id="{8AEA6F65-C95E-1944-A16D-4B494249491D}"/>
+                </a:ext>
+              </a:extLst>
+            </p:cNvPr>
+            <p:cNvSpPr/>
+            <p:nvPr/>
+          </p:nvSpPr>
+          <p:spPr>
+            <a:xfrm>
+              <a:off x="155448" y="5734009"/>
+              <a:ext cx="2004653" cy="276999"/>
+            </a:xfrm>
+            <a:prstGeom prst="rect">
+              <a:avLst/>
+            </a:prstGeom>
+            <a:solidFill>
+              <a:schemeClr val="bg1"/>
+            </a:solidFill>
+            <a:ln w="38100">
+              <a:solidFill>
+                <a:srgbClr val="FFC000"/>
+              </a:solidFill>
+            </a:ln>
+          </p:spPr>
+          <p:txBody>
+            <a:bodyPr wrap="square">
+              <a:spAutoFit/>
+            </a:bodyPr>
+            <a:lstStyle/>
+            <a:p>
+              <a:pPr algn="ctr"/>
+              <a:r>
+                <a:rPr lang="en-US" sz="1200" dirty="0">
+                  <a:latin typeface="Arial" panose="020B0604020202020204" pitchFamily="34" charset="0"/>
+                  <a:cs typeface="Arial" panose="020B0604020202020204" pitchFamily="34" charset="0"/>
+                </a:rPr>
+                <a:t>Get participant information</a:t>
+              </a:r>
+              <a:endParaRPr lang="en-US" sz="1200" dirty="0"/>
+            </a:p>
+          </p:txBody>
+        </p:sp>
+        <p:sp>
+          <p:nvSpPr>
+            <p:cNvPr id="119" name="Rectangle 118">
+              <a:extLst>
+                <a:ext uri="{FF2B5EF4-FFF2-40B4-BE49-F238E27FC236}">
+                  <a16:creationId xmlns:a16="http://schemas.microsoft.com/office/drawing/2014/main" id="{00829BC2-345F-F640-9048-CE5C59E6F536}"/>
+                </a:ext>
+              </a:extLst>
+            </p:cNvPr>
+            <p:cNvSpPr/>
+            <p:nvPr/>
+          </p:nvSpPr>
+          <p:spPr>
+            <a:xfrm>
+              <a:off x="155448" y="5384892"/>
+              <a:ext cx="1321796" cy="276999"/>
+            </a:xfrm>
+            <a:prstGeom prst="rect">
+              <a:avLst/>
+            </a:prstGeom>
+            <a:solidFill>
+              <a:schemeClr val="bg1"/>
+            </a:solidFill>
+            <a:ln w="38100">
+              <a:solidFill>
+                <a:srgbClr val="FFC000"/>
+              </a:solidFill>
+            </a:ln>
+          </p:spPr>
+          <p:txBody>
+            <a:bodyPr wrap="square">
+              <a:spAutoFit/>
+            </a:bodyPr>
+            <a:lstStyle/>
+            <a:p>
+              <a:pPr algn="ctr"/>
+              <a:r>
+                <a:rPr lang="en-US" sz="1200" dirty="0">
+                  <a:latin typeface="Arial" panose="020B0604020202020204" pitchFamily="34" charset="0"/>
+                  <a:cs typeface="Arial" panose="020B0604020202020204" pitchFamily="34" charset="0"/>
+                </a:rPr>
+                <a:t>Verify participant</a:t>
+              </a:r>
+              <a:endParaRPr lang="en-US" sz="1200" dirty="0"/>
+            </a:p>
+          </p:txBody>
+        </p:sp>
+        <p:sp>
+          <p:nvSpPr>
+            <p:cNvPr id="198" name="Rectangle 197">
+              <a:extLst>
+                <a:ext uri="{FF2B5EF4-FFF2-40B4-BE49-F238E27FC236}">
+                  <a16:creationId xmlns:a16="http://schemas.microsoft.com/office/drawing/2014/main" id="{E174D9CE-61FB-434C-86F1-5CDA39A0D54F}"/>
+                </a:ext>
+              </a:extLst>
+            </p:cNvPr>
+            <p:cNvSpPr/>
+            <p:nvPr/>
+          </p:nvSpPr>
+          <p:spPr>
+            <a:xfrm>
+              <a:off x="155449" y="6083127"/>
+              <a:ext cx="1321796" cy="276999"/>
+            </a:xfrm>
+            <a:prstGeom prst="rect">
+              <a:avLst/>
+            </a:prstGeom>
+            <a:solidFill>
+              <a:schemeClr val="bg1"/>
+            </a:solidFill>
+            <a:ln w="38100">
+              <a:solidFill>
+                <a:srgbClr val="C00000"/>
+              </a:solidFill>
+            </a:ln>
+          </p:spPr>
+          <p:txBody>
+            <a:bodyPr wrap="square">
+              <a:spAutoFit/>
+            </a:bodyPr>
+            <a:lstStyle/>
+            <a:p>
+              <a:pPr algn="ctr"/>
+              <a:r>
+                <a:rPr lang="en-US" sz="1200" dirty="0">
+                  <a:latin typeface="Arial" panose="020B0604020202020204" pitchFamily="34" charset="0"/>
+                  <a:cs typeface="Arial" panose="020B0604020202020204" pitchFamily="34" charset="0"/>
+                </a:rPr>
+                <a:t>Future needs</a:t>
+              </a:r>
+              <a:endParaRPr lang="en-US" sz="1200" dirty="0"/>
+            </a:p>
+          </p:txBody>
+        </p:sp>
+      </p:grpSp>
+      <p:cxnSp>
+        <p:nvCxnSpPr>
+          <p:cNvPr id="202" name="Elbow Connector 201">
+            <a:extLst>
+              <a:ext uri="{FF2B5EF4-FFF2-40B4-BE49-F238E27FC236}">
+                <a16:creationId xmlns:a16="http://schemas.microsoft.com/office/drawing/2014/main" id="{C811549B-2B36-A84A-B858-0FB219CF429D}"/>
+              </a:ext>
+            </a:extLst>
+          </p:cNvPr>
+          <p:cNvCxnSpPr>
+            <a:cxnSpLocks/>
+            <a:stCxn id="198" idx="3"/>
+            <a:endCxn id="78" idx="1"/>
+          </p:cNvCxnSpPr>
+          <p:nvPr/>
+        </p:nvCxnSpPr>
+        <p:spPr>
+          <a:xfrm>
+            <a:off x="1531629" y="4406223"/>
+            <a:ext cx="1509522" cy="68343"/>
+          </a:xfrm>
+          <a:prstGeom prst="bentConnector3">
+            <a:avLst>
+              <a:gd name="adj1" fmla="val 50000"/>
+            </a:avLst>
+          </a:prstGeom>
+          <a:ln w="38100">
+            <a:solidFill>
+              <a:srgbClr val="FF0000"/>
+            </a:solidFill>
+            <a:tailEnd type="triangle"/>
+          </a:ln>
+        </p:spPr>
+        <p:style>
+          <a:lnRef idx="1">
+            <a:schemeClr val="accent1"/>
+          </a:lnRef>
+          <a:fillRef idx="0">
+            <a:schemeClr val="accent1"/>
+          </a:fillRef>
+          <a:effectRef idx="0">
+            <a:schemeClr val="accent1"/>
+          </a:effectRef>
+          <a:fontRef idx="minor">
+            <a:schemeClr val="tx1"/>
+          </a:fontRef>
+        </p:style>
+      </p:cxnSp>
+      <p:cxnSp>
+        <p:nvCxnSpPr>
+          <p:cNvPr id="120" name="Elbow Connector 119">
+            <a:extLst>
+              <a:ext uri="{FF2B5EF4-FFF2-40B4-BE49-F238E27FC236}">
+                <a16:creationId xmlns:a16="http://schemas.microsoft.com/office/drawing/2014/main" id="{B1D395DE-FB41-7E46-A705-3A973CCF1602}"/>
+              </a:ext>
+            </a:extLst>
+          </p:cNvPr>
+          <p:cNvCxnSpPr>
+            <a:cxnSpLocks/>
+            <a:stCxn id="119" idx="3"/>
+            <a:endCxn id="118" idx="1"/>
+          </p:cNvCxnSpPr>
+          <p:nvPr/>
+        </p:nvCxnSpPr>
+        <p:spPr>
+          <a:xfrm flipV="1">
+            <a:off x="1531628" y="3691230"/>
+            <a:ext cx="1516860" cy="16758"/>
+          </a:xfrm>
+          <a:prstGeom prst="bentConnector3">
+            <a:avLst>
+              <a:gd name="adj1" fmla="val 50000"/>
+            </a:avLst>
+          </a:prstGeom>
+          <a:ln w="38100">
+            <a:solidFill>
+              <a:srgbClr val="00B050"/>
+            </a:solidFill>
+            <a:tailEnd type="triangle"/>
+          </a:ln>
+        </p:spPr>
+        <p:style>
+          <a:lnRef idx="1">
+            <a:schemeClr val="accent1"/>
+          </a:lnRef>
+          <a:fillRef idx="0">
+            <a:schemeClr val="accent1"/>
+          </a:fillRef>
+          <a:effectRef idx="0">
+            <a:schemeClr val="accent1"/>
+          </a:effectRef>
+          <a:fontRef idx="minor">
+            <a:schemeClr val="tx1"/>
+          </a:fontRef>
+        </p:style>
+      </p:cxnSp>
+      <p:cxnSp>
+        <p:nvCxnSpPr>
+          <p:cNvPr id="13" name="Elbow Connector 12">
+            <a:extLst>
+              <a:ext uri="{FF2B5EF4-FFF2-40B4-BE49-F238E27FC236}">
+                <a16:creationId xmlns:a16="http://schemas.microsoft.com/office/drawing/2014/main" id="{E49B0032-3016-664A-95A5-8B685B7ED4D2}"/>
+              </a:ext>
+            </a:extLst>
+          </p:cNvPr>
+          <p:cNvCxnSpPr>
+            <a:cxnSpLocks/>
+            <a:stCxn id="85" idx="3"/>
+            <a:endCxn id="26" idx="1"/>
+          </p:cNvCxnSpPr>
+          <p:nvPr/>
+        </p:nvCxnSpPr>
+        <p:spPr>
+          <a:xfrm flipV="1">
+            <a:off x="1531627" y="3321634"/>
+            <a:ext cx="1509524" cy="37237"/>
+          </a:xfrm>
+          <a:prstGeom prst="bentConnector3">
+            <a:avLst>
+              <a:gd name="adj1" fmla="val 50000"/>
+            </a:avLst>
+          </a:prstGeom>
+          <a:ln w="38100">
+            <a:solidFill>
+              <a:srgbClr val="00B050"/>
+            </a:solidFill>
+            <a:tailEnd type="triangle"/>
+          </a:ln>
+        </p:spPr>
+        <p:style>
+          <a:lnRef idx="1">
+            <a:schemeClr val="accent1"/>
+          </a:lnRef>
+          <a:fillRef idx="0">
+            <a:schemeClr val="accent1"/>
+          </a:fillRef>
+          <a:effectRef idx="0">
+            <a:schemeClr val="accent1"/>
+          </a:effectRef>
+          <a:fontRef idx="minor">
+            <a:schemeClr val="tx1"/>
+          </a:fontRef>
+        </p:style>
+      </p:cxnSp>
+      <p:cxnSp>
+        <p:nvCxnSpPr>
+          <p:cNvPr id="102" name="Elbow Connector 101">
+            <a:extLst>
+              <a:ext uri="{FF2B5EF4-FFF2-40B4-BE49-F238E27FC236}">
+                <a16:creationId xmlns:a16="http://schemas.microsoft.com/office/drawing/2014/main" id="{86185922-0933-6342-87AF-9A4AF02C1420}"/>
+              </a:ext>
+            </a:extLst>
+          </p:cNvPr>
+          <p:cNvCxnSpPr>
+            <a:cxnSpLocks/>
+            <a:stCxn id="99" idx="3"/>
+            <a:endCxn id="62" idx="1"/>
+          </p:cNvCxnSpPr>
+          <p:nvPr/>
+        </p:nvCxnSpPr>
+        <p:spPr>
+          <a:xfrm>
+            <a:off x="2214485" y="4057105"/>
+            <a:ext cx="826666" cy="37090"/>
+          </a:xfrm>
+          <a:prstGeom prst="bentConnector3">
+            <a:avLst>
+              <a:gd name="adj1" fmla="val 50000"/>
+            </a:avLst>
+          </a:prstGeom>
+          <a:ln w="38100">
+            <a:solidFill>
+              <a:srgbClr val="00B050"/>
+            </a:solidFill>
+            <a:tailEnd type="triangle"/>
+          </a:ln>
+        </p:spPr>
+        <p:style>
+          <a:lnRef idx="1">
+            <a:schemeClr val="accent1"/>
+          </a:lnRef>
+          <a:fillRef idx="0">
+            <a:schemeClr val="accent1"/>
+          </a:fillRef>
+          <a:effectRef idx="0">
+            <a:schemeClr val="accent1"/>
+          </a:effectRef>
+          <a:fontRef idx="minor">
+            <a:schemeClr val="tx1"/>
+          </a:fontRef>
+        </p:style>
+      </p:cxnSp>
+      <p:grpSp>
+        <p:nvGrpSpPr>
+          <p:cNvPr id="245" name="Group 244">
+            <a:extLst>
+              <a:ext uri="{FF2B5EF4-FFF2-40B4-BE49-F238E27FC236}">
+                <a16:creationId xmlns:a16="http://schemas.microsoft.com/office/drawing/2014/main" id="{9EE8FB3E-3699-2543-A973-938D30BE3995}"/>
+              </a:ext>
+            </a:extLst>
+          </p:cNvPr>
+          <p:cNvGrpSpPr/>
+          <p:nvPr/>
+        </p:nvGrpSpPr>
+        <p:grpSpPr>
+          <a:xfrm>
+            <a:off x="122410" y="5112694"/>
+            <a:ext cx="1531783" cy="1680552"/>
+            <a:chOff x="122410" y="5112694"/>
+            <a:chExt cx="1531783" cy="1680552"/>
+          </a:xfrm>
+        </p:grpSpPr>
+        <p:sp>
+          <p:nvSpPr>
+            <p:cNvPr id="207" name="Rectangle 206">
+              <a:extLst>
+                <a:ext uri="{FF2B5EF4-FFF2-40B4-BE49-F238E27FC236}">
+                  <a16:creationId xmlns:a16="http://schemas.microsoft.com/office/drawing/2014/main" id="{54693B36-E4B5-4C4D-A469-C769E92939B1}"/>
+                </a:ext>
+              </a:extLst>
+            </p:cNvPr>
+            <p:cNvSpPr/>
+            <p:nvPr/>
+          </p:nvSpPr>
+          <p:spPr>
+            <a:xfrm>
+              <a:off x="155448" y="5112694"/>
+              <a:ext cx="1463041" cy="1680552"/>
+            </a:xfrm>
+            <a:prstGeom prst="rect">
+              <a:avLst/>
+            </a:prstGeom>
+            <a:solidFill>
+              <a:schemeClr val="bg1">
+                <a:lumMod val="85000"/>
+              </a:schemeClr>
+            </a:solidFill>
+          </p:spPr>
+          <p:style>
+            <a:lnRef idx="2">
+              <a:schemeClr val="accent1">
+                <a:shade val="50000"/>
+              </a:schemeClr>
+            </a:lnRef>
+            <a:fillRef idx="1">
+              <a:schemeClr val="accent1"/>
+            </a:fillRef>
+            <a:effectRef idx="0">
+              <a:schemeClr val="accent1"/>
+            </a:effectRef>
+            <a:fontRef idx="minor">
+              <a:schemeClr val="lt1"/>
+            </a:fontRef>
+          </p:style>
+          <p:txBody>
+            <a:bodyPr rtlCol="0" anchor="ctr"/>
+            <a:lstStyle/>
+            <a:p>
+              <a:pPr algn="ctr"/>
+              <a:endParaRPr lang="en-US" dirty="0"/>
+            </a:p>
+          </p:txBody>
+        </p:sp>
+        <p:sp>
+          <p:nvSpPr>
+            <p:cNvPr id="208" name="TextBox 207">
+              <a:extLst>
+                <a:ext uri="{FF2B5EF4-FFF2-40B4-BE49-F238E27FC236}">
+                  <a16:creationId xmlns:a16="http://schemas.microsoft.com/office/drawing/2014/main" id="{EAE505B6-0687-E149-9373-4C2D0252E8D2}"/>
+                </a:ext>
+              </a:extLst>
+            </p:cNvPr>
+            <p:cNvSpPr txBox="1"/>
+            <p:nvPr/>
+          </p:nvSpPr>
+          <p:spPr>
+            <a:xfrm>
+              <a:off x="122410" y="6516246"/>
+              <a:ext cx="1531783" cy="277000"/>
+            </a:xfrm>
+            <a:prstGeom prst="rect">
+              <a:avLst/>
+            </a:prstGeom>
+            <a:noFill/>
+          </p:spPr>
+          <p:txBody>
+            <a:bodyPr wrap="square" rtlCol="0">
+              <a:spAutoFit/>
+            </a:bodyPr>
+            <a:lstStyle/>
+            <a:p>
+              <a:pPr algn="ctr"/>
+              <a:r>
+                <a:rPr lang="en-US" sz="1200" dirty="0">
+                  <a:solidFill>
+                    <a:schemeClr val="bg1">
+                      <a:lumMod val="50000"/>
+                    </a:schemeClr>
+                  </a:solidFill>
+                  <a:latin typeface="Arial" panose="020B0604020202020204" pitchFamily="34" charset="0"/>
+                  <a:cs typeface="Arial" panose="020B0604020202020204" pitchFamily="34" charset="0"/>
+                </a:rPr>
+                <a:t>NORC</a:t>
+              </a:r>
+            </a:p>
+          </p:txBody>
+        </p:sp>
+        <p:sp>
+          <p:nvSpPr>
+            <p:cNvPr id="216" name="Rectangle 215">
+              <a:extLst>
+                <a:ext uri="{FF2B5EF4-FFF2-40B4-BE49-F238E27FC236}">
+                  <a16:creationId xmlns:a16="http://schemas.microsoft.com/office/drawing/2014/main" id="{A6FC6093-2C42-E449-8C00-185BAA9C4D70}"/>
+                </a:ext>
+              </a:extLst>
+            </p:cNvPr>
+            <p:cNvSpPr/>
+            <p:nvPr/>
+          </p:nvSpPr>
+          <p:spPr>
+            <a:xfrm>
+              <a:off x="209832" y="5275685"/>
+              <a:ext cx="1321796" cy="276999"/>
+            </a:xfrm>
+            <a:prstGeom prst="rect">
+              <a:avLst/>
+            </a:prstGeom>
+            <a:solidFill>
+              <a:schemeClr val="bg1"/>
+            </a:solidFill>
+            <a:ln w="38100">
+              <a:solidFill>
+                <a:srgbClr val="C00000"/>
+              </a:solidFill>
+            </a:ln>
+          </p:spPr>
+          <p:txBody>
+            <a:bodyPr wrap="square">
+              <a:spAutoFit/>
+            </a:bodyPr>
+            <a:lstStyle/>
+            <a:p>
+              <a:pPr algn="ctr"/>
+              <a:r>
+                <a:rPr lang="en-US" sz="1200" dirty="0">
+                  <a:latin typeface="Arial" panose="020B0604020202020204" pitchFamily="34" charset="0"/>
+                  <a:cs typeface="Arial" panose="020B0604020202020204" pitchFamily="34" charset="0"/>
+                </a:rPr>
+                <a:t>Future needs</a:t>
+              </a:r>
+              <a:endParaRPr lang="en-US" sz="1200" dirty="0"/>
+            </a:p>
+          </p:txBody>
+        </p:sp>
+      </p:grpSp>
+      <p:cxnSp>
+        <p:nvCxnSpPr>
+          <p:cNvPr id="217" name="Elbow Connector 216">
+            <a:extLst>
+              <a:ext uri="{FF2B5EF4-FFF2-40B4-BE49-F238E27FC236}">
+                <a16:creationId xmlns:a16="http://schemas.microsoft.com/office/drawing/2014/main" id="{3FC88A4C-75D5-224F-9EAF-33442D9F16C1}"/>
+              </a:ext>
+            </a:extLst>
+          </p:cNvPr>
+          <p:cNvCxnSpPr>
+            <a:cxnSpLocks/>
+            <a:stCxn id="216" idx="0"/>
+            <a:endCxn id="78" idx="2"/>
+          </p:cNvCxnSpPr>
+          <p:nvPr/>
+        </p:nvCxnSpPr>
+        <p:spPr>
+          <a:xfrm rot="5400000" flipH="1" flipV="1">
+            <a:off x="1871862" y="3611933"/>
+            <a:ext cx="662620" cy="2664884"/>
+          </a:xfrm>
+          <a:prstGeom prst="bentConnector3">
+            <a:avLst>
+              <a:gd name="adj1" fmla="val 50000"/>
+            </a:avLst>
+          </a:prstGeom>
+          <a:ln w="38100">
+            <a:solidFill>
+              <a:srgbClr val="FF0000"/>
+            </a:solidFill>
+            <a:tailEnd type="triangle"/>
+          </a:ln>
+        </p:spPr>
+        <p:style>
+          <a:lnRef idx="1">
+            <a:schemeClr val="accent1"/>
+          </a:lnRef>
+          <a:fillRef idx="0">
+            <a:schemeClr val="accent1"/>
+          </a:fillRef>
+          <a:effectRef idx="0">
+            <a:schemeClr val="accent1"/>
+          </a:effectRef>
+          <a:fontRef idx="minor">
+            <a:schemeClr val="tx1"/>
+          </a:fontRef>
+        </p:style>
+      </p:cxnSp>
+      <p:grpSp>
+        <p:nvGrpSpPr>
+          <p:cNvPr id="246" name="Group 245">
+            <a:extLst>
+              <a:ext uri="{FF2B5EF4-FFF2-40B4-BE49-F238E27FC236}">
+                <a16:creationId xmlns:a16="http://schemas.microsoft.com/office/drawing/2014/main" id="{80B6BB1A-1885-274A-85BE-893819DA0EBF}"/>
+              </a:ext>
+            </a:extLst>
+          </p:cNvPr>
+          <p:cNvGrpSpPr/>
+          <p:nvPr/>
+        </p:nvGrpSpPr>
+        <p:grpSpPr>
+          <a:xfrm>
+            <a:off x="1900745" y="5112694"/>
+            <a:ext cx="1511626" cy="1680551"/>
+            <a:chOff x="2440669" y="5112694"/>
+            <a:chExt cx="1511626" cy="1680551"/>
+          </a:xfrm>
+        </p:grpSpPr>
+        <p:sp>
+          <p:nvSpPr>
+            <p:cNvPr id="221" name="Rectangle 220">
+              <a:extLst>
+                <a:ext uri="{FF2B5EF4-FFF2-40B4-BE49-F238E27FC236}">
+                  <a16:creationId xmlns:a16="http://schemas.microsoft.com/office/drawing/2014/main" id="{62B5B61C-7907-314D-B19F-C695401CFBEB}"/>
+                </a:ext>
+              </a:extLst>
+            </p:cNvPr>
+            <p:cNvSpPr/>
+            <p:nvPr/>
+          </p:nvSpPr>
+          <p:spPr>
+            <a:xfrm>
+              <a:off x="2440669" y="5112694"/>
+              <a:ext cx="1463040" cy="1680551"/>
+            </a:xfrm>
+            <a:prstGeom prst="rect">
+              <a:avLst/>
+            </a:prstGeom>
+            <a:solidFill>
+              <a:schemeClr val="bg1">
+                <a:lumMod val="85000"/>
+              </a:schemeClr>
+            </a:solidFill>
+          </p:spPr>
+          <p:style>
+            <a:lnRef idx="2">
+              <a:schemeClr val="accent1">
+                <a:shade val="50000"/>
+              </a:schemeClr>
+            </a:lnRef>
+            <a:fillRef idx="1">
+              <a:schemeClr val="accent1"/>
+            </a:fillRef>
+            <a:effectRef idx="0">
+              <a:schemeClr val="accent1"/>
+            </a:effectRef>
+            <a:fontRef idx="minor">
+              <a:schemeClr val="lt1"/>
+            </a:fontRef>
+          </p:style>
+          <p:txBody>
+            <a:bodyPr rtlCol="0" anchor="ctr"/>
+            <a:lstStyle/>
+            <a:p>
+              <a:pPr algn="ctr"/>
+              <a:endParaRPr lang="en-US" dirty="0"/>
+            </a:p>
+          </p:txBody>
+        </p:sp>
+        <p:sp>
+          <p:nvSpPr>
+            <p:cNvPr id="222" name="TextBox 221">
+              <a:extLst>
+                <a:ext uri="{FF2B5EF4-FFF2-40B4-BE49-F238E27FC236}">
+                  <a16:creationId xmlns:a16="http://schemas.microsoft.com/office/drawing/2014/main" id="{318EDBA0-3E72-EA4E-9B8E-4416AED1BDAD}"/>
+                </a:ext>
+              </a:extLst>
+            </p:cNvPr>
+            <p:cNvSpPr txBox="1"/>
+            <p:nvPr/>
+          </p:nvSpPr>
+          <p:spPr>
+            <a:xfrm>
+              <a:off x="2442771" y="6331580"/>
+              <a:ext cx="1509524" cy="461665"/>
+            </a:xfrm>
+            <a:prstGeom prst="rect">
+              <a:avLst/>
+            </a:prstGeom>
+            <a:noFill/>
+          </p:spPr>
+          <p:txBody>
+            <a:bodyPr wrap="square" rtlCol="0">
+              <a:spAutoFit/>
+            </a:bodyPr>
+            <a:lstStyle/>
+            <a:p>
+              <a:pPr algn="ctr"/>
+              <a:r>
+                <a:rPr lang="en-US" sz="1200" dirty="0">
+                  <a:solidFill>
+                    <a:schemeClr val="bg1">
+                      <a:lumMod val="50000"/>
+                    </a:schemeClr>
+                  </a:solidFill>
+                  <a:latin typeface="Arial" panose="020B0604020202020204" pitchFamily="34" charset="0"/>
+                  <a:cs typeface="Arial" panose="020B0604020202020204" pitchFamily="34" charset="0"/>
+                </a:rPr>
+                <a:t>NCI Processing Lab</a:t>
+              </a:r>
+            </a:p>
+          </p:txBody>
+        </p:sp>
+        <p:sp>
+          <p:nvSpPr>
+            <p:cNvPr id="229" name="Rectangle 228">
+              <a:extLst>
+                <a:ext uri="{FF2B5EF4-FFF2-40B4-BE49-F238E27FC236}">
+                  <a16:creationId xmlns:a16="http://schemas.microsoft.com/office/drawing/2014/main" id="{DA9DCBFF-4CBD-9F4E-BF0D-951874E203B0}"/>
+                </a:ext>
+              </a:extLst>
+            </p:cNvPr>
+            <p:cNvSpPr/>
+            <p:nvPr/>
+          </p:nvSpPr>
+          <p:spPr>
+            <a:xfrm>
+              <a:off x="2525067" y="5275685"/>
+              <a:ext cx="1321796" cy="276999"/>
+            </a:xfrm>
+            <a:prstGeom prst="rect">
+              <a:avLst/>
+            </a:prstGeom>
+            <a:solidFill>
+              <a:schemeClr val="bg1"/>
+            </a:solidFill>
+            <a:ln w="38100">
+              <a:solidFill>
+                <a:srgbClr val="C00000"/>
+              </a:solidFill>
+            </a:ln>
+          </p:spPr>
+          <p:txBody>
+            <a:bodyPr wrap="square">
+              <a:spAutoFit/>
+            </a:bodyPr>
+            <a:lstStyle/>
+            <a:p>
+              <a:pPr algn="ctr"/>
+              <a:r>
+                <a:rPr lang="en-US" sz="1200" dirty="0">
+                  <a:latin typeface="Arial" panose="020B0604020202020204" pitchFamily="34" charset="0"/>
+                  <a:cs typeface="Arial" panose="020B0604020202020204" pitchFamily="34" charset="0"/>
+                </a:rPr>
+                <a:t>Future needs</a:t>
+              </a:r>
+              <a:endParaRPr lang="en-US" sz="1200" dirty="0"/>
+            </a:p>
+          </p:txBody>
+        </p:sp>
+      </p:grpSp>
+      <p:grpSp>
+        <p:nvGrpSpPr>
+          <p:cNvPr id="247" name="Group 246">
+            <a:extLst>
+              <a:ext uri="{FF2B5EF4-FFF2-40B4-BE49-F238E27FC236}">
+                <a16:creationId xmlns:a16="http://schemas.microsoft.com/office/drawing/2014/main" id="{D3DC80C1-BAE8-7A42-B6AE-D6E831315ED3}"/>
+              </a:ext>
+            </a:extLst>
+          </p:cNvPr>
+          <p:cNvGrpSpPr/>
+          <p:nvPr/>
+        </p:nvGrpSpPr>
+        <p:grpSpPr>
+          <a:xfrm>
+            <a:off x="3658922" y="5112694"/>
+            <a:ext cx="1463039" cy="1680552"/>
+            <a:chOff x="4186956" y="5112694"/>
+            <a:chExt cx="1463039" cy="1680552"/>
+          </a:xfrm>
+        </p:grpSpPr>
+        <p:sp>
+          <p:nvSpPr>
+            <p:cNvPr id="227" name="Rectangle 226">
+              <a:extLst>
+                <a:ext uri="{FF2B5EF4-FFF2-40B4-BE49-F238E27FC236}">
+                  <a16:creationId xmlns:a16="http://schemas.microsoft.com/office/drawing/2014/main" id="{F41CA851-BA55-0C45-83A8-061F166F3408}"/>
+                </a:ext>
+              </a:extLst>
+            </p:cNvPr>
+            <p:cNvSpPr/>
+            <p:nvPr/>
+          </p:nvSpPr>
+          <p:spPr>
+            <a:xfrm>
+              <a:off x="4186956" y="5112694"/>
+              <a:ext cx="1463039" cy="1680552"/>
+            </a:xfrm>
+            <a:prstGeom prst="rect">
+              <a:avLst/>
+            </a:prstGeom>
+            <a:solidFill>
+              <a:schemeClr val="bg1">
+                <a:lumMod val="85000"/>
+              </a:schemeClr>
+            </a:solidFill>
+          </p:spPr>
+          <p:style>
+            <a:lnRef idx="2">
+              <a:schemeClr val="accent1">
+                <a:shade val="50000"/>
+              </a:schemeClr>
+            </a:lnRef>
+            <a:fillRef idx="1">
+              <a:schemeClr val="accent1"/>
+            </a:fillRef>
+            <a:effectRef idx="0">
+              <a:schemeClr val="accent1"/>
+            </a:effectRef>
+            <a:fontRef idx="minor">
+              <a:schemeClr val="lt1"/>
+            </a:fontRef>
+          </p:style>
+          <p:txBody>
+            <a:bodyPr rtlCol="0" anchor="ctr"/>
+            <a:lstStyle/>
+            <a:p>
+              <a:pPr algn="ctr"/>
+              <a:endParaRPr lang="en-US" dirty="0"/>
+            </a:p>
+          </p:txBody>
+        </p:sp>
+        <p:sp>
+          <p:nvSpPr>
+            <p:cNvPr id="228" name="TextBox 227">
+              <a:extLst>
+                <a:ext uri="{FF2B5EF4-FFF2-40B4-BE49-F238E27FC236}">
+                  <a16:creationId xmlns:a16="http://schemas.microsoft.com/office/drawing/2014/main" id="{B146FEE7-C19E-354D-8DE0-8FF8991ECB06}"/>
+                </a:ext>
+              </a:extLst>
+            </p:cNvPr>
+            <p:cNvSpPr txBox="1"/>
+            <p:nvPr/>
+          </p:nvSpPr>
+          <p:spPr>
+            <a:xfrm>
+              <a:off x="4186956" y="6516246"/>
+              <a:ext cx="1463039" cy="277000"/>
+            </a:xfrm>
+            <a:prstGeom prst="rect">
+              <a:avLst/>
+            </a:prstGeom>
+            <a:noFill/>
+          </p:spPr>
+          <p:txBody>
+            <a:bodyPr wrap="square" rtlCol="0">
+              <a:spAutoFit/>
+            </a:bodyPr>
+            <a:lstStyle/>
+            <a:p>
+              <a:pPr algn="ctr"/>
+              <a:r>
+                <a:rPr lang="en-US" sz="1200" dirty="0">
+                  <a:solidFill>
+                    <a:schemeClr val="bg1">
+                      <a:lumMod val="50000"/>
+                    </a:schemeClr>
+                  </a:solidFill>
+                  <a:latin typeface="Arial" panose="020B0604020202020204" pitchFamily="34" charset="0"/>
+                  <a:cs typeface="Arial" panose="020B0604020202020204" pitchFamily="34" charset="0"/>
+                </a:rPr>
+                <a:t>NCI Biorepository</a:t>
+              </a:r>
+            </a:p>
+          </p:txBody>
+        </p:sp>
+        <p:sp>
+          <p:nvSpPr>
+            <p:cNvPr id="230" name="Rectangle 229">
+              <a:extLst>
+                <a:ext uri="{FF2B5EF4-FFF2-40B4-BE49-F238E27FC236}">
+                  <a16:creationId xmlns:a16="http://schemas.microsoft.com/office/drawing/2014/main" id="{208EDB13-3ABA-DC44-80E6-5608632BDE67}"/>
+                </a:ext>
+              </a:extLst>
+            </p:cNvPr>
+            <p:cNvSpPr/>
+            <p:nvPr/>
+          </p:nvSpPr>
+          <p:spPr>
+            <a:xfrm>
+              <a:off x="4264208" y="5275685"/>
+              <a:ext cx="1321796" cy="276999"/>
+            </a:xfrm>
+            <a:prstGeom prst="rect">
+              <a:avLst/>
+            </a:prstGeom>
+            <a:solidFill>
+              <a:schemeClr val="bg1"/>
+            </a:solidFill>
+            <a:ln w="38100">
+              <a:solidFill>
+                <a:srgbClr val="C00000"/>
+              </a:solidFill>
+            </a:ln>
+          </p:spPr>
+          <p:txBody>
+            <a:bodyPr wrap="square">
+              <a:spAutoFit/>
+            </a:bodyPr>
+            <a:lstStyle/>
+            <a:p>
+              <a:pPr algn="ctr"/>
+              <a:r>
+                <a:rPr lang="en-US" sz="1200" dirty="0">
+                  <a:latin typeface="Arial" panose="020B0604020202020204" pitchFamily="34" charset="0"/>
+                  <a:cs typeface="Arial" panose="020B0604020202020204" pitchFamily="34" charset="0"/>
+                </a:rPr>
+                <a:t>Future needs</a:t>
+              </a:r>
+              <a:endParaRPr lang="en-US" sz="1200" dirty="0"/>
+            </a:p>
+          </p:txBody>
+        </p:sp>
+      </p:grpSp>
+      <p:cxnSp>
+        <p:nvCxnSpPr>
+          <p:cNvPr id="231" name="Elbow Connector 230">
+            <a:extLst>
+              <a:ext uri="{FF2B5EF4-FFF2-40B4-BE49-F238E27FC236}">
+                <a16:creationId xmlns:a16="http://schemas.microsoft.com/office/drawing/2014/main" id="{9D61D727-6D19-A04F-8A07-3D0321CEE030}"/>
+              </a:ext>
+            </a:extLst>
+          </p:cNvPr>
+          <p:cNvCxnSpPr>
+            <a:cxnSpLocks/>
+            <a:stCxn id="230" idx="0"/>
+            <a:endCxn id="78" idx="2"/>
+          </p:cNvCxnSpPr>
+          <p:nvPr/>
+        </p:nvCxnSpPr>
+        <p:spPr>
+          <a:xfrm rot="16200000" flipV="1">
+            <a:off x="3635033" y="4513646"/>
+            <a:ext cx="662620" cy="861458"/>
+          </a:xfrm>
+          <a:prstGeom prst="bentConnector3">
+            <a:avLst>
+              <a:gd name="adj1" fmla="val 50000"/>
+            </a:avLst>
+          </a:prstGeom>
+          <a:ln w="38100">
+            <a:solidFill>
+              <a:srgbClr val="FF0000"/>
+            </a:solidFill>
+            <a:tailEnd type="triangle"/>
+          </a:ln>
+        </p:spPr>
+        <p:style>
+          <a:lnRef idx="1">
+            <a:schemeClr val="accent1"/>
+          </a:lnRef>
+          <a:fillRef idx="0">
+            <a:schemeClr val="accent1"/>
+          </a:fillRef>
+          <a:effectRef idx="0">
+            <a:schemeClr val="accent1"/>
+          </a:effectRef>
+          <a:fontRef idx="minor">
+            <a:schemeClr val="tx1"/>
+          </a:fontRef>
+        </p:style>
+      </p:cxnSp>
+      <p:cxnSp>
+        <p:nvCxnSpPr>
+          <p:cNvPr id="235" name="Elbow Connector 234">
+            <a:extLst>
+              <a:ext uri="{FF2B5EF4-FFF2-40B4-BE49-F238E27FC236}">
+                <a16:creationId xmlns:a16="http://schemas.microsoft.com/office/drawing/2014/main" id="{85FA971D-4160-CB40-99FF-66DAD8AC2133}"/>
+              </a:ext>
+            </a:extLst>
+          </p:cNvPr>
+          <p:cNvCxnSpPr>
+            <a:cxnSpLocks/>
+            <a:stCxn id="229" idx="0"/>
+            <a:endCxn id="78" idx="2"/>
+          </p:cNvCxnSpPr>
+          <p:nvPr/>
+        </p:nvCxnSpPr>
+        <p:spPr>
+          <a:xfrm rot="5400000" flipH="1" flipV="1">
+            <a:off x="2759517" y="4499589"/>
+            <a:ext cx="662620" cy="889573"/>
+          </a:xfrm>
+          <a:prstGeom prst="bentConnector3">
+            <a:avLst>
+              <a:gd name="adj1" fmla="val 50000"/>
+            </a:avLst>
+          </a:prstGeom>
+          <a:ln w="38100">
+            <a:solidFill>
+              <a:srgbClr val="FF0000"/>
+            </a:solidFill>
+            <a:tailEnd type="triangle"/>
+          </a:ln>
+        </p:spPr>
+        <p:style>
+          <a:lnRef idx="1">
+            <a:schemeClr val="accent1"/>
+          </a:lnRef>
+          <a:fillRef idx="0">
+            <a:schemeClr val="accent1"/>
+          </a:fillRef>
+          <a:effectRef idx="0">
+            <a:schemeClr val="accent1"/>
+          </a:effectRef>
+          <a:fontRef idx="minor">
+            <a:schemeClr val="tx1"/>
+          </a:fontRef>
+        </p:style>
+      </p:cxnSp>
+      <p:grpSp>
+        <p:nvGrpSpPr>
+          <p:cNvPr id="6" name="Group 5">
+            <a:extLst>
+              <a:ext uri="{FF2B5EF4-FFF2-40B4-BE49-F238E27FC236}">
+                <a16:creationId xmlns:a16="http://schemas.microsoft.com/office/drawing/2014/main" id="{CEA61CC5-EBE5-704C-A9BE-218C033E8C98}"/>
+              </a:ext>
+            </a:extLst>
+          </p:cNvPr>
+          <p:cNvGrpSpPr/>
+          <p:nvPr/>
+        </p:nvGrpSpPr>
+        <p:grpSpPr>
+          <a:xfrm>
+            <a:off x="6030826" y="632625"/>
+            <a:ext cx="1371600" cy="2354666"/>
+            <a:chOff x="6030826" y="325312"/>
+            <a:chExt cx="1371600" cy="2354666"/>
+          </a:xfrm>
+        </p:grpSpPr>
+        <p:sp>
+          <p:nvSpPr>
+            <p:cNvPr id="25" name="Rectangle 24">
+              <a:extLst>
+                <a:ext uri="{FF2B5EF4-FFF2-40B4-BE49-F238E27FC236}">
+                  <a16:creationId xmlns:a16="http://schemas.microsoft.com/office/drawing/2014/main" id="{44E58876-C7DF-7748-879A-E8CFB7A88C90}"/>
+                </a:ext>
+              </a:extLst>
+            </p:cNvPr>
+            <p:cNvSpPr/>
+            <p:nvPr/>
+          </p:nvSpPr>
+          <p:spPr>
+            <a:xfrm>
+              <a:off x="6030826" y="325312"/>
+              <a:ext cx="1371600" cy="2354666"/>
+            </a:xfrm>
+            <a:prstGeom prst="rect">
+              <a:avLst/>
+            </a:prstGeom>
+            <a:solidFill>
+              <a:schemeClr val="bg1">
+                <a:lumMod val="85000"/>
+              </a:schemeClr>
+            </a:solidFill>
+          </p:spPr>
+          <p:style>
+            <a:lnRef idx="2">
+              <a:schemeClr val="accent1">
+                <a:shade val="50000"/>
+              </a:schemeClr>
+            </a:lnRef>
+            <a:fillRef idx="1">
+              <a:schemeClr val="accent1"/>
+            </a:fillRef>
+            <a:effectRef idx="0">
+              <a:schemeClr val="accent1"/>
+            </a:effectRef>
+            <a:fontRef idx="minor">
+              <a:schemeClr val="lt1"/>
+            </a:fontRef>
+          </p:style>
+          <p:txBody>
+            <a:bodyPr rtlCol="0" anchor="ctr"/>
+            <a:lstStyle/>
+            <a:p>
+              <a:pPr algn="ctr"/>
+              <a:endParaRPr lang="en-US" dirty="0"/>
+            </a:p>
+          </p:txBody>
+        </p:sp>
+        <p:sp>
+          <p:nvSpPr>
+            <p:cNvPr id="27" name="TextBox 26">
+              <a:extLst>
+                <a:ext uri="{FF2B5EF4-FFF2-40B4-BE49-F238E27FC236}">
+                  <a16:creationId xmlns:a16="http://schemas.microsoft.com/office/drawing/2014/main" id="{C216CB91-04EF-114E-848E-934101196852}"/>
+                </a:ext>
+              </a:extLst>
+            </p:cNvPr>
+            <p:cNvSpPr txBox="1"/>
+            <p:nvPr/>
+          </p:nvSpPr>
+          <p:spPr>
+            <a:xfrm>
+              <a:off x="6038164" y="766707"/>
+              <a:ext cx="1364262" cy="276999"/>
+            </a:xfrm>
+            <a:prstGeom prst="rect">
+              <a:avLst/>
+            </a:prstGeom>
+            <a:noFill/>
+          </p:spPr>
+          <p:txBody>
+            <a:bodyPr wrap="square" rtlCol="0">
+              <a:spAutoFit/>
+            </a:bodyPr>
+            <a:lstStyle/>
+            <a:p>
+              <a:r>
+                <a:rPr lang="en-US" sz="1200" dirty="0">
+                  <a:solidFill>
+                    <a:schemeClr val="bg1">
+                      <a:lumMod val="50000"/>
+                    </a:schemeClr>
+                  </a:solidFill>
+                  <a:latin typeface="Arial" panose="020B0604020202020204" pitchFamily="34" charset="0"/>
+                  <a:cs typeface="Arial" panose="020B0604020202020204" pitchFamily="34" charset="0"/>
+                </a:rPr>
+                <a:t>Participant App</a:t>
+              </a:r>
+            </a:p>
+          </p:txBody>
+        </p:sp>
+        <p:pic>
+          <p:nvPicPr>
+            <p:cNvPr id="31" name="Picture 30">
+              <a:extLst>
+                <a:ext uri="{FF2B5EF4-FFF2-40B4-BE49-F238E27FC236}">
+                  <a16:creationId xmlns:a16="http://schemas.microsoft.com/office/drawing/2014/main" id="{B8F4B1C4-FBE6-1342-934E-760DF2524E03}"/>
+                </a:ext>
+              </a:extLst>
+            </p:cNvPr>
+            <p:cNvPicPr>
+              <a:picLocks noChangeAspect="1"/>
+            </p:cNvPicPr>
+            <p:nvPr/>
+          </p:nvPicPr>
+          <p:blipFill>
+            <a:blip r:embed="rId7"/>
+            <a:stretch>
+              <a:fillRect/>
+            </a:stretch>
+          </p:blipFill>
+          <p:spPr>
+            <a:xfrm>
+              <a:off x="6513426" y="433079"/>
+              <a:ext cx="406400" cy="406400"/>
+            </a:xfrm>
+            <a:prstGeom prst="rect">
+              <a:avLst/>
+            </a:prstGeom>
+          </p:spPr>
+        </p:pic>
+        <p:sp>
+          <p:nvSpPr>
+            <p:cNvPr id="37" name="Rectangle 36">
+              <a:extLst>
+                <a:ext uri="{FF2B5EF4-FFF2-40B4-BE49-F238E27FC236}">
+                  <a16:creationId xmlns:a16="http://schemas.microsoft.com/office/drawing/2014/main" id="{67B582C5-2EAB-CF42-9381-F336FD45D0BE}"/>
+                </a:ext>
+              </a:extLst>
+            </p:cNvPr>
+            <p:cNvSpPr/>
+            <p:nvPr/>
+          </p:nvSpPr>
+          <p:spPr>
+            <a:xfrm>
+              <a:off x="6155928" y="1145625"/>
+              <a:ext cx="1121397" cy="276999"/>
+            </a:xfrm>
+            <a:prstGeom prst="rect">
+              <a:avLst/>
+            </a:prstGeom>
+            <a:solidFill>
+              <a:schemeClr val="bg1"/>
+            </a:solidFill>
+            <a:ln w="38100">
+              <a:solidFill>
+                <a:srgbClr val="FFC000"/>
+              </a:solidFill>
+            </a:ln>
+          </p:spPr>
+          <p:txBody>
+            <a:bodyPr wrap="square">
+              <a:spAutoFit/>
+            </a:bodyPr>
+            <a:lstStyle/>
+            <a:p>
+              <a:pPr algn="ctr"/>
+              <a:r>
+                <a:rPr lang="en-US" sz="1200" dirty="0">
+                  <a:latin typeface="Arial" panose="020B0604020202020204" pitchFamily="34" charset="0"/>
+                  <a:cs typeface="Arial" panose="020B0604020202020204" pitchFamily="34" charset="0"/>
+                </a:rPr>
+                <a:t>Registration</a:t>
+              </a:r>
+              <a:endParaRPr lang="en-US" sz="1200" dirty="0"/>
+            </a:p>
+          </p:txBody>
+        </p:sp>
+        <p:sp>
+          <p:nvSpPr>
+            <p:cNvPr id="38" name="Rectangle 37">
+              <a:extLst>
+                <a:ext uri="{FF2B5EF4-FFF2-40B4-BE49-F238E27FC236}">
+                  <a16:creationId xmlns:a16="http://schemas.microsoft.com/office/drawing/2014/main" id="{45247ED2-1D51-DC4B-9B0D-CB3ACF7E3999}"/>
+                </a:ext>
+              </a:extLst>
+            </p:cNvPr>
+            <p:cNvSpPr/>
+            <p:nvPr/>
+          </p:nvSpPr>
+          <p:spPr>
+            <a:xfrm>
+              <a:off x="6155928" y="1988192"/>
+              <a:ext cx="1121397" cy="461665"/>
+            </a:xfrm>
+            <a:prstGeom prst="rect">
+              <a:avLst/>
+            </a:prstGeom>
+            <a:solidFill>
+              <a:schemeClr val="bg1"/>
+            </a:solidFill>
+            <a:ln w="38100">
+              <a:solidFill>
+                <a:srgbClr val="FFC000"/>
+              </a:solidFill>
+            </a:ln>
+          </p:spPr>
+          <p:txBody>
+            <a:bodyPr wrap="square">
+              <a:spAutoFit/>
+            </a:bodyPr>
+            <a:lstStyle/>
+            <a:p>
+              <a:pPr algn="ctr"/>
+              <a:r>
+                <a:rPr lang="en-US" sz="1200" dirty="0">
+                  <a:latin typeface="Arial" panose="020B0604020202020204" pitchFamily="34" charset="0"/>
+                  <a:cs typeface="Arial" panose="020B0604020202020204" pitchFamily="34" charset="0"/>
+                </a:rPr>
+                <a:t>Participant Dashboard</a:t>
+              </a:r>
+              <a:endParaRPr lang="en-US" sz="1200" dirty="0"/>
+            </a:p>
+          </p:txBody>
+        </p:sp>
+        <p:sp>
+          <p:nvSpPr>
+            <p:cNvPr id="69" name="Rectangle 68">
+              <a:extLst>
+                <a:ext uri="{FF2B5EF4-FFF2-40B4-BE49-F238E27FC236}">
+                  <a16:creationId xmlns:a16="http://schemas.microsoft.com/office/drawing/2014/main" id="{CBD3FB4A-0EBF-214A-974A-FA44047D18FF}"/>
+                </a:ext>
+              </a:extLst>
+            </p:cNvPr>
+            <p:cNvSpPr/>
+            <p:nvPr/>
+          </p:nvSpPr>
+          <p:spPr>
+            <a:xfrm>
+              <a:off x="6155928" y="1566909"/>
+              <a:ext cx="1121397" cy="276999"/>
+            </a:xfrm>
+            <a:prstGeom prst="rect">
+              <a:avLst/>
+            </a:prstGeom>
+            <a:solidFill>
+              <a:schemeClr val="bg1"/>
+            </a:solidFill>
+            <a:ln w="38100">
+              <a:solidFill>
+                <a:srgbClr val="FFFF00"/>
+              </a:solidFill>
+            </a:ln>
+          </p:spPr>
+          <p:txBody>
+            <a:bodyPr wrap="square">
+              <a:spAutoFit/>
+            </a:bodyPr>
+            <a:lstStyle/>
+            <a:p>
+              <a:pPr algn="ctr"/>
+              <a:r>
+                <a:rPr lang="en-US" sz="1200" dirty="0">
+                  <a:latin typeface="Arial" panose="020B0604020202020204" pitchFamily="34" charset="0"/>
+                  <a:cs typeface="Arial" panose="020B0604020202020204" pitchFamily="34" charset="0"/>
+                </a:rPr>
+                <a:t>Consent</a:t>
+              </a:r>
+              <a:endParaRPr lang="en-US" sz="1200" dirty="0"/>
+            </a:p>
+          </p:txBody>
+        </p:sp>
+        <p:sp>
+          <p:nvSpPr>
+            <p:cNvPr id="5" name="TextBox 4">
+              <a:extLst>
+                <a:ext uri="{FF2B5EF4-FFF2-40B4-BE49-F238E27FC236}">
+                  <a16:creationId xmlns:a16="http://schemas.microsoft.com/office/drawing/2014/main" id="{09B58560-F43E-444A-8D5E-BE811EC0C424}"/>
+                </a:ext>
+              </a:extLst>
+            </p:cNvPr>
+            <p:cNvSpPr txBox="1"/>
+            <p:nvPr/>
+          </p:nvSpPr>
+          <p:spPr>
+            <a:xfrm>
+              <a:off x="6301738" y="2073211"/>
+              <a:ext cx="184731" cy="369332"/>
+            </a:xfrm>
+            <a:prstGeom prst="rect">
+              <a:avLst/>
+            </a:prstGeom>
+            <a:noFill/>
+          </p:spPr>
+          <p:txBody>
+            <a:bodyPr wrap="none" rtlCol="0">
+              <a:spAutoFit/>
+            </a:bodyPr>
+            <a:lstStyle/>
+            <a:p>
+              <a:endParaRPr lang="en-US" dirty="0"/>
+            </a:p>
+          </p:txBody>
+        </p:sp>
+      </p:grpSp>
       <p:grpSp>
         <p:nvGrpSpPr>
           <p:cNvPr id="56" name="Group 55">
@@ -3817,7 +7592,7 @@
             <p:nvPr/>
           </p:nvPicPr>
           <p:blipFill>
-            <a:blip r:embed="rId4"/>
+            <a:blip r:embed="rId7"/>
             <a:stretch>
               <a:fillRect/>
             </a:stretch>
@@ -4116,2591 +7891,6 @@
           </p:txBody>
         </p:sp>
       </p:grpSp>
-      <p:grpSp>
-        <p:nvGrpSpPr>
-          <p:cNvPr id="73" name="Group 72">
-            <a:extLst>
-              <a:ext uri="{FF2B5EF4-FFF2-40B4-BE49-F238E27FC236}">
-                <a16:creationId xmlns:a16="http://schemas.microsoft.com/office/drawing/2014/main" id="{3F6CE830-BFFA-7F4A-B2D2-1CA44CFED0A8}"/>
-              </a:ext>
-            </a:extLst>
-          </p:cNvPr>
-          <p:cNvGrpSpPr/>
-          <p:nvPr/>
-        </p:nvGrpSpPr>
-        <p:grpSpPr>
-          <a:xfrm>
-            <a:off x="68022" y="4983943"/>
-            <a:ext cx="5072387" cy="1680552"/>
-            <a:chOff x="6005397" y="3057603"/>
-            <a:chExt cx="1371600" cy="1448086"/>
-          </a:xfrm>
-        </p:grpSpPr>
-        <p:sp>
-          <p:nvSpPr>
-            <p:cNvPr id="59" name="Rectangle 58">
-              <a:extLst>
-                <a:ext uri="{FF2B5EF4-FFF2-40B4-BE49-F238E27FC236}">
-                  <a16:creationId xmlns:a16="http://schemas.microsoft.com/office/drawing/2014/main" id="{9C7CAED4-6918-3047-8A0B-7834A166C0BD}"/>
-                </a:ext>
-              </a:extLst>
-            </p:cNvPr>
-            <p:cNvSpPr/>
-            <p:nvPr/>
-          </p:nvSpPr>
-          <p:spPr>
-            <a:xfrm>
-              <a:off x="6005397" y="3057603"/>
-              <a:ext cx="1371600" cy="1448086"/>
-            </a:xfrm>
-            <a:prstGeom prst="rect">
-              <a:avLst/>
-            </a:prstGeom>
-            <a:solidFill>
-              <a:schemeClr val="bg1">
-                <a:lumMod val="85000"/>
-              </a:schemeClr>
-            </a:solidFill>
-          </p:spPr>
-          <p:style>
-            <a:lnRef idx="2">
-              <a:schemeClr val="accent1">
-                <a:shade val="50000"/>
-              </a:schemeClr>
-            </a:lnRef>
-            <a:fillRef idx="1">
-              <a:schemeClr val="accent1"/>
-            </a:fillRef>
-            <a:effectRef idx="0">
-              <a:schemeClr val="accent1"/>
-            </a:effectRef>
-            <a:fontRef idx="minor">
-              <a:schemeClr val="lt1"/>
-            </a:fontRef>
-          </p:style>
-          <p:txBody>
-            <a:bodyPr rtlCol="0" anchor="ctr"/>
-            <a:lstStyle/>
-            <a:p>
-              <a:pPr algn="ctr"/>
-              <a:endParaRPr lang="en-US" dirty="0"/>
-            </a:p>
-          </p:txBody>
-        </p:sp>
-        <p:sp>
-          <p:nvSpPr>
-            <p:cNvPr id="60" name="TextBox 59">
-              <a:extLst>
-                <a:ext uri="{FF2B5EF4-FFF2-40B4-BE49-F238E27FC236}">
-                  <a16:creationId xmlns:a16="http://schemas.microsoft.com/office/drawing/2014/main" id="{1EC19A9E-07DD-C541-AB3E-EA7B77C5B325}"/>
-                </a:ext>
-              </a:extLst>
-            </p:cNvPr>
-            <p:cNvSpPr txBox="1"/>
-            <p:nvPr/>
-          </p:nvSpPr>
-          <p:spPr>
-            <a:xfrm>
-              <a:off x="6006402" y="4263617"/>
-              <a:ext cx="1370595" cy="238683"/>
-            </a:xfrm>
-            <a:prstGeom prst="rect">
-              <a:avLst/>
-            </a:prstGeom>
-            <a:noFill/>
-          </p:spPr>
-          <p:txBody>
-            <a:bodyPr wrap="square" rtlCol="0">
-              <a:spAutoFit/>
-            </a:bodyPr>
-            <a:lstStyle/>
-            <a:p>
-              <a:pPr algn="ctr"/>
-              <a:r>
-                <a:rPr lang="en-US" sz="1200" dirty="0">
-                  <a:solidFill>
-                    <a:schemeClr val="bg1">
-                      <a:lumMod val="50000"/>
-                    </a:schemeClr>
-                  </a:solidFill>
-                  <a:latin typeface="Arial" panose="020B0604020202020204" pitchFamily="34" charset="0"/>
-                  <a:cs typeface="Arial" panose="020B0604020202020204" pitchFamily="34" charset="0"/>
-                </a:rPr>
-                <a:t>IHCS use cases</a:t>
-              </a:r>
-            </a:p>
-          </p:txBody>
-        </p:sp>
-      </p:grpSp>
-      <p:sp>
-        <p:nvSpPr>
-          <p:cNvPr id="11" name="Rectangle 10">
-            <a:extLst>
-              <a:ext uri="{FF2B5EF4-FFF2-40B4-BE49-F238E27FC236}">
-                <a16:creationId xmlns:a16="http://schemas.microsoft.com/office/drawing/2014/main" id="{DA1BCB67-E5DB-0A48-9120-698E32B5F743}"/>
-              </a:ext>
-            </a:extLst>
-          </p:cNvPr>
-          <p:cNvSpPr/>
-          <p:nvPr/>
-        </p:nvSpPr>
-        <p:spPr>
-          <a:xfrm>
-            <a:off x="2740331" y="750191"/>
-            <a:ext cx="1371600" cy="3991232"/>
-          </a:xfrm>
-          <a:prstGeom prst="rect">
-            <a:avLst/>
-          </a:prstGeom>
-          <a:solidFill>
-            <a:schemeClr val="bg1">
-              <a:lumMod val="85000"/>
-            </a:schemeClr>
-          </a:solidFill>
-        </p:spPr>
-        <p:style>
-          <a:lnRef idx="2">
-            <a:schemeClr val="accent1">
-              <a:shade val="50000"/>
-            </a:schemeClr>
-          </a:lnRef>
-          <a:fillRef idx="1">
-            <a:schemeClr val="accent1"/>
-          </a:fillRef>
-          <a:effectRef idx="0">
-            <a:schemeClr val="accent1"/>
-          </a:effectRef>
-          <a:fontRef idx="minor">
-            <a:schemeClr val="lt1"/>
-          </a:fontRef>
-        </p:style>
-        <p:txBody>
-          <a:bodyPr rtlCol="0" anchor="ctr"/>
-          <a:lstStyle/>
-          <a:p>
-            <a:pPr algn="ctr"/>
-            <a:endParaRPr lang="en-US"/>
-          </a:p>
-        </p:txBody>
-      </p:sp>
-      <p:pic>
-        <p:nvPicPr>
-          <p:cNvPr id="7" name="Picture 6">
-            <a:extLst>
-              <a:ext uri="{FF2B5EF4-FFF2-40B4-BE49-F238E27FC236}">
-                <a16:creationId xmlns:a16="http://schemas.microsoft.com/office/drawing/2014/main" id="{E992AB58-7B35-5B4F-8361-0DBE33B58BC4}"/>
-              </a:ext>
-            </a:extLst>
-          </p:cNvPr>
-          <p:cNvPicPr>
-            <a:picLocks noChangeAspect="1"/>
-          </p:cNvPicPr>
-          <p:nvPr/>
-        </p:nvPicPr>
-        <p:blipFill>
-          <a:blip r:embed="rId5"/>
-          <a:stretch>
-            <a:fillRect/>
-          </a:stretch>
-        </p:blipFill>
-        <p:spPr>
-          <a:xfrm>
-            <a:off x="3197531" y="881998"/>
-            <a:ext cx="457200" cy="457200"/>
-          </a:xfrm>
-          <a:prstGeom prst="rect">
-            <a:avLst/>
-          </a:prstGeom>
-        </p:spPr>
-      </p:pic>
-      <p:sp>
-        <p:nvSpPr>
-          <p:cNvPr id="10" name="TextBox 9">
-            <a:extLst>
-              <a:ext uri="{FF2B5EF4-FFF2-40B4-BE49-F238E27FC236}">
-                <a16:creationId xmlns:a16="http://schemas.microsoft.com/office/drawing/2014/main" id="{EC491EBB-1795-9F49-9EEB-C8D552E8A1C9}"/>
-              </a:ext>
-            </a:extLst>
-          </p:cNvPr>
-          <p:cNvSpPr txBox="1"/>
-          <p:nvPr/>
-        </p:nvSpPr>
-        <p:spPr>
-          <a:xfrm>
-            <a:off x="2740331" y="1330959"/>
-            <a:ext cx="1357726" cy="276999"/>
-          </a:xfrm>
-          <a:prstGeom prst="rect">
-            <a:avLst/>
-          </a:prstGeom>
-          <a:noFill/>
-        </p:spPr>
-        <p:txBody>
-          <a:bodyPr wrap="square" rtlCol="0">
-            <a:spAutoFit/>
-          </a:bodyPr>
-          <a:lstStyle/>
-          <a:p>
-            <a:pPr algn="ctr"/>
-            <a:r>
-              <a:rPr lang="en-US" sz="1200" dirty="0">
-                <a:solidFill>
-                  <a:schemeClr val="bg1">
-                    <a:lumMod val="50000"/>
-                  </a:schemeClr>
-                </a:solidFill>
-                <a:latin typeface="Arial" panose="020B0604020202020204" pitchFamily="34" charset="0"/>
-                <a:cs typeface="Arial" panose="020B0604020202020204" pitchFamily="34" charset="0"/>
-              </a:rPr>
-              <a:t>Connect APIs</a:t>
-            </a:r>
-          </a:p>
-        </p:txBody>
-      </p:sp>
-      <p:sp>
-        <p:nvSpPr>
-          <p:cNvPr id="22" name="Rectangle 21">
-            <a:extLst>
-              <a:ext uri="{FF2B5EF4-FFF2-40B4-BE49-F238E27FC236}">
-                <a16:creationId xmlns:a16="http://schemas.microsoft.com/office/drawing/2014/main" id="{0D4AA49B-4385-AE4E-9A72-2CFD2468B3D6}"/>
-              </a:ext>
-            </a:extLst>
-          </p:cNvPr>
-          <p:cNvSpPr/>
-          <p:nvPr/>
-        </p:nvSpPr>
-        <p:spPr>
-          <a:xfrm>
-            <a:off x="3534044" y="1629371"/>
-            <a:ext cx="1121397" cy="276999"/>
-          </a:xfrm>
-          <a:prstGeom prst="rect">
-            <a:avLst/>
-          </a:prstGeom>
-          <a:solidFill>
-            <a:schemeClr val="bg1"/>
-          </a:solidFill>
-          <a:ln w="38100">
-            <a:solidFill>
-              <a:srgbClr val="00B050"/>
-            </a:solidFill>
-          </a:ln>
-        </p:spPr>
-        <p:txBody>
-          <a:bodyPr wrap="none">
-            <a:spAutoFit/>
-          </a:bodyPr>
-          <a:lstStyle/>
-          <a:p>
-            <a:r>
-              <a:rPr lang="en-US" sz="1200" dirty="0" err="1">
-                <a:latin typeface="Arial" panose="020B0604020202020204" pitchFamily="34" charset="0"/>
-                <a:cs typeface="Arial" panose="020B0604020202020204" pitchFamily="34" charset="0"/>
-              </a:rPr>
-              <a:t>validateToken</a:t>
-            </a:r>
-            <a:endParaRPr lang="en-US" sz="1200" dirty="0"/>
-          </a:p>
-        </p:txBody>
-      </p:sp>
-      <p:sp>
-        <p:nvSpPr>
-          <p:cNvPr id="23" name="Rectangle 22">
-            <a:extLst>
-              <a:ext uri="{FF2B5EF4-FFF2-40B4-BE49-F238E27FC236}">
-                <a16:creationId xmlns:a16="http://schemas.microsoft.com/office/drawing/2014/main" id="{5FA90A53-119B-4F4B-8687-96E559FFCDD3}"/>
-              </a:ext>
-            </a:extLst>
-          </p:cNvPr>
-          <p:cNvSpPr/>
-          <p:nvPr/>
-        </p:nvSpPr>
-        <p:spPr>
-          <a:xfrm>
-            <a:off x="3510609" y="2392222"/>
-            <a:ext cx="1156086" cy="276999"/>
-          </a:xfrm>
-          <a:prstGeom prst="rect">
-            <a:avLst/>
-          </a:prstGeom>
-          <a:solidFill>
-            <a:schemeClr val="bg1"/>
-          </a:solidFill>
-          <a:ln w="38100">
-            <a:solidFill>
-              <a:srgbClr val="00B050"/>
-            </a:solidFill>
-          </a:ln>
-        </p:spPr>
-        <p:txBody>
-          <a:bodyPr wrap="none">
-            <a:spAutoFit/>
-          </a:bodyPr>
-          <a:lstStyle/>
-          <a:p>
-            <a:r>
-              <a:rPr lang="en-US" sz="1200" dirty="0" err="1">
-                <a:latin typeface="Arial" panose="020B0604020202020204" pitchFamily="34" charset="0"/>
-                <a:cs typeface="Arial" panose="020B0604020202020204" pitchFamily="34" charset="0"/>
-              </a:rPr>
-              <a:t>getUserProfile</a:t>
-            </a:r>
-            <a:endParaRPr lang="en-US" sz="1200" dirty="0"/>
-          </a:p>
-        </p:txBody>
-      </p:sp>
-      <p:sp>
-        <p:nvSpPr>
-          <p:cNvPr id="26" name="Rectangle 25">
-            <a:extLst>
-              <a:ext uri="{FF2B5EF4-FFF2-40B4-BE49-F238E27FC236}">
-                <a16:creationId xmlns:a16="http://schemas.microsoft.com/office/drawing/2014/main" id="{63D8B9B2-D0FC-FD4E-AA96-6D0B9B418CB9}"/>
-              </a:ext>
-            </a:extLst>
-          </p:cNvPr>
-          <p:cNvSpPr/>
-          <p:nvPr/>
-        </p:nvSpPr>
-        <p:spPr>
-          <a:xfrm>
-            <a:off x="3497061" y="2031650"/>
-            <a:ext cx="1531766" cy="276999"/>
-          </a:xfrm>
-          <a:prstGeom prst="rect">
-            <a:avLst/>
-          </a:prstGeom>
-          <a:solidFill>
-            <a:schemeClr val="bg1"/>
-          </a:solidFill>
-          <a:ln w="38100">
-            <a:solidFill>
-              <a:srgbClr val="00B050"/>
-            </a:solidFill>
-          </a:ln>
-        </p:spPr>
-        <p:txBody>
-          <a:bodyPr wrap="none">
-            <a:spAutoFit/>
-          </a:bodyPr>
-          <a:lstStyle/>
-          <a:p>
-            <a:r>
-              <a:rPr lang="en-US" sz="1200" dirty="0" err="1">
-                <a:latin typeface="Arial" panose="020B0604020202020204" pitchFamily="34" charset="0"/>
-                <a:cs typeface="Arial" panose="020B0604020202020204" pitchFamily="34" charset="0"/>
-              </a:rPr>
-              <a:t>getParticipantToken</a:t>
-            </a:r>
-            <a:endParaRPr lang="en-US" sz="1200" dirty="0">
-              <a:latin typeface="Arial" panose="020B0604020202020204" pitchFamily="34" charset="0"/>
-              <a:cs typeface="Arial" panose="020B0604020202020204" pitchFamily="34" charset="0"/>
-            </a:endParaRPr>
-          </a:p>
-        </p:txBody>
-      </p:sp>
-      <p:sp>
-        <p:nvSpPr>
-          <p:cNvPr id="62" name="Rectangle 61">
-            <a:extLst>
-              <a:ext uri="{FF2B5EF4-FFF2-40B4-BE49-F238E27FC236}">
-                <a16:creationId xmlns:a16="http://schemas.microsoft.com/office/drawing/2014/main" id="{575CA71D-10E0-BD4B-993E-C82114014B7C}"/>
-              </a:ext>
-            </a:extLst>
-          </p:cNvPr>
-          <p:cNvSpPr/>
-          <p:nvPr/>
-        </p:nvSpPr>
-        <p:spPr>
-          <a:xfrm>
-            <a:off x="3510609" y="2769243"/>
-            <a:ext cx="1199367" cy="276999"/>
-          </a:xfrm>
-          <a:prstGeom prst="rect">
-            <a:avLst/>
-          </a:prstGeom>
-          <a:solidFill>
-            <a:schemeClr val="bg1"/>
-          </a:solidFill>
-          <a:ln w="38100">
-            <a:solidFill>
-              <a:srgbClr val="00B050"/>
-            </a:solidFill>
-          </a:ln>
-        </p:spPr>
-        <p:txBody>
-          <a:bodyPr wrap="none">
-            <a:spAutoFit/>
-          </a:bodyPr>
-          <a:lstStyle/>
-          <a:p>
-            <a:r>
-              <a:rPr lang="en-US" sz="1200" b="0" i="0" dirty="0" err="1">
-                <a:solidFill>
-                  <a:srgbClr val="282828"/>
-                </a:solidFill>
-                <a:effectLst/>
-                <a:latin typeface="Arial" panose="020B0604020202020204" pitchFamily="34" charset="0"/>
-                <a:cs typeface="Arial" panose="020B0604020202020204" pitchFamily="34" charset="0"/>
-              </a:rPr>
-              <a:t>getParticipants</a:t>
-            </a:r>
-            <a:endParaRPr lang="en-US" sz="1200" dirty="0">
-              <a:latin typeface="Arial" panose="020B0604020202020204" pitchFamily="34" charset="0"/>
-              <a:cs typeface="Arial" panose="020B0604020202020204" pitchFamily="34" charset="0"/>
-            </a:endParaRPr>
-          </a:p>
-        </p:txBody>
-      </p:sp>
-      <p:sp>
-        <p:nvSpPr>
-          <p:cNvPr id="64" name="Rectangle 63">
-            <a:extLst>
-              <a:ext uri="{FF2B5EF4-FFF2-40B4-BE49-F238E27FC236}">
-                <a16:creationId xmlns:a16="http://schemas.microsoft.com/office/drawing/2014/main" id="{5B4D8BE1-9193-ED4A-97B6-10AF6CB3562A}"/>
-              </a:ext>
-            </a:extLst>
-          </p:cNvPr>
-          <p:cNvSpPr/>
-          <p:nvPr/>
-        </p:nvSpPr>
-        <p:spPr>
-          <a:xfrm>
-            <a:off x="3510609" y="3123556"/>
-            <a:ext cx="1394934" cy="276999"/>
-          </a:xfrm>
-          <a:prstGeom prst="rect">
-            <a:avLst/>
-          </a:prstGeom>
-          <a:solidFill>
-            <a:schemeClr val="bg1"/>
-          </a:solidFill>
-          <a:ln w="38100">
-            <a:solidFill>
-              <a:srgbClr val="00B050"/>
-            </a:solidFill>
-          </a:ln>
-        </p:spPr>
-        <p:txBody>
-          <a:bodyPr wrap="none">
-            <a:spAutoFit/>
-          </a:bodyPr>
-          <a:lstStyle/>
-          <a:p>
-            <a:r>
-              <a:rPr lang="en-US" sz="1200" dirty="0" err="1">
-                <a:latin typeface="Arial" panose="020B0604020202020204" pitchFamily="34" charset="0"/>
-                <a:cs typeface="Arial" panose="020B0604020202020204" pitchFamily="34" charset="0"/>
-              </a:rPr>
-              <a:t>identifyParticipant</a:t>
-            </a:r>
-            <a:endParaRPr lang="en-US" sz="1200" dirty="0">
-              <a:latin typeface="Arial" panose="020B0604020202020204" pitchFamily="34" charset="0"/>
-              <a:cs typeface="Arial" panose="020B0604020202020204" pitchFamily="34" charset="0"/>
-            </a:endParaRPr>
-          </a:p>
-        </p:txBody>
-      </p:sp>
-      <p:cxnSp>
-        <p:nvCxnSpPr>
-          <p:cNvPr id="67" name="Straight Connector 66">
-            <a:extLst>
-              <a:ext uri="{FF2B5EF4-FFF2-40B4-BE49-F238E27FC236}">
-                <a16:creationId xmlns:a16="http://schemas.microsoft.com/office/drawing/2014/main" id="{9217A09F-8802-164C-90B4-0FF664D70FBA}"/>
-              </a:ext>
-            </a:extLst>
-          </p:cNvPr>
-          <p:cNvCxnSpPr>
-            <a:cxnSpLocks/>
-          </p:cNvCxnSpPr>
-          <p:nvPr/>
-        </p:nvCxnSpPr>
-        <p:spPr>
-          <a:xfrm flipH="1">
-            <a:off x="5189838" y="1238110"/>
-            <a:ext cx="815560" cy="628989"/>
-          </a:xfrm>
-          <a:prstGeom prst="line">
-            <a:avLst/>
-          </a:prstGeom>
-          <a:ln>
-            <a:headEnd type="none" w="lg" len="lg"/>
-            <a:tailEnd type="stealth" w="lg" len="lg"/>
-          </a:ln>
-        </p:spPr>
-        <p:style>
-          <a:lnRef idx="1">
-            <a:schemeClr val="accent1"/>
-          </a:lnRef>
-          <a:fillRef idx="0">
-            <a:schemeClr val="accent1"/>
-          </a:fillRef>
-          <a:effectRef idx="0">
-            <a:schemeClr val="accent1"/>
-          </a:effectRef>
-          <a:fontRef idx="minor">
-            <a:schemeClr val="tx1"/>
-          </a:fontRef>
-        </p:style>
-      </p:cxnSp>
-      <p:cxnSp>
-        <p:nvCxnSpPr>
-          <p:cNvPr id="68" name="Straight Connector 67">
-            <a:extLst>
-              <a:ext uri="{FF2B5EF4-FFF2-40B4-BE49-F238E27FC236}">
-                <a16:creationId xmlns:a16="http://schemas.microsoft.com/office/drawing/2014/main" id="{BC6BEDAF-4C36-4648-B2F9-D68647073EE4}"/>
-              </a:ext>
-            </a:extLst>
-          </p:cNvPr>
-          <p:cNvCxnSpPr>
-            <a:cxnSpLocks/>
-          </p:cNvCxnSpPr>
-          <p:nvPr/>
-        </p:nvCxnSpPr>
-        <p:spPr>
-          <a:xfrm flipH="1" flipV="1">
-            <a:off x="4987241" y="2427866"/>
-            <a:ext cx="999026" cy="1736407"/>
-          </a:xfrm>
-          <a:prstGeom prst="line">
-            <a:avLst/>
-          </a:prstGeom>
-          <a:ln>
-            <a:headEnd type="none" w="lg" len="lg"/>
-            <a:tailEnd type="stealth" w="lg" len="lg"/>
-          </a:ln>
-        </p:spPr>
-        <p:style>
-          <a:lnRef idx="1">
-            <a:schemeClr val="accent1"/>
-          </a:lnRef>
-          <a:fillRef idx="0">
-            <a:schemeClr val="accent1"/>
-          </a:fillRef>
-          <a:effectRef idx="0">
-            <a:schemeClr val="accent1"/>
-          </a:effectRef>
-          <a:fontRef idx="minor">
-            <a:schemeClr val="tx1"/>
-          </a:fontRef>
-        </p:style>
-      </p:cxnSp>
-      <p:grpSp>
-        <p:nvGrpSpPr>
-          <p:cNvPr id="4" name="Group 3">
-            <a:extLst>
-              <a:ext uri="{FF2B5EF4-FFF2-40B4-BE49-F238E27FC236}">
-                <a16:creationId xmlns:a16="http://schemas.microsoft.com/office/drawing/2014/main" id="{C33A828C-5AF1-B940-86F7-AF48DFE182FC}"/>
-              </a:ext>
-            </a:extLst>
-          </p:cNvPr>
-          <p:cNvGrpSpPr/>
-          <p:nvPr/>
-        </p:nvGrpSpPr>
-        <p:grpSpPr>
-          <a:xfrm>
-            <a:off x="6030826" y="3084905"/>
-            <a:ext cx="1371600" cy="1538952"/>
-            <a:chOff x="6015568" y="2573324"/>
-            <a:chExt cx="1371600" cy="1538952"/>
-          </a:xfrm>
-        </p:grpSpPr>
-        <p:sp>
-          <p:nvSpPr>
-            <p:cNvPr id="53" name="Rectangle 52">
-              <a:extLst>
-                <a:ext uri="{FF2B5EF4-FFF2-40B4-BE49-F238E27FC236}">
-                  <a16:creationId xmlns:a16="http://schemas.microsoft.com/office/drawing/2014/main" id="{B2A30675-B2DC-2F42-9E11-1D108A8DCF69}"/>
-                </a:ext>
-              </a:extLst>
-            </p:cNvPr>
-            <p:cNvSpPr/>
-            <p:nvPr/>
-          </p:nvSpPr>
-          <p:spPr>
-            <a:xfrm>
-              <a:off x="6015568" y="2573324"/>
-              <a:ext cx="1371600" cy="1538952"/>
-            </a:xfrm>
-            <a:prstGeom prst="rect">
-              <a:avLst/>
-            </a:prstGeom>
-            <a:solidFill>
-              <a:schemeClr val="bg1">
-                <a:lumMod val="85000"/>
-              </a:schemeClr>
-            </a:solidFill>
-          </p:spPr>
-          <p:style>
-            <a:lnRef idx="2">
-              <a:schemeClr val="accent1">
-                <a:shade val="50000"/>
-              </a:schemeClr>
-            </a:lnRef>
-            <a:fillRef idx="1">
-              <a:schemeClr val="accent1"/>
-            </a:fillRef>
-            <a:effectRef idx="0">
-              <a:schemeClr val="accent1"/>
-            </a:effectRef>
-            <a:fontRef idx="minor">
-              <a:schemeClr val="lt1"/>
-            </a:fontRef>
-          </p:style>
-          <p:txBody>
-            <a:bodyPr rtlCol="0" anchor="ctr"/>
-            <a:lstStyle/>
-            <a:p>
-              <a:pPr algn="ctr"/>
-              <a:endParaRPr lang="en-US" dirty="0"/>
-            </a:p>
-          </p:txBody>
-        </p:sp>
-        <p:sp>
-          <p:nvSpPr>
-            <p:cNvPr id="57" name="TextBox 56">
-              <a:extLst>
-                <a:ext uri="{FF2B5EF4-FFF2-40B4-BE49-F238E27FC236}">
-                  <a16:creationId xmlns:a16="http://schemas.microsoft.com/office/drawing/2014/main" id="{A790AB81-E943-5B47-A2CF-832CFD9F549C}"/>
-                </a:ext>
-              </a:extLst>
-            </p:cNvPr>
-            <p:cNvSpPr txBox="1"/>
-            <p:nvPr/>
-          </p:nvSpPr>
-          <p:spPr>
-            <a:xfrm>
-              <a:off x="6022906" y="3051295"/>
-              <a:ext cx="1364262" cy="276999"/>
-            </a:xfrm>
-            <a:prstGeom prst="rect">
-              <a:avLst/>
-            </a:prstGeom>
-            <a:noFill/>
-          </p:spPr>
-          <p:txBody>
-            <a:bodyPr wrap="square" rtlCol="0">
-              <a:spAutoFit/>
-            </a:bodyPr>
-            <a:lstStyle/>
-            <a:p>
-              <a:pPr algn="ctr"/>
-              <a:r>
-                <a:rPr lang="en-US" sz="1200" dirty="0">
-                  <a:solidFill>
-                    <a:schemeClr val="bg1">
-                      <a:lumMod val="50000"/>
-                    </a:schemeClr>
-                  </a:solidFill>
-                  <a:latin typeface="Arial" panose="020B0604020202020204" pitchFamily="34" charset="0"/>
-                  <a:cs typeface="Arial" panose="020B0604020202020204" pitchFamily="34" charset="0"/>
-                </a:rPr>
-                <a:t> Site App </a:t>
-              </a:r>
-            </a:p>
-          </p:txBody>
-        </p:sp>
-        <p:pic>
-          <p:nvPicPr>
-            <p:cNvPr id="58" name="Picture 57">
-              <a:extLst>
-                <a:ext uri="{FF2B5EF4-FFF2-40B4-BE49-F238E27FC236}">
-                  <a16:creationId xmlns:a16="http://schemas.microsoft.com/office/drawing/2014/main" id="{AFE0A63B-FB70-2E42-AB97-F4DA1FD3CDBB}"/>
-                </a:ext>
-              </a:extLst>
-            </p:cNvPr>
-            <p:cNvPicPr>
-              <a:picLocks noChangeAspect="1"/>
-            </p:cNvPicPr>
-            <p:nvPr/>
-          </p:nvPicPr>
-          <p:blipFill>
-            <a:blip r:embed="rId4"/>
-            <a:stretch>
-              <a:fillRect/>
-            </a:stretch>
-          </p:blipFill>
-          <p:spPr>
-            <a:xfrm>
-              <a:off x="6498168" y="2681091"/>
-              <a:ext cx="406400" cy="406400"/>
-            </a:xfrm>
-            <a:prstGeom prst="rect">
-              <a:avLst/>
-            </a:prstGeom>
-          </p:spPr>
-        </p:pic>
-        <p:sp>
-          <p:nvSpPr>
-            <p:cNvPr id="65" name="Rectangle 64">
-              <a:extLst>
-                <a:ext uri="{FF2B5EF4-FFF2-40B4-BE49-F238E27FC236}">
-                  <a16:creationId xmlns:a16="http://schemas.microsoft.com/office/drawing/2014/main" id="{2ABD33C1-8EB0-F74A-99FF-CC905EFA722E}"/>
-                </a:ext>
-              </a:extLst>
-            </p:cNvPr>
-            <p:cNvSpPr/>
-            <p:nvPr/>
-          </p:nvSpPr>
-          <p:spPr>
-            <a:xfrm>
-              <a:off x="6129384" y="3374218"/>
-              <a:ext cx="1121397" cy="646331"/>
-            </a:xfrm>
-            <a:prstGeom prst="rect">
-              <a:avLst/>
-            </a:prstGeom>
-            <a:solidFill>
-              <a:schemeClr val="bg1"/>
-            </a:solidFill>
-            <a:ln w="38100">
-              <a:solidFill>
-                <a:srgbClr val="FFC000"/>
-              </a:solidFill>
-            </a:ln>
-          </p:spPr>
-          <p:txBody>
-            <a:bodyPr wrap="square">
-              <a:spAutoFit/>
-            </a:bodyPr>
-            <a:lstStyle/>
-            <a:p>
-              <a:pPr algn="ctr"/>
-              <a:r>
-                <a:rPr lang="en-US" sz="1200" dirty="0">
-                  <a:latin typeface="Arial" panose="020B0604020202020204" pitchFamily="34" charset="0"/>
-                  <a:cs typeface="Arial" panose="020B0604020202020204" pitchFamily="34" charset="0"/>
-                </a:rPr>
-                <a:t>Site Management Dashboard</a:t>
-              </a:r>
-              <a:endParaRPr lang="en-US" sz="1200" dirty="0"/>
-            </a:p>
-          </p:txBody>
-        </p:sp>
-      </p:grpSp>
-      <p:grpSp>
-        <p:nvGrpSpPr>
-          <p:cNvPr id="9" name="Group 8">
-            <a:extLst>
-              <a:ext uri="{FF2B5EF4-FFF2-40B4-BE49-F238E27FC236}">
-                <a16:creationId xmlns:a16="http://schemas.microsoft.com/office/drawing/2014/main" id="{76D129A0-1930-204B-B51C-7E889B275F20}"/>
-              </a:ext>
-            </a:extLst>
-          </p:cNvPr>
-          <p:cNvGrpSpPr/>
-          <p:nvPr/>
-        </p:nvGrpSpPr>
-        <p:grpSpPr>
-          <a:xfrm>
-            <a:off x="6136702" y="5472276"/>
-            <a:ext cx="5314208" cy="1270530"/>
-            <a:chOff x="155448" y="5391088"/>
-            <a:chExt cx="5314208" cy="1270530"/>
-          </a:xfrm>
-        </p:grpSpPr>
-        <p:sp>
-          <p:nvSpPr>
-            <p:cNvPr id="8" name="Rectangle 7">
-              <a:extLst>
-                <a:ext uri="{FF2B5EF4-FFF2-40B4-BE49-F238E27FC236}">
-                  <a16:creationId xmlns:a16="http://schemas.microsoft.com/office/drawing/2014/main" id="{A2469AF2-DF57-BB45-9EE9-6D09F5A2C457}"/>
-                </a:ext>
-              </a:extLst>
-            </p:cNvPr>
-            <p:cNvSpPr/>
-            <p:nvPr/>
-          </p:nvSpPr>
-          <p:spPr>
-            <a:xfrm>
-              <a:off x="155448" y="5755191"/>
-              <a:ext cx="5314208" cy="906427"/>
-            </a:xfrm>
-            <a:prstGeom prst="rect">
-              <a:avLst/>
-            </a:prstGeom>
-            <a:solidFill>
-              <a:schemeClr val="bg1">
-                <a:lumMod val="95000"/>
-              </a:schemeClr>
-            </a:solidFill>
-            <a:ln>
-              <a:solidFill>
-                <a:schemeClr val="tx1"/>
-              </a:solidFill>
-              <a:prstDash val="dash"/>
-            </a:ln>
-          </p:spPr>
-          <p:style>
-            <a:lnRef idx="2">
-              <a:schemeClr val="accent1">
-                <a:shade val="50000"/>
-              </a:schemeClr>
-            </a:lnRef>
-            <a:fillRef idx="1">
-              <a:schemeClr val="accent1"/>
-            </a:fillRef>
-            <a:effectRef idx="0">
-              <a:schemeClr val="accent1"/>
-            </a:effectRef>
-            <a:fontRef idx="minor">
-              <a:schemeClr val="lt1"/>
-            </a:fontRef>
-          </p:style>
-          <p:txBody>
-            <a:bodyPr rtlCol="0" anchor="ctr"/>
-            <a:lstStyle/>
-            <a:p>
-              <a:pPr algn="ctr"/>
-              <a:endParaRPr lang="en-US"/>
-            </a:p>
-          </p:txBody>
-        </p:sp>
-        <p:sp>
-          <p:nvSpPr>
-            <p:cNvPr id="71" name="TextBox 70">
-              <a:extLst>
-                <a:ext uri="{FF2B5EF4-FFF2-40B4-BE49-F238E27FC236}">
-                  <a16:creationId xmlns:a16="http://schemas.microsoft.com/office/drawing/2014/main" id="{FEF7469F-E85C-8047-9BC0-D688FE90DA96}"/>
-                </a:ext>
-              </a:extLst>
-            </p:cNvPr>
-            <p:cNvSpPr txBox="1"/>
-            <p:nvPr/>
-          </p:nvSpPr>
-          <p:spPr>
-            <a:xfrm>
-              <a:off x="2162374" y="5391088"/>
-              <a:ext cx="1300356" cy="369332"/>
-            </a:xfrm>
-            <a:prstGeom prst="rect">
-              <a:avLst/>
-            </a:prstGeom>
-            <a:noFill/>
-          </p:spPr>
-          <p:txBody>
-            <a:bodyPr wrap="none" rtlCol="0">
-              <a:spAutoFit/>
-            </a:bodyPr>
-            <a:lstStyle/>
-            <a:p>
-              <a:r>
-                <a:rPr lang="en-US" dirty="0">
-                  <a:latin typeface="Arial" panose="020B0604020202020204" pitchFamily="34" charset="0"/>
-                  <a:cs typeface="Arial" panose="020B0604020202020204" pitchFamily="34" charset="0"/>
-                </a:rPr>
-                <a:t>Status Key</a:t>
-              </a:r>
-            </a:p>
-          </p:txBody>
-        </p:sp>
-        <p:grpSp>
-          <p:nvGrpSpPr>
-            <p:cNvPr id="3" name="Group 2">
-              <a:extLst>
-                <a:ext uri="{FF2B5EF4-FFF2-40B4-BE49-F238E27FC236}">
-                  <a16:creationId xmlns:a16="http://schemas.microsoft.com/office/drawing/2014/main" id="{C9C3C71A-51F2-DB43-A921-3620E45F32C0}"/>
-                </a:ext>
-              </a:extLst>
-            </p:cNvPr>
-            <p:cNvGrpSpPr/>
-            <p:nvPr/>
-          </p:nvGrpSpPr>
-          <p:grpSpPr>
-            <a:xfrm>
-              <a:off x="356617" y="5885239"/>
-              <a:ext cx="4911871" cy="646331"/>
-              <a:chOff x="400525" y="5867582"/>
-              <a:chExt cx="4911871" cy="646331"/>
-            </a:xfrm>
-          </p:grpSpPr>
-          <p:sp>
-            <p:nvSpPr>
-              <p:cNvPr id="54" name="Rectangle 53">
-                <a:extLst>
-                  <a:ext uri="{FF2B5EF4-FFF2-40B4-BE49-F238E27FC236}">
-                    <a16:creationId xmlns:a16="http://schemas.microsoft.com/office/drawing/2014/main" id="{D1E2FCEE-6277-1D45-A6A9-1BA683A9B36B}"/>
-                  </a:ext>
-                </a:extLst>
-              </p:cNvPr>
-              <p:cNvSpPr/>
-              <p:nvPr/>
-            </p:nvSpPr>
-            <p:spPr>
-              <a:xfrm>
-                <a:off x="400525" y="5867582"/>
-                <a:ext cx="1097280" cy="646331"/>
-              </a:xfrm>
-              <a:prstGeom prst="rect">
-                <a:avLst/>
-              </a:prstGeom>
-              <a:solidFill>
-                <a:schemeClr val="bg1"/>
-              </a:solidFill>
-              <a:ln w="38100">
-                <a:solidFill>
-                  <a:srgbClr val="00B050"/>
-                </a:solidFill>
-              </a:ln>
-            </p:spPr>
-            <p:txBody>
-              <a:bodyPr wrap="square">
-                <a:spAutoFit/>
-              </a:bodyPr>
-              <a:lstStyle/>
-              <a:p>
-                <a:pPr algn="ctr"/>
-                <a:r>
-                  <a:rPr lang="en-US" sz="1200" dirty="0">
-                    <a:latin typeface="Arial" panose="020B0604020202020204" pitchFamily="34" charset="0"/>
-                    <a:cs typeface="Arial" panose="020B0604020202020204" pitchFamily="34" charset="0"/>
-                  </a:rPr>
-                  <a:t>Complete or almost complete</a:t>
-                </a:r>
-                <a:endParaRPr lang="en-US" sz="1200" dirty="0"/>
-              </a:p>
-            </p:txBody>
-          </p:sp>
-          <p:sp>
-            <p:nvSpPr>
-              <p:cNvPr id="55" name="Rectangle 54">
-                <a:extLst>
-                  <a:ext uri="{FF2B5EF4-FFF2-40B4-BE49-F238E27FC236}">
-                    <a16:creationId xmlns:a16="http://schemas.microsoft.com/office/drawing/2014/main" id="{AFD978A6-56A3-AA41-8741-39F67B9DB91E}"/>
-                  </a:ext>
-                </a:extLst>
-              </p:cNvPr>
-              <p:cNvSpPr/>
-              <p:nvPr/>
-            </p:nvSpPr>
-            <p:spPr>
-              <a:xfrm>
-                <a:off x="4215116" y="5959915"/>
-                <a:ext cx="1097280" cy="461665"/>
-              </a:xfrm>
-              <a:prstGeom prst="rect">
-                <a:avLst/>
-              </a:prstGeom>
-              <a:solidFill>
-                <a:schemeClr val="bg1"/>
-              </a:solidFill>
-              <a:ln w="38100">
-                <a:solidFill>
-                  <a:srgbClr val="C00000"/>
-                </a:solidFill>
-              </a:ln>
-            </p:spPr>
-            <p:txBody>
-              <a:bodyPr wrap="square">
-                <a:spAutoFit/>
-              </a:bodyPr>
-              <a:lstStyle/>
-              <a:p>
-                <a:pPr algn="ctr"/>
-                <a:r>
-                  <a:rPr lang="en-US" sz="1200" dirty="0">
-                    <a:latin typeface="Arial" panose="020B0604020202020204" pitchFamily="34" charset="0"/>
-                    <a:cs typeface="Arial" panose="020B0604020202020204" pitchFamily="34" charset="0"/>
-                  </a:rPr>
-                  <a:t>Not </a:t>
-                </a:r>
-              </a:p>
-              <a:p>
-                <a:pPr algn="ctr"/>
-                <a:r>
-                  <a:rPr lang="en-US" sz="1200" dirty="0">
-                    <a:latin typeface="Arial" panose="020B0604020202020204" pitchFamily="34" charset="0"/>
-                    <a:cs typeface="Arial" panose="020B0604020202020204" pitchFamily="34" charset="0"/>
-                  </a:rPr>
-                  <a:t>Started</a:t>
-                </a:r>
-              </a:p>
-            </p:txBody>
-          </p:sp>
-          <p:sp>
-            <p:nvSpPr>
-              <p:cNvPr id="61" name="Rectangle 60">
-                <a:extLst>
-                  <a:ext uri="{FF2B5EF4-FFF2-40B4-BE49-F238E27FC236}">
-                    <a16:creationId xmlns:a16="http://schemas.microsoft.com/office/drawing/2014/main" id="{1940505D-7B2C-E84D-88C9-B14207CC02EF}"/>
-                  </a:ext>
-                </a:extLst>
-              </p:cNvPr>
-              <p:cNvSpPr/>
-              <p:nvPr/>
-            </p:nvSpPr>
-            <p:spPr>
-              <a:xfrm>
-                <a:off x="1672055" y="6052248"/>
-                <a:ext cx="1097280" cy="276999"/>
-              </a:xfrm>
-              <a:prstGeom prst="rect">
-                <a:avLst/>
-              </a:prstGeom>
-              <a:solidFill>
-                <a:schemeClr val="bg1"/>
-              </a:solidFill>
-              <a:ln w="38100">
-                <a:solidFill>
-                  <a:srgbClr val="FFFF00"/>
-                </a:solidFill>
-              </a:ln>
-            </p:spPr>
-            <p:txBody>
-              <a:bodyPr wrap="square">
-                <a:spAutoFit/>
-              </a:bodyPr>
-              <a:lstStyle/>
-              <a:p>
-                <a:pPr algn="ctr"/>
-                <a:r>
-                  <a:rPr lang="en-US" sz="1200" dirty="0">
-                    <a:latin typeface="Arial" panose="020B0604020202020204" pitchFamily="34" charset="0"/>
-                    <a:cs typeface="Arial" panose="020B0604020202020204" pitchFamily="34" charset="0"/>
-                  </a:rPr>
-                  <a:t>Prototype</a:t>
-                </a:r>
-                <a:endParaRPr lang="en-US" sz="1200" dirty="0"/>
-              </a:p>
-            </p:txBody>
-          </p:sp>
-          <p:sp>
-            <p:nvSpPr>
-              <p:cNvPr id="66" name="Rectangle 65">
-                <a:extLst>
-                  <a:ext uri="{FF2B5EF4-FFF2-40B4-BE49-F238E27FC236}">
-                    <a16:creationId xmlns:a16="http://schemas.microsoft.com/office/drawing/2014/main" id="{7F043CFA-7DC2-C44A-8264-0E7AD4BE55BE}"/>
-                  </a:ext>
-                </a:extLst>
-              </p:cNvPr>
-              <p:cNvSpPr/>
-              <p:nvPr/>
-            </p:nvSpPr>
-            <p:spPr>
-              <a:xfrm>
-                <a:off x="2943585" y="5959915"/>
-                <a:ext cx="1097280" cy="461665"/>
-              </a:xfrm>
-              <a:prstGeom prst="rect">
-                <a:avLst/>
-              </a:prstGeom>
-              <a:solidFill>
-                <a:schemeClr val="bg1"/>
-              </a:solidFill>
-              <a:ln w="38100">
-                <a:solidFill>
-                  <a:srgbClr val="FFC000"/>
-                </a:solidFill>
-              </a:ln>
-            </p:spPr>
-            <p:txBody>
-              <a:bodyPr wrap="square">
-                <a:spAutoFit/>
-              </a:bodyPr>
-              <a:lstStyle/>
-              <a:p>
-                <a:pPr algn="ctr"/>
-                <a:r>
-                  <a:rPr lang="en-US" sz="1200" dirty="0">
-                    <a:latin typeface="Arial" panose="020B0604020202020204" pitchFamily="34" charset="0"/>
-                    <a:cs typeface="Arial" panose="020B0604020202020204" pitchFamily="34" charset="0"/>
-                  </a:rPr>
-                  <a:t>In active development</a:t>
-                </a:r>
-              </a:p>
-            </p:txBody>
-          </p:sp>
-        </p:grpSp>
-      </p:grpSp>
-      <p:grpSp>
-        <p:nvGrpSpPr>
-          <p:cNvPr id="6" name="Group 5">
-            <a:extLst>
-              <a:ext uri="{FF2B5EF4-FFF2-40B4-BE49-F238E27FC236}">
-                <a16:creationId xmlns:a16="http://schemas.microsoft.com/office/drawing/2014/main" id="{CEA61CC5-EBE5-704C-A9BE-218C033E8C98}"/>
-              </a:ext>
-            </a:extLst>
-          </p:cNvPr>
-          <p:cNvGrpSpPr/>
-          <p:nvPr/>
-        </p:nvGrpSpPr>
-        <p:grpSpPr>
-          <a:xfrm>
-            <a:off x="6030826" y="632625"/>
-            <a:ext cx="1371600" cy="2354666"/>
-            <a:chOff x="6030826" y="325312"/>
-            <a:chExt cx="1371600" cy="2354666"/>
-          </a:xfrm>
-        </p:grpSpPr>
-        <p:sp>
-          <p:nvSpPr>
-            <p:cNvPr id="25" name="Rectangle 24">
-              <a:extLst>
-                <a:ext uri="{FF2B5EF4-FFF2-40B4-BE49-F238E27FC236}">
-                  <a16:creationId xmlns:a16="http://schemas.microsoft.com/office/drawing/2014/main" id="{44E58876-C7DF-7748-879A-E8CFB7A88C90}"/>
-                </a:ext>
-              </a:extLst>
-            </p:cNvPr>
-            <p:cNvSpPr/>
-            <p:nvPr/>
-          </p:nvSpPr>
-          <p:spPr>
-            <a:xfrm>
-              <a:off x="6030826" y="325312"/>
-              <a:ext cx="1371600" cy="2354666"/>
-            </a:xfrm>
-            <a:prstGeom prst="rect">
-              <a:avLst/>
-            </a:prstGeom>
-            <a:solidFill>
-              <a:schemeClr val="bg1">
-                <a:lumMod val="85000"/>
-              </a:schemeClr>
-            </a:solidFill>
-          </p:spPr>
-          <p:style>
-            <a:lnRef idx="2">
-              <a:schemeClr val="accent1">
-                <a:shade val="50000"/>
-              </a:schemeClr>
-            </a:lnRef>
-            <a:fillRef idx="1">
-              <a:schemeClr val="accent1"/>
-            </a:fillRef>
-            <a:effectRef idx="0">
-              <a:schemeClr val="accent1"/>
-            </a:effectRef>
-            <a:fontRef idx="minor">
-              <a:schemeClr val="lt1"/>
-            </a:fontRef>
-          </p:style>
-          <p:txBody>
-            <a:bodyPr rtlCol="0" anchor="ctr"/>
-            <a:lstStyle/>
-            <a:p>
-              <a:pPr algn="ctr"/>
-              <a:endParaRPr lang="en-US" dirty="0"/>
-            </a:p>
-          </p:txBody>
-        </p:sp>
-        <p:sp>
-          <p:nvSpPr>
-            <p:cNvPr id="27" name="TextBox 26">
-              <a:extLst>
-                <a:ext uri="{FF2B5EF4-FFF2-40B4-BE49-F238E27FC236}">
-                  <a16:creationId xmlns:a16="http://schemas.microsoft.com/office/drawing/2014/main" id="{C216CB91-04EF-114E-848E-934101196852}"/>
-                </a:ext>
-              </a:extLst>
-            </p:cNvPr>
-            <p:cNvSpPr txBox="1"/>
-            <p:nvPr/>
-          </p:nvSpPr>
-          <p:spPr>
-            <a:xfrm>
-              <a:off x="6038164" y="766707"/>
-              <a:ext cx="1364262" cy="276999"/>
-            </a:xfrm>
-            <a:prstGeom prst="rect">
-              <a:avLst/>
-            </a:prstGeom>
-            <a:noFill/>
-          </p:spPr>
-          <p:txBody>
-            <a:bodyPr wrap="square" rtlCol="0">
-              <a:spAutoFit/>
-            </a:bodyPr>
-            <a:lstStyle/>
-            <a:p>
-              <a:r>
-                <a:rPr lang="en-US" sz="1200" dirty="0">
-                  <a:solidFill>
-                    <a:schemeClr val="bg1">
-                      <a:lumMod val="50000"/>
-                    </a:schemeClr>
-                  </a:solidFill>
-                  <a:latin typeface="Arial" panose="020B0604020202020204" pitchFamily="34" charset="0"/>
-                  <a:cs typeface="Arial" panose="020B0604020202020204" pitchFamily="34" charset="0"/>
-                </a:rPr>
-                <a:t>Participant App</a:t>
-              </a:r>
-            </a:p>
-          </p:txBody>
-        </p:sp>
-        <p:pic>
-          <p:nvPicPr>
-            <p:cNvPr id="31" name="Picture 30">
-              <a:extLst>
-                <a:ext uri="{FF2B5EF4-FFF2-40B4-BE49-F238E27FC236}">
-                  <a16:creationId xmlns:a16="http://schemas.microsoft.com/office/drawing/2014/main" id="{B8F4B1C4-FBE6-1342-934E-760DF2524E03}"/>
-                </a:ext>
-              </a:extLst>
-            </p:cNvPr>
-            <p:cNvPicPr>
-              <a:picLocks noChangeAspect="1"/>
-            </p:cNvPicPr>
-            <p:nvPr/>
-          </p:nvPicPr>
-          <p:blipFill>
-            <a:blip r:embed="rId4"/>
-            <a:stretch>
-              <a:fillRect/>
-            </a:stretch>
-          </p:blipFill>
-          <p:spPr>
-            <a:xfrm>
-              <a:off x="6513426" y="433079"/>
-              <a:ext cx="406400" cy="406400"/>
-            </a:xfrm>
-            <a:prstGeom prst="rect">
-              <a:avLst/>
-            </a:prstGeom>
-          </p:spPr>
-        </p:pic>
-        <p:sp>
-          <p:nvSpPr>
-            <p:cNvPr id="37" name="Rectangle 36">
-              <a:extLst>
-                <a:ext uri="{FF2B5EF4-FFF2-40B4-BE49-F238E27FC236}">
-                  <a16:creationId xmlns:a16="http://schemas.microsoft.com/office/drawing/2014/main" id="{67B582C5-2EAB-CF42-9381-F336FD45D0BE}"/>
-                </a:ext>
-              </a:extLst>
-            </p:cNvPr>
-            <p:cNvSpPr/>
-            <p:nvPr/>
-          </p:nvSpPr>
-          <p:spPr>
-            <a:xfrm>
-              <a:off x="6155928" y="1145625"/>
-              <a:ext cx="1121397" cy="276999"/>
-            </a:xfrm>
-            <a:prstGeom prst="rect">
-              <a:avLst/>
-            </a:prstGeom>
-            <a:solidFill>
-              <a:schemeClr val="bg1"/>
-            </a:solidFill>
-            <a:ln w="38100">
-              <a:solidFill>
-                <a:srgbClr val="FFC000"/>
-              </a:solidFill>
-            </a:ln>
-          </p:spPr>
-          <p:txBody>
-            <a:bodyPr wrap="square">
-              <a:spAutoFit/>
-            </a:bodyPr>
-            <a:lstStyle/>
-            <a:p>
-              <a:pPr algn="ctr"/>
-              <a:r>
-                <a:rPr lang="en-US" sz="1200" dirty="0">
-                  <a:latin typeface="Arial" panose="020B0604020202020204" pitchFamily="34" charset="0"/>
-                  <a:cs typeface="Arial" panose="020B0604020202020204" pitchFamily="34" charset="0"/>
-                </a:rPr>
-                <a:t>Registration</a:t>
-              </a:r>
-              <a:endParaRPr lang="en-US" sz="1200" dirty="0"/>
-            </a:p>
-          </p:txBody>
-        </p:sp>
-        <p:sp>
-          <p:nvSpPr>
-            <p:cNvPr id="38" name="Rectangle 37">
-              <a:extLst>
-                <a:ext uri="{FF2B5EF4-FFF2-40B4-BE49-F238E27FC236}">
-                  <a16:creationId xmlns:a16="http://schemas.microsoft.com/office/drawing/2014/main" id="{45247ED2-1D51-DC4B-9B0D-CB3ACF7E3999}"/>
-                </a:ext>
-              </a:extLst>
-            </p:cNvPr>
-            <p:cNvSpPr/>
-            <p:nvPr/>
-          </p:nvSpPr>
-          <p:spPr>
-            <a:xfrm>
-              <a:off x="6155928" y="1988192"/>
-              <a:ext cx="1121397" cy="461665"/>
-            </a:xfrm>
-            <a:prstGeom prst="rect">
-              <a:avLst/>
-            </a:prstGeom>
-            <a:solidFill>
-              <a:schemeClr val="bg1"/>
-            </a:solidFill>
-            <a:ln w="38100">
-              <a:solidFill>
-                <a:srgbClr val="FFC000"/>
-              </a:solidFill>
-            </a:ln>
-          </p:spPr>
-          <p:txBody>
-            <a:bodyPr wrap="square">
-              <a:spAutoFit/>
-            </a:bodyPr>
-            <a:lstStyle/>
-            <a:p>
-              <a:pPr algn="ctr"/>
-              <a:r>
-                <a:rPr lang="en-US" sz="1200" dirty="0">
-                  <a:latin typeface="Arial" panose="020B0604020202020204" pitchFamily="34" charset="0"/>
-                  <a:cs typeface="Arial" panose="020B0604020202020204" pitchFamily="34" charset="0"/>
-                </a:rPr>
-                <a:t>Participant Dashboard</a:t>
-              </a:r>
-              <a:endParaRPr lang="en-US" sz="1200" dirty="0"/>
-            </a:p>
-          </p:txBody>
-        </p:sp>
-        <p:sp>
-          <p:nvSpPr>
-            <p:cNvPr id="69" name="Rectangle 68">
-              <a:extLst>
-                <a:ext uri="{FF2B5EF4-FFF2-40B4-BE49-F238E27FC236}">
-                  <a16:creationId xmlns:a16="http://schemas.microsoft.com/office/drawing/2014/main" id="{CBD3FB4A-0EBF-214A-974A-FA44047D18FF}"/>
-                </a:ext>
-              </a:extLst>
-            </p:cNvPr>
-            <p:cNvSpPr/>
-            <p:nvPr/>
-          </p:nvSpPr>
-          <p:spPr>
-            <a:xfrm>
-              <a:off x="6155928" y="1566909"/>
-              <a:ext cx="1121397" cy="276999"/>
-            </a:xfrm>
-            <a:prstGeom prst="rect">
-              <a:avLst/>
-            </a:prstGeom>
-            <a:solidFill>
-              <a:schemeClr val="bg1"/>
-            </a:solidFill>
-            <a:ln w="38100">
-              <a:solidFill>
-                <a:srgbClr val="FFFF00"/>
-              </a:solidFill>
-            </a:ln>
-          </p:spPr>
-          <p:txBody>
-            <a:bodyPr wrap="square">
-              <a:spAutoFit/>
-            </a:bodyPr>
-            <a:lstStyle/>
-            <a:p>
-              <a:pPr algn="ctr"/>
-              <a:r>
-                <a:rPr lang="en-US" sz="1200" dirty="0">
-                  <a:latin typeface="Arial" panose="020B0604020202020204" pitchFamily="34" charset="0"/>
-                  <a:cs typeface="Arial" panose="020B0604020202020204" pitchFamily="34" charset="0"/>
-                </a:rPr>
-                <a:t>Consent</a:t>
-              </a:r>
-              <a:endParaRPr lang="en-US" sz="1200" dirty="0"/>
-            </a:p>
-          </p:txBody>
-        </p:sp>
-        <p:sp>
-          <p:nvSpPr>
-            <p:cNvPr id="5" name="TextBox 4">
-              <a:extLst>
-                <a:ext uri="{FF2B5EF4-FFF2-40B4-BE49-F238E27FC236}">
-                  <a16:creationId xmlns:a16="http://schemas.microsoft.com/office/drawing/2014/main" id="{09B58560-F43E-444A-8D5E-BE811EC0C424}"/>
-                </a:ext>
-              </a:extLst>
-            </p:cNvPr>
-            <p:cNvSpPr txBox="1"/>
-            <p:nvPr/>
-          </p:nvSpPr>
-          <p:spPr>
-            <a:xfrm>
-              <a:off x="6301738" y="2073211"/>
-              <a:ext cx="184731" cy="369332"/>
-            </a:xfrm>
-            <a:prstGeom prst="rect">
-              <a:avLst/>
-            </a:prstGeom>
-            <a:noFill/>
-          </p:spPr>
-          <p:txBody>
-            <a:bodyPr wrap="none" rtlCol="0">
-              <a:spAutoFit/>
-            </a:bodyPr>
-            <a:lstStyle/>
-            <a:p>
-              <a:endParaRPr lang="en-US" dirty="0"/>
-            </a:p>
-          </p:txBody>
-        </p:sp>
-      </p:grpSp>
-      <p:sp>
-        <p:nvSpPr>
-          <p:cNvPr id="12" name="Rectangle 11">
-            <a:extLst>
-              <a:ext uri="{FF2B5EF4-FFF2-40B4-BE49-F238E27FC236}">
-                <a16:creationId xmlns:a16="http://schemas.microsoft.com/office/drawing/2014/main" id="{077665BF-8896-A746-8892-185E29AC5273}"/>
-              </a:ext>
-            </a:extLst>
-          </p:cNvPr>
-          <p:cNvSpPr/>
-          <p:nvPr/>
-        </p:nvSpPr>
-        <p:spPr>
-          <a:xfrm>
-            <a:off x="155448" y="507671"/>
-            <a:ext cx="4984962" cy="4346484"/>
-          </a:xfrm>
-          <a:prstGeom prst="rect">
-            <a:avLst/>
-          </a:prstGeom>
-          <a:noFill/>
-          <a:ln w="38100">
-            <a:solidFill>
-              <a:schemeClr val="tx1"/>
-            </a:solidFill>
-            <a:prstDash val="sysDash"/>
-          </a:ln>
-        </p:spPr>
-        <p:style>
-          <a:lnRef idx="2">
-            <a:schemeClr val="accent1">
-              <a:shade val="50000"/>
-            </a:schemeClr>
-          </a:lnRef>
-          <a:fillRef idx="1">
-            <a:schemeClr val="accent1"/>
-          </a:fillRef>
-          <a:effectRef idx="0">
-            <a:schemeClr val="accent1"/>
-          </a:effectRef>
-          <a:fontRef idx="minor">
-            <a:schemeClr val="lt1"/>
-          </a:fontRef>
-        </p:style>
-        <p:txBody>
-          <a:bodyPr rtlCol="0" anchor="ctr"/>
-          <a:lstStyle/>
-          <a:p>
-            <a:pPr algn="ctr"/>
-            <a:endParaRPr lang="en-US"/>
-          </a:p>
-        </p:txBody>
-      </p:sp>
-      <p:pic>
-        <p:nvPicPr>
-          <p:cNvPr id="16" name="Picture 15">
-            <a:extLst>
-              <a:ext uri="{FF2B5EF4-FFF2-40B4-BE49-F238E27FC236}">
-                <a16:creationId xmlns:a16="http://schemas.microsoft.com/office/drawing/2014/main" id="{A7DF90C5-A4B7-D241-ACE7-5762CF26C245}"/>
-              </a:ext>
-            </a:extLst>
-          </p:cNvPr>
-          <p:cNvPicPr>
-            <a:picLocks noChangeAspect="1"/>
-          </p:cNvPicPr>
-          <p:nvPr/>
-        </p:nvPicPr>
-        <p:blipFill>
-          <a:blip r:embed="rId6"/>
-          <a:stretch>
-            <a:fillRect/>
-          </a:stretch>
-        </p:blipFill>
-        <p:spPr>
-          <a:xfrm>
-            <a:off x="9625" y="-71255"/>
-            <a:ext cx="2836595" cy="734988"/>
-          </a:xfrm>
-          <a:prstGeom prst="rect">
-            <a:avLst/>
-          </a:prstGeom>
-        </p:spPr>
-      </p:pic>
-      <p:sp>
-        <p:nvSpPr>
-          <p:cNvPr id="77" name="Rectangle 76">
-            <a:extLst>
-              <a:ext uri="{FF2B5EF4-FFF2-40B4-BE49-F238E27FC236}">
-                <a16:creationId xmlns:a16="http://schemas.microsoft.com/office/drawing/2014/main" id="{07A1751A-2EEB-B048-98F0-614EE4706A1F}"/>
-              </a:ext>
-            </a:extLst>
-          </p:cNvPr>
-          <p:cNvSpPr/>
-          <p:nvPr/>
-        </p:nvSpPr>
-        <p:spPr>
-          <a:xfrm>
-            <a:off x="5733348" y="480613"/>
-            <a:ext cx="5929384" cy="4924449"/>
-          </a:xfrm>
-          <a:prstGeom prst="rect">
-            <a:avLst/>
-          </a:prstGeom>
-          <a:noFill/>
-          <a:ln w="38100">
-            <a:solidFill>
-              <a:schemeClr val="tx1"/>
-            </a:solidFill>
-            <a:prstDash val="sysDash"/>
-          </a:ln>
-        </p:spPr>
-        <p:style>
-          <a:lnRef idx="2">
-            <a:schemeClr val="accent1">
-              <a:shade val="50000"/>
-            </a:schemeClr>
-          </a:lnRef>
-          <a:fillRef idx="1">
-            <a:schemeClr val="accent1"/>
-          </a:fillRef>
-          <a:effectRef idx="0">
-            <a:schemeClr val="accent1"/>
-          </a:effectRef>
-          <a:fontRef idx="minor">
-            <a:schemeClr val="lt1"/>
-          </a:fontRef>
-        </p:style>
-        <p:txBody>
-          <a:bodyPr rtlCol="0" anchor="ctr"/>
-          <a:lstStyle/>
-          <a:p>
-            <a:pPr algn="ctr"/>
-            <a:endParaRPr lang="en-US"/>
-          </a:p>
-        </p:txBody>
-      </p:sp>
-      <p:pic>
-        <p:nvPicPr>
-          <p:cNvPr id="30" name="Picture 29">
-            <a:extLst>
-              <a:ext uri="{FF2B5EF4-FFF2-40B4-BE49-F238E27FC236}">
-                <a16:creationId xmlns:a16="http://schemas.microsoft.com/office/drawing/2014/main" id="{6CBF9C16-E499-2448-AFC4-DDD18AA6EBC5}"/>
-              </a:ext>
-            </a:extLst>
-          </p:cNvPr>
-          <p:cNvPicPr>
-            <a:picLocks noChangeAspect="1"/>
-          </p:cNvPicPr>
-          <p:nvPr/>
-        </p:nvPicPr>
-        <p:blipFill>
-          <a:blip r:embed="rId7"/>
-          <a:stretch>
-            <a:fillRect/>
-          </a:stretch>
-        </p:blipFill>
-        <p:spPr>
-          <a:xfrm>
-            <a:off x="5645743" y="-16978"/>
-            <a:ext cx="1190024" cy="487910"/>
-          </a:xfrm>
-          <a:prstGeom prst="rect">
-            <a:avLst/>
-          </a:prstGeom>
-        </p:spPr>
-      </p:pic>
-      <p:sp>
-        <p:nvSpPr>
-          <p:cNvPr id="78" name="Rectangle 77">
-            <a:extLst>
-              <a:ext uri="{FF2B5EF4-FFF2-40B4-BE49-F238E27FC236}">
-                <a16:creationId xmlns:a16="http://schemas.microsoft.com/office/drawing/2014/main" id="{E434DD4D-3E84-0F4C-8688-8A7E5D78FAE0}"/>
-              </a:ext>
-            </a:extLst>
-          </p:cNvPr>
-          <p:cNvSpPr/>
-          <p:nvPr/>
-        </p:nvSpPr>
-        <p:spPr>
-          <a:xfrm>
-            <a:off x="3510609" y="3477868"/>
-            <a:ext cx="988925" cy="276999"/>
-          </a:xfrm>
-          <a:prstGeom prst="rect">
-            <a:avLst/>
-          </a:prstGeom>
-          <a:solidFill>
-            <a:schemeClr val="bg1"/>
-          </a:solidFill>
-          <a:ln w="38100">
-            <a:solidFill>
-              <a:srgbClr val="C00000"/>
-            </a:solidFill>
-          </a:ln>
-        </p:spPr>
-        <p:txBody>
-          <a:bodyPr wrap="none">
-            <a:spAutoFit/>
-          </a:bodyPr>
-          <a:lstStyle/>
-          <a:p>
-            <a:r>
-              <a:rPr lang="en-US" sz="1200" dirty="0">
-                <a:latin typeface="Arial" panose="020B0604020202020204" pitchFamily="34" charset="0"/>
-                <a:cs typeface="Arial" panose="020B0604020202020204" pitchFamily="34" charset="0"/>
-              </a:rPr>
-              <a:t>Future APIs</a:t>
-            </a:r>
-          </a:p>
-        </p:txBody>
-      </p:sp>
-      <p:grpSp>
-        <p:nvGrpSpPr>
-          <p:cNvPr id="63" name="Group 62">
-            <a:extLst>
-              <a:ext uri="{FF2B5EF4-FFF2-40B4-BE49-F238E27FC236}">
-                <a16:creationId xmlns:a16="http://schemas.microsoft.com/office/drawing/2014/main" id="{F4DB520B-2EF0-0547-8F94-9D98713E3F43}"/>
-              </a:ext>
-            </a:extLst>
-          </p:cNvPr>
-          <p:cNvGrpSpPr/>
-          <p:nvPr/>
-        </p:nvGrpSpPr>
-        <p:grpSpPr>
-          <a:xfrm>
-            <a:off x="7816338" y="3421056"/>
-            <a:ext cx="1371600" cy="1433099"/>
-            <a:chOff x="6015568" y="2573324"/>
-            <a:chExt cx="1371600" cy="1433099"/>
-          </a:xfrm>
-        </p:grpSpPr>
-        <p:sp>
-          <p:nvSpPr>
-            <p:cNvPr id="72" name="Rectangle 71">
-              <a:extLst>
-                <a:ext uri="{FF2B5EF4-FFF2-40B4-BE49-F238E27FC236}">
-                  <a16:creationId xmlns:a16="http://schemas.microsoft.com/office/drawing/2014/main" id="{096B8B24-6EC0-9544-ADA1-CFECAA35C947}"/>
-                </a:ext>
-              </a:extLst>
-            </p:cNvPr>
-            <p:cNvSpPr/>
-            <p:nvPr/>
-          </p:nvSpPr>
-          <p:spPr>
-            <a:xfrm>
-              <a:off x="6015568" y="2573324"/>
-              <a:ext cx="1371600" cy="1433099"/>
-            </a:xfrm>
-            <a:prstGeom prst="rect">
-              <a:avLst/>
-            </a:prstGeom>
-            <a:solidFill>
-              <a:schemeClr val="bg1">
-                <a:lumMod val="85000"/>
-              </a:schemeClr>
-            </a:solidFill>
-          </p:spPr>
-          <p:style>
-            <a:lnRef idx="2">
-              <a:schemeClr val="accent1">
-                <a:shade val="50000"/>
-              </a:schemeClr>
-            </a:lnRef>
-            <a:fillRef idx="1">
-              <a:schemeClr val="accent1"/>
-            </a:fillRef>
-            <a:effectRef idx="0">
-              <a:schemeClr val="accent1"/>
-            </a:effectRef>
-            <a:fontRef idx="minor">
-              <a:schemeClr val="lt1"/>
-            </a:fontRef>
-          </p:style>
-          <p:txBody>
-            <a:bodyPr rtlCol="0" anchor="ctr"/>
-            <a:lstStyle/>
-            <a:p>
-              <a:pPr algn="ctr"/>
-              <a:endParaRPr lang="en-US" dirty="0"/>
-            </a:p>
-          </p:txBody>
-        </p:sp>
-        <p:sp>
-          <p:nvSpPr>
-            <p:cNvPr id="74" name="TextBox 73">
-              <a:extLst>
-                <a:ext uri="{FF2B5EF4-FFF2-40B4-BE49-F238E27FC236}">
-                  <a16:creationId xmlns:a16="http://schemas.microsoft.com/office/drawing/2014/main" id="{48D34A17-18AB-AB45-88A2-D3EDE7B2EDCD}"/>
-                </a:ext>
-              </a:extLst>
-            </p:cNvPr>
-            <p:cNvSpPr txBox="1"/>
-            <p:nvPr/>
-          </p:nvSpPr>
-          <p:spPr>
-            <a:xfrm>
-              <a:off x="6015568" y="3051295"/>
-              <a:ext cx="1356733" cy="276999"/>
-            </a:xfrm>
-            <a:prstGeom prst="rect">
-              <a:avLst/>
-            </a:prstGeom>
-            <a:noFill/>
-          </p:spPr>
-          <p:txBody>
-            <a:bodyPr wrap="square" rtlCol="0">
-              <a:spAutoFit/>
-            </a:bodyPr>
-            <a:lstStyle/>
-            <a:p>
-              <a:pPr algn="ctr"/>
-              <a:r>
-                <a:rPr lang="en-US" sz="1200" dirty="0">
-                  <a:solidFill>
-                    <a:schemeClr val="bg1">
-                      <a:lumMod val="50000"/>
-                    </a:schemeClr>
-                  </a:solidFill>
-                  <a:latin typeface="Arial" panose="020B0604020202020204" pitchFamily="34" charset="0"/>
-                  <a:cs typeface="Arial" panose="020B0604020202020204" pitchFamily="34" charset="0"/>
-                </a:rPr>
-                <a:t>DCEG App </a:t>
-              </a:r>
-            </a:p>
-          </p:txBody>
-        </p:sp>
-        <p:pic>
-          <p:nvPicPr>
-            <p:cNvPr id="75" name="Picture 74">
-              <a:extLst>
-                <a:ext uri="{FF2B5EF4-FFF2-40B4-BE49-F238E27FC236}">
-                  <a16:creationId xmlns:a16="http://schemas.microsoft.com/office/drawing/2014/main" id="{E987E68F-6487-8346-A021-F1157C2FE78D}"/>
-                </a:ext>
-              </a:extLst>
-            </p:cNvPr>
-            <p:cNvPicPr>
-              <a:picLocks noChangeAspect="1"/>
-            </p:cNvPicPr>
-            <p:nvPr/>
-          </p:nvPicPr>
-          <p:blipFill>
-            <a:blip r:embed="rId4"/>
-            <a:stretch>
-              <a:fillRect/>
-            </a:stretch>
-          </p:blipFill>
-          <p:spPr>
-            <a:xfrm>
-              <a:off x="6498168" y="2681091"/>
-              <a:ext cx="406400" cy="406400"/>
-            </a:xfrm>
-            <a:prstGeom prst="rect">
-              <a:avLst/>
-            </a:prstGeom>
-          </p:spPr>
-        </p:pic>
-        <p:sp>
-          <p:nvSpPr>
-            <p:cNvPr id="79" name="Rectangle 78">
-              <a:extLst>
-                <a:ext uri="{FF2B5EF4-FFF2-40B4-BE49-F238E27FC236}">
-                  <a16:creationId xmlns:a16="http://schemas.microsoft.com/office/drawing/2014/main" id="{15E01A9C-495F-3949-8F98-0FD215300BA6}"/>
-                </a:ext>
-              </a:extLst>
-            </p:cNvPr>
-            <p:cNvSpPr/>
-            <p:nvPr/>
-          </p:nvSpPr>
-          <p:spPr>
-            <a:xfrm>
-              <a:off x="6140670" y="3350537"/>
-              <a:ext cx="1121397" cy="461665"/>
-            </a:xfrm>
-            <a:prstGeom prst="rect">
-              <a:avLst/>
-            </a:prstGeom>
-            <a:solidFill>
-              <a:schemeClr val="bg1"/>
-            </a:solidFill>
-            <a:ln w="38100">
-              <a:solidFill>
-                <a:srgbClr val="C00000"/>
-              </a:solidFill>
-            </a:ln>
-          </p:spPr>
-          <p:txBody>
-            <a:bodyPr wrap="square">
-              <a:spAutoFit/>
-            </a:bodyPr>
-            <a:lstStyle/>
-            <a:p>
-              <a:pPr algn="ctr"/>
-              <a:r>
-                <a:rPr lang="en-US" sz="1200" dirty="0">
-                  <a:latin typeface="Arial" panose="020B0604020202020204" pitchFamily="34" charset="0"/>
-                  <a:cs typeface="Arial" panose="020B0604020202020204" pitchFamily="34" charset="0"/>
-                </a:rPr>
-                <a:t>DCEG Dashboard</a:t>
-              </a:r>
-              <a:endParaRPr lang="en-US" sz="1200" dirty="0"/>
-            </a:p>
-          </p:txBody>
-        </p:sp>
-      </p:grpSp>
-      <p:grpSp>
-        <p:nvGrpSpPr>
-          <p:cNvPr id="80" name="Group 79">
-            <a:extLst>
-              <a:ext uri="{FF2B5EF4-FFF2-40B4-BE49-F238E27FC236}">
-                <a16:creationId xmlns:a16="http://schemas.microsoft.com/office/drawing/2014/main" id="{7FB13247-FC15-8D4C-B315-5953A2F206F2}"/>
-              </a:ext>
-            </a:extLst>
-          </p:cNvPr>
-          <p:cNvGrpSpPr/>
-          <p:nvPr/>
-        </p:nvGrpSpPr>
-        <p:grpSpPr>
-          <a:xfrm>
-            <a:off x="9536657" y="3835852"/>
-            <a:ext cx="1371600" cy="1433099"/>
-            <a:chOff x="6015568" y="2573324"/>
-            <a:chExt cx="1371600" cy="1433099"/>
-          </a:xfrm>
-        </p:grpSpPr>
-        <p:sp>
-          <p:nvSpPr>
-            <p:cNvPr id="81" name="Rectangle 80">
-              <a:extLst>
-                <a:ext uri="{FF2B5EF4-FFF2-40B4-BE49-F238E27FC236}">
-                  <a16:creationId xmlns:a16="http://schemas.microsoft.com/office/drawing/2014/main" id="{32DC6D91-4AC0-034D-A655-E0876C433FD7}"/>
-                </a:ext>
-              </a:extLst>
-            </p:cNvPr>
-            <p:cNvSpPr/>
-            <p:nvPr/>
-          </p:nvSpPr>
-          <p:spPr>
-            <a:xfrm>
-              <a:off x="6015568" y="2573324"/>
-              <a:ext cx="1371600" cy="1433099"/>
-            </a:xfrm>
-            <a:prstGeom prst="rect">
-              <a:avLst/>
-            </a:prstGeom>
-            <a:solidFill>
-              <a:schemeClr val="bg1">
-                <a:lumMod val="85000"/>
-              </a:schemeClr>
-            </a:solidFill>
-          </p:spPr>
-          <p:style>
-            <a:lnRef idx="2">
-              <a:schemeClr val="accent1">
-                <a:shade val="50000"/>
-              </a:schemeClr>
-            </a:lnRef>
-            <a:fillRef idx="1">
-              <a:schemeClr val="accent1"/>
-            </a:fillRef>
-            <a:effectRef idx="0">
-              <a:schemeClr val="accent1"/>
-            </a:effectRef>
-            <a:fontRef idx="minor">
-              <a:schemeClr val="lt1"/>
-            </a:fontRef>
-          </p:style>
-          <p:txBody>
-            <a:bodyPr rtlCol="0" anchor="ctr"/>
-            <a:lstStyle/>
-            <a:p>
-              <a:pPr algn="ctr"/>
-              <a:endParaRPr lang="en-US" dirty="0"/>
-            </a:p>
-          </p:txBody>
-        </p:sp>
-        <p:sp>
-          <p:nvSpPr>
-            <p:cNvPr id="82" name="TextBox 81">
-              <a:extLst>
-                <a:ext uri="{FF2B5EF4-FFF2-40B4-BE49-F238E27FC236}">
-                  <a16:creationId xmlns:a16="http://schemas.microsoft.com/office/drawing/2014/main" id="{C0D6B4C8-E79E-C54E-8940-3FB98F953D5E}"/>
-                </a:ext>
-              </a:extLst>
-            </p:cNvPr>
-            <p:cNvSpPr txBox="1"/>
-            <p:nvPr/>
-          </p:nvSpPr>
-          <p:spPr>
-            <a:xfrm>
-              <a:off x="6015568" y="3051295"/>
-              <a:ext cx="1371599" cy="276999"/>
-            </a:xfrm>
-            <a:prstGeom prst="rect">
-              <a:avLst/>
-            </a:prstGeom>
-            <a:noFill/>
-          </p:spPr>
-          <p:txBody>
-            <a:bodyPr wrap="square" rtlCol="0">
-              <a:spAutoFit/>
-            </a:bodyPr>
-            <a:lstStyle/>
-            <a:p>
-              <a:pPr algn="ctr"/>
-              <a:r>
-                <a:rPr lang="en-US" sz="1200" dirty="0">
-                  <a:solidFill>
-                    <a:schemeClr val="bg1">
-                      <a:lumMod val="50000"/>
-                    </a:schemeClr>
-                  </a:solidFill>
-                  <a:latin typeface="Arial" panose="020B0604020202020204" pitchFamily="34" charset="0"/>
-                  <a:cs typeface="Arial" panose="020B0604020202020204" pitchFamily="34" charset="0"/>
-                </a:rPr>
-                <a:t>NORC App</a:t>
-              </a:r>
-            </a:p>
-          </p:txBody>
-        </p:sp>
-        <p:pic>
-          <p:nvPicPr>
-            <p:cNvPr id="83" name="Picture 82">
-              <a:extLst>
-                <a:ext uri="{FF2B5EF4-FFF2-40B4-BE49-F238E27FC236}">
-                  <a16:creationId xmlns:a16="http://schemas.microsoft.com/office/drawing/2014/main" id="{E4B891D9-6B53-0840-80CD-7ABAA47819A8}"/>
-                </a:ext>
-              </a:extLst>
-            </p:cNvPr>
-            <p:cNvPicPr>
-              <a:picLocks noChangeAspect="1"/>
-            </p:cNvPicPr>
-            <p:nvPr/>
-          </p:nvPicPr>
-          <p:blipFill>
-            <a:blip r:embed="rId4"/>
-            <a:stretch>
-              <a:fillRect/>
-            </a:stretch>
-          </p:blipFill>
-          <p:spPr>
-            <a:xfrm>
-              <a:off x="6498168" y="2681091"/>
-              <a:ext cx="406400" cy="406400"/>
-            </a:xfrm>
-            <a:prstGeom prst="rect">
-              <a:avLst/>
-            </a:prstGeom>
-          </p:spPr>
-        </p:pic>
-        <p:sp>
-          <p:nvSpPr>
-            <p:cNvPr id="84" name="Rectangle 83">
-              <a:extLst>
-                <a:ext uri="{FF2B5EF4-FFF2-40B4-BE49-F238E27FC236}">
-                  <a16:creationId xmlns:a16="http://schemas.microsoft.com/office/drawing/2014/main" id="{94181F05-D4E1-1A4D-90CD-CF5187676BCB}"/>
-                </a:ext>
-              </a:extLst>
-            </p:cNvPr>
-            <p:cNvSpPr/>
-            <p:nvPr/>
-          </p:nvSpPr>
-          <p:spPr>
-            <a:xfrm>
-              <a:off x="6140670" y="3350537"/>
-              <a:ext cx="1121397" cy="461665"/>
-            </a:xfrm>
-            <a:prstGeom prst="rect">
-              <a:avLst/>
-            </a:prstGeom>
-            <a:solidFill>
-              <a:schemeClr val="bg1"/>
-            </a:solidFill>
-            <a:ln w="38100">
-              <a:solidFill>
-                <a:srgbClr val="C00000"/>
-              </a:solidFill>
-            </a:ln>
-          </p:spPr>
-          <p:txBody>
-            <a:bodyPr wrap="square">
-              <a:spAutoFit/>
-            </a:bodyPr>
-            <a:lstStyle/>
-            <a:p>
-              <a:pPr algn="ctr"/>
-              <a:r>
-                <a:rPr lang="en-US" sz="1200" dirty="0">
-                  <a:latin typeface="Arial" panose="020B0604020202020204" pitchFamily="34" charset="0"/>
-                  <a:cs typeface="Arial" panose="020B0604020202020204" pitchFamily="34" charset="0"/>
-                </a:rPr>
-                <a:t>NORC Dashboard</a:t>
-              </a:r>
-              <a:endParaRPr lang="en-US" sz="1200" dirty="0"/>
-            </a:p>
-          </p:txBody>
-        </p:sp>
-      </p:grpSp>
-      <p:grpSp>
-        <p:nvGrpSpPr>
-          <p:cNvPr id="86" name="Group 85">
-            <a:extLst>
-              <a:ext uri="{FF2B5EF4-FFF2-40B4-BE49-F238E27FC236}">
-                <a16:creationId xmlns:a16="http://schemas.microsoft.com/office/drawing/2014/main" id="{9AE5A5D8-2795-0842-A036-7409707B6D24}"/>
-              </a:ext>
-            </a:extLst>
-          </p:cNvPr>
-          <p:cNvGrpSpPr/>
-          <p:nvPr/>
-        </p:nvGrpSpPr>
-        <p:grpSpPr>
-          <a:xfrm>
-            <a:off x="9541181" y="615825"/>
-            <a:ext cx="1371600" cy="1604216"/>
-            <a:chOff x="6015568" y="2573324"/>
-            <a:chExt cx="1371600" cy="1604216"/>
-          </a:xfrm>
-        </p:grpSpPr>
-        <p:sp>
-          <p:nvSpPr>
-            <p:cNvPr id="87" name="Rectangle 86">
-              <a:extLst>
-                <a:ext uri="{FF2B5EF4-FFF2-40B4-BE49-F238E27FC236}">
-                  <a16:creationId xmlns:a16="http://schemas.microsoft.com/office/drawing/2014/main" id="{E45D7D79-FD75-AE4C-BA7E-C5F9B5814482}"/>
-                </a:ext>
-              </a:extLst>
-            </p:cNvPr>
-            <p:cNvSpPr/>
-            <p:nvPr/>
-          </p:nvSpPr>
-          <p:spPr>
-            <a:xfrm>
-              <a:off x="6015568" y="2573324"/>
-              <a:ext cx="1371600" cy="1604216"/>
-            </a:xfrm>
-            <a:prstGeom prst="rect">
-              <a:avLst/>
-            </a:prstGeom>
-            <a:solidFill>
-              <a:schemeClr val="bg1">
-                <a:lumMod val="85000"/>
-              </a:schemeClr>
-            </a:solidFill>
-          </p:spPr>
-          <p:style>
-            <a:lnRef idx="2">
-              <a:schemeClr val="accent1">
-                <a:shade val="50000"/>
-              </a:schemeClr>
-            </a:lnRef>
-            <a:fillRef idx="1">
-              <a:schemeClr val="accent1"/>
-            </a:fillRef>
-            <a:effectRef idx="0">
-              <a:schemeClr val="accent1"/>
-            </a:effectRef>
-            <a:fontRef idx="minor">
-              <a:schemeClr val="lt1"/>
-            </a:fontRef>
-          </p:style>
-          <p:txBody>
-            <a:bodyPr rtlCol="0" anchor="ctr"/>
-            <a:lstStyle/>
-            <a:p>
-              <a:pPr algn="ctr"/>
-              <a:endParaRPr lang="en-US" dirty="0"/>
-            </a:p>
-          </p:txBody>
-        </p:sp>
-        <p:sp>
-          <p:nvSpPr>
-            <p:cNvPr id="88" name="TextBox 87">
-              <a:extLst>
-                <a:ext uri="{FF2B5EF4-FFF2-40B4-BE49-F238E27FC236}">
-                  <a16:creationId xmlns:a16="http://schemas.microsoft.com/office/drawing/2014/main" id="{BB97D53C-ABD6-BF47-A231-DC0A4F3C0CAC}"/>
-                </a:ext>
-              </a:extLst>
-            </p:cNvPr>
-            <p:cNvSpPr txBox="1"/>
-            <p:nvPr/>
-          </p:nvSpPr>
-          <p:spPr>
-            <a:xfrm>
-              <a:off x="6022330" y="3051295"/>
-              <a:ext cx="1364838" cy="461665"/>
-            </a:xfrm>
-            <a:prstGeom prst="rect">
-              <a:avLst/>
-            </a:prstGeom>
-            <a:noFill/>
-          </p:spPr>
-          <p:txBody>
-            <a:bodyPr wrap="square" rtlCol="0">
-              <a:spAutoFit/>
-            </a:bodyPr>
-            <a:lstStyle/>
-            <a:p>
-              <a:pPr algn="ctr"/>
-              <a:r>
-                <a:rPr lang="en-US" sz="1200" dirty="0">
-                  <a:solidFill>
-                    <a:schemeClr val="bg1">
-                      <a:lumMod val="50000"/>
-                    </a:schemeClr>
-                  </a:solidFill>
-                  <a:latin typeface="Arial" panose="020B0604020202020204" pitchFamily="34" charset="0"/>
-                  <a:cs typeface="Arial" panose="020B0604020202020204" pitchFamily="34" charset="0"/>
-                </a:rPr>
-                <a:t>NCI Processing Lab App</a:t>
-              </a:r>
-            </a:p>
-          </p:txBody>
-        </p:sp>
-        <p:pic>
-          <p:nvPicPr>
-            <p:cNvPr id="89" name="Picture 88">
-              <a:extLst>
-                <a:ext uri="{FF2B5EF4-FFF2-40B4-BE49-F238E27FC236}">
-                  <a16:creationId xmlns:a16="http://schemas.microsoft.com/office/drawing/2014/main" id="{62DA907B-24B2-FF45-8D67-9F96D5F35E34}"/>
-                </a:ext>
-              </a:extLst>
-            </p:cNvPr>
-            <p:cNvPicPr>
-              <a:picLocks noChangeAspect="1"/>
-            </p:cNvPicPr>
-            <p:nvPr/>
-          </p:nvPicPr>
-          <p:blipFill>
-            <a:blip r:embed="rId4"/>
-            <a:stretch>
-              <a:fillRect/>
-            </a:stretch>
-          </p:blipFill>
-          <p:spPr>
-            <a:xfrm>
-              <a:off x="6498168" y="2681091"/>
-              <a:ext cx="406400" cy="406400"/>
-            </a:xfrm>
-            <a:prstGeom prst="rect">
-              <a:avLst/>
-            </a:prstGeom>
-          </p:spPr>
-        </p:pic>
-        <p:sp>
-          <p:nvSpPr>
-            <p:cNvPr id="90" name="Rectangle 89">
-              <a:extLst>
-                <a:ext uri="{FF2B5EF4-FFF2-40B4-BE49-F238E27FC236}">
-                  <a16:creationId xmlns:a16="http://schemas.microsoft.com/office/drawing/2014/main" id="{EC64AAF8-1F23-BA48-84C3-6037134B0D7B}"/>
-                </a:ext>
-              </a:extLst>
-            </p:cNvPr>
-            <p:cNvSpPr/>
-            <p:nvPr/>
-          </p:nvSpPr>
-          <p:spPr>
-            <a:xfrm>
-              <a:off x="6140670" y="3572608"/>
-              <a:ext cx="1121397" cy="461665"/>
-            </a:xfrm>
-            <a:prstGeom prst="rect">
-              <a:avLst/>
-            </a:prstGeom>
-            <a:solidFill>
-              <a:schemeClr val="bg1"/>
-            </a:solidFill>
-            <a:ln w="38100">
-              <a:solidFill>
-                <a:srgbClr val="C00000"/>
-              </a:solidFill>
-            </a:ln>
-          </p:spPr>
-          <p:txBody>
-            <a:bodyPr wrap="square">
-              <a:spAutoFit/>
-            </a:bodyPr>
-            <a:lstStyle/>
-            <a:p>
-              <a:pPr algn="ctr"/>
-              <a:r>
-                <a:rPr lang="en-US" sz="1200" dirty="0">
-                  <a:latin typeface="Arial" panose="020B0604020202020204" pitchFamily="34" charset="0"/>
-                  <a:cs typeface="Arial" panose="020B0604020202020204" pitchFamily="34" charset="0"/>
-                </a:rPr>
-                <a:t>Lab Dashboard</a:t>
-              </a:r>
-              <a:endParaRPr lang="en-US" sz="1200" dirty="0"/>
-            </a:p>
-          </p:txBody>
-        </p:sp>
-      </p:grpSp>
-      <p:grpSp>
-        <p:nvGrpSpPr>
-          <p:cNvPr id="91" name="Group 90">
-            <a:extLst>
-              <a:ext uri="{FF2B5EF4-FFF2-40B4-BE49-F238E27FC236}">
-                <a16:creationId xmlns:a16="http://schemas.microsoft.com/office/drawing/2014/main" id="{0D71B359-C9E0-A045-BB75-E85B00E6EB6D}"/>
-              </a:ext>
-            </a:extLst>
-          </p:cNvPr>
-          <p:cNvGrpSpPr/>
-          <p:nvPr/>
-        </p:nvGrpSpPr>
-        <p:grpSpPr>
-          <a:xfrm>
-            <a:off x="9550910" y="2376131"/>
-            <a:ext cx="1371600" cy="1378736"/>
-            <a:chOff x="6015568" y="2573324"/>
-            <a:chExt cx="1371600" cy="1378736"/>
-          </a:xfrm>
-        </p:grpSpPr>
-        <p:sp>
-          <p:nvSpPr>
-            <p:cNvPr id="92" name="Rectangle 91">
-              <a:extLst>
-                <a:ext uri="{FF2B5EF4-FFF2-40B4-BE49-F238E27FC236}">
-                  <a16:creationId xmlns:a16="http://schemas.microsoft.com/office/drawing/2014/main" id="{0F0A814E-A0E1-EF45-83E0-581EBE282B0E}"/>
-                </a:ext>
-              </a:extLst>
-            </p:cNvPr>
-            <p:cNvSpPr/>
-            <p:nvPr/>
-          </p:nvSpPr>
-          <p:spPr>
-            <a:xfrm>
-              <a:off x="6015568" y="2573324"/>
-              <a:ext cx="1371600" cy="1378736"/>
-            </a:xfrm>
-            <a:prstGeom prst="rect">
-              <a:avLst/>
-            </a:prstGeom>
-            <a:solidFill>
-              <a:schemeClr val="bg1">
-                <a:lumMod val="85000"/>
-              </a:schemeClr>
-            </a:solidFill>
-          </p:spPr>
-          <p:style>
-            <a:lnRef idx="2">
-              <a:schemeClr val="accent1">
-                <a:shade val="50000"/>
-              </a:schemeClr>
-            </a:lnRef>
-            <a:fillRef idx="1">
-              <a:schemeClr val="accent1"/>
-            </a:fillRef>
-            <a:effectRef idx="0">
-              <a:schemeClr val="accent1"/>
-            </a:effectRef>
-            <a:fontRef idx="minor">
-              <a:schemeClr val="lt1"/>
-            </a:fontRef>
-          </p:style>
-          <p:txBody>
-            <a:bodyPr rtlCol="0" anchor="ctr"/>
-            <a:lstStyle/>
-            <a:p>
-              <a:pPr algn="ctr"/>
-              <a:endParaRPr lang="en-US" dirty="0"/>
-            </a:p>
-          </p:txBody>
-        </p:sp>
-        <p:sp>
-          <p:nvSpPr>
-            <p:cNvPr id="93" name="TextBox 92">
-              <a:extLst>
-                <a:ext uri="{FF2B5EF4-FFF2-40B4-BE49-F238E27FC236}">
-                  <a16:creationId xmlns:a16="http://schemas.microsoft.com/office/drawing/2014/main" id="{95DCBB11-FC77-8943-817F-78D5C7839481}"/>
-                </a:ext>
-              </a:extLst>
-            </p:cNvPr>
-            <p:cNvSpPr txBox="1"/>
-            <p:nvPr/>
-          </p:nvSpPr>
-          <p:spPr>
-            <a:xfrm>
-              <a:off x="6015568" y="3051295"/>
-              <a:ext cx="1361871" cy="276999"/>
-            </a:xfrm>
-            <a:prstGeom prst="rect">
-              <a:avLst/>
-            </a:prstGeom>
-            <a:noFill/>
-          </p:spPr>
-          <p:txBody>
-            <a:bodyPr wrap="square" rtlCol="0">
-              <a:spAutoFit/>
-            </a:bodyPr>
-            <a:lstStyle/>
-            <a:p>
-              <a:pPr algn="ctr"/>
-              <a:r>
-                <a:rPr lang="en-US" sz="1200" dirty="0">
-                  <a:solidFill>
-                    <a:schemeClr val="bg1">
-                      <a:lumMod val="50000"/>
-                    </a:schemeClr>
-                  </a:solidFill>
-                  <a:latin typeface="Arial" panose="020B0604020202020204" pitchFamily="34" charset="0"/>
-                  <a:cs typeface="Arial" panose="020B0604020202020204" pitchFamily="34" charset="0"/>
-                </a:rPr>
-                <a:t>Biospecimen App </a:t>
-              </a:r>
-            </a:p>
-          </p:txBody>
-        </p:sp>
-        <p:pic>
-          <p:nvPicPr>
-            <p:cNvPr id="94" name="Picture 93">
-              <a:extLst>
-                <a:ext uri="{FF2B5EF4-FFF2-40B4-BE49-F238E27FC236}">
-                  <a16:creationId xmlns:a16="http://schemas.microsoft.com/office/drawing/2014/main" id="{E40B4AA4-EACA-1B47-ADBC-C5C1FCFB6DE8}"/>
-                </a:ext>
-              </a:extLst>
-            </p:cNvPr>
-            <p:cNvPicPr>
-              <a:picLocks noChangeAspect="1"/>
-            </p:cNvPicPr>
-            <p:nvPr/>
-          </p:nvPicPr>
-          <p:blipFill>
-            <a:blip r:embed="rId4"/>
-            <a:stretch>
-              <a:fillRect/>
-            </a:stretch>
-          </p:blipFill>
-          <p:spPr>
-            <a:xfrm>
-              <a:off x="6498168" y="2681091"/>
-              <a:ext cx="406400" cy="406400"/>
-            </a:xfrm>
-            <a:prstGeom prst="rect">
-              <a:avLst/>
-            </a:prstGeom>
-          </p:spPr>
-        </p:pic>
-        <p:sp>
-          <p:nvSpPr>
-            <p:cNvPr id="95" name="Rectangle 94">
-              <a:extLst>
-                <a:ext uri="{FF2B5EF4-FFF2-40B4-BE49-F238E27FC236}">
-                  <a16:creationId xmlns:a16="http://schemas.microsoft.com/office/drawing/2014/main" id="{4D1ADB37-B226-6B4C-BFA1-613924273049}"/>
-                </a:ext>
-              </a:extLst>
-            </p:cNvPr>
-            <p:cNvSpPr/>
-            <p:nvPr/>
-          </p:nvSpPr>
-          <p:spPr>
-            <a:xfrm>
-              <a:off x="6140670" y="3358851"/>
-              <a:ext cx="1121397" cy="461665"/>
-            </a:xfrm>
-            <a:prstGeom prst="rect">
-              <a:avLst/>
-            </a:prstGeom>
-            <a:solidFill>
-              <a:schemeClr val="bg1"/>
-            </a:solidFill>
-            <a:ln w="38100">
-              <a:solidFill>
-                <a:srgbClr val="C00000"/>
-              </a:solidFill>
-            </a:ln>
-          </p:spPr>
-          <p:txBody>
-            <a:bodyPr wrap="square">
-              <a:spAutoFit/>
-            </a:bodyPr>
-            <a:lstStyle/>
-            <a:p>
-              <a:pPr algn="ctr"/>
-              <a:r>
-                <a:rPr lang="en-US" sz="1200" dirty="0">
-                  <a:latin typeface="Arial" panose="020B0604020202020204" pitchFamily="34" charset="0"/>
-                  <a:cs typeface="Arial" panose="020B0604020202020204" pitchFamily="34" charset="0"/>
-                </a:rPr>
-                <a:t>Lab Dashboard</a:t>
-              </a:r>
-              <a:endParaRPr lang="en-US" sz="1200" dirty="0"/>
-            </a:p>
-          </p:txBody>
-        </p:sp>
-      </p:grpSp>
-      <p:sp>
-        <p:nvSpPr>
-          <p:cNvPr id="85" name="Rectangle 84">
-            <a:extLst>
-              <a:ext uri="{FF2B5EF4-FFF2-40B4-BE49-F238E27FC236}">
-                <a16:creationId xmlns:a16="http://schemas.microsoft.com/office/drawing/2014/main" id="{D9DB12F3-64E1-424A-8831-75D6C5240EAC}"/>
-              </a:ext>
-            </a:extLst>
-          </p:cNvPr>
-          <p:cNvSpPr/>
-          <p:nvPr/>
-        </p:nvSpPr>
-        <p:spPr>
-          <a:xfrm>
-            <a:off x="155448" y="5035775"/>
-            <a:ext cx="1264011" cy="276999"/>
-          </a:xfrm>
-          <a:prstGeom prst="rect">
-            <a:avLst/>
-          </a:prstGeom>
-          <a:solidFill>
-            <a:schemeClr val="bg1"/>
-          </a:solidFill>
-          <a:ln w="38100">
-            <a:solidFill>
-              <a:srgbClr val="FFC000"/>
-            </a:solidFill>
-          </a:ln>
-        </p:spPr>
-        <p:txBody>
-          <a:bodyPr wrap="square">
-            <a:spAutoFit/>
-          </a:bodyPr>
-          <a:lstStyle/>
-          <a:p>
-            <a:pPr algn="ctr"/>
-            <a:r>
-              <a:rPr lang="en-US" sz="1200" dirty="0">
-                <a:latin typeface="Arial" panose="020B0604020202020204" pitchFamily="34" charset="0"/>
-                <a:cs typeface="Arial" panose="020B0604020202020204" pitchFamily="34" charset="0"/>
-              </a:rPr>
-              <a:t>Need Token/pin</a:t>
-            </a:r>
-            <a:endParaRPr lang="en-US" sz="1200" dirty="0"/>
-          </a:p>
-        </p:txBody>
-      </p:sp>
-      <p:cxnSp>
-        <p:nvCxnSpPr>
-          <p:cNvPr id="13" name="Elbow Connector 12">
-            <a:extLst>
-              <a:ext uri="{FF2B5EF4-FFF2-40B4-BE49-F238E27FC236}">
-                <a16:creationId xmlns:a16="http://schemas.microsoft.com/office/drawing/2014/main" id="{E49B0032-3016-664A-95A5-8B685B7ED4D2}"/>
-              </a:ext>
-            </a:extLst>
-          </p:cNvPr>
-          <p:cNvCxnSpPr>
-            <a:cxnSpLocks/>
-            <a:stCxn id="85" idx="3"/>
-            <a:endCxn id="26" idx="1"/>
-          </p:cNvCxnSpPr>
-          <p:nvPr/>
-        </p:nvCxnSpPr>
-        <p:spPr>
-          <a:xfrm flipV="1">
-            <a:off x="1419459" y="2170150"/>
-            <a:ext cx="2077602" cy="3004125"/>
-          </a:xfrm>
-          <a:prstGeom prst="bentConnector3">
-            <a:avLst>
-              <a:gd name="adj1" fmla="val 26554"/>
-            </a:avLst>
-          </a:prstGeom>
-          <a:ln w="38100">
-            <a:solidFill>
-              <a:srgbClr val="00B050"/>
-            </a:solidFill>
-            <a:tailEnd type="triangle"/>
-          </a:ln>
-        </p:spPr>
-        <p:style>
-          <a:lnRef idx="1">
-            <a:schemeClr val="accent1"/>
-          </a:lnRef>
-          <a:fillRef idx="0">
-            <a:schemeClr val="accent1"/>
-          </a:fillRef>
-          <a:effectRef idx="0">
-            <a:schemeClr val="accent1"/>
-          </a:effectRef>
-          <a:fontRef idx="minor">
-            <a:schemeClr val="tx1"/>
-          </a:fontRef>
-        </p:style>
-      </p:cxnSp>
-      <p:sp>
-        <p:nvSpPr>
-          <p:cNvPr id="99" name="Rectangle 98">
-            <a:extLst>
-              <a:ext uri="{FF2B5EF4-FFF2-40B4-BE49-F238E27FC236}">
-                <a16:creationId xmlns:a16="http://schemas.microsoft.com/office/drawing/2014/main" id="{8AEA6F65-C95E-1944-A16D-4B494249491D}"/>
-              </a:ext>
-            </a:extLst>
-          </p:cNvPr>
-          <p:cNvSpPr/>
-          <p:nvPr/>
-        </p:nvSpPr>
-        <p:spPr>
-          <a:xfrm>
-            <a:off x="149760" y="5383159"/>
-            <a:ext cx="1264011" cy="276999"/>
-          </a:xfrm>
-          <a:prstGeom prst="rect">
-            <a:avLst/>
-          </a:prstGeom>
-          <a:solidFill>
-            <a:schemeClr val="bg1"/>
-          </a:solidFill>
-          <a:ln w="38100">
-            <a:solidFill>
-              <a:srgbClr val="FFC000"/>
-            </a:solidFill>
-          </a:ln>
-        </p:spPr>
-        <p:txBody>
-          <a:bodyPr wrap="square">
-            <a:spAutoFit/>
-          </a:bodyPr>
-          <a:lstStyle/>
-          <a:p>
-            <a:pPr algn="ctr"/>
-            <a:r>
-              <a:rPr lang="en-US" sz="1200" dirty="0">
-                <a:latin typeface="Arial" panose="020B0604020202020204" pitchFamily="34" charset="0"/>
-                <a:cs typeface="Arial" panose="020B0604020202020204" pitchFamily="34" charset="0"/>
-              </a:rPr>
-              <a:t>Update info</a:t>
-            </a:r>
-            <a:endParaRPr lang="en-US" sz="1200" dirty="0"/>
-          </a:p>
-        </p:txBody>
-      </p:sp>
-      <p:cxnSp>
-        <p:nvCxnSpPr>
-          <p:cNvPr id="102" name="Elbow Connector 101">
-            <a:extLst>
-              <a:ext uri="{FF2B5EF4-FFF2-40B4-BE49-F238E27FC236}">
-                <a16:creationId xmlns:a16="http://schemas.microsoft.com/office/drawing/2014/main" id="{86185922-0933-6342-87AF-9A4AF02C1420}"/>
-              </a:ext>
-            </a:extLst>
-          </p:cNvPr>
-          <p:cNvCxnSpPr>
-            <a:cxnSpLocks/>
-            <a:stCxn id="99" idx="3"/>
-            <a:endCxn id="23" idx="1"/>
-          </p:cNvCxnSpPr>
-          <p:nvPr/>
-        </p:nvCxnSpPr>
-        <p:spPr>
-          <a:xfrm flipV="1">
-            <a:off x="1413771" y="2530722"/>
-            <a:ext cx="2096838" cy="2990937"/>
-          </a:xfrm>
-          <a:prstGeom prst="bentConnector3">
-            <a:avLst>
-              <a:gd name="adj1" fmla="val 30845"/>
-            </a:avLst>
-          </a:prstGeom>
-          <a:ln w="38100">
-            <a:solidFill>
-              <a:srgbClr val="00B050"/>
-            </a:solidFill>
-            <a:tailEnd type="triangle"/>
-          </a:ln>
-        </p:spPr>
-        <p:style>
-          <a:lnRef idx="1">
-            <a:schemeClr val="accent1"/>
-          </a:lnRef>
-          <a:fillRef idx="0">
-            <a:schemeClr val="accent1"/>
-          </a:fillRef>
-          <a:effectRef idx="0">
-            <a:schemeClr val="accent1"/>
-          </a:effectRef>
-          <a:fontRef idx="minor">
-            <a:schemeClr val="tx1"/>
-          </a:fontRef>
-        </p:style>
-      </p:cxnSp>
     </p:spTree>
     <p:extLst>
       <p:ext uri="{BB962C8B-B14F-4D97-AF65-F5344CB8AC3E}">

--- a/ArchitectureOverviewStatus.pptx
+++ b/ArchitectureOverviewStatus.pptx
@@ -5302,7 +5302,7 @@
           </a:xfrm>
           <a:prstGeom prst="bentConnector3">
             <a:avLst>
-              <a:gd name="adj1" fmla="val 48835"/>
+              <a:gd name="adj1" fmla="val 50000"/>
             </a:avLst>
           </a:prstGeom>
           <a:ln w="38100">
@@ -7145,324 +7145,6 @@
           </a:fontRef>
         </p:style>
       </p:cxnSp>
-      <p:grpSp>
-        <p:nvGrpSpPr>
-          <p:cNvPr id="6" name="Group 5">
-            <a:extLst>
-              <a:ext uri="{FF2B5EF4-FFF2-40B4-BE49-F238E27FC236}">
-                <a16:creationId xmlns:a16="http://schemas.microsoft.com/office/drawing/2014/main" id="{CEA61CC5-EBE5-704C-A9BE-218C033E8C98}"/>
-              </a:ext>
-            </a:extLst>
-          </p:cNvPr>
-          <p:cNvGrpSpPr/>
-          <p:nvPr/>
-        </p:nvGrpSpPr>
-        <p:grpSpPr>
-          <a:xfrm>
-            <a:off x="6030826" y="632625"/>
-            <a:ext cx="1371600" cy="2354666"/>
-            <a:chOff x="6030826" y="325312"/>
-            <a:chExt cx="1371600" cy="2354666"/>
-          </a:xfrm>
-        </p:grpSpPr>
-        <p:sp>
-          <p:nvSpPr>
-            <p:cNvPr id="25" name="Rectangle 24">
-              <a:extLst>
-                <a:ext uri="{FF2B5EF4-FFF2-40B4-BE49-F238E27FC236}">
-                  <a16:creationId xmlns:a16="http://schemas.microsoft.com/office/drawing/2014/main" id="{44E58876-C7DF-7748-879A-E8CFB7A88C90}"/>
-                </a:ext>
-              </a:extLst>
-            </p:cNvPr>
-            <p:cNvSpPr/>
-            <p:nvPr/>
-          </p:nvSpPr>
-          <p:spPr>
-            <a:xfrm>
-              <a:off x="6030826" y="325312"/>
-              <a:ext cx="1371600" cy="2354666"/>
-            </a:xfrm>
-            <a:prstGeom prst="rect">
-              <a:avLst/>
-            </a:prstGeom>
-            <a:solidFill>
-              <a:schemeClr val="bg1">
-                <a:lumMod val="85000"/>
-              </a:schemeClr>
-            </a:solidFill>
-          </p:spPr>
-          <p:style>
-            <a:lnRef idx="2">
-              <a:schemeClr val="accent1">
-                <a:shade val="50000"/>
-              </a:schemeClr>
-            </a:lnRef>
-            <a:fillRef idx="1">
-              <a:schemeClr val="accent1"/>
-            </a:fillRef>
-            <a:effectRef idx="0">
-              <a:schemeClr val="accent1"/>
-            </a:effectRef>
-            <a:fontRef idx="minor">
-              <a:schemeClr val="lt1"/>
-            </a:fontRef>
-          </p:style>
-          <p:txBody>
-            <a:bodyPr rtlCol="0" anchor="ctr"/>
-            <a:lstStyle/>
-            <a:p>
-              <a:pPr algn="ctr"/>
-              <a:endParaRPr lang="en-US" dirty="0"/>
-            </a:p>
-          </p:txBody>
-        </p:sp>
-        <p:sp>
-          <p:nvSpPr>
-            <p:cNvPr id="27" name="TextBox 26">
-              <a:extLst>
-                <a:ext uri="{FF2B5EF4-FFF2-40B4-BE49-F238E27FC236}">
-                  <a16:creationId xmlns:a16="http://schemas.microsoft.com/office/drawing/2014/main" id="{C216CB91-04EF-114E-848E-934101196852}"/>
-                </a:ext>
-              </a:extLst>
-            </p:cNvPr>
-            <p:cNvSpPr txBox="1"/>
-            <p:nvPr/>
-          </p:nvSpPr>
-          <p:spPr>
-            <a:xfrm>
-              <a:off x="6038164" y="766707"/>
-              <a:ext cx="1364262" cy="276999"/>
-            </a:xfrm>
-            <a:prstGeom prst="rect">
-              <a:avLst/>
-            </a:prstGeom>
-            <a:noFill/>
-          </p:spPr>
-          <p:txBody>
-            <a:bodyPr wrap="square" rtlCol="0">
-              <a:spAutoFit/>
-            </a:bodyPr>
-            <a:lstStyle/>
-            <a:p>
-              <a:r>
-                <a:rPr lang="en-US" sz="1200" dirty="0">
-                  <a:solidFill>
-                    <a:schemeClr val="bg1">
-                      <a:lumMod val="50000"/>
-                    </a:schemeClr>
-                  </a:solidFill>
-                  <a:latin typeface="Arial" panose="020B0604020202020204" pitchFamily="34" charset="0"/>
-                  <a:cs typeface="Arial" panose="020B0604020202020204" pitchFamily="34" charset="0"/>
-                </a:rPr>
-                <a:t>Participant App</a:t>
-              </a:r>
-            </a:p>
-          </p:txBody>
-        </p:sp>
-        <p:pic>
-          <p:nvPicPr>
-            <p:cNvPr id="31" name="Picture 30">
-              <a:extLst>
-                <a:ext uri="{FF2B5EF4-FFF2-40B4-BE49-F238E27FC236}">
-                  <a16:creationId xmlns:a16="http://schemas.microsoft.com/office/drawing/2014/main" id="{B8F4B1C4-FBE6-1342-934E-760DF2524E03}"/>
-                </a:ext>
-              </a:extLst>
-            </p:cNvPr>
-            <p:cNvPicPr>
-              <a:picLocks noChangeAspect="1"/>
-            </p:cNvPicPr>
-            <p:nvPr/>
-          </p:nvPicPr>
-          <p:blipFill>
-            <a:blip r:embed="rId7"/>
-            <a:stretch>
-              <a:fillRect/>
-            </a:stretch>
-          </p:blipFill>
-          <p:spPr>
-            <a:xfrm>
-              <a:off x="6513426" y="433079"/>
-              <a:ext cx="406400" cy="406400"/>
-            </a:xfrm>
-            <a:prstGeom prst="rect">
-              <a:avLst/>
-            </a:prstGeom>
-          </p:spPr>
-        </p:pic>
-        <p:sp>
-          <p:nvSpPr>
-            <p:cNvPr id="37" name="Rectangle 36">
-              <a:extLst>
-                <a:ext uri="{FF2B5EF4-FFF2-40B4-BE49-F238E27FC236}">
-                  <a16:creationId xmlns:a16="http://schemas.microsoft.com/office/drawing/2014/main" id="{67B582C5-2EAB-CF42-9381-F336FD45D0BE}"/>
-                </a:ext>
-              </a:extLst>
-            </p:cNvPr>
-            <p:cNvSpPr/>
-            <p:nvPr/>
-          </p:nvSpPr>
-          <p:spPr>
-            <a:xfrm>
-              <a:off x="6155928" y="1145625"/>
-              <a:ext cx="1121397" cy="276999"/>
-            </a:xfrm>
-            <a:prstGeom prst="rect">
-              <a:avLst/>
-            </a:prstGeom>
-            <a:solidFill>
-              <a:schemeClr val="bg1"/>
-            </a:solidFill>
-            <a:ln w="38100">
-              <a:solidFill>
-                <a:srgbClr val="FFC000"/>
-              </a:solidFill>
-            </a:ln>
-          </p:spPr>
-          <p:txBody>
-            <a:bodyPr wrap="square">
-              <a:spAutoFit/>
-            </a:bodyPr>
-            <a:lstStyle/>
-            <a:p>
-              <a:pPr algn="ctr"/>
-              <a:r>
-                <a:rPr lang="en-US" sz="1200" dirty="0">
-                  <a:latin typeface="Arial" panose="020B0604020202020204" pitchFamily="34" charset="0"/>
-                  <a:cs typeface="Arial" panose="020B0604020202020204" pitchFamily="34" charset="0"/>
-                </a:rPr>
-                <a:t>Registration</a:t>
-              </a:r>
-              <a:endParaRPr lang="en-US" sz="1200" dirty="0"/>
-            </a:p>
-          </p:txBody>
-        </p:sp>
-        <p:sp>
-          <p:nvSpPr>
-            <p:cNvPr id="38" name="Rectangle 37">
-              <a:extLst>
-                <a:ext uri="{FF2B5EF4-FFF2-40B4-BE49-F238E27FC236}">
-                  <a16:creationId xmlns:a16="http://schemas.microsoft.com/office/drawing/2014/main" id="{45247ED2-1D51-DC4B-9B0D-CB3ACF7E3999}"/>
-                </a:ext>
-              </a:extLst>
-            </p:cNvPr>
-            <p:cNvSpPr/>
-            <p:nvPr/>
-          </p:nvSpPr>
-          <p:spPr>
-            <a:xfrm>
-              <a:off x="6155928" y="1988192"/>
-              <a:ext cx="1121397" cy="461665"/>
-            </a:xfrm>
-            <a:prstGeom prst="rect">
-              <a:avLst/>
-            </a:prstGeom>
-            <a:solidFill>
-              <a:schemeClr val="bg1"/>
-            </a:solidFill>
-            <a:ln w="38100">
-              <a:solidFill>
-                <a:srgbClr val="FFC000"/>
-              </a:solidFill>
-            </a:ln>
-          </p:spPr>
-          <p:txBody>
-            <a:bodyPr wrap="square">
-              <a:spAutoFit/>
-            </a:bodyPr>
-            <a:lstStyle/>
-            <a:p>
-              <a:pPr algn="ctr"/>
-              <a:r>
-                <a:rPr lang="en-US" sz="1200" dirty="0">
-                  <a:latin typeface="Arial" panose="020B0604020202020204" pitchFamily="34" charset="0"/>
-                  <a:cs typeface="Arial" panose="020B0604020202020204" pitchFamily="34" charset="0"/>
-                </a:rPr>
-                <a:t>Participant Dashboard</a:t>
-              </a:r>
-              <a:endParaRPr lang="en-US" sz="1200" dirty="0"/>
-            </a:p>
-          </p:txBody>
-        </p:sp>
-        <p:sp>
-          <p:nvSpPr>
-            <p:cNvPr id="69" name="Rectangle 68">
-              <a:extLst>
-                <a:ext uri="{FF2B5EF4-FFF2-40B4-BE49-F238E27FC236}">
-                  <a16:creationId xmlns:a16="http://schemas.microsoft.com/office/drawing/2014/main" id="{CBD3FB4A-0EBF-214A-974A-FA44047D18FF}"/>
-                </a:ext>
-              </a:extLst>
-            </p:cNvPr>
-            <p:cNvSpPr/>
-            <p:nvPr/>
-          </p:nvSpPr>
-          <p:spPr>
-            <a:xfrm>
-              <a:off x="6155928" y="1566909"/>
-              <a:ext cx="1121397" cy="276999"/>
-            </a:xfrm>
-            <a:prstGeom prst="rect">
-              <a:avLst/>
-            </a:prstGeom>
-            <a:solidFill>
-              <a:schemeClr val="bg1"/>
-            </a:solidFill>
-            <a:ln w="38100">
-              <a:solidFill>
-                <a:srgbClr val="FFFF00"/>
-              </a:solidFill>
-            </a:ln>
-          </p:spPr>
-          <p:txBody>
-            <a:bodyPr wrap="square">
-              <a:spAutoFit/>
-            </a:bodyPr>
-            <a:lstStyle/>
-            <a:p>
-              <a:pPr algn="ctr"/>
-              <a:r>
-                <a:rPr lang="en-US" sz="1200" dirty="0">
-                  <a:latin typeface="Arial" panose="020B0604020202020204" pitchFamily="34" charset="0"/>
-                  <a:cs typeface="Arial" panose="020B0604020202020204" pitchFamily="34" charset="0"/>
-                </a:rPr>
-                <a:t>Consent</a:t>
-              </a:r>
-              <a:endParaRPr lang="en-US" sz="1200" dirty="0"/>
-            </a:p>
-          </p:txBody>
-        </p:sp>
-        <p:sp>
-          <p:nvSpPr>
-            <p:cNvPr id="5" name="TextBox 4">
-              <a:extLst>
-                <a:ext uri="{FF2B5EF4-FFF2-40B4-BE49-F238E27FC236}">
-                  <a16:creationId xmlns:a16="http://schemas.microsoft.com/office/drawing/2014/main" id="{09B58560-F43E-444A-8D5E-BE811EC0C424}"/>
-                </a:ext>
-              </a:extLst>
-            </p:cNvPr>
-            <p:cNvSpPr txBox="1"/>
-            <p:nvPr/>
-          </p:nvSpPr>
-          <p:spPr>
-            <a:xfrm>
-              <a:off x="6301738" y="2073211"/>
-              <a:ext cx="184731" cy="369332"/>
-            </a:xfrm>
-            <a:prstGeom prst="rect">
-              <a:avLst/>
-            </a:prstGeom>
-            <a:noFill/>
-          </p:spPr>
-          <p:txBody>
-            <a:bodyPr wrap="none" rtlCol="0">
-              <a:spAutoFit/>
-            </a:bodyPr>
-            <a:lstStyle/>
-            <a:p>
-              <a:endParaRPr lang="en-US" dirty="0"/>
-            </a:p>
-          </p:txBody>
-        </p:sp>
-      </p:grpSp>
       <p:grpSp>
         <p:nvGrpSpPr>
           <p:cNvPr id="56" name="Group 55">
@@ -7891,6 +7573,371 @@
           </p:txBody>
         </p:sp>
       </p:grpSp>
+      <p:grpSp>
+        <p:nvGrpSpPr>
+          <p:cNvPr id="2" name="Group 1">
+            <a:extLst>
+              <a:ext uri="{FF2B5EF4-FFF2-40B4-BE49-F238E27FC236}">
+                <a16:creationId xmlns:a16="http://schemas.microsoft.com/office/drawing/2014/main" id="{76065BD9-84EC-2D41-9B27-494A38730E05}"/>
+              </a:ext>
+            </a:extLst>
+          </p:cNvPr>
+          <p:cNvGrpSpPr/>
+          <p:nvPr/>
+        </p:nvGrpSpPr>
+        <p:grpSpPr>
+          <a:xfrm>
+            <a:off x="6030826" y="632625"/>
+            <a:ext cx="1371600" cy="2354666"/>
+            <a:chOff x="6030826" y="632625"/>
+            <a:chExt cx="1371600" cy="2354666"/>
+          </a:xfrm>
+        </p:grpSpPr>
+        <p:sp>
+          <p:nvSpPr>
+            <p:cNvPr id="25" name="Rectangle 24">
+              <a:extLst>
+                <a:ext uri="{FF2B5EF4-FFF2-40B4-BE49-F238E27FC236}">
+                  <a16:creationId xmlns:a16="http://schemas.microsoft.com/office/drawing/2014/main" id="{44E58876-C7DF-7748-879A-E8CFB7A88C90}"/>
+                </a:ext>
+              </a:extLst>
+            </p:cNvPr>
+            <p:cNvSpPr/>
+            <p:nvPr/>
+          </p:nvSpPr>
+          <p:spPr>
+            <a:xfrm>
+              <a:off x="6030826" y="632625"/>
+              <a:ext cx="1371600" cy="2354666"/>
+            </a:xfrm>
+            <a:prstGeom prst="rect">
+              <a:avLst/>
+            </a:prstGeom>
+            <a:solidFill>
+              <a:schemeClr val="bg1">
+                <a:lumMod val="85000"/>
+              </a:schemeClr>
+            </a:solidFill>
+          </p:spPr>
+          <p:style>
+            <a:lnRef idx="2">
+              <a:schemeClr val="accent1">
+                <a:shade val="50000"/>
+              </a:schemeClr>
+            </a:lnRef>
+            <a:fillRef idx="1">
+              <a:schemeClr val="accent1"/>
+            </a:fillRef>
+            <a:effectRef idx="0">
+              <a:schemeClr val="accent1"/>
+            </a:effectRef>
+            <a:fontRef idx="minor">
+              <a:schemeClr val="lt1"/>
+            </a:fontRef>
+          </p:style>
+          <p:txBody>
+            <a:bodyPr rtlCol="0" anchor="ctr"/>
+            <a:lstStyle/>
+            <a:p>
+              <a:pPr algn="ctr"/>
+              <a:endParaRPr lang="en-US" dirty="0"/>
+            </a:p>
+          </p:txBody>
+        </p:sp>
+        <p:sp>
+          <p:nvSpPr>
+            <p:cNvPr id="27" name="TextBox 26">
+              <a:extLst>
+                <a:ext uri="{FF2B5EF4-FFF2-40B4-BE49-F238E27FC236}">
+                  <a16:creationId xmlns:a16="http://schemas.microsoft.com/office/drawing/2014/main" id="{C216CB91-04EF-114E-848E-934101196852}"/>
+                </a:ext>
+              </a:extLst>
+            </p:cNvPr>
+            <p:cNvSpPr txBox="1"/>
+            <p:nvPr/>
+          </p:nvSpPr>
+          <p:spPr>
+            <a:xfrm>
+              <a:off x="6034495" y="1074020"/>
+              <a:ext cx="1364262" cy="276999"/>
+            </a:xfrm>
+            <a:prstGeom prst="rect">
+              <a:avLst/>
+            </a:prstGeom>
+            <a:noFill/>
+          </p:spPr>
+          <p:txBody>
+            <a:bodyPr wrap="square" rtlCol="0">
+              <a:spAutoFit/>
+            </a:bodyPr>
+            <a:lstStyle/>
+            <a:p>
+              <a:r>
+                <a:rPr lang="en-US" sz="1200" dirty="0">
+                  <a:solidFill>
+                    <a:schemeClr val="bg1">
+                      <a:lumMod val="50000"/>
+                    </a:schemeClr>
+                  </a:solidFill>
+                  <a:latin typeface="Arial" panose="020B0604020202020204" pitchFamily="34" charset="0"/>
+                  <a:cs typeface="Arial" panose="020B0604020202020204" pitchFamily="34" charset="0"/>
+                </a:rPr>
+                <a:t>Participant App</a:t>
+              </a:r>
+            </a:p>
+          </p:txBody>
+        </p:sp>
+        <p:pic>
+          <p:nvPicPr>
+            <p:cNvPr id="31" name="Picture 30">
+              <a:extLst>
+                <a:ext uri="{FF2B5EF4-FFF2-40B4-BE49-F238E27FC236}">
+                  <a16:creationId xmlns:a16="http://schemas.microsoft.com/office/drawing/2014/main" id="{B8F4B1C4-FBE6-1342-934E-760DF2524E03}"/>
+                </a:ext>
+              </a:extLst>
+            </p:cNvPr>
+            <p:cNvPicPr>
+              <a:picLocks noChangeAspect="1"/>
+            </p:cNvPicPr>
+            <p:nvPr/>
+          </p:nvPicPr>
+          <p:blipFill>
+            <a:blip r:embed="rId7"/>
+            <a:stretch>
+              <a:fillRect/>
+            </a:stretch>
+          </p:blipFill>
+          <p:spPr>
+            <a:xfrm>
+              <a:off x="6513426" y="740392"/>
+              <a:ext cx="406400" cy="406400"/>
+            </a:xfrm>
+            <a:prstGeom prst="rect">
+              <a:avLst/>
+            </a:prstGeom>
+          </p:spPr>
+        </p:pic>
+        <p:sp>
+          <p:nvSpPr>
+            <p:cNvPr id="37" name="Rectangle 36">
+              <a:extLst>
+                <a:ext uri="{FF2B5EF4-FFF2-40B4-BE49-F238E27FC236}">
+                  <a16:creationId xmlns:a16="http://schemas.microsoft.com/office/drawing/2014/main" id="{67B582C5-2EAB-CF42-9381-F336FD45D0BE}"/>
+                </a:ext>
+              </a:extLst>
+            </p:cNvPr>
+            <p:cNvSpPr/>
+            <p:nvPr/>
+          </p:nvSpPr>
+          <p:spPr>
+            <a:xfrm>
+              <a:off x="6155928" y="1400388"/>
+              <a:ext cx="1121397" cy="276999"/>
+            </a:xfrm>
+            <a:prstGeom prst="rect">
+              <a:avLst/>
+            </a:prstGeom>
+            <a:solidFill>
+              <a:schemeClr val="bg1"/>
+            </a:solidFill>
+            <a:ln w="38100">
+              <a:solidFill>
+                <a:srgbClr val="FFC000"/>
+              </a:solidFill>
+            </a:ln>
+          </p:spPr>
+          <p:txBody>
+            <a:bodyPr wrap="square">
+              <a:spAutoFit/>
+            </a:bodyPr>
+            <a:lstStyle/>
+            <a:p>
+              <a:pPr algn="ctr"/>
+              <a:r>
+                <a:rPr lang="en-US" sz="1200" dirty="0">
+                  <a:latin typeface="Arial" panose="020B0604020202020204" pitchFamily="34" charset="0"/>
+                  <a:cs typeface="Arial" panose="020B0604020202020204" pitchFamily="34" charset="0"/>
+                </a:rPr>
+                <a:t>Registration</a:t>
+              </a:r>
+              <a:endParaRPr lang="en-US" sz="1200" dirty="0"/>
+            </a:p>
+          </p:txBody>
+        </p:sp>
+        <p:sp>
+          <p:nvSpPr>
+            <p:cNvPr id="38" name="Rectangle 37">
+              <a:extLst>
+                <a:ext uri="{FF2B5EF4-FFF2-40B4-BE49-F238E27FC236}">
+                  <a16:creationId xmlns:a16="http://schemas.microsoft.com/office/drawing/2014/main" id="{45247ED2-1D51-DC4B-9B0D-CB3ACF7E3999}"/>
+                </a:ext>
+              </a:extLst>
+            </p:cNvPr>
+            <p:cNvSpPr/>
+            <p:nvPr/>
+          </p:nvSpPr>
+          <p:spPr>
+            <a:xfrm>
+              <a:off x="6155928" y="2484689"/>
+              <a:ext cx="1121397" cy="461665"/>
+            </a:xfrm>
+            <a:prstGeom prst="rect">
+              <a:avLst/>
+            </a:prstGeom>
+            <a:solidFill>
+              <a:schemeClr val="bg1"/>
+            </a:solidFill>
+            <a:ln w="38100">
+              <a:solidFill>
+                <a:srgbClr val="FFC000"/>
+              </a:solidFill>
+            </a:ln>
+          </p:spPr>
+          <p:txBody>
+            <a:bodyPr wrap="square">
+              <a:spAutoFit/>
+            </a:bodyPr>
+            <a:lstStyle/>
+            <a:p>
+              <a:pPr algn="ctr"/>
+              <a:r>
+                <a:rPr lang="en-US" sz="1200" dirty="0">
+                  <a:latin typeface="Arial" panose="020B0604020202020204" pitchFamily="34" charset="0"/>
+                  <a:cs typeface="Arial" panose="020B0604020202020204" pitchFamily="34" charset="0"/>
+                </a:rPr>
+                <a:t>Participant Dashboard</a:t>
+              </a:r>
+              <a:endParaRPr lang="en-US" sz="1200" dirty="0"/>
+            </a:p>
+          </p:txBody>
+        </p:sp>
+        <p:sp>
+          <p:nvSpPr>
+            <p:cNvPr id="69" name="Rectangle 68">
+              <a:extLst>
+                <a:ext uri="{FF2B5EF4-FFF2-40B4-BE49-F238E27FC236}">
+                  <a16:creationId xmlns:a16="http://schemas.microsoft.com/office/drawing/2014/main" id="{CBD3FB4A-0EBF-214A-974A-FA44047D18FF}"/>
+                </a:ext>
+              </a:extLst>
+            </p:cNvPr>
+            <p:cNvSpPr/>
+            <p:nvPr/>
+          </p:nvSpPr>
+          <p:spPr>
+            <a:xfrm>
+              <a:off x="6155928" y="2123256"/>
+              <a:ext cx="1121397" cy="276999"/>
+            </a:xfrm>
+            <a:prstGeom prst="rect">
+              <a:avLst/>
+            </a:prstGeom>
+            <a:solidFill>
+              <a:schemeClr val="bg1"/>
+            </a:solidFill>
+            <a:ln w="38100">
+              <a:solidFill>
+                <a:srgbClr val="FFFF00"/>
+              </a:solidFill>
+            </a:ln>
+          </p:spPr>
+          <p:txBody>
+            <a:bodyPr wrap="square">
+              <a:spAutoFit/>
+            </a:bodyPr>
+            <a:lstStyle/>
+            <a:p>
+              <a:pPr algn="ctr"/>
+              <a:r>
+                <a:rPr lang="en-US" sz="1200" dirty="0">
+                  <a:latin typeface="Arial" panose="020B0604020202020204" pitchFamily="34" charset="0"/>
+                  <a:cs typeface="Arial" panose="020B0604020202020204" pitchFamily="34" charset="0"/>
+                </a:rPr>
+                <a:t>Consent</a:t>
+              </a:r>
+              <a:endParaRPr lang="en-US" sz="1200" dirty="0"/>
+            </a:p>
+          </p:txBody>
+        </p:sp>
+        <p:sp>
+          <p:nvSpPr>
+            <p:cNvPr id="5" name="TextBox 4">
+              <a:extLst>
+                <a:ext uri="{FF2B5EF4-FFF2-40B4-BE49-F238E27FC236}">
+                  <a16:creationId xmlns:a16="http://schemas.microsoft.com/office/drawing/2014/main" id="{09B58560-F43E-444A-8D5E-BE811EC0C424}"/>
+                </a:ext>
+              </a:extLst>
+            </p:cNvPr>
+            <p:cNvSpPr txBox="1"/>
+            <p:nvPr/>
+          </p:nvSpPr>
+          <p:spPr>
+            <a:xfrm>
+              <a:off x="6624261" y="2380524"/>
+              <a:ext cx="184731" cy="369332"/>
+            </a:xfrm>
+            <a:prstGeom prst="rect">
+              <a:avLst/>
+            </a:prstGeom>
+            <a:noFill/>
+          </p:spPr>
+          <p:txBody>
+            <a:bodyPr wrap="none" rtlCol="0">
+              <a:spAutoFit/>
+            </a:bodyPr>
+            <a:lstStyle/>
+            <a:p>
+              <a:endParaRPr lang="en-US" dirty="0"/>
+            </a:p>
+          </p:txBody>
+        </p:sp>
+        <p:sp>
+          <p:nvSpPr>
+            <p:cNvPr id="109" name="Rectangle 108">
+              <a:extLst>
+                <a:ext uri="{FF2B5EF4-FFF2-40B4-BE49-F238E27FC236}">
+                  <a16:creationId xmlns:a16="http://schemas.microsoft.com/office/drawing/2014/main" id="{4B9CC4C0-EA90-D246-8F11-B1F7F9699B2F}"/>
+                </a:ext>
+              </a:extLst>
+            </p:cNvPr>
+            <p:cNvSpPr/>
+            <p:nvPr/>
+          </p:nvSpPr>
+          <p:spPr>
+            <a:xfrm>
+              <a:off x="6155928" y="1761822"/>
+              <a:ext cx="1121397" cy="276999"/>
+            </a:xfrm>
+            <a:prstGeom prst="rect">
+              <a:avLst/>
+            </a:prstGeom>
+            <a:solidFill>
+              <a:schemeClr val="bg1"/>
+            </a:solidFill>
+            <a:ln w="38100">
+              <a:solidFill>
+                <a:srgbClr val="FFFF00"/>
+              </a:solidFill>
+            </a:ln>
+          </p:spPr>
+          <p:txBody>
+            <a:bodyPr wrap="square">
+              <a:spAutoFit/>
+            </a:bodyPr>
+            <a:lstStyle/>
+            <a:p>
+              <a:pPr algn="ctr"/>
+              <a:r>
+                <a:rPr lang="en-US" sz="1200" dirty="0">
+                  <a:latin typeface="Arial" panose="020B0604020202020204" pitchFamily="34" charset="0"/>
+                  <a:cs typeface="Arial" panose="020B0604020202020204" pitchFamily="34" charset="0"/>
+                </a:rPr>
+                <a:t>Sign in</a:t>
+              </a:r>
+              <a:endParaRPr lang="en-US" sz="1200" dirty="0"/>
+            </a:p>
+          </p:txBody>
+        </p:sp>
+      </p:grpSp>
     </p:spTree>
     <p:extLst>
       <p:ext uri="{BB962C8B-B14F-4D97-AF65-F5344CB8AC3E}">

--- a/ArchitectureOverviewStatus.pptx
+++ b/ArchitectureOverviewStatus.pptx
@@ -3925,7 +3925,7 @@
         </p:nvSpPr>
         <p:spPr>
           <a:xfrm>
-            <a:off x="3041151" y="3183134"/>
+            <a:off x="3041151" y="3541681"/>
             <a:ext cx="1531766" cy="276999"/>
           </a:xfrm>
           <a:prstGeom prst="rect">
@@ -5148,7 +5148,7 @@
         </p:nvSpPr>
         <p:spPr>
           <a:xfrm>
-            <a:off x="3048488" y="3552730"/>
+            <a:off x="3041151" y="3173292"/>
             <a:ext cx="1394934" cy="276999"/>
           </a:xfrm>
           <a:prstGeom prst="rect">
@@ -5206,7 +5206,7 @@
           </a:xfrm>
           <a:prstGeom prst="bentConnector3">
             <a:avLst>
-              <a:gd name="adj1" fmla="val 50000"/>
+              <a:gd name="adj1" fmla="val 47131"/>
             </a:avLst>
           </a:prstGeom>
           <a:ln w="38100">
@@ -6009,10 +6009,10 @@
         </p:nvGrpSpPr>
         <p:grpSpPr>
           <a:xfrm>
-            <a:off x="122407" y="3168539"/>
-            <a:ext cx="2254090" cy="1680552"/>
-            <a:chOff x="68023" y="4983943"/>
-            <a:chExt cx="2254090" cy="1680552"/>
+            <a:off x="122407" y="3184919"/>
+            <a:ext cx="2254090" cy="1428035"/>
+            <a:chOff x="68023" y="5236459"/>
+            <a:chExt cx="2254090" cy="1428035"/>
           </a:xfrm>
         </p:grpSpPr>
         <p:grpSp>
@@ -6029,10 +6029,10 @@
           </p:nvGrpSpPr>
           <p:grpSpPr>
             <a:xfrm>
-              <a:off x="68023" y="4983943"/>
-              <a:ext cx="2254090" cy="1680552"/>
-              <a:chOff x="6005397" y="3057603"/>
-              <a:chExt cx="1371600" cy="1448086"/>
+              <a:off x="68023" y="5236459"/>
+              <a:ext cx="2254090" cy="1428035"/>
+              <a:chOff x="6005397" y="3275189"/>
+              <a:chExt cx="1371600" cy="1230499"/>
             </a:xfrm>
           </p:grpSpPr>
           <p:sp>
@@ -6049,8 +6049,8 @@
             </p:nvSpPr>
             <p:spPr>
               <a:xfrm>
-                <a:off x="6005397" y="3057603"/>
-                <a:ext cx="1371600" cy="1448086"/>
+                <a:off x="6005397" y="3275189"/>
+                <a:ext cx="1371600" cy="1230499"/>
               </a:xfrm>
               <a:prstGeom prst="rect">
                 <a:avLst/>
@@ -6145,7 +6145,7 @@
           </p:nvSpPr>
           <p:spPr>
             <a:xfrm>
-              <a:off x="155448" y="5035775"/>
+              <a:off x="151027" y="5347783"/>
               <a:ext cx="1321795" cy="276999"/>
             </a:xfrm>
             <a:prstGeom prst="rect">
@@ -6192,7 +6192,7 @@
           </p:nvSpPr>
           <p:spPr>
             <a:xfrm>
-              <a:off x="155448" y="5734009"/>
+              <a:off x="151027" y="5715455"/>
               <a:ext cx="2004653" cy="276999"/>
             </a:xfrm>
             <a:prstGeom prst="rect">
@@ -6227,53 +6227,6 @@
         </p:sp>
         <p:sp>
           <p:nvSpPr>
-            <p:cNvPr id="119" name="Rectangle 118">
-              <a:extLst>
-                <a:ext uri="{FF2B5EF4-FFF2-40B4-BE49-F238E27FC236}">
-                  <a16:creationId xmlns:a16="http://schemas.microsoft.com/office/drawing/2014/main" id="{00829BC2-345F-F640-9048-CE5C59E6F536}"/>
-                </a:ext>
-              </a:extLst>
-            </p:cNvPr>
-            <p:cNvSpPr/>
-            <p:nvPr/>
-          </p:nvSpPr>
-          <p:spPr>
-            <a:xfrm>
-              <a:off x="155448" y="5384892"/>
-              <a:ext cx="1321796" cy="276999"/>
-            </a:xfrm>
-            <a:prstGeom prst="rect">
-              <a:avLst/>
-            </a:prstGeom>
-            <a:solidFill>
-              <a:schemeClr val="bg1"/>
-            </a:solidFill>
-            <a:ln w="38100">
-              <a:solidFill>
-                <a:srgbClr val="FFC000"/>
-              </a:solidFill>
-            </a:ln>
-          </p:spPr>
-          <p:txBody>
-            <a:bodyPr wrap="square">
-              <a:spAutoFit/>
-            </a:bodyPr>
-            <a:lstStyle/>
-            <a:p>
-              <a:pPr algn="ctr"/>
-              <a:r>
-                <a:rPr lang="en-US" sz="1200" dirty="0">
-                  <a:latin typeface="Arial" panose="020B0604020202020204" pitchFamily="34" charset="0"/>
-                  <a:cs typeface="Arial" panose="020B0604020202020204" pitchFamily="34" charset="0"/>
-                </a:rPr>
-                <a:t>Verify participant</a:t>
-              </a:r>
-              <a:endParaRPr lang="en-US" sz="1200" dirty="0"/>
-            </a:p>
-          </p:txBody>
-        </p:sp>
-        <p:sp>
-          <p:nvSpPr>
             <p:cNvPr id="198" name="Rectangle 197">
               <a:extLst>
                 <a:ext uri="{FF2B5EF4-FFF2-40B4-BE49-F238E27FC236}">
@@ -6286,7 +6239,7 @@
           </p:nvSpPr>
           <p:spPr>
             <a:xfrm>
-              <a:off x="155449" y="6083127"/>
+              <a:off x="151027" y="6083127"/>
               <a:ext cx="1321796" cy="276999"/>
             </a:xfrm>
             <a:prstGeom prst="rect">
@@ -6338,8 +6291,8 @@
         </p:nvCxnSpPr>
         <p:spPr>
           <a:xfrm>
-            <a:off x="1531629" y="4406223"/>
-            <a:ext cx="1509522" cy="68343"/>
+            <a:off x="1527207" y="4170087"/>
+            <a:ext cx="1513944" cy="304479"/>
           </a:xfrm>
           <a:prstGeom prst="bentConnector3">
             <a:avLst>
@@ -6379,15 +6332,15 @@
           </p:cNvPr>
           <p:cNvCxnSpPr>
             <a:cxnSpLocks/>
-            <a:stCxn id="119" idx="3"/>
-            <a:endCxn id="118" idx="1"/>
+            <a:stCxn id="53" idx="1"/>
+            <a:endCxn id="118" idx="3"/>
           </p:cNvCxnSpPr>
           <p:nvPr/>
         </p:nvCxnSpPr>
         <p:spPr>
-          <a:xfrm flipV="1">
-            <a:off x="1531628" y="3691230"/>
-            <a:ext cx="1516860" cy="16758"/>
+          <a:xfrm rot="10800000">
+            <a:off x="4436086" y="3311793"/>
+            <a:ext cx="1594741" cy="542589"/>
           </a:xfrm>
           <a:prstGeom prst="bentConnector3">
             <a:avLst>
@@ -6433,9 +6386,9 @@
           <p:nvPr/>
         </p:nvCxnSpPr>
         <p:spPr>
-          <a:xfrm flipV="1">
-            <a:off x="1531627" y="3321634"/>
-            <a:ext cx="1509524" cy="37237"/>
+          <a:xfrm>
+            <a:off x="1527206" y="3434743"/>
+            <a:ext cx="1513945" cy="245438"/>
           </a:xfrm>
           <a:prstGeom prst="bentConnector3">
             <a:avLst>
@@ -6482,8 +6435,8 @@
         </p:nvCxnSpPr>
         <p:spPr>
           <a:xfrm>
-            <a:off x="2214485" y="4057105"/>
-            <a:ext cx="826666" cy="37090"/>
+            <a:off x="2210064" y="3802415"/>
+            <a:ext cx="831087" cy="291780"/>
           </a:xfrm>
           <a:prstGeom prst="bentConnector3">
             <a:avLst>

--- a/ArchitectureOverviewStatus.pptx
+++ b/ArchitectureOverviewStatus.pptx
@@ -3340,12 +3340,12 @@
         </p:nvSpPr>
         <p:spPr>
           <a:xfrm rot="10800000">
-            <a:off x="155448" y="512064"/>
-            <a:ext cx="4525369" cy="4342091"/>
+            <a:off x="155447" y="512063"/>
+            <a:ext cx="4525369" cy="3984725"/>
           </a:xfrm>
           <a:prstGeom prst="corner">
             <a:avLst>
-              <a:gd name="adj1" fmla="val 59392"/>
+              <a:gd name="adj1" fmla="val 64454"/>
               <a:gd name="adj2" fmla="val 49133"/>
             </a:avLst>
           </a:prstGeom>
@@ -3401,9 +3401,9 @@
         <p:grpSpPr>
           <a:xfrm>
             <a:off x="499257" y="678807"/>
-            <a:ext cx="1371600" cy="2293710"/>
+            <a:ext cx="1418533" cy="2293710"/>
             <a:chOff x="499257" y="259492"/>
-            <a:chExt cx="1371600" cy="2293710"/>
+            <a:chExt cx="1418533" cy="2293710"/>
           </a:xfrm>
         </p:grpSpPr>
         <p:sp>
@@ -3508,7 +3508,7 @@
           <p:spPr>
             <a:xfrm>
               <a:off x="510834" y="848499"/>
-              <a:ext cx="1354187" cy="276999"/>
+              <a:ext cx="1354187" cy="461665"/>
             </a:xfrm>
             <a:prstGeom prst="rect">
               <a:avLst/>
@@ -3534,15 +3534,18 @@
                 </a:rPr>
                 <a:t>Firestore</a:t>
               </a:r>
-              <a:endParaRPr lang="en-US" sz="1200" dirty="0">
-                <a:solidFill>
-                  <a:schemeClr val="bg1">
-                    <a:lumMod val="50000"/>
-                  </a:schemeClr>
-                </a:solidFill>
-                <a:latin typeface="Arial" panose="020B0604020202020204" pitchFamily="34" charset="0"/>
-                <a:cs typeface="Arial" panose="020B0604020202020204" pitchFamily="34" charset="0"/>
-              </a:endParaRPr>
+              <a:r>
+                <a:rPr lang="en-US" sz="1200" dirty="0">
+                  <a:solidFill>
+                    <a:schemeClr val="bg1">
+                      <a:lumMod val="50000"/>
+                    </a:schemeClr>
+                  </a:solidFill>
+                  <a:latin typeface="Arial" panose="020B0604020202020204" pitchFamily="34" charset="0"/>
+                  <a:cs typeface="Arial" panose="020B0604020202020204" pitchFamily="34" charset="0"/>
+                </a:rPr>
+                <a:t> database</a:t>
+              </a:r>
             </a:p>
           </p:txBody>
         </p:sp>
@@ -3561,7 +3564,7 @@
           <p:spPr>
             <a:xfrm>
               <a:off x="529268" y="1168137"/>
-              <a:ext cx="1311578" cy="1384995"/>
+              <a:ext cx="1388522" cy="1384995"/>
             </a:xfrm>
             <a:prstGeom prst="rect">
               <a:avLst/>
@@ -3605,7 +3608,7 @@
                   <a:latin typeface="Arial" panose="020B0604020202020204" pitchFamily="34" charset="0"/>
                   <a:cs typeface="Arial" panose="020B0604020202020204" pitchFamily="34" charset="0"/>
                 </a:rPr>
-                <a:t>Questionnaire</a:t>
+                <a:t>Questionnaires</a:t>
               </a:r>
             </a:p>
             <a:p>
@@ -3653,47 +3656,6 @@
           </p:txBody>
         </p:sp>
       </p:grpSp>
-      <p:cxnSp>
-        <p:nvCxnSpPr>
-          <p:cNvPr id="36" name="Straight Connector 35">
-            <a:extLst>
-              <a:ext uri="{FF2B5EF4-FFF2-40B4-BE49-F238E27FC236}">
-                <a16:creationId xmlns:a16="http://schemas.microsoft.com/office/drawing/2014/main" id="{3AEABF02-C140-1D43-ADE9-248A2DBD8377}"/>
-              </a:ext>
-            </a:extLst>
-          </p:cNvPr>
-          <p:cNvCxnSpPr>
-            <a:cxnSpLocks/>
-          </p:cNvCxnSpPr>
-          <p:nvPr/>
-        </p:nvCxnSpPr>
-        <p:spPr>
-          <a:xfrm flipH="1">
-            <a:off x="1874111" y="1856045"/>
-            <a:ext cx="866220" cy="0"/>
-          </a:xfrm>
-          <a:prstGeom prst="line">
-            <a:avLst/>
-          </a:prstGeom>
-          <a:ln>
-            <a:tailEnd type="stealth" w="lg" len="lg"/>
-          </a:ln>
-        </p:spPr>
-        <p:style>
-          <a:lnRef idx="1">
-            <a:schemeClr val="accent1"/>
-          </a:lnRef>
-          <a:fillRef idx="0">
-            <a:schemeClr val="accent1"/>
-          </a:fillRef>
-          <a:effectRef idx="0">
-            <a:schemeClr val="accent1"/>
-          </a:effectRef>
-          <a:fontRef idx="minor">
-            <a:schemeClr val="tx1"/>
-          </a:fontRef>
-        </p:style>
-      </p:cxnSp>
       <p:sp>
         <p:nvSpPr>
           <p:cNvPr id="11" name="Rectangle 10">
@@ -3709,7 +3671,7 @@
         <p:spPr>
           <a:xfrm>
             <a:off x="2740331" y="750191"/>
-            <a:ext cx="1371600" cy="3991232"/>
+            <a:ext cx="1371600" cy="3673489"/>
           </a:xfrm>
           <a:prstGeom prst="rect">
             <a:avLst/>
@@ -3833,7 +3795,7 @@
         </p:nvSpPr>
         <p:spPr>
           <a:xfrm>
-            <a:off x="3041151" y="2030201"/>
+            <a:off x="3041151" y="1640238"/>
             <a:ext cx="1121397" cy="276999"/>
           </a:xfrm>
           <a:prstGeom prst="rect">
@@ -3879,7 +3841,7 @@
         </p:nvSpPr>
         <p:spPr>
           <a:xfrm>
-            <a:off x="3041151" y="2414512"/>
+            <a:off x="3041151" y="2024549"/>
             <a:ext cx="1156086" cy="276999"/>
           </a:xfrm>
           <a:prstGeom prst="rect">
@@ -3925,7 +3887,7 @@
         </p:nvSpPr>
         <p:spPr>
           <a:xfrm>
-            <a:off x="3041151" y="3541681"/>
+            <a:off x="3041151" y="3151718"/>
             <a:ext cx="1531766" cy="276999"/>
           </a:xfrm>
           <a:prstGeom prst="rect">
@@ -3974,7 +3936,7 @@
         </p:nvSpPr>
         <p:spPr>
           <a:xfrm>
-            <a:off x="3041151" y="3955695"/>
+            <a:off x="3041151" y="3565732"/>
             <a:ext cx="1199367" cy="276999"/>
           </a:xfrm>
           <a:prstGeom prst="rect">
@@ -4475,7 +4437,7 @@
         </p:nvSpPr>
         <p:spPr>
           <a:xfrm>
-            <a:off x="3041151" y="4336066"/>
+            <a:off x="3041151" y="3946103"/>
             <a:ext cx="988925" cy="276999"/>
           </a:xfrm>
           <a:prstGeom prst="rect">
@@ -4520,8 +4482,8 @@
         </p:nvGrpSpPr>
         <p:grpSpPr>
           <a:xfrm>
-            <a:off x="9536657" y="3835852"/>
-            <a:ext cx="1371600" cy="1433099"/>
+            <a:off x="9536657" y="3234960"/>
+            <a:ext cx="1371600" cy="1188720"/>
             <a:chOff x="6015568" y="2573324"/>
             <a:chExt cx="1371600" cy="1433099"/>
           </a:xfrm>
@@ -4591,7 +4553,7 @@
           </p:nvSpPr>
           <p:spPr>
             <a:xfrm>
-              <a:off x="6015568" y="3051295"/>
+              <a:off x="6015568" y="2573324"/>
               <a:ext cx="1371599" cy="276999"/>
             </a:xfrm>
             <a:prstGeom prst="rect">
@@ -4621,36 +4583,6 @@
             </a:p>
           </p:txBody>
         </p:sp>
-        <p:pic>
-          <p:nvPicPr>
-            <p:cNvPr id="83" name="Picture 82">
-              <a:extLst>
-                <a:ext uri="{FF2B5EF4-FFF2-40B4-BE49-F238E27FC236}">
-                  <a16:creationId xmlns:a16="http://schemas.microsoft.com/office/drawing/2014/main" id="{E4B891D9-6B53-0840-80CD-7ABAA47819A8}"/>
-                </a:ext>
-              </a:extLst>
-            </p:cNvPr>
-            <p:cNvPicPr>
-              <a:picLocks noChangeAspect="1"/>
-            </p:cNvPicPr>
-            <p:nvPr/>
-          </p:nvPicPr>
-          <p:blipFill>
-            <a:blip r:embed="rId7"/>
-            <a:stretch>
-              <a:fillRect/>
-            </a:stretch>
-          </p:blipFill>
-          <p:spPr>
-            <a:xfrm>
-              <a:off x="6498168" y="2681091"/>
-              <a:ext cx="406400" cy="406400"/>
-            </a:xfrm>
-            <a:prstGeom prst="rect">
-              <a:avLst/>
-            </a:prstGeom>
-          </p:spPr>
-        </p:pic>
         <p:sp>
           <p:nvSpPr>
             <p:cNvPr id="84" name="Rectangle 83">
@@ -4665,8 +4597,8 @@
           </p:nvSpPr>
           <p:spPr>
             <a:xfrm>
-              <a:off x="6140670" y="3350537"/>
-              <a:ext cx="1121397" cy="461665"/>
+              <a:off x="6140670" y="3019818"/>
+              <a:ext cx="1121397" cy="779205"/>
             </a:xfrm>
             <a:prstGeom prst="rect">
               <a:avLst/>
@@ -4694,6 +4626,9 @@
                 </a:rPr>
                 <a:t>NORC Dashboard</a:t>
               </a:r>
+            </a:p>
+            <a:p>
+              <a:pPr algn="ctr"/>
               <a:endParaRPr lang="en-US" sz="1200" dirty="0"/>
             </a:p>
           </p:txBody>
@@ -4713,10 +4648,10 @@
         </p:nvGrpSpPr>
         <p:grpSpPr>
           <a:xfrm>
-            <a:off x="9541181" y="615825"/>
-            <a:ext cx="1371600" cy="1604216"/>
+            <a:off x="9541181" y="615824"/>
+            <a:ext cx="1371600" cy="1188720"/>
             <a:chOff x="6015568" y="2573324"/>
-            <a:chExt cx="1371600" cy="1604216"/>
+            <a:chExt cx="1371600" cy="1178347"/>
           </a:xfrm>
         </p:grpSpPr>
         <p:sp>
@@ -4734,7 +4669,7 @@
           <p:spPr>
             <a:xfrm>
               <a:off x="6015568" y="2573324"/>
-              <a:ext cx="1371600" cy="1604216"/>
+              <a:ext cx="1371600" cy="1178347"/>
             </a:xfrm>
             <a:prstGeom prst="rect">
               <a:avLst/>
@@ -4784,7 +4719,7 @@
           </p:nvSpPr>
           <p:spPr>
             <a:xfrm>
-              <a:off x="6022330" y="3051295"/>
+              <a:off x="6022330" y="2573324"/>
               <a:ext cx="1364838" cy="461665"/>
             </a:xfrm>
             <a:prstGeom prst="rect">
@@ -4814,36 +4749,6 @@
             </a:p>
           </p:txBody>
         </p:sp>
-        <p:pic>
-          <p:nvPicPr>
-            <p:cNvPr id="89" name="Picture 88">
-              <a:extLst>
-                <a:ext uri="{FF2B5EF4-FFF2-40B4-BE49-F238E27FC236}">
-                  <a16:creationId xmlns:a16="http://schemas.microsoft.com/office/drawing/2014/main" id="{62DA907B-24B2-FF45-8D67-9F96D5F35E34}"/>
-                </a:ext>
-              </a:extLst>
-            </p:cNvPr>
-            <p:cNvPicPr>
-              <a:picLocks noChangeAspect="1"/>
-            </p:cNvPicPr>
-            <p:nvPr/>
-          </p:nvPicPr>
-          <p:blipFill>
-            <a:blip r:embed="rId7"/>
-            <a:stretch>
-              <a:fillRect/>
-            </a:stretch>
-          </p:blipFill>
-          <p:spPr>
-            <a:xfrm>
-              <a:off x="6498168" y="2681091"/>
-              <a:ext cx="406400" cy="406400"/>
-            </a:xfrm>
-            <a:prstGeom prst="rect">
-              <a:avLst/>
-            </a:prstGeom>
-          </p:spPr>
-        </p:pic>
         <p:sp>
           <p:nvSpPr>
             <p:cNvPr id="90" name="Rectangle 89">
@@ -4858,7 +4763,7 @@
           </p:nvSpPr>
           <p:spPr>
             <a:xfrm>
-              <a:off x="6140670" y="3572608"/>
+              <a:off x="6140670" y="3089280"/>
               <a:ext cx="1121397" cy="461665"/>
             </a:xfrm>
             <a:prstGeom prst="rect">
@@ -4906,10 +4811,10 @@
         </p:nvGrpSpPr>
         <p:grpSpPr>
           <a:xfrm>
-            <a:off x="9550910" y="2376131"/>
-            <a:ext cx="1371600" cy="1378736"/>
+            <a:off x="9550910" y="1945055"/>
+            <a:ext cx="1371600" cy="1188720"/>
             <a:chOff x="6015568" y="2573324"/>
-            <a:chExt cx="1371600" cy="1378736"/>
+            <a:chExt cx="1371600" cy="953024"/>
           </a:xfrm>
         </p:grpSpPr>
         <p:sp>
@@ -4927,7 +4832,7 @@
           <p:spPr>
             <a:xfrm>
               <a:off x="6015568" y="2573324"/>
-              <a:ext cx="1371600" cy="1378736"/>
+              <a:ext cx="1371600" cy="953024"/>
             </a:xfrm>
             <a:prstGeom prst="rect">
               <a:avLst/>
@@ -4977,7 +4882,7 @@
           </p:nvSpPr>
           <p:spPr>
             <a:xfrm>
-              <a:off x="6015568" y="3051295"/>
+              <a:off x="6015568" y="2573324"/>
               <a:ext cx="1361871" cy="276999"/>
             </a:xfrm>
             <a:prstGeom prst="rect">
@@ -5007,36 +4912,6 @@
             </a:p>
           </p:txBody>
         </p:sp>
-        <p:pic>
-          <p:nvPicPr>
-            <p:cNvPr id="94" name="Picture 93">
-              <a:extLst>
-                <a:ext uri="{FF2B5EF4-FFF2-40B4-BE49-F238E27FC236}">
-                  <a16:creationId xmlns:a16="http://schemas.microsoft.com/office/drawing/2014/main" id="{E40B4AA4-EACA-1B47-ADBC-C5C1FCFB6DE8}"/>
-                </a:ext>
-              </a:extLst>
-            </p:cNvPr>
-            <p:cNvPicPr>
-              <a:picLocks noChangeAspect="1"/>
-            </p:cNvPicPr>
-            <p:nvPr/>
-          </p:nvPicPr>
-          <p:blipFill>
-            <a:blip r:embed="rId7"/>
-            <a:stretch>
-              <a:fillRect/>
-            </a:stretch>
-          </p:blipFill>
-          <p:spPr>
-            <a:xfrm>
-              <a:off x="6498168" y="2681091"/>
-              <a:ext cx="406400" cy="406400"/>
-            </a:xfrm>
-            <a:prstGeom prst="rect">
-              <a:avLst/>
-            </a:prstGeom>
-          </p:spPr>
-        </p:pic>
         <p:sp>
           <p:nvSpPr>
             <p:cNvPr id="95" name="Rectangle 94">
@@ -5051,7 +4926,7 @@
           </p:nvSpPr>
           <p:spPr>
             <a:xfrm>
-              <a:off x="6140670" y="3358851"/>
+              <a:off x="6140670" y="2914711"/>
               <a:ext cx="1121397" cy="461665"/>
             </a:xfrm>
             <a:prstGeom prst="rect">
@@ -5099,7 +4974,7 @@
         </p:nvSpPr>
         <p:spPr>
           <a:xfrm>
-            <a:off x="3041151" y="2798823"/>
+            <a:off x="3041151" y="2408860"/>
             <a:ext cx="1300356" cy="276999"/>
           </a:xfrm>
           <a:prstGeom prst="rect">
@@ -5148,7 +5023,7 @@
         </p:nvSpPr>
         <p:spPr>
           <a:xfrm>
-            <a:off x="3041151" y="3173292"/>
+            <a:off x="3041151" y="2783329"/>
             <a:ext cx="1394934" cy="276999"/>
           </a:xfrm>
           <a:prstGeom prst="rect">
@@ -5201,12 +5076,12 @@
         </p:nvCxnSpPr>
         <p:spPr>
           <a:xfrm rot="10800000">
-            <a:off x="4341508" y="2937323"/>
-            <a:ext cx="1689319" cy="917058"/>
+            <a:off x="4341508" y="2547361"/>
+            <a:ext cx="1689319" cy="2186995"/>
           </a:xfrm>
           <a:prstGeom prst="bentConnector3">
             <a:avLst>
-              <a:gd name="adj1" fmla="val 47131"/>
+              <a:gd name="adj1" fmla="val 50000"/>
             </a:avLst>
           </a:prstGeom>
           <a:ln w="38100">
@@ -5248,9 +5123,9 @@
           <p:nvPr/>
         </p:nvCxnSpPr>
         <p:spPr>
-          <a:xfrm rot="10800000" flipV="1">
-            <a:off x="4197238" y="1809958"/>
-            <a:ext cx="1833589" cy="743054"/>
+          <a:xfrm rot="10800000">
+            <a:off x="4197238" y="2163049"/>
+            <a:ext cx="1833589" cy="163360"/>
           </a:xfrm>
           <a:prstGeom prst="bentConnector3">
             <a:avLst>
@@ -5296,13 +5171,13 @@
           <p:nvPr/>
         </p:nvCxnSpPr>
         <p:spPr>
-          <a:xfrm rot="10800000" flipV="1">
-            <a:off x="4162548" y="1809957"/>
-            <a:ext cx="1868278" cy="358743"/>
+          <a:xfrm rot="10800000">
+            <a:off x="4162548" y="1778739"/>
+            <a:ext cx="1868278" cy="547671"/>
           </a:xfrm>
           <a:prstGeom prst="bentConnector3">
             <a:avLst>
-              <a:gd name="adj1" fmla="val 50000"/>
+              <a:gd name="adj1" fmla="val 48526"/>
             </a:avLst>
           </a:prstGeom>
           <a:ln w="38100">
@@ -5345,12 +5220,12 @@
         </p:nvCxnSpPr>
         <p:spPr>
           <a:xfrm rot="10800000" flipV="1">
-            <a:off x="4030076" y="4037526"/>
-            <a:ext cx="3786262" cy="437039"/>
+            <a:off x="4030076" y="3115417"/>
+            <a:ext cx="3786262" cy="969186"/>
           </a:xfrm>
           <a:prstGeom prst="bentConnector3">
             <a:avLst>
-              <a:gd name="adj1" fmla="val 4080"/>
+              <a:gd name="adj1" fmla="val 7737"/>
             </a:avLst>
           </a:prstGeom>
           <a:ln w="38100">
@@ -5386,19 +5261,18 @@
           </p:cNvPr>
           <p:cNvCxnSpPr>
             <a:cxnSpLocks/>
-            <a:stCxn id="40" idx="1"/>
             <a:endCxn id="78" idx="3"/>
           </p:cNvCxnSpPr>
           <p:nvPr/>
         </p:nvCxnSpPr>
         <p:spPr>
           <a:xfrm rot="10800000" flipV="1">
-            <a:off x="4030076" y="1980890"/>
-            <a:ext cx="3786262" cy="2493676"/>
+            <a:off x="4030076" y="2024549"/>
+            <a:ext cx="3786262" cy="2060054"/>
           </a:xfrm>
           <a:prstGeom prst="bentConnector3">
             <a:avLst>
-              <a:gd name="adj1" fmla="val 4420"/>
+              <a:gd name="adj1" fmla="val 7688"/>
             </a:avLst>
           </a:prstGeom>
           <a:ln w="38100">
@@ -5441,12 +5315,12 @@
         </p:nvCxnSpPr>
         <p:spPr>
           <a:xfrm rot="10800000" flipV="1">
-            <a:off x="4030077" y="1417932"/>
-            <a:ext cx="5511105" cy="3056633"/>
+            <a:off x="4030077" y="1210183"/>
+            <a:ext cx="5511105" cy="2874419"/>
           </a:xfrm>
           <a:prstGeom prst="bentConnector3">
             <a:avLst>
-              <a:gd name="adj1" fmla="val 3262"/>
+              <a:gd name="adj1" fmla="val 4128"/>
             </a:avLst>
           </a:prstGeom>
           <a:ln w="38100">
@@ -5489,12 +5363,12 @@
         </p:nvCxnSpPr>
         <p:spPr>
           <a:xfrm rot="10800000" flipV="1">
-            <a:off x="4030076" y="2992602"/>
-            <a:ext cx="5520834" cy="1481964"/>
+            <a:off x="4030076" y="2117807"/>
+            <a:ext cx="5520834" cy="1966795"/>
           </a:xfrm>
           <a:prstGeom prst="bentConnector3">
             <a:avLst>
-              <a:gd name="adj1" fmla="val 3578"/>
+              <a:gd name="adj1" fmla="val 4275"/>
             </a:avLst>
           </a:prstGeom>
           <a:ln w="38100">
@@ -5537,12 +5411,12 @@
         </p:nvCxnSpPr>
         <p:spPr>
           <a:xfrm rot="10800000" flipV="1">
-            <a:off x="4030077" y="4452322"/>
-            <a:ext cx="5506581" cy="22243"/>
+            <a:off x="4030077" y="3349841"/>
+            <a:ext cx="5506581" cy="734761"/>
           </a:xfrm>
           <a:prstGeom prst="bentConnector3">
             <a:avLst>
-              <a:gd name="adj1" fmla="val 50000"/>
+              <a:gd name="adj1" fmla="val 4090"/>
             </a:avLst>
           </a:prstGeom>
           <a:ln w="38100">
@@ -5581,10 +5455,10 @@
         </p:nvGrpSpPr>
         <p:grpSpPr>
           <a:xfrm>
-            <a:off x="7816338" y="3421056"/>
-            <a:ext cx="1371600" cy="1433099"/>
-            <a:chOff x="6015568" y="2573324"/>
-            <a:chExt cx="1371600" cy="1433099"/>
+            <a:off x="7816338" y="2976916"/>
+            <a:ext cx="1371600" cy="939171"/>
+            <a:chOff x="6015568" y="2573323"/>
+            <a:chExt cx="1371600" cy="939171"/>
           </a:xfrm>
         </p:grpSpPr>
         <p:sp>
@@ -5601,8 +5475,8 @@
           </p:nvSpPr>
           <p:spPr>
             <a:xfrm>
-              <a:off x="6015568" y="2573324"/>
-              <a:ext cx="1371600" cy="1433099"/>
+              <a:off x="6015568" y="2573323"/>
+              <a:ext cx="1371600" cy="939171"/>
             </a:xfrm>
             <a:prstGeom prst="rect">
               <a:avLst/>
@@ -5652,7 +5526,7 @@
           </p:nvSpPr>
           <p:spPr>
             <a:xfrm>
-              <a:off x="6015568" y="3051295"/>
+              <a:off x="6015568" y="2573324"/>
               <a:ext cx="1356733" cy="276999"/>
             </a:xfrm>
             <a:prstGeom prst="rect">
@@ -5682,36 +5556,6 @@
             </a:p>
           </p:txBody>
         </p:sp>
-        <p:pic>
-          <p:nvPicPr>
-            <p:cNvPr id="75" name="Picture 74">
-              <a:extLst>
-                <a:ext uri="{FF2B5EF4-FFF2-40B4-BE49-F238E27FC236}">
-                  <a16:creationId xmlns:a16="http://schemas.microsoft.com/office/drawing/2014/main" id="{E987E68F-6487-8346-A021-F1157C2FE78D}"/>
-                </a:ext>
-              </a:extLst>
-            </p:cNvPr>
-            <p:cNvPicPr>
-              <a:picLocks noChangeAspect="1"/>
-            </p:cNvPicPr>
-            <p:nvPr/>
-          </p:nvPicPr>
-          <p:blipFill>
-            <a:blip r:embed="rId7"/>
-            <a:stretch>
-              <a:fillRect/>
-            </a:stretch>
-          </p:blipFill>
-          <p:spPr>
-            <a:xfrm>
-              <a:off x="6498168" y="2681091"/>
-              <a:ext cx="406400" cy="406400"/>
-            </a:xfrm>
-            <a:prstGeom prst="rect">
-              <a:avLst/>
-            </a:prstGeom>
-          </p:spPr>
-        </p:pic>
         <p:sp>
           <p:nvSpPr>
             <p:cNvPr id="79" name="Rectangle 78">
@@ -5726,7 +5570,7 @@
           </p:nvSpPr>
           <p:spPr>
             <a:xfrm>
-              <a:off x="6140670" y="3350537"/>
+              <a:off x="6105003" y="2882116"/>
               <a:ext cx="1121397" cy="461665"/>
             </a:xfrm>
             <a:prstGeom prst="rect">
@@ -5774,10 +5618,10 @@
         </p:nvGrpSpPr>
         <p:grpSpPr>
           <a:xfrm>
-            <a:off x="6030826" y="3084905"/>
-            <a:ext cx="1371600" cy="1538952"/>
+            <a:off x="6030826" y="4139995"/>
+            <a:ext cx="1371600" cy="1188720"/>
             <a:chOff x="6015568" y="2573324"/>
-            <a:chExt cx="1371600" cy="1538952"/>
+            <a:chExt cx="1371600" cy="1188720"/>
           </a:xfrm>
         </p:grpSpPr>
         <p:sp>
@@ -5795,7 +5639,7 @@
           <p:spPr>
             <a:xfrm>
               <a:off x="6015568" y="2573324"/>
-              <a:ext cx="1371600" cy="1538952"/>
+              <a:ext cx="1371600" cy="1188720"/>
             </a:xfrm>
             <a:prstGeom prst="rect">
               <a:avLst/>
@@ -5845,7 +5689,7 @@
           </p:nvSpPr>
           <p:spPr>
             <a:xfrm>
-              <a:off x="6022906" y="3051295"/>
+              <a:off x="6022906" y="2573324"/>
               <a:ext cx="1364262" cy="276999"/>
             </a:xfrm>
             <a:prstGeom prst="rect">
@@ -5875,36 +5719,6 @@
             </a:p>
           </p:txBody>
         </p:sp>
-        <p:pic>
-          <p:nvPicPr>
-            <p:cNvPr id="58" name="Picture 57">
-              <a:extLst>
-                <a:ext uri="{FF2B5EF4-FFF2-40B4-BE49-F238E27FC236}">
-                  <a16:creationId xmlns:a16="http://schemas.microsoft.com/office/drawing/2014/main" id="{AFE0A63B-FB70-2E42-AB97-F4DA1FD3CDBB}"/>
-                </a:ext>
-              </a:extLst>
-            </p:cNvPr>
-            <p:cNvPicPr>
-              <a:picLocks noChangeAspect="1"/>
-            </p:cNvPicPr>
-            <p:nvPr/>
-          </p:nvPicPr>
-          <p:blipFill>
-            <a:blip r:embed="rId7"/>
-            <a:stretch>
-              <a:fillRect/>
-            </a:stretch>
-          </p:blipFill>
-          <p:spPr>
-            <a:xfrm>
-              <a:off x="6498168" y="2681091"/>
-              <a:ext cx="406400" cy="406400"/>
-            </a:xfrm>
-            <a:prstGeom prst="rect">
-              <a:avLst/>
-            </a:prstGeom>
-          </p:spPr>
-        </p:pic>
         <p:sp>
           <p:nvSpPr>
             <p:cNvPr id="65" name="Rectangle 64">
@@ -5919,7 +5733,7 @@
           </p:nvSpPr>
           <p:spPr>
             <a:xfrm>
-              <a:off x="6129384" y="3374218"/>
+              <a:off x="6129384" y="2864765"/>
               <a:ext cx="1121397" cy="646331"/>
             </a:xfrm>
             <a:prstGeom prst="rect">
@@ -6125,7 +5939,7 @@
                     <a:latin typeface="Arial" panose="020B0604020202020204" pitchFamily="34" charset="0"/>
                     <a:cs typeface="Arial" panose="020B0604020202020204" pitchFamily="34" charset="0"/>
                   </a:rPr>
-                  <a:t>IHCS use cases</a:t>
+                  <a:t>IHCS</a:t>
                 </a:r>
               </a:p>
             </p:txBody>
@@ -6266,7 +6080,7 @@
                   <a:latin typeface="Arial" panose="020B0604020202020204" pitchFamily="34" charset="0"/>
                   <a:cs typeface="Arial" panose="020B0604020202020204" pitchFamily="34" charset="0"/>
                 </a:rPr>
-                <a:t>Future needs</a:t>
+                <a:t>Additional needs</a:t>
               </a:r>
               <a:endParaRPr lang="en-US" sz="1200" dirty="0"/>
             </a:p>
@@ -6290,9 +6104,9 @@
           <p:nvPr/>
         </p:nvCxnSpPr>
         <p:spPr>
-          <a:xfrm>
-            <a:off x="1527207" y="4170087"/>
-            <a:ext cx="1513944" cy="304479"/>
+          <a:xfrm flipV="1">
+            <a:off x="1527207" y="4084603"/>
+            <a:ext cx="1513944" cy="85484"/>
           </a:xfrm>
           <a:prstGeom prst="bentConnector3">
             <a:avLst>
@@ -6339,12 +6153,12 @@
         </p:nvCxnSpPr>
         <p:spPr>
           <a:xfrm rot="10800000">
-            <a:off x="4436086" y="3311793"/>
-            <a:ext cx="1594741" cy="542589"/>
+            <a:off x="4436086" y="2921829"/>
+            <a:ext cx="1594741" cy="1812526"/>
           </a:xfrm>
           <a:prstGeom prst="bentConnector3">
             <a:avLst>
-              <a:gd name="adj1" fmla="val 50000"/>
+              <a:gd name="adj1" fmla="val 52752"/>
             </a:avLst>
           </a:prstGeom>
           <a:ln w="38100">
@@ -6386,9 +6200,9 @@
           <p:nvPr/>
         </p:nvCxnSpPr>
         <p:spPr>
-          <a:xfrm>
-            <a:off x="1527206" y="3434743"/>
-            <a:ext cx="1513945" cy="245438"/>
+          <a:xfrm flipV="1">
+            <a:off x="1527206" y="3290218"/>
+            <a:ext cx="1513945" cy="144525"/>
           </a:xfrm>
           <a:prstGeom prst="bentConnector3">
             <a:avLst>
@@ -6434,9 +6248,9 @@
           <p:nvPr/>
         </p:nvCxnSpPr>
         <p:spPr>
-          <a:xfrm>
-            <a:off x="2210064" y="3802415"/>
-            <a:ext cx="831087" cy="291780"/>
+          <a:xfrm flipV="1">
+            <a:off x="2210064" y="3704232"/>
+            <a:ext cx="831087" cy="98183"/>
           </a:xfrm>
           <a:prstGeom prst="bentConnector3">
             <a:avLst>
@@ -6621,7 +6435,7 @@
                   <a:latin typeface="Arial" panose="020B0604020202020204" pitchFamily="34" charset="0"/>
                   <a:cs typeface="Arial" panose="020B0604020202020204" pitchFamily="34" charset="0"/>
                 </a:rPr>
-                <a:t>Future needs</a:t>
+                <a:t>Additional needs</a:t>
               </a:r>
               <a:endParaRPr lang="en-US" sz="1200" dirty="0"/>
             </a:p>
@@ -6646,8 +6460,8 @@
         </p:nvCxnSpPr>
         <p:spPr>
           <a:xfrm rot="5400000" flipH="1" flipV="1">
-            <a:off x="1871862" y="3611933"/>
-            <a:ext cx="662620" cy="2664884"/>
+            <a:off x="1676881" y="3416952"/>
+            <a:ext cx="1052583" cy="2664884"/>
           </a:xfrm>
           <a:prstGeom prst="bentConnector3">
             <a:avLst>
@@ -6832,7 +6646,7 @@
                   <a:latin typeface="Arial" panose="020B0604020202020204" pitchFamily="34" charset="0"/>
                   <a:cs typeface="Arial" panose="020B0604020202020204" pitchFamily="34" charset="0"/>
                 </a:rPr>
-                <a:t>Future needs</a:t>
+                <a:t>Additional needs</a:t>
               </a:r>
               <a:endParaRPr lang="en-US" sz="1200" dirty="0"/>
             </a:p>
@@ -6995,7 +6809,7 @@
                   <a:latin typeface="Arial" panose="020B0604020202020204" pitchFamily="34" charset="0"/>
                   <a:cs typeface="Arial" panose="020B0604020202020204" pitchFamily="34" charset="0"/>
                 </a:rPr>
-                <a:t>Future needs</a:t>
+                <a:t>Additional needs</a:t>
               </a:r>
               <a:endParaRPr lang="en-US" sz="1200" dirty="0"/>
             </a:p>
@@ -7020,8 +6834,8 @@
         </p:nvCxnSpPr>
         <p:spPr>
           <a:xfrm rot="16200000" flipV="1">
-            <a:off x="3635033" y="4513646"/>
-            <a:ext cx="662620" cy="861458"/>
+            <a:off x="3440052" y="4318665"/>
+            <a:ext cx="1052583" cy="861458"/>
           </a:xfrm>
           <a:prstGeom prst="bentConnector3">
             <a:avLst>
@@ -7068,8 +6882,8 @@
         </p:nvCxnSpPr>
         <p:spPr>
           <a:xfrm rot="5400000" flipH="1" flipV="1">
-            <a:off x="2759517" y="4499589"/>
-            <a:ext cx="662620" cy="889573"/>
+            <a:off x="2564536" y="4304608"/>
+            <a:ext cx="1052583" cy="889573"/>
           </a:xfrm>
           <a:prstGeom prst="bentConnector3">
             <a:avLst>
@@ -7113,9 +6927,9 @@
         <p:grpSpPr>
           <a:xfrm>
             <a:off x="7816338" y="632625"/>
-            <a:ext cx="1371600" cy="2696530"/>
+            <a:ext cx="1371600" cy="2198293"/>
             <a:chOff x="7845289" y="361073"/>
-            <a:chExt cx="1371600" cy="2696530"/>
+            <a:chExt cx="1371600" cy="2198293"/>
           </a:xfrm>
         </p:grpSpPr>
         <p:sp>
@@ -7133,7 +6947,7 @@
           <p:spPr>
             <a:xfrm>
               <a:off x="7845289" y="361073"/>
-              <a:ext cx="1371600" cy="2696530"/>
+              <a:ext cx="1371600" cy="2198293"/>
             </a:xfrm>
             <a:prstGeom prst="rect">
               <a:avLst/>
@@ -7183,7 +6997,7 @@
           </p:nvSpPr>
           <p:spPr>
             <a:xfrm>
-              <a:off x="8233572" y="802469"/>
+              <a:off x="8233572" y="361073"/>
               <a:ext cx="595035" cy="276999"/>
             </a:xfrm>
             <a:prstGeom prst="rect">
@@ -7212,36 +7026,6 @@
             </a:p>
           </p:txBody>
         </p:sp>
-        <p:pic>
-          <p:nvPicPr>
-            <p:cNvPr id="42" name="Picture 41">
-              <a:extLst>
-                <a:ext uri="{FF2B5EF4-FFF2-40B4-BE49-F238E27FC236}">
-                  <a16:creationId xmlns:a16="http://schemas.microsoft.com/office/drawing/2014/main" id="{B4A95163-4626-F14D-91E5-43373CE9264E}"/>
-                </a:ext>
-              </a:extLst>
-            </p:cNvPr>
-            <p:cNvPicPr>
-              <a:picLocks noChangeAspect="1"/>
-            </p:cNvPicPr>
-            <p:nvPr/>
-          </p:nvPicPr>
-          <p:blipFill>
-            <a:blip r:embed="rId7"/>
-            <a:stretch>
-              <a:fillRect/>
-            </a:stretch>
-          </p:blipFill>
-          <p:spPr>
-            <a:xfrm>
-              <a:off x="8327889" y="468841"/>
-              <a:ext cx="406400" cy="406400"/>
-            </a:xfrm>
-            <a:prstGeom prst="rect">
-              <a:avLst/>
-            </a:prstGeom>
-          </p:spPr>
-        </p:pic>
         <p:sp>
           <p:nvSpPr>
             <p:cNvPr id="51" name="Rectangle 50">
@@ -7256,7 +7040,7 @@
           </p:nvSpPr>
           <p:spPr>
             <a:xfrm>
-              <a:off x="7936729" y="1105754"/>
+              <a:off x="7936729" y="674678"/>
               <a:ext cx="1188720" cy="1737823"/>
             </a:xfrm>
             <a:prstGeom prst="rect">
@@ -7307,7 +7091,7 @@
           </p:nvSpPr>
           <p:spPr>
             <a:xfrm>
-              <a:off x="8073889" y="1451269"/>
+              <a:off x="8073889" y="1020193"/>
               <a:ext cx="914400" cy="276999"/>
             </a:xfrm>
             <a:prstGeom prst="rect">
@@ -7354,7 +7138,7 @@
           </p:nvSpPr>
           <p:spPr>
             <a:xfrm>
-              <a:off x="8073889" y="1777924"/>
+              <a:off x="8073889" y="1346848"/>
               <a:ext cx="914400" cy="276999"/>
             </a:xfrm>
             <a:prstGeom prst="rect">
@@ -7401,7 +7185,7 @@
           </p:nvSpPr>
           <p:spPr>
             <a:xfrm>
-              <a:off x="8073889" y="2104579"/>
+              <a:off x="8073889" y="1673503"/>
               <a:ext cx="914400" cy="276999"/>
             </a:xfrm>
             <a:prstGeom prst="rect">
@@ -7448,7 +7232,7 @@
           </p:nvSpPr>
           <p:spPr>
             <a:xfrm>
-              <a:off x="8073889" y="2431233"/>
+              <a:off x="8073889" y="2000157"/>
               <a:ext cx="914400" cy="276999"/>
             </a:xfrm>
             <a:prstGeom prst="rect">
@@ -7495,7 +7279,7 @@
           </p:nvSpPr>
           <p:spPr>
             <a:xfrm>
-              <a:off x="7948715" y="1105754"/>
+              <a:off x="7948715" y="674678"/>
               <a:ext cx="1183496" cy="276999"/>
             </a:xfrm>
             <a:prstGeom prst="rect">
@@ -7526,371 +7310,521 @@
           </p:txBody>
         </p:sp>
       </p:grpSp>
-      <p:grpSp>
-        <p:nvGrpSpPr>
-          <p:cNvPr id="2" name="Group 1">
-            <a:extLst>
-              <a:ext uri="{FF2B5EF4-FFF2-40B4-BE49-F238E27FC236}">
-                <a16:creationId xmlns:a16="http://schemas.microsoft.com/office/drawing/2014/main" id="{76065BD9-84EC-2D41-9B27-494A38730E05}"/>
-              </a:ext>
-            </a:extLst>
-          </p:cNvPr>
-          <p:cNvGrpSpPr/>
+      <p:sp>
+        <p:nvSpPr>
+          <p:cNvPr id="25" name="Rectangle 24">
+            <a:extLst>
+              <a:ext uri="{FF2B5EF4-FFF2-40B4-BE49-F238E27FC236}">
+                <a16:creationId xmlns:a16="http://schemas.microsoft.com/office/drawing/2014/main" id="{44E58876-C7DF-7748-879A-E8CFB7A88C90}"/>
+              </a:ext>
+            </a:extLst>
+          </p:cNvPr>
+          <p:cNvSpPr/>
           <p:nvPr/>
-        </p:nvGrpSpPr>
-        <p:grpSpPr>
+        </p:nvSpPr>
+        <p:spPr>
           <a:xfrm>
             <a:off x="6030826" y="632625"/>
-            <a:ext cx="1371600" cy="2354666"/>
-            <a:chOff x="6030826" y="632625"/>
-            <a:chExt cx="1371600" cy="2354666"/>
+            <a:ext cx="1371600" cy="3387567"/>
           </a:xfrm>
-        </p:grpSpPr>
-        <p:sp>
-          <p:nvSpPr>
-            <p:cNvPr id="25" name="Rectangle 24">
-              <a:extLst>
-                <a:ext uri="{FF2B5EF4-FFF2-40B4-BE49-F238E27FC236}">
-                  <a16:creationId xmlns:a16="http://schemas.microsoft.com/office/drawing/2014/main" id="{44E58876-C7DF-7748-879A-E8CFB7A88C90}"/>
-                </a:ext>
-              </a:extLst>
-            </p:cNvPr>
-            <p:cNvSpPr/>
-            <p:nvPr/>
-          </p:nvSpPr>
-          <p:spPr>
-            <a:xfrm>
-              <a:off x="6030826" y="632625"/>
-              <a:ext cx="1371600" cy="2354666"/>
-            </a:xfrm>
-            <a:prstGeom prst="rect">
-              <a:avLst/>
-            </a:prstGeom>
+          <a:prstGeom prst="rect">
+            <a:avLst/>
+          </a:prstGeom>
+          <a:solidFill>
+            <a:schemeClr val="bg1">
+              <a:lumMod val="85000"/>
+            </a:schemeClr>
+          </a:solidFill>
+        </p:spPr>
+        <p:style>
+          <a:lnRef idx="2">
+            <a:schemeClr val="accent1">
+              <a:shade val="50000"/>
+            </a:schemeClr>
+          </a:lnRef>
+          <a:fillRef idx="1">
+            <a:schemeClr val="accent1"/>
+          </a:fillRef>
+          <a:effectRef idx="0">
+            <a:schemeClr val="accent1"/>
+          </a:effectRef>
+          <a:fontRef idx="minor">
+            <a:schemeClr val="lt1"/>
+          </a:fontRef>
+        </p:style>
+        <p:txBody>
+          <a:bodyPr rtlCol="0" anchor="ctr"/>
+          <a:lstStyle/>
+          <a:p>
+            <a:pPr algn="ctr"/>
+            <a:endParaRPr lang="en-US" dirty="0"/>
+          </a:p>
+        </p:txBody>
+      </p:sp>
+      <p:sp>
+        <p:nvSpPr>
+          <p:cNvPr id="27" name="TextBox 26">
+            <a:extLst>
+              <a:ext uri="{FF2B5EF4-FFF2-40B4-BE49-F238E27FC236}">
+                <a16:creationId xmlns:a16="http://schemas.microsoft.com/office/drawing/2014/main" id="{C216CB91-04EF-114E-848E-934101196852}"/>
+              </a:ext>
+            </a:extLst>
+          </p:cNvPr>
+          <p:cNvSpPr txBox="1"/>
+          <p:nvPr/>
+        </p:nvSpPr>
+        <p:spPr>
+          <a:xfrm>
+            <a:off x="6034495" y="632625"/>
+            <a:ext cx="1364262" cy="276999"/>
+          </a:xfrm>
+          <a:prstGeom prst="rect">
+            <a:avLst/>
+          </a:prstGeom>
+          <a:noFill/>
+        </p:spPr>
+        <p:txBody>
+          <a:bodyPr wrap="square" rtlCol="0">
+            <a:spAutoFit/>
+          </a:bodyPr>
+          <a:lstStyle/>
+          <a:p>
+            <a:pPr algn="ctr"/>
+            <a:r>
+              <a:rPr lang="en-US" sz="1200" dirty="0">
+                <a:solidFill>
+                  <a:schemeClr val="bg1">
+                    <a:lumMod val="50000"/>
+                  </a:schemeClr>
+                </a:solidFill>
+                <a:latin typeface="Arial" panose="020B0604020202020204" pitchFamily="34" charset="0"/>
+                <a:cs typeface="Arial" panose="020B0604020202020204" pitchFamily="34" charset="0"/>
+              </a:rPr>
+              <a:t>Participant App</a:t>
+            </a:r>
+          </a:p>
+        </p:txBody>
+      </p:sp>
+      <p:sp>
+        <p:nvSpPr>
+          <p:cNvPr id="37" name="Rectangle 36">
+            <a:extLst>
+              <a:ext uri="{FF2B5EF4-FFF2-40B4-BE49-F238E27FC236}">
+                <a16:creationId xmlns:a16="http://schemas.microsoft.com/office/drawing/2014/main" id="{67B582C5-2EAB-CF42-9381-F336FD45D0BE}"/>
+              </a:ext>
+            </a:extLst>
+          </p:cNvPr>
+          <p:cNvSpPr/>
+          <p:nvPr/>
+        </p:nvSpPr>
+        <p:spPr>
+          <a:xfrm>
+            <a:off x="6155928" y="1321767"/>
+            <a:ext cx="1121397" cy="276999"/>
+          </a:xfrm>
+          <a:prstGeom prst="rect">
+            <a:avLst/>
+          </a:prstGeom>
+          <a:solidFill>
+            <a:schemeClr val="bg1"/>
+          </a:solidFill>
+          <a:ln w="38100">
             <a:solidFill>
-              <a:schemeClr val="bg1">
-                <a:lumMod val="85000"/>
-              </a:schemeClr>
+              <a:srgbClr val="FFC000"/>
             </a:solidFill>
-          </p:spPr>
-          <p:style>
-            <a:lnRef idx="2">
-              <a:schemeClr val="accent1">
-                <a:shade val="50000"/>
-              </a:schemeClr>
-            </a:lnRef>
-            <a:fillRef idx="1">
-              <a:schemeClr val="accent1"/>
-            </a:fillRef>
-            <a:effectRef idx="0">
-              <a:schemeClr val="accent1"/>
-            </a:effectRef>
-            <a:fontRef idx="minor">
-              <a:schemeClr val="lt1"/>
-            </a:fontRef>
-          </p:style>
-          <p:txBody>
-            <a:bodyPr rtlCol="0" anchor="ctr"/>
-            <a:lstStyle/>
-            <a:p>
-              <a:pPr algn="ctr"/>
-              <a:endParaRPr lang="en-US" dirty="0"/>
-            </a:p>
-          </p:txBody>
-        </p:sp>
-        <p:sp>
-          <p:nvSpPr>
-            <p:cNvPr id="27" name="TextBox 26">
-              <a:extLst>
-                <a:ext uri="{FF2B5EF4-FFF2-40B4-BE49-F238E27FC236}">
-                  <a16:creationId xmlns:a16="http://schemas.microsoft.com/office/drawing/2014/main" id="{C216CB91-04EF-114E-848E-934101196852}"/>
-                </a:ext>
-              </a:extLst>
-            </p:cNvPr>
-            <p:cNvSpPr txBox="1"/>
-            <p:nvPr/>
-          </p:nvSpPr>
-          <p:spPr>
-            <a:xfrm>
-              <a:off x="6034495" y="1074020"/>
-              <a:ext cx="1364262" cy="276999"/>
-            </a:xfrm>
-            <a:prstGeom prst="rect">
-              <a:avLst/>
-            </a:prstGeom>
-            <a:noFill/>
-          </p:spPr>
-          <p:txBody>
-            <a:bodyPr wrap="square" rtlCol="0">
-              <a:spAutoFit/>
-            </a:bodyPr>
-            <a:lstStyle/>
-            <a:p>
-              <a:r>
-                <a:rPr lang="en-US" sz="1200" dirty="0">
-                  <a:solidFill>
-                    <a:schemeClr val="bg1">
-                      <a:lumMod val="50000"/>
-                    </a:schemeClr>
-                  </a:solidFill>
-                  <a:latin typeface="Arial" panose="020B0604020202020204" pitchFamily="34" charset="0"/>
-                  <a:cs typeface="Arial" panose="020B0604020202020204" pitchFamily="34" charset="0"/>
-                </a:rPr>
-                <a:t>Participant App</a:t>
-              </a:r>
-            </a:p>
-          </p:txBody>
-        </p:sp>
-        <p:pic>
-          <p:nvPicPr>
-            <p:cNvPr id="31" name="Picture 30">
-              <a:extLst>
-                <a:ext uri="{FF2B5EF4-FFF2-40B4-BE49-F238E27FC236}">
-                  <a16:creationId xmlns:a16="http://schemas.microsoft.com/office/drawing/2014/main" id="{B8F4B1C4-FBE6-1342-934E-760DF2524E03}"/>
-                </a:ext>
-              </a:extLst>
-            </p:cNvPr>
-            <p:cNvPicPr>
-              <a:picLocks noChangeAspect="1"/>
-            </p:cNvPicPr>
-            <p:nvPr/>
-          </p:nvPicPr>
-          <p:blipFill>
-            <a:blip r:embed="rId7"/>
-            <a:stretch>
-              <a:fillRect/>
-            </a:stretch>
-          </p:blipFill>
-          <p:spPr>
-            <a:xfrm>
-              <a:off x="6513426" y="740392"/>
-              <a:ext cx="406400" cy="406400"/>
-            </a:xfrm>
-            <a:prstGeom prst="rect">
-              <a:avLst/>
-            </a:prstGeom>
-          </p:spPr>
-        </p:pic>
-        <p:sp>
-          <p:nvSpPr>
-            <p:cNvPr id="37" name="Rectangle 36">
-              <a:extLst>
-                <a:ext uri="{FF2B5EF4-FFF2-40B4-BE49-F238E27FC236}">
-                  <a16:creationId xmlns:a16="http://schemas.microsoft.com/office/drawing/2014/main" id="{67B582C5-2EAB-CF42-9381-F336FD45D0BE}"/>
-                </a:ext>
-              </a:extLst>
-            </p:cNvPr>
-            <p:cNvSpPr/>
-            <p:nvPr/>
-          </p:nvSpPr>
-          <p:spPr>
-            <a:xfrm>
-              <a:off x="6155928" y="1400388"/>
-              <a:ext cx="1121397" cy="276999"/>
-            </a:xfrm>
-            <a:prstGeom prst="rect">
-              <a:avLst/>
-            </a:prstGeom>
+          </a:ln>
+        </p:spPr>
+        <p:txBody>
+          <a:bodyPr wrap="square">
+            <a:spAutoFit/>
+          </a:bodyPr>
+          <a:lstStyle/>
+          <a:p>
+            <a:pPr algn="ctr"/>
+            <a:r>
+              <a:rPr lang="en-US" sz="1200" dirty="0">
+                <a:latin typeface="Arial" panose="020B0604020202020204" pitchFamily="34" charset="0"/>
+                <a:cs typeface="Arial" panose="020B0604020202020204" pitchFamily="34" charset="0"/>
+              </a:rPr>
+              <a:t>Registration</a:t>
+            </a:r>
+            <a:endParaRPr lang="en-US" sz="1200" dirty="0"/>
+          </a:p>
+        </p:txBody>
+      </p:sp>
+      <p:sp>
+        <p:nvSpPr>
+          <p:cNvPr id="38" name="Rectangle 37">
+            <a:extLst>
+              <a:ext uri="{FF2B5EF4-FFF2-40B4-BE49-F238E27FC236}">
+                <a16:creationId xmlns:a16="http://schemas.microsoft.com/office/drawing/2014/main" id="{45247ED2-1D51-DC4B-9B0D-CB3ACF7E3999}"/>
+              </a:ext>
+            </a:extLst>
+          </p:cNvPr>
+          <p:cNvSpPr/>
+          <p:nvPr/>
+        </p:nvSpPr>
+        <p:spPr>
+          <a:xfrm>
+            <a:off x="6155928" y="2009201"/>
+            <a:ext cx="1121397" cy="461665"/>
+          </a:xfrm>
+          <a:prstGeom prst="rect">
+            <a:avLst/>
+          </a:prstGeom>
+          <a:solidFill>
+            <a:schemeClr val="bg1"/>
+          </a:solidFill>
+          <a:ln w="38100">
             <a:solidFill>
-              <a:schemeClr val="bg1"/>
+              <a:srgbClr val="FFC000"/>
             </a:solidFill>
-            <a:ln w="38100">
-              <a:solidFill>
-                <a:srgbClr val="FFC000"/>
-              </a:solidFill>
-            </a:ln>
-          </p:spPr>
-          <p:txBody>
-            <a:bodyPr wrap="square">
-              <a:spAutoFit/>
-            </a:bodyPr>
-            <a:lstStyle/>
-            <a:p>
-              <a:pPr algn="ctr"/>
-              <a:r>
-                <a:rPr lang="en-US" sz="1200" dirty="0">
-                  <a:latin typeface="Arial" panose="020B0604020202020204" pitchFamily="34" charset="0"/>
-                  <a:cs typeface="Arial" panose="020B0604020202020204" pitchFamily="34" charset="0"/>
-                </a:rPr>
-                <a:t>Registration</a:t>
-              </a:r>
-              <a:endParaRPr lang="en-US" sz="1200" dirty="0"/>
-            </a:p>
-          </p:txBody>
-        </p:sp>
-        <p:sp>
-          <p:nvSpPr>
-            <p:cNvPr id="38" name="Rectangle 37">
-              <a:extLst>
-                <a:ext uri="{FF2B5EF4-FFF2-40B4-BE49-F238E27FC236}">
-                  <a16:creationId xmlns:a16="http://schemas.microsoft.com/office/drawing/2014/main" id="{45247ED2-1D51-DC4B-9B0D-CB3ACF7E3999}"/>
-                </a:ext>
-              </a:extLst>
-            </p:cNvPr>
-            <p:cNvSpPr/>
-            <p:nvPr/>
-          </p:nvSpPr>
-          <p:spPr>
-            <a:xfrm>
-              <a:off x="6155928" y="2484689"/>
-              <a:ext cx="1121397" cy="461665"/>
-            </a:xfrm>
-            <a:prstGeom prst="rect">
-              <a:avLst/>
-            </a:prstGeom>
+          </a:ln>
+        </p:spPr>
+        <p:txBody>
+          <a:bodyPr wrap="square">
+            <a:spAutoFit/>
+          </a:bodyPr>
+          <a:lstStyle/>
+          <a:p>
+            <a:pPr algn="ctr"/>
+            <a:r>
+              <a:rPr lang="en-US" sz="1200" dirty="0">
+                <a:latin typeface="Arial" panose="020B0604020202020204" pitchFamily="34" charset="0"/>
+                <a:cs typeface="Arial" panose="020B0604020202020204" pitchFamily="34" charset="0"/>
+              </a:rPr>
+              <a:t>Participant Dashboard</a:t>
+            </a:r>
+            <a:endParaRPr lang="en-US" sz="1200" dirty="0"/>
+          </a:p>
+        </p:txBody>
+      </p:sp>
+      <p:sp>
+        <p:nvSpPr>
+          <p:cNvPr id="69" name="Rectangle 68">
+            <a:extLst>
+              <a:ext uri="{FF2B5EF4-FFF2-40B4-BE49-F238E27FC236}">
+                <a16:creationId xmlns:a16="http://schemas.microsoft.com/office/drawing/2014/main" id="{CBD3FB4A-0EBF-214A-974A-FA44047D18FF}"/>
+              </a:ext>
+            </a:extLst>
+          </p:cNvPr>
+          <p:cNvSpPr/>
+          <p:nvPr/>
+        </p:nvSpPr>
+        <p:spPr>
+          <a:xfrm>
+            <a:off x="6155928" y="2881301"/>
+            <a:ext cx="1121397" cy="276999"/>
+          </a:xfrm>
+          <a:prstGeom prst="rect">
+            <a:avLst/>
+          </a:prstGeom>
+          <a:solidFill>
+            <a:schemeClr val="bg1"/>
+          </a:solidFill>
+          <a:ln w="38100">
             <a:solidFill>
-              <a:schemeClr val="bg1"/>
+              <a:srgbClr val="FFFF00"/>
             </a:solidFill>
-            <a:ln w="38100">
-              <a:solidFill>
-                <a:srgbClr val="FFC000"/>
-              </a:solidFill>
-            </a:ln>
-          </p:spPr>
-          <p:txBody>
-            <a:bodyPr wrap="square">
-              <a:spAutoFit/>
-            </a:bodyPr>
-            <a:lstStyle/>
-            <a:p>
-              <a:pPr algn="ctr"/>
-              <a:r>
-                <a:rPr lang="en-US" sz="1200" dirty="0">
-                  <a:latin typeface="Arial" panose="020B0604020202020204" pitchFamily="34" charset="0"/>
-                  <a:cs typeface="Arial" panose="020B0604020202020204" pitchFamily="34" charset="0"/>
-                </a:rPr>
-                <a:t>Participant Dashboard</a:t>
-              </a:r>
-              <a:endParaRPr lang="en-US" sz="1200" dirty="0"/>
-            </a:p>
-          </p:txBody>
-        </p:sp>
-        <p:sp>
-          <p:nvSpPr>
-            <p:cNvPr id="69" name="Rectangle 68">
-              <a:extLst>
-                <a:ext uri="{FF2B5EF4-FFF2-40B4-BE49-F238E27FC236}">
-                  <a16:creationId xmlns:a16="http://schemas.microsoft.com/office/drawing/2014/main" id="{CBD3FB4A-0EBF-214A-974A-FA44047D18FF}"/>
-                </a:ext>
-              </a:extLst>
-            </p:cNvPr>
-            <p:cNvSpPr/>
-            <p:nvPr/>
-          </p:nvSpPr>
-          <p:spPr>
-            <a:xfrm>
-              <a:off x="6155928" y="2123256"/>
-              <a:ext cx="1121397" cy="276999"/>
-            </a:xfrm>
-            <a:prstGeom prst="rect">
-              <a:avLst/>
-            </a:prstGeom>
+          </a:ln>
+        </p:spPr>
+        <p:txBody>
+          <a:bodyPr wrap="square">
+            <a:spAutoFit/>
+          </a:bodyPr>
+          <a:lstStyle/>
+          <a:p>
+            <a:pPr algn="ctr"/>
+            <a:r>
+              <a:rPr lang="en-US" sz="1200" dirty="0">
+                <a:latin typeface="Arial" panose="020B0604020202020204" pitchFamily="34" charset="0"/>
+                <a:cs typeface="Arial" panose="020B0604020202020204" pitchFamily="34" charset="0"/>
+              </a:rPr>
+              <a:t>Consent</a:t>
+            </a:r>
+            <a:endParaRPr lang="en-US" sz="1200" dirty="0"/>
+          </a:p>
+        </p:txBody>
+      </p:sp>
+      <p:sp>
+        <p:nvSpPr>
+          <p:cNvPr id="109" name="Rectangle 108">
+            <a:extLst>
+              <a:ext uri="{FF2B5EF4-FFF2-40B4-BE49-F238E27FC236}">
+                <a16:creationId xmlns:a16="http://schemas.microsoft.com/office/drawing/2014/main" id="{4B9CC4C0-EA90-D246-8F11-B1F7F9699B2F}"/>
+              </a:ext>
+            </a:extLst>
+          </p:cNvPr>
+          <p:cNvSpPr/>
+          <p:nvPr/>
+        </p:nvSpPr>
+        <p:spPr>
+          <a:xfrm>
+            <a:off x="6155928" y="978050"/>
+            <a:ext cx="1121397" cy="276999"/>
+          </a:xfrm>
+          <a:prstGeom prst="rect">
+            <a:avLst/>
+          </a:prstGeom>
+          <a:solidFill>
+            <a:schemeClr val="bg1"/>
+          </a:solidFill>
+          <a:ln w="38100">
             <a:solidFill>
-              <a:schemeClr val="bg1"/>
+              <a:srgbClr val="FFFF00"/>
             </a:solidFill>
-            <a:ln w="38100">
-              <a:solidFill>
-                <a:srgbClr val="FFFF00"/>
-              </a:solidFill>
-            </a:ln>
-          </p:spPr>
-          <p:txBody>
-            <a:bodyPr wrap="square">
-              <a:spAutoFit/>
-            </a:bodyPr>
-            <a:lstStyle/>
-            <a:p>
-              <a:pPr algn="ctr"/>
-              <a:r>
-                <a:rPr lang="en-US" sz="1200" dirty="0">
-                  <a:latin typeface="Arial" panose="020B0604020202020204" pitchFamily="34" charset="0"/>
-                  <a:cs typeface="Arial" panose="020B0604020202020204" pitchFamily="34" charset="0"/>
-                </a:rPr>
-                <a:t>Consent</a:t>
-              </a:r>
-              <a:endParaRPr lang="en-US" sz="1200" dirty="0"/>
-            </a:p>
-          </p:txBody>
-        </p:sp>
-        <p:sp>
-          <p:nvSpPr>
-            <p:cNvPr id="5" name="TextBox 4">
-              <a:extLst>
-                <a:ext uri="{FF2B5EF4-FFF2-40B4-BE49-F238E27FC236}">
-                  <a16:creationId xmlns:a16="http://schemas.microsoft.com/office/drawing/2014/main" id="{09B58560-F43E-444A-8D5E-BE811EC0C424}"/>
-                </a:ext>
-              </a:extLst>
-            </p:cNvPr>
-            <p:cNvSpPr txBox="1"/>
-            <p:nvPr/>
-          </p:nvSpPr>
-          <p:spPr>
-            <a:xfrm>
-              <a:off x="6624261" y="2380524"/>
-              <a:ext cx="184731" cy="369332"/>
-            </a:xfrm>
-            <a:prstGeom prst="rect">
-              <a:avLst/>
-            </a:prstGeom>
-            <a:noFill/>
-          </p:spPr>
-          <p:txBody>
-            <a:bodyPr wrap="none" rtlCol="0">
-              <a:spAutoFit/>
-            </a:bodyPr>
-            <a:lstStyle/>
-            <a:p>
-              <a:endParaRPr lang="en-US" dirty="0"/>
-            </a:p>
-          </p:txBody>
-        </p:sp>
-        <p:sp>
-          <p:nvSpPr>
-            <p:cNvPr id="109" name="Rectangle 108">
-              <a:extLst>
-                <a:ext uri="{FF2B5EF4-FFF2-40B4-BE49-F238E27FC236}">
-                  <a16:creationId xmlns:a16="http://schemas.microsoft.com/office/drawing/2014/main" id="{4B9CC4C0-EA90-D246-8F11-B1F7F9699B2F}"/>
-                </a:ext>
-              </a:extLst>
-            </p:cNvPr>
-            <p:cNvSpPr/>
-            <p:nvPr/>
-          </p:nvSpPr>
-          <p:spPr>
-            <a:xfrm>
-              <a:off x="6155928" y="1761822"/>
-              <a:ext cx="1121397" cy="276999"/>
-            </a:xfrm>
-            <a:prstGeom prst="rect">
-              <a:avLst/>
-            </a:prstGeom>
+          </a:ln>
+        </p:spPr>
+        <p:txBody>
+          <a:bodyPr wrap="square">
+            <a:spAutoFit/>
+          </a:bodyPr>
+          <a:lstStyle/>
+          <a:p>
+            <a:pPr algn="ctr"/>
+            <a:r>
+              <a:rPr lang="en-US" sz="1200" dirty="0">
+                <a:latin typeface="Arial" panose="020B0604020202020204" pitchFamily="34" charset="0"/>
+                <a:cs typeface="Arial" panose="020B0604020202020204" pitchFamily="34" charset="0"/>
+              </a:rPr>
+              <a:t>Sign in</a:t>
+            </a:r>
+            <a:endParaRPr lang="en-US" sz="1200" dirty="0"/>
+          </a:p>
+        </p:txBody>
+      </p:sp>
+      <p:sp>
+        <p:nvSpPr>
+          <p:cNvPr id="112" name="Rectangle 111">
+            <a:extLst>
+              <a:ext uri="{FF2B5EF4-FFF2-40B4-BE49-F238E27FC236}">
+                <a16:creationId xmlns:a16="http://schemas.microsoft.com/office/drawing/2014/main" id="{1A4EFEC3-770E-144D-8688-4E51D4EDA395}"/>
+              </a:ext>
+            </a:extLst>
+          </p:cNvPr>
+          <p:cNvSpPr/>
+          <p:nvPr/>
+        </p:nvSpPr>
+        <p:spPr>
+          <a:xfrm>
+            <a:off x="6155928" y="2537584"/>
+            <a:ext cx="1121397" cy="276999"/>
+          </a:xfrm>
+          <a:prstGeom prst="rect">
+            <a:avLst/>
+          </a:prstGeom>
+          <a:solidFill>
+            <a:schemeClr val="bg1"/>
+          </a:solidFill>
+          <a:ln w="38100">
             <a:solidFill>
-              <a:schemeClr val="bg1"/>
+              <a:srgbClr val="FFC000"/>
             </a:solidFill>
-            <a:ln w="38100">
-              <a:solidFill>
-                <a:srgbClr val="FFFF00"/>
-              </a:solidFill>
-            </a:ln>
-          </p:spPr>
-          <p:txBody>
-            <a:bodyPr wrap="square">
-              <a:spAutoFit/>
-            </a:bodyPr>
-            <a:lstStyle/>
-            <a:p>
-              <a:pPr algn="ctr"/>
-              <a:r>
-                <a:rPr lang="en-US" sz="1200" dirty="0">
-                  <a:latin typeface="Arial" panose="020B0604020202020204" pitchFamily="34" charset="0"/>
-                  <a:cs typeface="Arial" panose="020B0604020202020204" pitchFamily="34" charset="0"/>
-                </a:rPr>
-                <a:t>Sign in</a:t>
-              </a:r>
-              <a:endParaRPr lang="en-US" sz="1200" dirty="0"/>
-            </a:p>
-          </p:txBody>
-        </p:sp>
-      </p:grpSp>
+          </a:ln>
+        </p:spPr>
+        <p:txBody>
+          <a:bodyPr wrap="square">
+            <a:spAutoFit/>
+          </a:bodyPr>
+          <a:lstStyle/>
+          <a:p>
+            <a:pPr algn="ctr"/>
+            <a:r>
+              <a:rPr lang="en-US" sz="1200" dirty="0">
+                <a:latin typeface="Arial" panose="020B0604020202020204" pitchFamily="34" charset="0"/>
+                <a:cs typeface="Arial" panose="020B0604020202020204" pitchFamily="34" charset="0"/>
+              </a:rPr>
+              <a:t>My Data</a:t>
+            </a:r>
+            <a:endParaRPr lang="en-US" sz="1200" dirty="0"/>
+          </a:p>
+        </p:txBody>
+      </p:sp>
+      <p:sp>
+        <p:nvSpPr>
+          <p:cNvPr id="126" name="Rectangle 125">
+            <a:extLst>
+              <a:ext uri="{FF2B5EF4-FFF2-40B4-BE49-F238E27FC236}">
+                <a16:creationId xmlns:a16="http://schemas.microsoft.com/office/drawing/2014/main" id="{EDE889A5-4F27-3D45-8954-2D194BFF0844}"/>
+              </a:ext>
+            </a:extLst>
+          </p:cNvPr>
+          <p:cNvSpPr/>
+          <p:nvPr/>
+        </p:nvSpPr>
+        <p:spPr>
+          <a:xfrm>
+            <a:off x="6155928" y="1665484"/>
+            <a:ext cx="1121397" cy="276999"/>
+          </a:xfrm>
+          <a:prstGeom prst="rect">
+            <a:avLst/>
+          </a:prstGeom>
+          <a:solidFill>
+            <a:schemeClr val="bg1"/>
+          </a:solidFill>
+          <a:ln w="38100">
+            <a:solidFill>
+              <a:srgbClr val="FFC000"/>
+            </a:solidFill>
+          </a:ln>
+        </p:spPr>
+        <p:txBody>
+          <a:bodyPr wrap="square">
+            <a:spAutoFit/>
+          </a:bodyPr>
+          <a:lstStyle/>
+          <a:p>
+            <a:pPr algn="ctr"/>
+            <a:r>
+              <a:rPr lang="en-US" sz="1200" dirty="0">
+                <a:latin typeface="Arial" panose="020B0604020202020204" pitchFamily="34" charset="0"/>
+                <a:cs typeface="Arial" panose="020B0604020202020204" pitchFamily="34" charset="0"/>
+              </a:rPr>
+              <a:t>User profile</a:t>
+            </a:r>
+            <a:endParaRPr lang="en-US" sz="1200" dirty="0"/>
+          </a:p>
+        </p:txBody>
+      </p:sp>
+      <p:sp>
+        <p:nvSpPr>
+          <p:cNvPr id="129" name="Rectangle 128">
+            <a:extLst>
+              <a:ext uri="{FF2B5EF4-FFF2-40B4-BE49-F238E27FC236}">
+                <a16:creationId xmlns:a16="http://schemas.microsoft.com/office/drawing/2014/main" id="{88C8A10A-67EA-D54C-A29F-FE36C7A32234}"/>
+              </a:ext>
+            </a:extLst>
+          </p:cNvPr>
+          <p:cNvSpPr/>
+          <p:nvPr/>
+        </p:nvSpPr>
+        <p:spPr>
+          <a:xfrm>
+            <a:off x="6155928" y="3225018"/>
+            <a:ext cx="1121397" cy="276999"/>
+          </a:xfrm>
+          <a:prstGeom prst="rect">
+            <a:avLst/>
+          </a:prstGeom>
+          <a:solidFill>
+            <a:schemeClr val="bg1"/>
+          </a:solidFill>
+          <a:ln w="38100">
+            <a:solidFill>
+              <a:srgbClr val="FFC000"/>
+            </a:solidFill>
+          </a:ln>
+        </p:spPr>
+        <p:txBody>
+          <a:bodyPr wrap="square">
+            <a:spAutoFit/>
+          </a:bodyPr>
+          <a:lstStyle/>
+          <a:p>
+            <a:pPr algn="ctr"/>
+            <a:r>
+              <a:rPr lang="en-US" sz="1200" dirty="0">
+                <a:latin typeface="Arial" panose="020B0604020202020204" pitchFamily="34" charset="0"/>
+                <a:cs typeface="Arial" panose="020B0604020202020204" pitchFamily="34" charset="0"/>
+              </a:rPr>
+              <a:t>Settings</a:t>
+            </a:r>
+            <a:endParaRPr lang="en-US" sz="1200" dirty="0"/>
+          </a:p>
+        </p:txBody>
+      </p:sp>
+      <p:sp>
+        <p:nvSpPr>
+          <p:cNvPr id="130" name="Rectangle 129">
+            <a:extLst>
+              <a:ext uri="{FF2B5EF4-FFF2-40B4-BE49-F238E27FC236}">
+                <a16:creationId xmlns:a16="http://schemas.microsoft.com/office/drawing/2014/main" id="{283517C2-4C0D-0344-B15F-69BD9678BA13}"/>
+              </a:ext>
+            </a:extLst>
+          </p:cNvPr>
+          <p:cNvSpPr/>
+          <p:nvPr/>
+        </p:nvSpPr>
+        <p:spPr>
+          <a:xfrm>
+            <a:off x="6155928" y="3568732"/>
+            <a:ext cx="1121397" cy="276999"/>
+          </a:xfrm>
+          <a:prstGeom prst="rect">
+            <a:avLst/>
+          </a:prstGeom>
+          <a:solidFill>
+            <a:schemeClr val="bg1"/>
+          </a:solidFill>
+          <a:ln w="38100">
+            <a:solidFill>
+              <a:srgbClr val="FFC000"/>
+            </a:solidFill>
+          </a:ln>
+        </p:spPr>
+        <p:txBody>
+          <a:bodyPr wrap="square">
+            <a:spAutoFit/>
+          </a:bodyPr>
+          <a:lstStyle/>
+          <a:p>
+            <a:pPr algn="ctr"/>
+            <a:r>
+              <a:rPr lang="en-US" sz="1200" dirty="0">
+                <a:latin typeface="Arial" panose="020B0604020202020204" pitchFamily="34" charset="0"/>
+                <a:cs typeface="Arial" panose="020B0604020202020204" pitchFamily="34" charset="0"/>
+              </a:rPr>
+              <a:t>Support</a:t>
+            </a:r>
+            <a:endParaRPr lang="en-US" sz="1200" dirty="0"/>
+          </a:p>
+        </p:txBody>
+      </p:sp>
+      <p:cxnSp>
+        <p:nvCxnSpPr>
+          <p:cNvPr id="151" name="Straight Arrow Connector 150">
+            <a:extLst>
+              <a:ext uri="{FF2B5EF4-FFF2-40B4-BE49-F238E27FC236}">
+                <a16:creationId xmlns:a16="http://schemas.microsoft.com/office/drawing/2014/main" id="{FC49E993-0021-904C-8C4E-10BD350C2616}"/>
+              </a:ext>
+            </a:extLst>
+          </p:cNvPr>
+          <p:cNvCxnSpPr>
+            <a:cxnSpLocks/>
+          </p:cNvCxnSpPr>
+          <p:nvPr/>
+        </p:nvCxnSpPr>
+        <p:spPr>
+          <a:xfrm flipH="1" flipV="1">
+            <a:off x="1896409" y="1466006"/>
+            <a:ext cx="761200" cy="3452"/>
+          </a:xfrm>
+          <a:prstGeom prst="straightConnector1">
+            <a:avLst/>
+          </a:prstGeom>
+          <a:ln w="38100">
+            <a:solidFill>
+              <a:srgbClr val="FFC000"/>
+            </a:solidFill>
+            <a:tailEnd type="triangle"/>
+          </a:ln>
+        </p:spPr>
+        <p:style>
+          <a:lnRef idx="1">
+            <a:schemeClr val="accent1"/>
+          </a:lnRef>
+          <a:fillRef idx="0">
+            <a:schemeClr val="accent1"/>
+          </a:fillRef>
+          <a:effectRef idx="0">
+            <a:schemeClr val="accent1"/>
+          </a:effectRef>
+          <a:fontRef idx="minor">
+            <a:schemeClr val="tx1"/>
+          </a:fontRef>
+        </p:style>
+      </p:cxnSp>
     </p:spTree>
     <p:extLst>
       <p:ext uri="{BB962C8B-B14F-4D97-AF65-F5344CB8AC3E}">

--- a/ArchitectureOverviewStatus.pptx
+++ b/ArchitectureOverviewStatus.pptx
@@ -259,7 +259,7 @@
           <a:p>
             <a:fld id="{F6BA3A16-3FC4-A846-A984-B81C473670D4}" type="datetimeFigureOut">
               <a:rPr lang="en-US" smtClean="0"/>
-              <a:t>4/28/20</a:t>
+              <a:t>5/5/20</a:t>
             </a:fld>
             <a:endParaRPr lang="en-US"/>
           </a:p>
@@ -457,7 +457,7 @@
           <a:p>
             <a:fld id="{F6BA3A16-3FC4-A846-A984-B81C473670D4}" type="datetimeFigureOut">
               <a:rPr lang="en-US" smtClean="0"/>
-              <a:t>4/28/20</a:t>
+              <a:t>5/5/20</a:t>
             </a:fld>
             <a:endParaRPr lang="en-US"/>
           </a:p>
@@ -665,7 +665,7 @@
           <a:p>
             <a:fld id="{F6BA3A16-3FC4-A846-A984-B81C473670D4}" type="datetimeFigureOut">
               <a:rPr lang="en-US" smtClean="0"/>
-              <a:t>4/28/20</a:t>
+              <a:t>5/5/20</a:t>
             </a:fld>
             <a:endParaRPr lang="en-US"/>
           </a:p>
@@ -863,7 +863,7 @@
           <a:p>
             <a:fld id="{F6BA3A16-3FC4-A846-A984-B81C473670D4}" type="datetimeFigureOut">
               <a:rPr lang="en-US" smtClean="0"/>
-              <a:t>4/28/20</a:t>
+              <a:t>5/5/20</a:t>
             </a:fld>
             <a:endParaRPr lang="en-US"/>
           </a:p>
@@ -1138,7 +1138,7 @@
           <a:p>
             <a:fld id="{F6BA3A16-3FC4-A846-A984-B81C473670D4}" type="datetimeFigureOut">
               <a:rPr lang="en-US" smtClean="0"/>
-              <a:t>4/28/20</a:t>
+              <a:t>5/5/20</a:t>
             </a:fld>
             <a:endParaRPr lang="en-US"/>
           </a:p>
@@ -1403,7 +1403,7 @@
           <a:p>
             <a:fld id="{F6BA3A16-3FC4-A846-A984-B81C473670D4}" type="datetimeFigureOut">
               <a:rPr lang="en-US" smtClean="0"/>
-              <a:t>4/28/20</a:t>
+              <a:t>5/5/20</a:t>
             </a:fld>
             <a:endParaRPr lang="en-US"/>
           </a:p>
@@ -1815,7 +1815,7 @@
           <a:p>
             <a:fld id="{F6BA3A16-3FC4-A846-A984-B81C473670D4}" type="datetimeFigureOut">
               <a:rPr lang="en-US" smtClean="0"/>
-              <a:t>4/28/20</a:t>
+              <a:t>5/5/20</a:t>
             </a:fld>
             <a:endParaRPr lang="en-US"/>
           </a:p>
@@ -1956,7 +1956,7 @@
           <a:p>
             <a:fld id="{F6BA3A16-3FC4-A846-A984-B81C473670D4}" type="datetimeFigureOut">
               <a:rPr lang="en-US" smtClean="0"/>
-              <a:t>4/28/20</a:t>
+              <a:t>5/5/20</a:t>
             </a:fld>
             <a:endParaRPr lang="en-US"/>
           </a:p>
@@ -2069,7 +2069,7 @@
           <a:p>
             <a:fld id="{F6BA3A16-3FC4-A846-A984-B81C473670D4}" type="datetimeFigureOut">
               <a:rPr lang="en-US" smtClean="0"/>
-              <a:t>4/28/20</a:t>
+              <a:t>5/5/20</a:t>
             </a:fld>
             <a:endParaRPr lang="en-US"/>
           </a:p>
@@ -2380,7 +2380,7 @@
           <a:p>
             <a:fld id="{F6BA3A16-3FC4-A846-A984-B81C473670D4}" type="datetimeFigureOut">
               <a:rPr lang="en-US" smtClean="0"/>
-              <a:t>4/28/20</a:t>
+              <a:t>5/5/20</a:t>
             </a:fld>
             <a:endParaRPr lang="en-US"/>
           </a:p>
@@ -2668,7 +2668,7 @@
           <a:p>
             <a:fld id="{F6BA3A16-3FC4-A846-A984-B81C473670D4}" type="datetimeFigureOut">
               <a:rPr lang="en-US" smtClean="0"/>
-              <a:t>4/28/20</a:t>
+              <a:t>5/5/20</a:t>
             </a:fld>
             <a:endParaRPr lang="en-US"/>
           </a:p>
@@ -2909,7 +2909,7 @@
           <a:p>
             <a:fld id="{F6BA3A16-3FC4-A846-A984-B81C473670D4}" type="datetimeFigureOut">
               <a:rPr lang="en-US" smtClean="0"/>
-              <a:t>4/28/20</a:t>
+              <a:t>5/5/20</a:t>
             </a:fld>
             <a:endParaRPr lang="en-US"/>
           </a:p>
@@ -3795,7 +3795,7 @@
         </p:nvSpPr>
         <p:spPr>
           <a:xfrm>
-            <a:off x="3041151" y="1640238"/>
+            <a:off x="3041151" y="1566668"/>
             <a:ext cx="1121397" cy="276999"/>
           </a:xfrm>
           <a:prstGeom prst="rect">
@@ -3841,7 +3841,7 @@
         </p:nvSpPr>
         <p:spPr>
           <a:xfrm>
-            <a:off x="3041151" y="2024549"/>
+            <a:off x="3041151" y="1908936"/>
             <a:ext cx="1156086" cy="276999"/>
           </a:xfrm>
           <a:prstGeom prst="rect">
@@ -3887,7 +3887,7 @@
         </p:nvSpPr>
         <p:spPr>
           <a:xfrm>
-            <a:off x="3041151" y="3151718"/>
+            <a:off x="3041151" y="2962538"/>
             <a:ext cx="1531766" cy="276999"/>
           </a:xfrm>
           <a:prstGeom prst="rect">
@@ -3936,7 +3936,7 @@
         </p:nvSpPr>
         <p:spPr>
           <a:xfrm>
-            <a:off x="3041151" y="3565732"/>
+            <a:off x="3041151" y="3323996"/>
             <a:ext cx="1199367" cy="276999"/>
           </a:xfrm>
           <a:prstGeom prst="rect">
@@ -4437,7 +4437,7 @@
         </p:nvSpPr>
         <p:spPr>
           <a:xfrm>
-            <a:off x="3041151" y="3946103"/>
+            <a:off x="3041151" y="4103753"/>
             <a:ext cx="988925" cy="276999"/>
           </a:xfrm>
           <a:prstGeom prst="rect">
@@ -4974,7 +4974,7 @@
         </p:nvSpPr>
         <p:spPr>
           <a:xfrm>
-            <a:off x="3041151" y="2408860"/>
+            <a:off x="3041151" y="2272230"/>
             <a:ext cx="1300356" cy="276999"/>
           </a:xfrm>
           <a:prstGeom prst="rect">
@@ -5023,7 +5023,7 @@
         </p:nvSpPr>
         <p:spPr>
           <a:xfrm>
-            <a:off x="3041151" y="2783329"/>
+            <a:off x="3041151" y="2636189"/>
             <a:ext cx="1394934" cy="276999"/>
           </a:xfrm>
           <a:prstGeom prst="rect">
@@ -5076,8 +5076,8 @@
         </p:nvCxnSpPr>
         <p:spPr>
           <a:xfrm rot="10800000">
-            <a:off x="4341508" y="2547361"/>
-            <a:ext cx="1689319" cy="2186995"/>
+            <a:off x="4341508" y="2410731"/>
+            <a:ext cx="1689319" cy="2323625"/>
           </a:xfrm>
           <a:prstGeom prst="bentConnector3">
             <a:avLst>
@@ -5124,8 +5124,8 @@
         </p:nvCxnSpPr>
         <p:spPr>
           <a:xfrm rot="10800000">
-            <a:off x="4197238" y="2163049"/>
-            <a:ext cx="1833589" cy="163360"/>
+            <a:off x="4197238" y="2047437"/>
+            <a:ext cx="1833589" cy="278973"/>
           </a:xfrm>
           <a:prstGeom prst="bentConnector3">
             <a:avLst>
@@ -5172,12 +5172,12 @@
         </p:nvCxnSpPr>
         <p:spPr>
           <a:xfrm rot="10800000">
-            <a:off x="4162548" y="1778739"/>
-            <a:ext cx="1868278" cy="547671"/>
+            <a:off x="4162548" y="1705169"/>
+            <a:ext cx="1868278" cy="621241"/>
           </a:xfrm>
           <a:prstGeom prst="bentConnector3">
             <a:avLst>
-              <a:gd name="adj1" fmla="val 48526"/>
+              <a:gd name="adj1" fmla="val 50000"/>
             </a:avLst>
           </a:prstGeom>
           <a:ln w="38100">
@@ -5221,11 +5221,11 @@
         <p:spPr>
           <a:xfrm rot="10800000" flipV="1">
             <a:off x="4030076" y="3115417"/>
-            <a:ext cx="3786262" cy="969186"/>
+            <a:ext cx="3786262" cy="1126836"/>
           </a:xfrm>
           <a:prstGeom prst="bentConnector3">
             <a:avLst>
-              <a:gd name="adj1" fmla="val 7737"/>
+              <a:gd name="adj1" fmla="val 50000"/>
             </a:avLst>
           </a:prstGeom>
           <a:ln w="38100">
@@ -5267,7 +5267,7 @@
         </p:nvCxnSpPr>
         <p:spPr>
           <a:xfrm rot="10800000" flipV="1">
-            <a:off x="4030076" y="2024549"/>
+            <a:off x="4030076" y="2182199"/>
             <a:ext cx="3786262" cy="2060054"/>
           </a:xfrm>
           <a:prstGeom prst="bentConnector3">
@@ -5316,11 +5316,11 @@
         <p:spPr>
           <a:xfrm rot="10800000" flipV="1">
             <a:off x="4030077" y="1210183"/>
-            <a:ext cx="5511105" cy="2874419"/>
+            <a:ext cx="5511105" cy="3032069"/>
           </a:xfrm>
           <a:prstGeom prst="bentConnector3">
             <a:avLst>
-              <a:gd name="adj1" fmla="val 4128"/>
+              <a:gd name="adj1" fmla="val 50000"/>
             </a:avLst>
           </a:prstGeom>
           <a:ln w="38100">
@@ -5364,11 +5364,11 @@
         <p:spPr>
           <a:xfrm rot="10800000" flipV="1">
             <a:off x="4030076" y="2117807"/>
-            <a:ext cx="5520834" cy="1966795"/>
+            <a:ext cx="5520834" cy="2124445"/>
           </a:xfrm>
           <a:prstGeom prst="bentConnector3">
             <a:avLst>
-              <a:gd name="adj1" fmla="val 4275"/>
+              <a:gd name="adj1" fmla="val 50000"/>
             </a:avLst>
           </a:prstGeom>
           <a:ln w="38100">
@@ -5412,11 +5412,11 @@
         <p:spPr>
           <a:xfrm rot="10800000" flipV="1">
             <a:off x="4030077" y="3349841"/>
-            <a:ext cx="5506581" cy="734761"/>
+            <a:ext cx="5506581" cy="892411"/>
           </a:xfrm>
           <a:prstGeom prst="bentConnector3">
             <a:avLst>
-              <a:gd name="adj1" fmla="val 4090"/>
+              <a:gd name="adj1" fmla="val 50000"/>
             </a:avLst>
           </a:prstGeom>
           <a:ln w="38100">
@@ -6104,9 +6104,9 @@
           <p:nvPr/>
         </p:nvCxnSpPr>
         <p:spPr>
-          <a:xfrm flipV="1">
-            <a:off x="1527207" y="4084603"/>
-            <a:ext cx="1513944" cy="85484"/>
+          <a:xfrm>
+            <a:off x="1527207" y="4170087"/>
+            <a:ext cx="1513944" cy="72166"/>
           </a:xfrm>
           <a:prstGeom prst="bentConnector3">
             <a:avLst>
@@ -6153,12 +6153,12 @@
         </p:nvCxnSpPr>
         <p:spPr>
           <a:xfrm rot="10800000">
-            <a:off x="4436086" y="2921829"/>
-            <a:ext cx="1594741" cy="1812526"/>
+            <a:off x="4436086" y="2774689"/>
+            <a:ext cx="1594741" cy="1959666"/>
           </a:xfrm>
           <a:prstGeom prst="bentConnector3">
             <a:avLst>
-              <a:gd name="adj1" fmla="val 52752"/>
+              <a:gd name="adj1" fmla="val 50000"/>
             </a:avLst>
           </a:prstGeom>
           <a:ln w="38100">
@@ -6201,8 +6201,8 @@
         </p:nvCxnSpPr>
         <p:spPr>
           <a:xfrm flipV="1">
-            <a:off x="1527206" y="3290218"/>
-            <a:ext cx="1513945" cy="144525"/>
+            <a:off x="1527206" y="3101038"/>
+            <a:ext cx="1513945" cy="333705"/>
           </a:xfrm>
           <a:prstGeom prst="bentConnector3">
             <a:avLst>
@@ -6249,8 +6249,8 @@
         </p:nvCxnSpPr>
         <p:spPr>
           <a:xfrm flipV="1">
-            <a:off x="2210064" y="3704232"/>
-            <a:ext cx="831087" cy="98183"/>
+            <a:off x="2210064" y="3462496"/>
+            <a:ext cx="831087" cy="339919"/>
           </a:xfrm>
           <a:prstGeom prst="bentConnector3">
             <a:avLst>
@@ -6460,8 +6460,8 @@
         </p:nvCxnSpPr>
         <p:spPr>
           <a:xfrm rot="5400000" flipH="1" flipV="1">
-            <a:off x="1676881" y="3416952"/>
-            <a:ext cx="1052583" cy="2664884"/>
+            <a:off x="1755706" y="3495777"/>
+            <a:ext cx="894933" cy="2664884"/>
           </a:xfrm>
           <a:prstGeom prst="bentConnector3">
             <a:avLst>
@@ -6834,8 +6834,8 @@
         </p:nvCxnSpPr>
         <p:spPr>
           <a:xfrm rot="16200000" flipV="1">
-            <a:off x="3440052" y="4318665"/>
-            <a:ext cx="1052583" cy="861458"/>
+            <a:off x="3518877" y="4397490"/>
+            <a:ext cx="894933" cy="861458"/>
           </a:xfrm>
           <a:prstGeom prst="bentConnector3">
             <a:avLst>
@@ -6882,8 +6882,8 @@
         </p:nvCxnSpPr>
         <p:spPr>
           <a:xfrm rot="5400000" flipH="1" flipV="1">
-            <a:off x="2564536" y="4304608"/>
-            <a:ext cx="1052583" cy="889573"/>
+            <a:off x="2643361" y="4383433"/>
+            <a:ext cx="894933" cy="889573"/>
           </a:xfrm>
           <a:prstGeom prst="bentConnector3">
             <a:avLst>
@@ -7825,6 +7825,55 @@
           </a:fontRef>
         </p:style>
       </p:cxnSp>
+      <p:sp>
+        <p:nvSpPr>
+          <p:cNvPr id="104" name="Rectangle 103">
+            <a:extLst>
+              <a:ext uri="{FF2B5EF4-FFF2-40B4-BE49-F238E27FC236}">
+                <a16:creationId xmlns:a16="http://schemas.microsoft.com/office/drawing/2014/main" id="{390979E1-AD45-924E-B03D-897C112F2138}"/>
+              </a:ext>
+            </a:extLst>
+          </p:cNvPr>
+          <p:cNvSpPr/>
+          <p:nvPr/>
+        </p:nvSpPr>
+        <p:spPr>
+          <a:xfrm>
+            <a:off x="3088722" y="3664062"/>
+            <a:ext cx="1762021" cy="276999"/>
+          </a:xfrm>
+          <a:prstGeom prst="rect">
+            <a:avLst/>
+          </a:prstGeom>
+          <a:solidFill>
+            <a:schemeClr val="bg1"/>
+          </a:solidFill>
+          <a:ln w="38100">
+            <a:solidFill>
+              <a:srgbClr val="00B050"/>
+            </a:solidFill>
+          </a:ln>
+        </p:spPr>
+        <p:txBody>
+          <a:bodyPr wrap="none">
+            <a:spAutoFit/>
+          </a:bodyPr>
+          <a:lstStyle/>
+          <a:p>
+            <a:r>
+              <a:rPr lang="en-US" sz="1200" dirty="0" err="1">
+                <a:latin typeface="Arial" panose="020B0604020202020204" pitchFamily="34" charset="0"/>
+                <a:cs typeface="Arial" panose="020B0604020202020204" pitchFamily="34" charset="0"/>
+              </a:rPr>
+              <a:t>submitParticipantsData</a:t>
+            </a:r>
+            <a:endParaRPr lang="en-US" sz="1200" dirty="0">
+              <a:latin typeface="Arial" panose="020B0604020202020204" pitchFamily="34" charset="0"/>
+              <a:cs typeface="Arial" panose="020B0604020202020204" pitchFamily="34" charset="0"/>
+            </a:endParaRPr>
+          </a:p>
+        </p:txBody>
+      </p:sp>
     </p:spTree>
     <p:extLst>
       <p:ext uri="{BB962C8B-B14F-4D97-AF65-F5344CB8AC3E}">

--- a/ArchitectureOverviewStatus.pptx
+++ b/ArchitectureOverviewStatus.pptx
@@ -4,6 +4,9 @@
   <p:sldMasterIdLst>
     <p:sldMasterId id="2147483648" r:id="rId1"/>
   </p:sldMasterIdLst>
+  <p:notesMasterIdLst>
+    <p:notesMasterId r:id="rId3"/>
+  </p:notesMasterIdLst>
   <p:sldIdLst>
     <p:sldId id="256" r:id="rId2"/>
   </p:sldIdLst>
@@ -112,6 +115,439 @@
 </p:presentation>
 </file>
 
+<file path=ppt/notesMasters/notesMaster1.xml><?xml version="1.0" encoding="utf-8"?>
+<p:notesMaster xmlns:a="http://schemas.openxmlformats.org/drawingml/2006/main" xmlns:r="http://schemas.openxmlformats.org/officeDocument/2006/relationships" xmlns:p="http://schemas.openxmlformats.org/presentationml/2006/main">
+  <p:cSld>
+    <p:bg>
+      <p:bgRef idx="1001">
+        <a:schemeClr val="bg1"/>
+      </p:bgRef>
+    </p:bg>
+    <p:spTree>
+      <p:nvGrpSpPr>
+        <p:cNvPr id="1" name=""/>
+        <p:cNvGrpSpPr/>
+        <p:nvPr/>
+      </p:nvGrpSpPr>
+      <p:grpSpPr>
+        <a:xfrm>
+          <a:off x="0" y="0"/>
+          <a:ext cx="0" cy="0"/>
+          <a:chOff x="0" y="0"/>
+          <a:chExt cx="0" cy="0"/>
+        </a:xfrm>
+      </p:grpSpPr>
+      <p:sp>
+        <p:nvSpPr>
+          <p:cNvPr id="2" name="Header Placeholder 1"/>
+          <p:cNvSpPr>
+            <a:spLocks noGrp="1"/>
+          </p:cNvSpPr>
+          <p:nvPr>
+            <p:ph type="hdr" sz="quarter"/>
+          </p:nvPr>
+        </p:nvSpPr>
+        <p:spPr>
+          <a:xfrm>
+            <a:off x="0" y="0"/>
+            <a:ext cx="2971800" cy="458788"/>
+          </a:xfrm>
+          <a:prstGeom prst="rect">
+            <a:avLst/>
+          </a:prstGeom>
+        </p:spPr>
+        <p:txBody>
+          <a:bodyPr vert="horz" lIns="91440" tIns="45720" rIns="91440" bIns="45720" rtlCol="0"/>
+          <a:lstStyle>
+            <a:lvl1pPr algn="l">
+              <a:defRPr sz="1200"/>
+            </a:lvl1pPr>
+          </a:lstStyle>
+          <a:p>
+            <a:endParaRPr lang="en-US"/>
+          </a:p>
+        </p:txBody>
+      </p:sp>
+      <p:sp>
+        <p:nvSpPr>
+          <p:cNvPr id="3" name="Date Placeholder 2"/>
+          <p:cNvSpPr>
+            <a:spLocks noGrp="1"/>
+          </p:cNvSpPr>
+          <p:nvPr>
+            <p:ph type="dt" idx="1"/>
+          </p:nvPr>
+        </p:nvSpPr>
+        <p:spPr>
+          <a:xfrm>
+            <a:off x="3884613" y="0"/>
+            <a:ext cx="2971800" cy="458788"/>
+          </a:xfrm>
+          <a:prstGeom prst="rect">
+            <a:avLst/>
+          </a:prstGeom>
+        </p:spPr>
+        <p:txBody>
+          <a:bodyPr vert="horz" lIns="91440" tIns="45720" rIns="91440" bIns="45720" rtlCol="0"/>
+          <a:lstStyle>
+            <a:lvl1pPr algn="r">
+              <a:defRPr sz="1200"/>
+            </a:lvl1pPr>
+          </a:lstStyle>
+          <a:p>
+            <a:fld id="{B891EDBD-3129-D143-B981-B22A6A412B3C}" type="datetimeFigureOut">
+              <a:rPr lang="en-US" smtClean="0"/>
+              <a:t>5/26/20</a:t>
+            </a:fld>
+            <a:endParaRPr lang="en-US"/>
+          </a:p>
+        </p:txBody>
+      </p:sp>
+      <p:sp>
+        <p:nvSpPr>
+          <p:cNvPr id="4" name="Slide Image Placeholder 3"/>
+          <p:cNvSpPr>
+            <a:spLocks noGrp="1" noRot="1" noChangeAspect="1"/>
+          </p:cNvSpPr>
+          <p:nvPr>
+            <p:ph type="sldImg" idx="2"/>
+          </p:nvPr>
+        </p:nvSpPr>
+        <p:spPr>
+          <a:xfrm>
+            <a:off x="685800" y="1143000"/>
+            <a:ext cx="5486400" cy="3086100"/>
+          </a:xfrm>
+          <a:prstGeom prst="rect">
+            <a:avLst/>
+          </a:prstGeom>
+          <a:noFill/>
+          <a:ln w="12700">
+            <a:solidFill>
+              <a:prstClr val="black"/>
+            </a:solidFill>
+          </a:ln>
+        </p:spPr>
+        <p:txBody>
+          <a:bodyPr vert="horz" lIns="91440" tIns="45720" rIns="91440" bIns="45720" rtlCol="0" anchor="ctr"/>
+          <a:lstStyle/>
+          <a:p>
+            <a:endParaRPr lang="en-US"/>
+          </a:p>
+        </p:txBody>
+      </p:sp>
+      <p:sp>
+        <p:nvSpPr>
+          <p:cNvPr id="5" name="Notes Placeholder 4"/>
+          <p:cNvSpPr>
+            <a:spLocks noGrp="1"/>
+          </p:cNvSpPr>
+          <p:nvPr>
+            <p:ph type="body" sz="quarter" idx="3"/>
+          </p:nvPr>
+        </p:nvSpPr>
+        <p:spPr>
+          <a:xfrm>
+            <a:off x="685800" y="4400550"/>
+            <a:ext cx="5486400" cy="3600450"/>
+          </a:xfrm>
+          <a:prstGeom prst="rect">
+            <a:avLst/>
+          </a:prstGeom>
+        </p:spPr>
+        <p:txBody>
+          <a:bodyPr vert="horz" lIns="91440" tIns="45720" rIns="91440" bIns="45720" rtlCol="0"/>
+          <a:lstStyle/>
+          <a:p>
+            <a:pPr lvl="0"/>
+            <a:r>
+              <a:rPr lang="en-US"/>
+              <a:t>Click to edit Master text styles</a:t>
+            </a:r>
+          </a:p>
+          <a:p>
+            <a:pPr lvl="1"/>
+            <a:r>
+              <a:rPr lang="en-US"/>
+              <a:t>Second level</a:t>
+            </a:r>
+          </a:p>
+          <a:p>
+            <a:pPr lvl="2"/>
+            <a:r>
+              <a:rPr lang="en-US"/>
+              <a:t>Third level</a:t>
+            </a:r>
+          </a:p>
+          <a:p>
+            <a:pPr lvl="3"/>
+            <a:r>
+              <a:rPr lang="en-US"/>
+              <a:t>Fourth level</a:t>
+            </a:r>
+          </a:p>
+          <a:p>
+            <a:pPr lvl="4"/>
+            <a:r>
+              <a:rPr lang="en-US"/>
+              <a:t>Fifth level</a:t>
+            </a:r>
+          </a:p>
+        </p:txBody>
+      </p:sp>
+      <p:sp>
+        <p:nvSpPr>
+          <p:cNvPr id="6" name="Footer Placeholder 5"/>
+          <p:cNvSpPr>
+            <a:spLocks noGrp="1"/>
+          </p:cNvSpPr>
+          <p:nvPr>
+            <p:ph type="ftr" sz="quarter" idx="4"/>
+          </p:nvPr>
+        </p:nvSpPr>
+        <p:spPr>
+          <a:xfrm>
+            <a:off x="0" y="8685213"/>
+            <a:ext cx="2971800" cy="458787"/>
+          </a:xfrm>
+          <a:prstGeom prst="rect">
+            <a:avLst/>
+          </a:prstGeom>
+        </p:spPr>
+        <p:txBody>
+          <a:bodyPr vert="horz" lIns="91440" tIns="45720" rIns="91440" bIns="45720" rtlCol="0" anchor="b"/>
+          <a:lstStyle>
+            <a:lvl1pPr algn="l">
+              <a:defRPr sz="1200"/>
+            </a:lvl1pPr>
+          </a:lstStyle>
+          <a:p>
+            <a:endParaRPr lang="en-US"/>
+          </a:p>
+        </p:txBody>
+      </p:sp>
+      <p:sp>
+        <p:nvSpPr>
+          <p:cNvPr id="7" name="Slide Number Placeholder 6"/>
+          <p:cNvSpPr>
+            <a:spLocks noGrp="1"/>
+          </p:cNvSpPr>
+          <p:nvPr>
+            <p:ph type="sldNum" sz="quarter" idx="5"/>
+          </p:nvPr>
+        </p:nvSpPr>
+        <p:spPr>
+          <a:xfrm>
+            <a:off x="3884613" y="8685213"/>
+            <a:ext cx="2971800" cy="458787"/>
+          </a:xfrm>
+          <a:prstGeom prst="rect">
+            <a:avLst/>
+          </a:prstGeom>
+        </p:spPr>
+        <p:txBody>
+          <a:bodyPr vert="horz" lIns="91440" tIns="45720" rIns="91440" bIns="45720" rtlCol="0" anchor="b"/>
+          <a:lstStyle>
+            <a:lvl1pPr algn="r">
+              <a:defRPr sz="1200"/>
+            </a:lvl1pPr>
+          </a:lstStyle>
+          <a:p>
+            <a:fld id="{1D512971-25B9-7843-9EEB-75F0075DD4F7}" type="slidenum">
+              <a:rPr lang="en-US" smtClean="0"/>
+              <a:t>‹#›</a:t>
+            </a:fld>
+            <a:endParaRPr lang="en-US"/>
+          </a:p>
+        </p:txBody>
+      </p:sp>
+    </p:spTree>
+    <p:extLst>
+      <p:ext uri="{BB962C8B-B14F-4D97-AF65-F5344CB8AC3E}">
+        <p14:creationId xmlns:p14="http://schemas.microsoft.com/office/powerpoint/2010/main" val="1919542020"/>
+      </p:ext>
+    </p:extLst>
+  </p:cSld>
+  <p:clrMap bg1="lt1" tx1="dk1" bg2="lt2" tx2="dk2" accent1="accent1" accent2="accent2" accent3="accent3" accent4="accent4" accent5="accent5" accent6="accent6" hlink="hlink" folHlink="folHlink"/>
+  <p:notesStyle>
+    <a:lvl1pPr marL="0" algn="l" defTabSz="914400" rtl="0" eaLnBrk="1" latinLnBrk="0" hangingPunct="1">
+      <a:defRPr sz="1200" kern="1200">
+        <a:solidFill>
+          <a:schemeClr val="tx1"/>
+        </a:solidFill>
+        <a:latin typeface="+mn-lt"/>
+        <a:ea typeface="+mn-ea"/>
+        <a:cs typeface="+mn-cs"/>
+      </a:defRPr>
+    </a:lvl1pPr>
+    <a:lvl2pPr marL="457200" algn="l" defTabSz="914400" rtl="0" eaLnBrk="1" latinLnBrk="0" hangingPunct="1">
+      <a:defRPr sz="1200" kern="1200">
+        <a:solidFill>
+          <a:schemeClr val="tx1"/>
+        </a:solidFill>
+        <a:latin typeface="+mn-lt"/>
+        <a:ea typeface="+mn-ea"/>
+        <a:cs typeface="+mn-cs"/>
+      </a:defRPr>
+    </a:lvl2pPr>
+    <a:lvl3pPr marL="914400" algn="l" defTabSz="914400" rtl="0" eaLnBrk="1" latinLnBrk="0" hangingPunct="1">
+      <a:defRPr sz="1200" kern="1200">
+        <a:solidFill>
+          <a:schemeClr val="tx1"/>
+        </a:solidFill>
+        <a:latin typeface="+mn-lt"/>
+        <a:ea typeface="+mn-ea"/>
+        <a:cs typeface="+mn-cs"/>
+      </a:defRPr>
+    </a:lvl3pPr>
+    <a:lvl4pPr marL="1371600" algn="l" defTabSz="914400" rtl="0" eaLnBrk="1" latinLnBrk="0" hangingPunct="1">
+      <a:defRPr sz="1200" kern="1200">
+        <a:solidFill>
+          <a:schemeClr val="tx1"/>
+        </a:solidFill>
+        <a:latin typeface="+mn-lt"/>
+        <a:ea typeface="+mn-ea"/>
+        <a:cs typeface="+mn-cs"/>
+      </a:defRPr>
+    </a:lvl4pPr>
+    <a:lvl5pPr marL="1828800" algn="l" defTabSz="914400" rtl="0" eaLnBrk="1" latinLnBrk="0" hangingPunct="1">
+      <a:defRPr sz="1200" kern="1200">
+        <a:solidFill>
+          <a:schemeClr val="tx1"/>
+        </a:solidFill>
+        <a:latin typeface="+mn-lt"/>
+        <a:ea typeface="+mn-ea"/>
+        <a:cs typeface="+mn-cs"/>
+      </a:defRPr>
+    </a:lvl5pPr>
+    <a:lvl6pPr marL="2286000" algn="l" defTabSz="914400" rtl="0" eaLnBrk="1" latinLnBrk="0" hangingPunct="1">
+      <a:defRPr sz="1200" kern="1200">
+        <a:solidFill>
+          <a:schemeClr val="tx1"/>
+        </a:solidFill>
+        <a:latin typeface="+mn-lt"/>
+        <a:ea typeface="+mn-ea"/>
+        <a:cs typeface="+mn-cs"/>
+      </a:defRPr>
+    </a:lvl6pPr>
+    <a:lvl7pPr marL="2743200" algn="l" defTabSz="914400" rtl="0" eaLnBrk="1" latinLnBrk="0" hangingPunct="1">
+      <a:defRPr sz="1200" kern="1200">
+        <a:solidFill>
+          <a:schemeClr val="tx1"/>
+        </a:solidFill>
+        <a:latin typeface="+mn-lt"/>
+        <a:ea typeface="+mn-ea"/>
+        <a:cs typeface="+mn-cs"/>
+      </a:defRPr>
+    </a:lvl7pPr>
+    <a:lvl8pPr marL="3200400" algn="l" defTabSz="914400" rtl="0" eaLnBrk="1" latinLnBrk="0" hangingPunct="1">
+      <a:defRPr sz="1200" kern="1200">
+        <a:solidFill>
+          <a:schemeClr val="tx1"/>
+        </a:solidFill>
+        <a:latin typeface="+mn-lt"/>
+        <a:ea typeface="+mn-ea"/>
+        <a:cs typeface="+mn-cs"/>
+      </a:defRPr>
+    </a:lvl8pPr>
+    <a:lvl9pPr marL="3657600" algn="l" defTabSz="914400" rtl="0" eaLnBrk="1" latinLnBrk="0" hangingPunct="1">
+      <a:defRPr sz="1200" kern="1200">
+        <a:solidFill>
+          <a:schemeClr val="tx1"/>
+        </a:solidFill>
+        <a:latin typeface="+mn-lt"/>
+        <a:ea typeface="+mn-ea"/>
+        <a:cs typeface="+mn-cs"/>
+      </a:defRPr>
+    </a:lvl9pPr>
+  </p:notesStyle>
+</p:notesMaster>
+</file>
+
+<file path=ppt/notesSlides/notesSlide1.xml><?xml version="1.0" encoding="utf-8"?>
+<p:notes xmlns:a="http://schemas.openxmlformats.org/drawingml/2006/main" xmlns:r="http://schemas.openxmlformats.org/officeDocument/2006/relationships" xmlns:p="http://schemas.openxmlformats.org/presentationml/2006/main">
+  <p:cSld>
+    <p:spTree>
+      <p:nvGrpSpPr>
+        <p:cNvPr id="1" name=""/>
+        <p:cNvGrpSpPr/>
+        <p:nvPr/>
+      </p:nvGrpSpPr>
+      <p:grpSpPr>
+        <a:xfrm>
+          <a:off x="0" y="0"/>
+          <a:ext cx="0" cy="0"/>
+          <a:chOff x="0" y="0"/>
+          <a:chExt cx="0" cy="0"/>
+        </a:xfrm>
+      </p:grpSpPr>
+      <p:sp>
+        <p:nvSpPr>
+          <p:cNvPr id="2" name="Slide Image Placeholder 1"/>
+          <p:cNvSpPr>
+            <a:spLocks noGrp="1" noRot="1" noChangeAspect="1"/>
+          </p:cNvSpPr>
+          <p:nvPr>
+            <p:ph type="sldImg"/>
+          </p:nvPr>
+        </p:nvSpPr>
+        <p:spPr/>
+      </p:sp>
+      <p:sp>
+        <p:nvSpPr>
+          <p:cNvPr id="3" name="Notes Placeholder 2"/>
+          <p:cNvSpPr>
+            <a:spLocks noGrp="1"/>
+          </p:cNvSpPr>
+          <p:nvPr>
+            <p:ph type="body" idx="1"/>
+          </p:nvPr>
+        </p:nvSpPr>
+        <p:spPr/>
+        <p:txBody>
+          <a:bodyPr/>
+          <a:lstStyle/>
+          <a:p>
+            <a:endParaRPr lang="en-US" dirty="0"/>
+          </a:p>
+        </p:txBody>
+      </p:sp>
+      <p:sp>
+        <p:nvSpPr>
+          <p:cNvPr id="4" name="Slide Number Placeholder 3"/>
+          <p:cNvSpPr>
+            <a:spLocks noGrp="1"/>
+          </p:cNvSpPr>
+          <p:nvPr>
+            <p:ph type="sldNum" sz="quarter" idx="5"/>
+          </p:nvPr>
+        </p:nvSpPr>
+        <p:spPr/>
+        <p:txBody>
+          <a:bodyPr/>
+          <a:lstStyle/>
+          <a:p>
+            <a:fld id="{1D512971-25B9-7843-9EEB-75F0075DD4F7}" type="slidenum">
+              <a:rPr lang="en-US" smtClean="0"/>
+              <a:t>1</a:t>
+            </a:fld>
+            <a:endParaRPr lang="en-US"/>
+          </a:p>
+        </p:txBody>
+      </p:sp>
+    </p:spTree>
+    <p:extLst>
+      <p:ext uri="{BB962C8B-B14F-4D97-AF65-F5344CB8AC3E}">
+        <p14:creationId xmlns:p14="http://schemas.microsoft.com/office/powerpoint/2010/main" val="3817266656"/>
+      </p:ext>
+    </p:extLst>
+  </p:cSld>
+  <p:clrMapOvr>
+    <a:masterClrMapping/>
+  </p:clrMapOvr>
+</p:notes>
+</file>
+
 <file path=ppt/slideLayouts/slideLayout1.xml><?xml version="1.0" encoding="utf-8"?>
 <p:sldLayout xmlns:a="http://schemas.openxmlformats.org/drawingml/2006/main" xmlns:r="http://schemas.openxmlformats.org/officeDocument/2006/relationships" xmlns:p="http://schemas.openxmlformats.org/presentationml/2006/main" type="title" preserve="1">
   <p:cSld name="Title Slide">
@@ -259,7 +695,7 @@
           <a:p>
             <a:fld id="{F6BA3A16-3FC4-A846-A984-B81C473670D4}" type="datetimeFigureOut">
               <a:rPr lang="en-US" smtClean="0"/>
-              <a:t>5/5/20</a:t>
+              <a:t>5/26/20</a:t>
             </a:fld>
             <a:endParaRPr lang="en-US"/>
           </a:p>
@@ -457,7 +893,7 @@
           <a:p>
             <a:fld id="{F6BA3A16-3FC4-A846-A984-B81C473670D4}" type="datetimeFigureOut">
               <a:rPr lang="en-US" smtClean="0"/>
-              <a:t>5/5/20</a:t>
+              <a:t>5/26/20</a:t>
             </a:fld>
             <a:endParaRPr lang="en-US"/>
           </a:p>
@@ -665,7 +1101,7 @@
           <a:p>
             <a:fld id="{F6BA3A16-3FC4-A846-A984-B81C473670D4}" type="datetimeFigureOut">
               <a:rPr lang="en-US" smtClean="0"/>
-              <a:t>5/5/20</a:t>
+              <a:t>5/26/20</a:t>
             </a:fld>
             <a:endParaRPr lang="en-US"/>
           </a:p>
@@ -863,7 +1299,7 @@
           <a:p>
             <a:fld id="{F6BA3A16-3FC4-A846-A984-B81C473670D4}" type="datetimeFigureOut">
               <a:rPr lang="en-US" smtClean="0"/>
-              <a:t>5/5/20</a:t>
+              <a:t>5/26/20</a:t>
             </a:fld>
             <a:endParaRPr lang="en-US"/>
           </a:p>
@@ -1138,7 +1574,7 @@
           <a:p>
             <a:fld id="{F6BA3A16-3FC4-A846-A984-B81C473670D4}" type="datetimeFigureOut">
               <a:rPr lang="en-US" smtClean="0"/>
-              <a:t>5/5/20</a:t>
+              <a:t>5/26/20</a:t>
             </a:fld>
             <a:endParaRPr lang="en-US"/>
           </a:p>
@@ -1403,7 +1839,7 @@
           <a:p>
             <a:fld id="{F6BA3A16-3FC4-A846-A984-B81C473670D4}" type="datetimeFigureOut">
               <a:rPr lang="en-US" smtClean="0"/>
-              <a:t>5/5/20</a:t>
+              <a:t>5/26/20</a:t>
             </a:fld>
             <a:endParaRPr lang="en-US"/>
           </a:p>
@@ -1815,7 +2251,7 @@
           <a:p>
             <a:fld id="{F6BA3A16-3FC4-A846-A984-B81C473670D4}" type="datetimeFigureOut">
               <a:rPr lang="en-US" smtClean="0"/>
-              <a:t>5/5/20</a:t>
+              <a:t>5/26/20</a:t>
             </a:fld>
             <a:endParaRPr lang="en-US"/>
           </a:p>
@@ -1956,7 +2392,7 @@
           <a:p>
             <a:fld id="{F6BA3A16-3FC4-A846-A984-B81C473670D4}" type="datetimeFigureOut">
               <a:rPr lang="en-US" smtClean="0"/>
-              <a:t>5/5/20</a:t>
+              <a:t>5/26/20</a:t>
             </a:fld>
             <a:endParaRPr lang="en-US"/>
           </a:p>
@@ -2069,7 +2505,7 @@
           <a:p>
             <a:fld id="{F6BA3A16-3FC4-A846-A984-B81C473670D4}" type="datetimeFigureOut">
               <a:rPr lang="en-US" smtClean="0"/>
-              <a:t>5/5/20</a:t>
+              <a:t>5/26/20</a:t>
             </a:fld>
             <a:endParaRPr lang="en-US"/>
           </a:p>
@@ -2380,7 +2816,7 @@
           <a:p>
             <a:fld id="{F6BA3A16-3FC4-A846-A984-B81C473670D4}" type="datetimeFigureOut">
               <a:rPr lang="en-US" smtClean="0"/>
-              <a:t>5/5/20</a:t>
+              <a:t>5/26/20</a:t>
             </a:fld>
             <a:endParaRPr lang="en-US"/>
           </a:p>
@@ -2668,7 +3104,7 @@
           <a:p>
             <a:fld id="{F6BA3A16-3FC4-A846-A984-B81C473670D4}" type="datetimeFigureOut">
               <a:rPr lang="en-US" smtClean="0"/>
-              <a:t>5/5/20</a:t>
+              <a:t>5/26/20</a:t>
             </a:fld>
             <a:endParaRPr lang="en-US"/>
           </a:p>
@@ -2909,7 +3345,7 @@
           <a:p>
             <a:fld id="{F6BA3A16-3FC4-A846-A984-B81C473670D4}" type="datetimeFigureOut">
               <a:rPr lang="en-US" smtClean="0"/>
-              <a:t>5/5/20</a:t>
+              <a:t>5/26/20</a:t>
             </a:fld>
             <a:endParaRPr lang="en-US"/>
           </a:p>
@@ -3472,10 +3908,10 @@
             <p:nvPr/>
           </p:nvPicPr>
           <p:blipFill>
-            <a:blip r:embed="rId2">
+            <a:blip r:embed="rId3">
               <a:extLst>
                 <a:ext uri="{96DAC541-7B7A-43D3-8B79-37D633B846F1}">
-                  <asvg:svgBlip xmlns:asvg="http://schemas.microsoft.com/office/drawing/2016/SVG/main" r:embed="rId3"/>
+                  <asvg:svgBlip xmlns:asvg="http://schemas.microsoft.com/office/drawing/2016/SVG/main" r:embed="rId4"/>
                 </a:ext>
               </a:extLst>
             </a:blip>
@@ -3656,325 +4092,6 @@
           </p:txBody>
         </p:sp>
       </p:grpSp>
-      <p:sp>
-        <p:nvSpPr>
-          <p:cNvPr id="11" name="Rectangle 10">
-            <a:extLst>
-              <a:ext uri="{FF2B5EF4-FFF2-40B4-BE49-F238E27FC236}">
-                <a16:creationId xmlns:a16="http://schemas.microsoft.com/office/drawing/2014/main" id="{DA1BCB67-E5DB-0A48-9120-698E32B5F743}"/>
-              </a:ext>
-            </a:extLst>
-          </p:cNvPr>
-          <p:cNvSpPr/>
-          <p:nvPr/>
-        </p:nvSpPr>
-        <p:spPr>
-          <a:xfrm>
-            <a:off x="2740331" y="750191"/>
-            <a:ext cx="1371600" cy="3673489"/>
-          </a:xfrm>
-          <a:prstGeom prst="rect">
-            <a:avLst/>
-          </a:prstGeom>
-          <a:solidFill>
-            <a:schemeClr val="bg1">
-              <a:lumMod val="85000"/>
-            </a:schemeClr>
-          </a:solidFill>
-        </p:spPr>
-        <p:style>
-          <a:lnRef idx="2">
-            <a:schemeClr val="accent1">
-              <a:shade val="50000"/>
-            </a:schemeClr>
-          </a:lnRef>
-          <a:fillRef idx="1">
-            <a:schemeClr val="accent1"/>
-          </a:fillRef>
-          <a:effectRef idx="0">
-            <a:schemeClr val="accent1"/>
-          </a:effectRef>
-          <a:fontRef idx="minor">
-            <a:schemeClr val="lt1"/>
-          </a:fontRef>
-        </p:style>
-        <p:txBody>
-          <a:bodyPr rtlCol="0" anchor="ctr"/>
-          <a:lstStyle/>
-          <a:p>
-            <a:pPr algn="ctr"/>
-            <a:endParaRPr lang="en-US"/>
-          </a:p>
-        </p:txBody>
-      </p:sp>
-      <p:pic>
-        <p:nvPicPr>
-          <p:cNvPr id="7" name="Picture 6">
-            <a:extLst>
-              <a:ext uri="{FF2B5EF4-FFF2-40B4-BE49-F238E27FC236}">
-                <a16:creationId xmlns:a16="http://schemas.microsoft.com/office/drawing/2014/main" id="{E992AB58-7B35-5B4F-8361-0DBE33B58BC4}"/>
-              </a:ext>
-            </a:extLst>
-          </p:cNvPr>
-          <p:cNvPicPr>
-            <a:picLocks noChangeAspect="1"/>
-          </p:cNvPicPr>
-          <p:nvPr/>
-        </p:nvPicPr>
-        <p:blipFill>
-          <a:blip r:embed="rId4"/>
-          <a:stretch>
-            <a:fillRect/>
-          </a:stretch>
-        </p:blipFill>
-        <p:spPr>
-          <a:xfrm>
-            <a:off x="3197531" y="881998"/>
-            <a:ext cx="457200" cy="457200"/>
-          </a:xfrm>
-          <a:prstGeom prst="rect">
-            <a:avLst/>
-          </a:prstGeom>
-        </p:spPr>
-      </p:pic>
-      <p:sp>
-        <p:nvSpPr>
-          <p:cNvPr id="10" name="TextBox 9">
-            <a:extLst>
-              <a:ext uri="{FF2B5EF4-FFF2-40B4-BE49-F238E27FC236}">
-                <a16:creationId xmlns:a16="http://schemas.microsoft.com/office/drawing/2014/main" id="{EC491EBB-1795-9F49-9EEB-C8D552E8A1C9}"/>
-              </a:ext>
-            </a:extLst>
-          </p:cNvPr>
-          <p:cNvSpPr txBox="1"/>
-          <p:nvPr/>
-        </p:nvSpPr>
-        <p:spPr>
-          <a:xfrm>
-            <a:off x="2740331" y="1330959"/>
-            <a:ext cx="1357726" cy="276999"/>
-          </a:xfrm>
-          <a:prstGeom prst="rect">
-            <a:avLst/>
-          </a:prstGeom>
-          <a:noFill/>
-        </p:spPr>
-        <p:txBody>
-          <a:bodyPr wrap="square" rtlCol="0">
-            <a:spAutoFit/>
-          </a:bodyPr>
-          <a:lstStyle/>
-          <a:p>
-            <a:pPr algn="ctr"/>
-            <a:r>
-              <a:rPr lang="en-US" sz="1200" dirty="0">
-                <a:solidFill>
-                  <a:schemeClr val="bg1">
-                    <a:lumMod val="50000"/>
-                  </a:schemeClr>
-                </a:solidFill>
-                <a:latin typeface="Arial" panose="020B0604020202020204" pitchFamily="34" charset="0"/>
-                <a:cs typeface="Arial" panose="020B0604020202020204" pitchFamily="34" charset="0"/>
-              </a:rPr>
-              <a:t>Connect APIs</a:t>
-            </a:r>
-          </a:p>
-        </p:txBody>
-      </p:sp>
-      <p:sp>
-        <p:nvSpPr>
-          <p:cNvPr id="22" name="Rectangle 21">
-            <a:extLst>
-              <a:ext uri="{FF2B5EF4-FFF2-40B4-BE49-F238E27FC236}">
-                <a16:creationId xmlns:a16="http://schemas.microsoft.com/office/drawing/2014/main" id="{0D4AA49B-4385-AE4E-9A72-2CFD2468B3D6}"/>
-              </a:ext>
-            </a:extLst>
-          </p:cNvPr>
-          <p:cNvSpPr/>
-          <p:nvPr/>
-        </p:nvSpPr>
-        <p:spPr>
-          <a:xfrm>
-            <a:off x="3041151" y="1566668"/>
-            <a:ext cx="1121397" cy="276999"/>
-          </a:xfrm>
-          <a:prstGeom prst="rect">
-            <a:avLst/>
-          </a:prstGeom>
-          <a:solidFill>
-            <a:schemeClr val="bg1"/>
-          </a:solidFill>
-          <a:ln w="38100">
-            <a:solidFill>
-              <a:srgbClr val="00B050"/>
-            </a:solidFill>
-          </a:ln>
-        </p:spPr>
-        <p:txBody>
-          <a:bodyPr wrap="none">
-            <a:spAutoFit/>
-          </a:bodyPr>
-          <a:lstStyle/>
-          <a:p>
-            <a:r>
-              <a:rPr lang="en-US" sz="1200" dirty="0" err="1">
-                <a:latin typeface="Arial" panose="020B0604020202020204" pitchFamily="34" charset="0"/>
-                <a:cs typeface="Arial" panose="020B0604020202020204" pitchFamily="34" charset="0"/>
-              </a:rPr>
-              <a:t>validateToken</a:t>
-            </a:r>
-            <a:endParaRPr lang="en-US" sz="1200" dirty="0"/>
-          </a:p>
-        </p:txBody>
-      </p:sp>
-      <p:sp>
-        <p:nvSpPr>
-          <p:cNvPr id="23" name="Rectangle 22">
-            <a:extLst>
-              <a:ext uri="{FF2B5EF4-FFF2-40B4-BE49-F238E27FC236}">
-                <a16:creationId xmlns:a16="http://schemas.microsoft.com/office/drawing/2014/main" id="{5FA90A53-119B-4F4B-8687-96E559FFCDD3}"/>
-              </a:ext>
-            </a:extLst>
-          </p:cNvPr>
-          <p:cNvSpPr/>
-          <p:nvPr/>
-        </p:nvSpPr>
-        <p:spPr>
-          <a:xfrm>
-            <a:off x="3041151" y="1908936"/>
-            <a:ext cx="1156086" cy="276999"/>
-          </a:xfrm>
-          <a:prstGeom prst="rect">
-            <a:avLst/>
-          </a:prstGeom>
-          <a:solidFill>
-            <a:schemeClr val="bg1"/>
-          </a:solidFill>
-          <a:ln w="38100">
-            <a:solidFill>
-              <a:srgbClr val="00B050"/>
-            </a:solidFill>
-          </a:ln>
-        </p:spPr>
-        <p:txBody>
-          <a:bodyPr wrap="none">
-            <a:spAutoFit/>
-          </a:bodyPr>
-          <a:lstStyle/>
-          <a:p>
-            <a:r>
-              <a:rPr lang="en-US" sz="1200" dirty="0" err="1">
-                <a:latin typeface="Arial" panose="020B0604020202020204" pitchFamily="34" charset="0"/>
-                <a:cs typeface="Arial" panose="020B0604020202020204" pitchFamily="34" charset="0"/>
-              </a:rPr>
-              <a:t>getUserProfile</a:t>
-            </a:r>
-            <a:endParaRPr lang="en-US" sz="1200" dirty="0"/>
-          </a:p>
-        </p:txBody>
-      </p:sp>
-      <p:sp>
-        <p:nvSpPr>
-          <p:cNvPr id="26" name="Rectangle 25">
-            <a:extLst>
-              <a:ext uri="{FF2B5EF4-FFF2-40B4-BE49-F238E27FC236}">
-                <a16:creationId xmlns:a16="http://schemas.microsoft.com/office/drawing/2014/main" id="{63D8B9B2-D0FC-FD4E-AA96-6D0B9B418CB9}"/>
-              </a:ext>
-            </a:extLst>
-          </p:cNvPr>
-          <p:cNvSpPr/>
-          <p:nvPr/>
-        </p:nvSpPr>
-        <p:spPr>
-          <a:xfrm>
-            <a:off x="3041151" y="2962538"/>
-            <a:ext cx="1531766" cy="276999"/>
-          </a:xfrm>
-          <a:prstGeom prst="rect">
-            <a:avLst/>
-          </a:prstGeom>
-          <a:solidFill>
-            <a:schemeClr val="bg1"/>
-          </a:solidFill>
-          <a:ln w="38100">
-            <a:solidFill>
-              <a:srgbClr val="00B050"/>
-            </a:solidFill>
-          </a:ln>
-        </p:spPr>
-        <p:txBody>
-          <a:bodyPr wrap="none">
-            <a:spAutoFit/>
-          </a:bodyPr>
-          <a:lstStyle/>
-          <a:p>
-            <a:r>
-              <a:rPr lang="en-US" sz="1200" dirty="0" err="1">
-                <a:latin typeface="Arial" panose="020B0604020202020204" pitchFamily="34" charset="0"/>
-                <a:cs typeface="Arial" panose="020B0604020202020204" pitchFamily="34" charset="0"/>
-              </a:rPr>
-              <a:t>getParticipantToken</a:t>
-            </a:r>
-            <a:endParaRPr lang="en-US" sz="1200" dirty="0">
-              <a:latin typeface="Arial" panose="020B0604020202020204" pitchFamily="34" charset="0"/>
-              <a:cs typeface="Arial" panose="020B0604020202020204" pitchFamily="34" charset="0"/>
-            </a:endParaRPr>
-          </a:p>
-        </p:txBody>
-      </p:sp>
-      <p:sp>
-        <p:nvSpPr>
-          <p:cNvPr id="62" name="Rectangle 61">
-            <a:extLst>
-              <a:ext uri="{FF2B5EF4-FFF2-40B4-BE49-F238E27FC236}">
-                <a16:creationId xmlns:a16="http://schemas.microsoft.com/office/drawing/2014/main" id="{575CA71D-10E0-BD4B-993E-C82114014B7C}"/>
-              </a:ext>
-            </a:extLst>
-          </p:cNvPr>
-          <p:cNvSpPr/>
-          <p:nvPr/>
-        </p:nvSpPr>
-        <p:spPr>
-          <a:xfrm>
-            <a:off x="3041151" y="3323996"/>
-            <a:ext cx="1199367" cy="276999"/>
-          </a:xfrm>
-          <a:prstGeom prst="rect">
-            <a:avLst/>
-          </a:prstGeom>
-          <a:solidFill>
-            <a:schemeClr val="bg1"/>
-          </a:solidFill>
-          <a:ln w="38100">
-            <a:solidFill>
-              <a:srgbClr val="00B050"/>
-            </a:solidFill>
-          </a:ln>
-        </p:spPr>
-        <p:txBody>
-          <a:bodyPr wrap="none">
-            <a:spAutoFit/>
-          </a:bodyPr>
-          <a:lstStyle/>
-          <a:p>
-            <a:r>
-              <a:rPr lang="en-US" sz="1200" b="0" i="0" dirty="0" err="1">
-                <a:solidFill>
-                  <a:srgbClr val="282828"/>
-                </a:solidFill>
-                <a:effectLst/>
-                <a:latin typeface="Arial" panose="020B0604020202020204" pitchFamily="34" charset="0"/>
-                <a:cs typeface="Arial" panose="020B0604020202020204" pitchFamily="34" charset="0"/>
-              </a:rPr>
-              <a:t>getParticipants</a:t>
-            </a:r>
-            <a:endParaRPr lang="en-US" sz="1200" dirty="0">
-              <a:latin typeface="Arial" panose="020B0604020202020204" pitchFamily="34" charset="0"/>
-              <a:cs typeface="Arial" panose="020B0604020202020204" pitchFamily="34" charset="0"/>
-            </a:endParaRPr>
-          </a:p>
-        </p:txBody>
-      </p:sp>
       <p:grpSp>
         <p:nvGrpSpPr>
           <p:cNvPr id="9" name="Group 8">
@@ -4423,51 +4540,6 @@
           </a:prstGeom>
         </p:spPr>
       </p:pic>
-      <p:sp>
-        <p:nvSpPr>
-          <p:cNvPr id="78" name="Rectangle 77">
-            <a:extLst>
-              <a:ext uri="{FF2B5EF4-FFF2-40B4-BE49-F238E27FC236}">
-                <a16:creationId xmlns:a16="http://schemas.microsoft.com/office/drawing/2014/main" id="{E434DD4D-3E84-0F4C-8688-8A7E5D78FAE0}"/>
-              </a:ext>
-            </a:extLst>
-          </p:cNvPr>
-          <p:cNvSpPr/>
-          <p:nvPr/>
-        </p:nvSpPr>
-        <p:spPr>
-          <a:xfrm>
-            <a:off x="3041151" y="4103753"/>
-            <a:ext cx="988925" cy="276999"/>
-          </a:xfrm>
-          <a:prstGeom prst="rect">
-            <a:avLst/>
-          </a:prstGeom>
-          <a:solidFill>
-            <a:schemeClr val="bg1"/>
-          </a:solidFill>
-          <a:ln w="38100">
-            <a:solidFill>
-              <a:srgbClr val="C00000"/>
-            </a:solidFill>
-          </a:ln>
-        </p:spPr>
-        <p:txBody>
-          <a:bodyPr wrap="none">
-            <a:spAutoFit/>
-          </a:bodyPr>
-          <a:lstStyle/>
-          <a:p>
-            <a:r>
-              <a:rPr lang="en-US" sz="1200" dirty="0">
-                <a:latin typeface="Arial" panose="020B0604020202020204" pitchFamily="34" charset="0"/>
-                <a:cs typeface="Arial" panose="020B0604020202020204" pitchFamily="34" charset="0"/>
-              </a:rPr>
-              <a:t>Future APIs</a:t>
-            </a:r>
-          </a:p>
-        </p:txBody>
-      </p:sp>
       <p:grpSp>
         <p:nvGrpSpPr>
           <p:cNvPr id="80" name="Group 79">
@@ -4960,104 +5032,6 @@
           </p:txBody>
         </p:sp>
       </p:grpSp>
-      <p:sp>
-        <p:nvSpPr>
-          <p:cNvPr id="113" name="Rectangle 112">
-            <a:extLst>
-              <a:ext uri="{FF2B5EF4-FFF2-40B4-BE49-F238E27FC236}">
-                <a16:creationId xmlns:a16="http://schemas.microsoft.com/office/drawing/2014/main" id="{C4341477-B53B-5C4F-AEA9-F3320DCC97BE}"/>
-              </a:ext>
-            </a:extLst>
-          </p:cNvPr>
-          <p:cNvSpPr/>
-          <p:nvPr/>
-        </p:nvSpPr>
-        <p:spPr>
-          <a:xfrm>
-            <a:off x="3041151" y="2272230"/>
-            <a:ext cx="1300356" cy="276999"/>
-          </a:xfrm>
-          <a:prstGeom prst="rect">
-            <a:avLst/>
-          </a:prstGeom>
-          <a:solidFill>
-            <a:schemeClr val="bg1"/>
-          </a:solidFill>
-          <a:ln w="38100">
-            <a:solidFill>
-              <a:srgbClr val="00B050"/>
-            </a:solidFill>
-          </a:ln>
-        </p:spPr>
-        <p:txBody>
-          <a:bodyPr wrap="none">
-            <a:spAutoFit/>
-          </a:bodyPr>
-          <a:lstStyle/>
-          <a:p>
-            <a:r>
-              <a:rPr lang="en-US" sz="1200" dirty="0" err="1">
-                <a:latin typeface="Arial" panose="020B0604020202020204" pitchFamily="34" charset="0"/>
-                <a:cs typeface="Arial" panose="020B0604020202020204" pitchFamily="34" charset="0"/>
-              </a:rPr>
-              <a:t>validateSiteUser</a:t>
-            </a:r>
-            <a:endParaRPr lang="en-US" sz="1200" dirty="0">
-              <a:latin typeface="Arial" panose="020B0604020202020204" pitchFamily="34" charset="0"/>
-              <a:cs typeface="Arial" panose="020B0604020202020204" pitchFamily="34" charset="0"/>
-            </a:endParaRPr>
-          </a:p>
-        </p:txBody>
-      </p:sp>
-      <p:sp>
-        <p:nvSpPr>
-          <p:cNvPr id="118" name="Rectangle 117">
-            <a:extLst>
-              <a:ext uri="{FF2B5EF4-FFF2-40B4-BE49-F238E27FC236}">
-                <a16:creationId xmlns:a16="http://schemas.microsoft.com/office/drawing/2014/main" id="{6D1D19BE-9657-A349-9097-F04C4F096CFF}"/>
-              </a:ext>
-            </a:extLst>
-          </p:cNvPr>
-          <p:cNvSpPr/>
-          <p:nvPr/>
-        </p:nvSpPr>
-        <p:spPr>
-          <a:xfrm>
-            <a:off x="3041151" y="2636189"/>
-            <a:ext cx="1394934" cy="276999"/>
-          </a:xfrm>
-          <a:prstGeom prst="rect">
-            <a:avLst/>
-          </a:prstGeom>
-          <a:solidFill>
-            <a:schemeClr val="bg1"/>
-          </a:solidFill>
-          <a:ln w="38100">
-            <a:solidFill>
-              <a:srgbClr val="00B050"/>
-            </a:solidFill>
-          </a:ln>
-        </p:spPr>
-        <p:txBody>
-          <a:bodyPr wrap="none">
-            <a:spAutoFit/>
-          </a:bodyPr>
-          <a:lstStyle/>
-          <a:p>
-            <a:r>
-              <a:rPr lang="en-US" sz="1200" dirty="0" err="1">
-                <a:latin typeface="Arial" panose="020B0604020202020204" pitchFamily="34" charset="0"/>
-                <a:cs typeface="Arial" panose="020B0604020202020204" pitchFamily="34" charset="0"/>
-              </a:rPr>
-              <a:t>identifyParticipant</a:t>
-            </a:r>
-            <a:endParaRPr lang="en-US" sz="1200" dirty="0">
-              <a:latin typeface="Arial" panose="020B0604020202020204" pitchFamily="34" charset="0"/>
-              <a:cs typeface="Arial" panose="020B0604020202020204" pitchFamily="34" charset="0"/>
-            </a:endParaRPr>
-          </a:p>
-        </p:txBody>
-      </p:sp>
       <p:cxnSp>
         <p:nvCxnSpPr>
           <p:cNvPr id="124" name="Elbow Connector 123">
@@ -5076,12 +5050,12 @@
         </p:nvCxnSpPr>
         <p:spPr>
           <a:xfrm rot="10800000">
-            <a:off x="4341508" y="2410731"/>
-            <a:ext cx="1689319" cy="2323625"/>
+            <a:off x="4341508" y="1855318"/>
+            <a:ext cx="3473539" cy="2963333"/>
           </a:xfrm>
           <a:prstGeom prst="bentConnector3">
             <a:avLst>
-              <a:gd name="adj1" fmla="val 50000"/>
+              <a:gd name="adj1" fmla="val 84125"/>
             </a:avLst>
           </a:prstGeom>
           <a:ln w="38100">
@@ -5124,12 +5098,12 @@
         </p:nvCxnSpPr>
         <p:spPr>
           <a:xfrm rot="10800000">
-            <a:off x="4197238" y="2047437"/>
-            <a:ext cx="1833589" cy="278973"/>
+            <a:off x="4197238" y="1492024"/>
+            <a:ext cx="1833589" cy="978581"/>
           </a:xfrm>
           <a:prstGeom prst="bentConnector3">
             <a:avLst>
-              <a:gd name="adj1" fmla="val 50000"/>
+              <a:gd name="adj1" fmla="val 51478"/>
             </a:avLst>
           </a:prstGeom>
           <a:ln w="38100">
@@ -5172,8 +5146,8 @@
         </p:nvCxnSpPr>
         <p:spPr>
           <a:xfrm rot="10800000">
-            <a:off x="4162548" y="1705169"/>
-            <a:ext cx="1868278" cy="621241"/>
+            <a:off x="4162548" y="1149756"/>
+            <a:ext cx="1868278" cy="1320849"/>
           </a:xfrm>
           <a:prstGeom prst="bentConnector3">
             <a:avLst>
@@ -5221,11 +5195,11 @@
         <p:spPr>
           <a:xfrm rot="10800000" flipV="1">
             <a:off x="4030076" y="3115417"/>
-            <a:ext cx="3786262" cy="1126836"/>
+            <a:ext cx="3784970" cy="1126836"/>
           </a:xfrm>
           <a:prstGeom prst="bentConnector3">
             <a:avLst>
-              <a:gd name="adj1" fmla="val 50000"/>
+              <a:gd name="adj1" fmla="val 7770"/>
             </a:avLst>
           </a:prstGeom>
           <a:ln w="38100">
@@ -5320,7 +5294,7 @@
           </a:xfrm>
           <a:prstGeom prst="bentConnector3">
             <a:avLst>
-              <a:gd name="adj1" fmla="val 50000"/>
+              <a:gd name="adj1" fmla="val 3466"/>
             </a:avLst>
           </a:prstGeom>
           <a:ln w="38100">
@@ -5368,7 +5342,7 @@
           </a:xfrm>
           <a:prstGeom prst="bentConnector3">
             <a:avLst>
-              <a:gd name="adj1" fmla="val 50000"/>
+              <a:gd name="adj1" fmla="val 3548"/>
             </a:avLst>
           </a:prstGeom>
           <a:ln w="38100">
@@ -5416,7 +5390,7 @@
           </a:xfrm>
           <a:prstGeom prst="bentConnector3">
             <a:avLst>
-              <a:gd name="adj1" fmla="val 50000"/>
+              <a:gd name="adj1" fmla="val 3428"/>
             </a:avLst>
           </a:prstGeom>
           <a:ln w="38100">
@@ -5455,7 +5429,7 @@
         </p:nvGrpSpPr>
         <p:grpSpPr>
           <a:xfrm>
-            <a:off x="7816338" y="2976916"/>
+            <a:off x="7815046" y="2976916"/>
             <a:ext cx="1371600" cy="939171"/>
             <a:chOff x="6015568" y="2573323"/>
             <a:chExt cx="1371600" cy="939171"/>
@@ -5606,10 +5580,10 @@
       </p:grpSp>
       <p:grpSp>
         <p:nvGrpSpPr>
-          <p:cNvPr id="4" name="Group 3">
-            <a:extLst>
-              <a:ext uri="{FF2B5EF4-FFF2-40B4-BE49-F238E27FC236}">
-                <a16:creationId xmlns:a16="http://schemas.microsoft.com/office/drawing/2014/main" id="{C33A828C-5AF1-B940-86F7-AF48DFE182FC}"/>
+          <p:cNvPr id="24" name="Group 23">
+            <a:extLst>
+              <a:ext uri="{FF2B5EF4-FFF2-40B4-BE49-F238E27FC236}">
+                <a16:creationId xmlns:a16="http://schemas.microsoft.com/office/drawing/2014/main" id="{597BE79D-D474-4C4E-A208-E65EDE09D399}"/>
               </a:ext>
             </a:extLst>
           </p:cNvPr>
@@ -5618,10 +5592,10 @@
         </p:nvGrpSpPr>
         <p:grpSpPr>
           <a:xfrm>
-            <a:off x="6030826" y="4139995"/>
-            <a:ext cx="1371600" cy="1188720"/>
-            <a:chOff x="6015568" y="2573324"/>
-            <a:chExt cx="1371600" cy="1188720"/>
+            <a:off x="7815046" y="4308585"/>
+            <a:ext cx="1371600" cy="1020129"/>
+            <a:chOff x="6030826" y="4308585"/>
+            <a:chExt cx="1371600" cy="1020129"/>
           </a:xfrm>
         </p:grpSpPr>
         <p:sp>
@@ -5638,8 +5612,8 @@
           </p:nvSpPr>
           <p:spPr>
             <a:xfrm>
-              <a:off x="6015568" y="2573324"/>
-              <a:ext cx="1371600" cy="1188720"/>
+              <a:off x="6030826" y="4308585"/>
+              <a:ext cx="1371600" cy="1020129"/>
             </a:xfrm>
             <a:prstGeom prst="rect">
               <a:avLst/>
@@ -5689,7 +5663,7 @@
           </p:nvSpPr>
           <p:spPr>
             <a:xfrm>
-              <a:off x="6022906" y="2573324"/>
+              <a:off x="6034495" y="4318858"/>
               <a:ext cx="1364262" cy="276999"/>
             </a:xfrm>
             <a:prstGeom prst="rect">
@@ -5733,7 +5707,7 @@
           </p:nvSpPr>
           <p:spPr>
             <a:xfrm>
-              <a:off x="6129384" y="2864765"/>
+              <a:off x="6155928" y="4635148"/>
               <a:ext cx="1121397" cy="646331"/>
             </a:xfrm>
             <a:prstGeom prst="rect">
@@ -5809,332 +5783,242 @@
           </a:fontRef>
         </p:style>
       </p:cxnSp>
-      <p:grpSp>
-        <p:nvGrpSpPr>
-          <p:cNvPr id="214" name="Group 213">
-            <a:extLst>
-              <a:ext uri="{FF2B5EF4-FFF2-40B4-BE49-F238E27FC236}">
-                <a16:creationId xmlns:a16="http://schemas.microsoft.com/office/drawing/2014/main" id="{4C7D05CE-4D62-C74C-90A2-0BCC0066D283}"/>
-              </a:ext>
-            </a:extLst>
-          </p:cNvPr>
-          <p:cNvGrpSpPr/>
+      <p:sp>
+        <p:nvSpPr>
+          <p:cNvPr id="59" name="Rectangle 58">
+            <a:extLst>
+              <a:ext uri="{FF2B5EF4-FFF2-40B4-BE49-F238E27FC236}">
+                <a16:creationId xmlns:a16="http://schemas.microsoft.com/office/drawing/2014/main" id="{9C7CAED4-6918-3047-8A0B-7834A166C0BD}"/>
+              </a:ext>
+            </a:extLst>
+          </p:cNvPr>
+          <p:cNvSpPr/>
           <p:nvPr/>
-        </p:nvGrpSpPr>
-        <p:grpSpPr>
+        </p:nvSpPr>
+        <p:spPr>
           <a:xfrm>
             <a:off x="122407" y="3184919"/>
-            <a:ext cx="2254090" cy="1428035"/>
-            <a:chOff x="68023" y="5236459"/>
-            <a:chExt cx="2254090" cy="1428035"/>
+            <a:ext cx="2254090" cy="1863679"/>
           </a:xfrm>
-        </p:grpSpPr>
-        <p:grpSp>
-          <p:nvGrpSpPr>
-            <p:cNvPr id="73" name="Group 72">
-              <a:extLst>
-                <a:ext uri="{FF2B5EF4-FFF2-40B4-BE49-F238E27FC236}">
-                  <a16:creationId xmlns:a16="http://schemas.microsoft.com/office/drawing/2014/main" id="{3F6CE830-BFFA-7F4A-B2D2-1CA44CFED0A8}"/>
-                </a:ext>
-              </a:extLst>
-            </p:cNvPr>
-            <p:cNvGrpSpPr/>
-            <p:nvPr/>
-          </p:nvGrpSpPr>
-          <p:grpSpPr>
-            <a:xfrm>
-              <a:off x="68023" y="5236459"/>
-              <a:ext cx="2254090" cy="1428035"/>
-              <a:chOff x="6005397" y="3275189"/>
-              <a:chExt cx="1371600" cy="1230499"/>
-            </a:xfrm>
-          </p:grpSpPr>
-          <p:sp>
-            <p:nvSpPr>
-              <p:cNvPr id="59" name="Rectangle 58">
-                <a:extLst>
-                  <a:ext uri="{FF2B5EF4-FFF2-40B4-BE49-F238E27FC236}">
-                    <a16:creationId xmlns:a16="http://schemas.microsoft.com/office/drawing/2014/main" id="{9C7CAED4-6918-3047-8A0B-7834A166C0BD}"/>
-                  </a:ext>
-                </a:extLst>
-              </p:cNvPr>
-              <p:cNvSpPr/>
-              <p:nvPr/>
-            </p:nvSpPr>
-            <p:spPr>
-              <a:xfrm>
-                <a:off x="6005397" y="3275189"/>
-                <a:ext cx="1371600" cy="1230499"/>
-              </a:xfrm>
-              <a:prstGeom prst="rect">
-                <a:avLst/>
-              </a:prstGeom>
-              <a:solidFill>
-                <a:schemeClr val="bg1">
-                  <a:lumMod val="85000"/>
-                </a:schemeClr>
-              </a:solidFill>
-            </p:spPr>
-            <p:style>
-              <a:lnRef idx="2">
-                <a:schemeClr val="accent1">
-                  <a:shade val="50000"/>
-                </a:schemeClr>
-              </a:lnRef>
-              <a:fillRef idx="1">
-                <a:schemeClr val="accent1"/>
-              </a:fillRef>
-              <a:effectRef idx="0">
-                <a:schemeClr val="accent1"/>
-              </a:effectRef>
-              <a:fontRef idx="minor">
-                <a:schemeClr val="lt1"/>
-              </a:fontRef>
-            </p:style>
-            <p:txBody>
-              <a:bodyPr rtlCol="0" anchor="ctr"/>
-              <a:lstStyle/>
-              <a:p>
-                <a:pPr algn="ctr"/>
-                <a:endParaRPr lang="en-US" dirty="0"/>
-              </a:p>
-            </p:txBody>
-          </p:sp>
-          <p:sp>
-            <p:nvSpPr>
-              <p:cNvPr id="60" name="TextBox 59">
-                <a:extLst>
-                  <a:ext uri="{FF2B5EF4-FFF2-40B4-BE49-F238E27FC236}">
-                    <a16:creationId xmlns:a16="http://schemas.microsoft.com/office/drawing/2014/main" id="{1EC19A9E-07DD-C541-AB3E-EA7B77C5B325}"/>
-                  </a:ext>
-                </a:extLst>
-              </p:cNvPr>
-              <p:cNvSpPr txBox="1"/>
-              <p:nvPr/>
-            </p:nvSpPr>
-            <p:spPr>
-              <a:xfrm>
-                <a:off x="6006402" y="4263617"/>
-                <a:ext cx="1370594" cy="238683"/>
-              </a:xfrm>
-              <a:prstGeom prst="rect">
-                <a:avLst/>
-              </a:prstGeom>
-              <a:noFill/>
-            </p:spPr>
-            <p:txBody>
-              <a:bodyPr wrap="square" rtlCol="0">
-                <a:spAutoFit/>
-              </a:bodyPr>
-              <a:lstStyle/>
-              <a:p>
-                <a:pPr algn="ctr"/>
-                <a:r>
-                  <a:rPr lang="en-US" sz="1200" dirty="0">
-                    <a:solidFill>
-                      <a:schemeClr val="bg1">
-                        <a:lumMod val="50000"/>
-                      </a:schemeClr>
-                    </a:solidFill>
-                    <a:latin typeface="Arial" panose="020B0604020202020204" pitchFamily="34" charset="0"/>
-                    <a:cs typeface="Arial" panose="020B0604020202020204" pitchFamily="34" charset="0"/>
-                  </a:rPr>
-                  <a:t>IHCS</a:t>
-                </a:r>
-              </a:p>
-            </p:txBody>
-          </p:sp>
-        </p:grpSp>
-        <p:sp>
-          <p:nvSpPr>
-            <p:cNvPr id="85" name="Rectangle 84">
-              <a:extLst>
-                <a:ext uri="{FF2B5EF4-FFF2-40B4-BE49-F238E27FC236}">
-                  <a16:creationId xmlns:a16="http://schemas.microsoft.com/office/drawing/2014/main" id="{D9DB12F3-64E1-424A-8831-75D6C5240EAC}"/>
-                </a:ext>
-              </a:extLst>
-            </p:cNvPr>
-            <p:cNvSpPr/>
-            <p:nvPr/>
-          </p:nvSpPr>
-          <p:spPr>
-            <a:xfrm>
-              <a:off x="151027" y="5347783"/>
-              <a:ext cx="1321795" cy="276999"/>
-            </a:xfrm>
-            <a:prstGeom prst="rect">
-              <a:avLst/>
-            </a:prstGeom>
-            <a:solidFill>
-              <a:schemeClr val="bg1"/>
-            </a:solidFill>
-            <a:ln w="38100">
-              <a:solidFill>
-                <a:srgbClr val="FFC000"/>
-              </a:solidFill>
-            </a:ln>
-          </p:spPr>
-          <p:txBody>
-            <a:bodyPr wrap="square">
-              <a:spAutoFit/>
-            </a:bodyPr>
-            <a:lstStyle/>
-            <a:p>
-              <a:pPr algn="ctr"/>
-              <a:r>
-                <a:rPr lang="en-US" sz="1200" dirty="0">
-                  <a:latin typeface="Arial" panose="020B0604020202020204" pitchFamily="34" charset="0"/>
-                  <a:cs typeface="Arial" panose="020B0604020202020204" pitchFamily="34" charset="0"/>
-                </a:rPr>
-                <a:t>Get Token/pin</a:t>
-              </a:r>
-              <a:endParaRPr lang="en-US" sz="1200" dirty="0"/>
-            </a:p>
-          </p:txBody>
-        </p:sp>
-        <p:sp>
-          <p:nvSpPr>
-            <p:cNvPr id="99" name="Rectangle 98">
-              <a:extLst>
-                <a:ext uri="{FF2B5EF4-FFF2-40B4-BE49-F238E27FC236}">
-                  <a16:creationId xmlns:a16="http://schemas.microsoft.com/office/drawing/2014/main" id="{8AEA6F65-C95E-1944-A16D-4B494249491D}"/>
-                </a:ext>
-              </a:extLst>
-            </p:cNvPr>
-            <p:cNvSpPr/>
-            <p:nvPr/>
-          </p:nvSpPr>
-          <p:spPr>
-            <a:xfrm>
-              <a:off x="151027" y="5715455"/>
-              <a:ext cx="2004653" cy="276999"/>
-            </a:xfrm>
-            <a:prstGeom prst="rect">
-              <a:avLst/>
-            </a:prstGeom>
-            <a:solidFill>
-              <a:schemeClr val="bg1"/>
-            </a:solidFill>
-            <a:ln w="38100">
-              <a:solidFill>
-                <a:srgbClr val="FFC000"/>
-              </a:solidFill>
-            </a:ln>
-          </p:spPr>
-          <p:txBody>
-            <a:bodyPr wrap="square">
-              <a:spAutoFit/>
-            </a:bodyPr>
-            <a:lstStyle/>
-            <a:p>
-              <a:pPr algn="ctr"/>
-              <a:r>
-                <a:rPr lang="en-US" sz="1200" dirty="0">
-                  <a:latin typeface="Arial" panose="020B0604020202020204" pitchFamily="34" charset="0"/>
-                  <a:cs typeface="Arial" panose="020B0604020202020204" pitchFamily="34" charset="0"/>
-                </a:rPr>
-                <a:t>Get participant information</a:t>
-              </a:r>
-              <a:endParaRPr lang="en-US" sz="1200" dirty="0"/>
-            </a:p>
-          </p:txBody>
-        </p:sp>
-        <p:sp>
-          <p:nvSpPr>
-            <p:cNvPr id="198" name="Rectangle 197">
-              <a:extLst>
-                <a:ext uri="{FF2B5EF4-FFF2-40B4-BE49-F238E27FC236}">
-                  <a16:creationId xmlns:a16="http://schemas.microsoft.com/office/drawing/2014/main" id="{E174D9CE-61FB-434C-86F1-5CDA39A0D54F}"/>
-                </a:ext>
-              </a:extLst>
-            </p:cNvPr>
-            <p:cNvSpPr/>
-            <p:nvPr/>
-          </p:nvSpPr>
-          <p:spPr>
-            <a:xfrm>
-              <a:off x="151027" y="6083127"/>
-              <a:ext cx="1321796" cy="276999"/>
-            </a:xfrm>
-            <a:prstGeom prst="rect">
-              <a:avLst/>
-            </a:prstGeom>
-            <a:solidFill>
-              <a:schemeClr val="bg1"/>
-            </a:solidFill>
-            <a:ln w="38100">
-              <a:solidFill>
-                <a:srgbClr val="C00000"/>
-              </a:solidFill>
-            </a:ln>
-          </p:spPr>
-          <p:txBody>
-            <a:bodyPr wrap="square">
-              <a:spAutoFit/>
-            </a:bodyPr>
-            <a:lstStyle/>
-            <a:p>
-              <a:pPr algn="ctr"/>
-              <a:r>
-                <a:rPr lang="en-US" sz="1200" dirty="0">
-                  <a:latin typeface="Arial" panose="020B0604020202020204" pitchFamily="34" charset="0"/>
-                  <a:cs typeface="Arial" panose="020B0604020202020204" pitchFamily="34" charset="0"/>
-                </a:rPr>
-                <a:t>Additional needs</a:t>
-              </a:r>
-              <a:endParaRPr lang="en-US" sz="1200" dirty="0"/>
-            </a:p>
-          </p:txBody>
-        </p:sp>
-      </p:grpSp>
-      <p:cxnSp>
-        <p:nvCxnSpPr>
-          <p:cNvPr id="202" name="Elbow Connector 201">
-            <a:extLst>
-              <a:ext uri="{FF2B5EF4-FFF2-40B4-BE49-F238E27FC236}">
-                <a16:creationId xmlns:a16="http://schemas.microsoft.com/office/drawing/2014/main" id="{C811549B-2B36-A84A-B858-0FB219CF429D}"/>
-              </a:ext>
-            </a:extLst>
-          </p:cNvPr>
-          <p:cNvCxnSpPr>
-            <a:cxnSpLocks/>
-            <a:stCxn id="198" idx="3"/>
-            <a:endCxn id="78" idx="1"/>
-          </p:cNvCxnSpPr>
-          <p:nvPr/>
-        </p:nvCxnSpPr>
-        <p:spPr>
-          <a:xfrm>
-            <a:off x="1527207" y="4170087"/>
-            <a:ext cx="1513944" cy="72166"/>
-          </a:xfrm>
-          <a:prstGeom prst="bentConnector3">
-            <a:avLst>
-              <a:gd name="adj1" fmla="val 50000"/>
-            </a:avLst>
+          <a:prstGeom prst="rect">
+            <a:avLst/>
           </a:prstGeom>
-          <a:ln w="38100">
-            <a:solidFill>
-              <a:srgbClr val="FF0000"/>
-            </a:solidFill>
-            <a:tailEnd type="triangle"/>
-          </a:ln>
+          <a:solidFill>
+            <a:schemeClr val="bg1">
+              <a:lumMod val="85000"/>
+            </a:schemeClr>
+          </a:solidFill>
         </p:spPr>
         <p:style>
-          <a:lnRef idx="1">
-            <a:schemeClr val="accent1"/>
+          <a:lnRef idx="2">
+            <a:schemeClr val="accent1">
+              <a:shade val="50000"/>
+            </a:schemeClr>
           </a:lnRef>
-          <a:fillRef idx="0">
+          <a:fillRef idx="1">
             <a:schemeClr val="accent1"/>
           </a:fillRef>
           <a:effectRef idx="0">
             <a:schemeClr val="accent1"/>
           </a:effectRef>
           <a:fontRef idx="minor">
-            <a:schemeClr val="tx1"/>
+            <a:schemeClr val="lt1"/>
           </a:fontRef>
         </p:style>
-      </p:cxnSp>
+        <p:txBody>
+          <a:bodyPr rtlCol="0" anchor="ctr"/>
+          <a:lstStyle/>
+          <a:p>
+            <a:pPr algn="ctr"/>
+            <a:endParaRPr lang="en-US" dirty="0"/>
+          </a:p>
+        </p:txBody>
+      </p:sp>
+      <p:sp>
+        <p:nvSpPr>
+          <p:cNvPr id="60" name="TextBox 59">
+            <a:extLst>
+              <a:ext uri="{FF2B5EF4-FFF2-40B4-BE49-F238E27FC236}">
+                <a16:creationId xmlns:a16="http://schemas.microsoft.com/office/drawing/2014/main" id="{1EC19A9E-07DD-C541-AB3E-EA7B77C5B325}"/>
+              </a:ext>
+            </a:extLst>
+          </p:cNvPr>
+          <p:cNvSpPr txBox="1"/>
+          <p:nvPr/>
+        </p:nvSpPr>
+        <p:spPr>
+          <a:xfrm>
+            <a:off x="124059" y="4759527"/>
+            <a:ext cx="2252438" cy="283940"/>
+          </a:xfrm>
+          <a:prstGeom prst="rect">
+            <a:avLst/>
+          </a:prstGeom>
+          <a:noFill/>
+        </p:spPr>
+        <p:txBody>
+          <a:bodyPr wrap="square" rtlCol="0">
+            <a:spAutoFit/>
+          </a:bodyPr>
+          <a:lstStyle/>
+          <a:p>
+            <a:pPr algn="ctr"/>
+            <a:r>
+              <a:rPr lang="en-US" sz="1200" dirty="0">
+                <a:solidFill>
+                  <a:schemeClr val="bg1">
+                    <a:lumMod val="50000"/>
+                  </a:schemeClr>
+                </a:solidFill>
+                <a:latin typeface="Arial" panose="020B0604020202020204" pitchFamily="34" charset="0"/>
+                <a:cs typeface="Arial" panose="020B0604020202020204" pitchFamily="34" charset="0"/>
+              </a:rPr>
+              <a:t>IHCS</a:t>
+            </a:r>
+          </a:p>
+        </p:txBody>
+      </p:sp>
+      <p:sp>
+        <p:nvSpPr>
+          <p:cNvPr id="85" name="Rectangle 84">
+            <a:extLst>
+              <a:ext uri="{FF2B5EF4-FFF2-40B4-BE49-F238E27FC236}">
+                <a16:creationId xmlns:a16="http://schemas.microsoft.com/office/drawing/2014/main" id="{D9DB12F3-64E1-424A-8831-75D6C5240EAC}"/>
+              </a:ext>
+            </a:extLst>
+          </p:cNvPr>
+          <p:cNvSpPr/>
+          <p:nvPr/>
+        </p:nvSpPr>
+        <p:spPr>
+          <a:xfrm>
+            <a:off x="205411" y="3296243"/>
+            <a:ext cx="1321795" cy="276999"/>
+          </a:xfrm>
+          <a:prstGeom prst="rect">
+            <a:avLst/>
+          </a:prstGeom>
+          <a:solidFill>
+            <a:schemeClr val="bg1"/>
+          </a:solidFill>
+          <a:ln w="38100">
+            <a:solidFill>
+              <a:srgbClr val="FFC000"/>
+            </a:solidFill>
+          </a:ln>
+        </p:spPr>
+        <p:txBody>
+          <a:bodyPr wrap="square">
+            <a:spAutoFit/>
+          </a:bodyPr>
+          <a:lstStyle/>
+          <a:p>
+            <a:pPr algn="ctr"/>
+            <a:r>
+              <a:rPr lang="en-US" sz="1200" dirty="0">
+                <a:latin typeface="Arial" panose="020B0604020202020204" pitchFamily="34" charset="0"/>
+                <a:cs typeface="Arial" panose="020B0604020202020204" pitchFamily="34" charset="0"/>
+              </a:rPr>
+              <a:t>Get Token/pin</a:t>
+            </a:r>
+            <a:endParaRPr lang="en-US" sz="1200" dirty="0"/>
+          </a:p>
+        </p:txBody>
+      </p:sp>
+      <p:sp>
+        <p:nvSpPr>
+          <p:cNvPr id="99" name="Rectangle 98">
+            <a:extLst>
+              <a:ext uri="{FF2B5EF4-FFF2-40B4-BE49-F238E27FC236}">
+                <a16:creationId xmlns:a16="http://schemas.microsoft.com/office/drawing/2014/main" id="{8AEA6F65-C95E-1944-A16D-4B494249491D}"/>
+              </a:ext>
+            </a:extLst>
+          </p:cNvPr>
+          <p:cNvSpPr/>
+          <p:nvPr/>
+        </p:nvSpPr>
+        <p:spPr>
+          <a:xfrm>
+            <a:off x="205411" y="3663915"/>
+            <a:ext cx="2004653" cy="276999"/>
+          </a:xfrm>
+          <a:prstGeom prst="rect">
+            <a:avLst/>
+          </a:prstGeom>
+          <a:solidFill>
+            <a:schemeClr val="bg1"/>
+          </a:solidFill>
+          <a:ln w="38100">
+            <a:solidFill>
+              <a:srgbClr val="FFC000"/>
+            </a:solidFill>
+          </a:ln>
+        </p:spPr>
+        <p:txBody>
+          <a:bodyPr wrap="square">
+            <a:spAutoFit/>
+          </a:bodyPr>
+          <a:lstStyle/>
+          <a:p>
+            <a:pPr algn="ctr"/>
+            <a:r>
+              <a:rPr lang="en-US" sz="1200" dirty="0">
+                <a:latin typeface="Arial" panose="020B0604020202020204" pitchFamily="34" charset="0"/>
+                <a:cs typeface="Arial" panose="020B0604020202020204" pitchFamily="34" charset="0"/>
+              </a:rPr>
+              <a:t>Get participant information</a:t>
+            </a:r>
+            <a:endParaRPr lang="en-US" sz="1200" dirty="0"/>
+          </a:p>
+        </p:txBody>
+      </p:sp>
+      <p:sp>
+        <p:nvSpPr>
+          <p:cNvPr id="198" name="Rectangle 197">
+            <a:extLst>
+              <a:ext uri="{FF2B5EF4-FFF2-40B4-BE49-F238E27FC236}">
+                <a16:creationId xmlns:a16="http://schemas.microsoft.com/office/drawing/2014/main" id="{E174D9CE-61FB-434C-86F1-5CDA39A0D54F}"/>
+              </a:ext>
+            </a:extLst>
+          </p:cNvPr>
+          <p:cNvSpPr/>
+          <p:nvPr/>
+        </p:nvSpPr>
+        <p:spPr>
+          <a:xfrm>
+            <a:off x="205411" y="4432192"/>
+            <a:ext cx="1321796" cy="276999"/>
+          </a:xfrm>
+          <a:prstGeom prst="rect">
+            <a:avLst/>
+          </a:prstGeom>
+          <a:solidFill>
+            <a:schemeClr val="bg1"/>
+          </a:solidFill>
+          <a:ln w="38100">
+            <a:solidFill>
+              <a:srgbClr val="C00000"/>
+            </a:solidFill>
+          </a:ln>
+        </p:spPr>
+        <p:txBody>
+          <a:bodyPr wrap="square">
+            <a:spAutoFit/>
+          </a:bodyPr>
+          <a:lstStyle/>
+          <a:p>
+            <a:pPr algn="ctr"/>
+            <a:r>
+              <a:rPr lang="en-US" sz="1200" dirty="0">
+                <a:latin typeface="Arial" panose="020B0604020202020204" pitchFamily="34" charset="0"/>
+                <a:cs typeface="Arial" panose="020B0604020202020204" pitchFamily="34" charset="0"/>
+              </a:rPr>
+              <a:t>Additional needs</a:t>
+            </a:r>
+            <a:endParaRPr lang="en-US" sz="1200" dirty="0"/>
+          </a:p>
+        </p:txBody>
+      </p:sp>
       <p:cxnSp>
         <p:nvCxnSpPr>
           <p:cNvPr id="120" name="Elbow Connector 119">
@@ -6153,108 +6037,12 @@
         </p:nvCxnSpPr>
         <p:spPr>
           <a:xfrm rot="10800000">
-            <a:off x="4436086" y="2774689"/>
-            <a:ext cx="1594741" cy="1959666"/>
+            <a:off x="4436086" y="2219276"/>
+            <a:ext cx="3378961" cy="2599374"/>
           </a:xfrm>
           <a:prstGeom prst="bentConnector3">
             <a:avLst>
-              <a:gd name="adj1" fmla="val 50000"/>
-            </a:avLst>
-          </a:prstGeom>
-          <a:ln w="38100">
-            <a:solidFill>
-              <a:srgbClr val="00B050"/>
-            </a:solidFill>
-            <a:tailEnd type="triangle"/>
-          </a:ln>
-        </p:spPr>
-        <p:style>
-          <a:lnRef idx="1">
-            <a:schemeClr val="accent1"/>
-          </a:lnRef>
-          <a:fillRef idx="0">
-            <a:schemeClr val="accent1"/>
-          </a:fillRef>
-          <a:effectRef idx="0">
-            <a:schemeClr val="accent1"/>
-          </a:effectRef>
-          <a:fontRef idx="minor">
-            <a:schemeClr val="tx1"/>
-          </a:fontRef>
-        </p:style>
-      </p:cxnSp>
-      <p:cxnSp>
-        <p:nvCxnSpPr>
-          <p:cNvPr id="13" name="Elbow Connector 12">
-            <a:extLst>
-              <a:ext uri="{FF2B5EF4-FFF2-40B4-BE49-F238E27FC236}">
-                <a16:creationId xmlns:a16="http://schemas.microsoft.com/office/drawing/2014/main" id="{E49B0032-3016-664A-95A5-8B685B7ED4D2}"/>
-              </a:ext>
-            </a:extLst>
-          </p:cNvPr>
-          <p:cNvCxnSpPr>
-            <a:cxnSpLocks/>
-            <a:stCxn id="85" idx="3"/>
-            <a:endCxn id="26" idx="1"/>
-          </p:cNvCxnSpPr>
-          <p:nvPr/>
-        </p:nvCxnSpPr>
-        <p:spPr>
-          <a:xfrm flipV="1">
-            <a:off x="1527206" y="3101038"/>
-            <a:ext cx="1513945" cy="333705"/>
-          </a:xfrm>
-          <a:prstGeom prst="bentConnector3">
-            <a:avLst>
-              <a:gd name="adj1" fmla="val 50000"/>
-            </a:avLst>
-          </a:prstGeom>
-          <a:ln w="38100">
-            <a:solidFill>
-              <a:srgbClr val="00B050"/>
-            </a:solidFill>
-            <a:tailEnd type="triangle"/>
-          </a:ln>
-        </p:spPr>
-        <p:style>
-          <a:lnRef idx="1">
-            <a:schemeClr val="accent1"/>
-          </a:lnRef>
-          <a:fillRef idx="0">
-            <a:schemeClr val="accent1"/>
-          </a:fillRef>
-          <a:effectRef idx="0">
-            <a:schemeClr val="accent1"/>
-          </a:effectRef>
-          <a:fontRef idx="minor">
-            <a:schemeClr val="tx1"/>
-          </a:fontRef>
-        </p:style>
-      </p:cxnSp>
-      <p:cxnSp>
-        <p:nvCxnSpPr>
-          <p:cNvPr id="102" name="Elbow Connector 101">
-            <a:extLst>
-              <a:ext uri="{FF2B5EF4-FFF2-40B4-BE49-F238E27FC236}">
-                <a16:creationId xmlns:a16="http://schemas.microsoft.com/office/drawing/2014/main" id="{86185922-0933-6342-87AF-9A4AF02C1420}"/>
-              </a:ext>
-            </a:extLst>
-          </p:cNvPr>
-          <p:cNvCxnSpPr>
-            <a:cxnSpLocks/>
-            <a:stCxn id="99" idx="3"/>
-            <a:endCxn id="62" idx="1"/>
-          </p:cNvCxnSpPr>
-          <p:nvPr/>
-        </p:nvCxnSpPr>
-        <p:spPr>
-          <a:xfrm flipV="1">
-            <a:off x="2210064" y="3462496"/>
-            <a:ext cx="831087" cy="339919"/>
-          </a:xfrm>
-          <a:prstGeom prst="bentConnector3">
-            <a:avLst>
-              <a:gd name="adj1" fmla="val 50000"/>
+              <a:gd name="adj1" fmla="val 86483"/>
             </a:avLst>
           </a:prstGeom>
           <a:ln w="38100">
@@ -6281,10 +6069,10 @@
       </p:cxnSp>
       <p:grpSp>
         <p:nvGrpSpPr>
-          <p:cNvPr id="245" name="Group 244">
-            <a:extLst>
-              <a:ext uri="{FF2B5EF4-FFF2-40B4-BE49-F238E27FC236}">
-                <a16:creationId xmlns:a16="http://schemas.microsoft.com/office/drawing/2014/main" id="{9EE8FB3E-3699-2543-A973-938D30BE3995}"/>
+          <p:cNvPr id="133" name="Group 132">
+            <a:extLst>
+              <a:ext uri="{FF2B5EF4-FFF2-40B4-BE49-F238E27FC236}">
+                <a16:creationId xmlns:a16="http://schemas.microsoft.com/office/drawing/2014/main" id="{109EE45E-6575-2E42-A2E5-27D3BD74437A}"/>
               </a:ext>
             </a:extLst>
           </p:cNvPr>
@@ -6293,10 +6081,10 @@
         </p:nvGrpSpPr>
         <p:grpSpPr>
           <a:xfrm>
-            <a:off x="122410" y="5112694"/>
-            <a:ext cx="1531783" cy="1680552"/>
-            <a:chOff x="122410" y="5112694"/>
-            <a:chExt cx="1531783" cy="1680552"/>
+            <a:off x="122410" y="5643892"/>
+            <a:ext cx="1531783" cy="1149354"/>
+            <a:chOff x="122410" y="5643892"/>
+            <a:chExt cx="1531783" cy="1149354"/>
           </a:xfrm>
         </p:grpSpPr>
         <p:sp>
@@ -6313,8 +6101,8 @@
           </p:nvSpPr>
           <p:spPr>
             <a:xfrm>
-              <a:off x="155448" y="5112694"/>
-              <a:ext cx="1463041" cy="1680552"/>
+              <a:off x="155448" y="5643892"/>
+              <a:ext cx="1463041" cy="1149353"/>
             </a:xfrm>
             <a:prstGeom prst="rect">
               <a:avLst/>
@@ -6408,7 +6196,7 @@
           </p:nvSpPr>
           <p:spPr>
             <a:xfrm>
-              <a:off x="209832" y="5275685"/>
+              <a:off x="209832" y="5755173"/>
               <a:ext cx="1321796" cy="276999"/>
             </a:xfrm>
             <a:prstGeom prst="rect">
@@ -6460,12 +6248,12 @@
         </p:nvCxnSpPr>
         <p:spPr>
           <a:xfrm rot="5400000" flipH="1" flipV="1">
-            <a:off x="1755706" y="3495777"/>
-            <a:ext cx="894933" cy="2664884"/>
+            <a:off x="1515962" y="3735521"/>
+            <a:ext cx="1374421" cy="2664884"/>
           </a:xfrm>
           <a:prstGeom prst="bentConnector3">
             <a:avLst>
-              <a:gd name="adj1" fmla="val 50000"/>
+              <a:gd name="adj1" fmla="val 18121"/>
             </a:avLst>
           </a:prstGeom>
           <a:ln w="38100">
@@ -6492,10 +6280,10 @@
       </p:cxnSp>
       <p:grpSp>
         <p:nvGrpSpPr>
-          <p:cNvPr id="246" name="Group 245">
-            <a:extLst>
-              <a:ext uri="{FF2B5EF4-FFF2-40B4-BE49-F238E27FC236}">
-                <a16:creationId xmlns:a16="http://schemas.microsoft.com/office/drawing/2014/main" id="{80B6BB1A-1885-274A-85BE-893819DA0EBF}"/>
+          <p:cNvPr id="134" name="Group 133">
+            <a:extLst>
+              <a:ext uri="{FF2B5EF4-FFF2-40B4-BE49-F238E27FC236}">
+                <a16:creationId xmlns:a16="http://schemas.microsoft.com/office/drawing/2014/main" id="{072C0E2B-D814-AF48-8BF9-E82CA6CB809D}"/>
               </a:ext>
             </a:extLst>
           </p:cNvPr>
@@ -6504,10 +6292,10 @@
         </p:nvGrpSpPr>
         <p:grpSpPr>
           <a:xfrm>
-            <a:off x="1900745" y="5112694"/>
-            <a:ext cx="1511626" cy="1680551"/>
-            <a:chOff x="2440669" y="5112694"/>
-            <a:chExt cx="1511626" cy="1680551"/>
+            <a:off x="1900745" y="5643893"/>
+            <a:ext cx="1511626" cy="1149352"/>
+            <a:chOff x="1900745" y="5643893"/>
+            <a:chExt cx="1511626" cy="1149352"/>
           </a:xfrm>
         </p:grpSpPr>
         <p:sp>
@@ -6524,8 +6312,8 @@
           </p:nvSpPr>
           <p:spPr>
             <a:xfrm>
-              <a:off x="2440669" y="5112694"/>
-              <a:ext cx="1463040" cy="1680551"/>
+              <a:off x="1900745" y="5643893"/>
+              <a:ext cx="1463040" cy="1149352"/>
             </a:xfrm>
             <a:prstGeom prst="rect">
               <a:avLst/>
@@ -6575,7 +6363,7 @@
           </p:nvSpPr>
           <p:spPr>
             <a:xfrm>
-              <a:off x="2442771" y="6331580"/>
+              <a:off x="1902847" y="6331580"/>
               <a:ext cx="1509524" cy="461665"/>
             </a:xfrm>
             <a:prstGeom prst="rect">
@@ -6619,170 +6407,7 @@
           </p:nvSpPr>
           <p:spPr>
             <a:xfrm>
-              <a:off x="2525067" y="5275685"/>
-              <a:ext cx="1321796" cy="276999"/>
-            </a:xfrm>
-            <a:prstGeom prst="rect">
-              <a:avLst/>
-            </a:prstGeom>
-            <a:solidFill>
-              <a:schemeClr val="bg1"/>
-            </a:solidFill>
-            <a:ln w="38100">
-              <a:solidFill>
-                <a:srgbClr val="C00000"/>
-              </a:solidFill>
-            </a:ln>
-          </p:spPr>
-          <p:txBody>
-            <a:bodyPr wrap="square">
-              <a:spAutoFit/>
-            </a:bodyPr>
-            <a:lstStyle/>
-            <a:p>
-              <a:pPr algn="ctr"/>
-              <a:r>
-                <a:rPr lang="en-US" sz="1200" dirty="0">
-                  <a:latin typeface="Arial" panose="020B0604020202020204" pitchFamily="34" charset="0"/>
-                  <a:cs typeface="Arial" panose="020B0604020202020204" pitchFamily="34" charset="0"/>
-                </a:rPr>
-                <a:t>Additional needs</a:t>
-              </a:r>
-              <a:endParaRPr lang="en-US" sz="1200" dirty="0"/>
-            </a:p>
-          </p:txBody>
-        </p:sp>
-      </p:grpSp>
-      <p:grpSp>
-        <p:nvGrpSpPr>
-          <p:cNvPr id="247" name="Group 246">
-            <a:extLst>
-              <a:ext uri="{FF2B5EF4-FFF2-40B4-BE49-F238E27FC236}">
-                <a16:creationId xmlns:a16="http://schemas.microsoft.com/office/drawing/2014/main" id="{D3DC80C1-BAE8-7A42-B6AE-D6E831315ED3}"/>
-              </a:ext>
-            </a:extLst>
-          </p:cNvPr>
-          <p:cNvGrpSpPr/>
-          <p:nvPr/>
-        </p:nvGrpSpPr>
-        <p:grpSpPr>
-          <a:xfrm>
-            <a:off x="3658922" y="5112694"/>
-            <a:ext cx="1463039" cy="1680552"/>
-            <a:chOff x="4186956" y="5112694"/>
-            <a:chExt cx="1463039" cy="1680552"/>
-          </a:xfrm>
-        </p:grpSpPr>
-        <p:sp>
-          <p:nvSpPr>
-            <p:cNvPr id="227" name="Rectangle 226">
-              <a:extLst>
-                <a:ext uri="{FF2B5EF4-FFF2-40B4-BE49-F238E27FC236}">
-                  <a16:creationId xmlns:a16="http://schemas.microsoft.com/office/drawing/2014/main" id="{F41CA851-BA55-0C45-83A8-061F166F3408}"/>
-                </a:ext>
-              </a:extLst>
-            </p:cNvPr>
-            <p:cNvSpPr/>
-            <p:nvPr/>
-          </p:nvSpPr>
-          <p:spPr>
-            <a:xfrm>
-              <a:off x="4186956" y="5112694"/>
-              <a:ext cx="1463039" cy="1680552"/>
-            </a:xfrm>
-            <a:prstGeom prst="rect">
-              <a:avLst/>
-            </a:prstGeom>
-            <a:solidFill>
-              <a:schemeClr val="bg1">
-                <a:lumMod val="85000"/>
-              </a:schemeClr>
-            </a:solidFill>
-          </p:spPr>
-          <p:style>
-            <a:lnRef idx="2">
-              <a:schemeClr val="accent1">
-                <a:shade val="50000"/>
-              </a:schemeClr>
-            </a:lnRef>
-            <a:fillRef idx="1">
-              <a:schemeClr val="accent1"/>
-            </a:fillRef>
-            <a:effectRef idx="0">
-              <a:schemeClr val="accent1"/>
-            </a:effectRef>
-            <a:fontRef idx="minor">
-              <a:schemeClr val="lt1"/>
-            </a:fontRef>
-          </p:style>
-          <p:txBody>
-            <a:bodyPr rtlCol="0" anchor="ctr"/>
-            <a:lstStyle/>
-            <a:p>
-              <a:pPr algn="ctr"/>
-              <a:endParaRPr lang="en-US" dirty="0"/>
-            </a:p>
-          </p:txBody>
-        </p:sp>
-        <p:sp>
-          <p:nvSpPr>
-            <p:cNvPr id="228" name="TextBox 227">
-              <a:extLst>
-                <a:ext uri="{FF2B5EF4-FFF2-40B4-BE49-F238E27FC236}">
-                  <a16:creationId xmlns:a16="http://schemas.microsoft.com/office/drawing/2014/main" id="{B146FEE7-C19E-354D-8DE0-8FF8991ECB06}"/>
-                </a:ext>
-              </a:extLst>
-            </p:cNvPr>
-            <p:cNvSpPr txBox="1"/>
-            <p:nvPr/>
-          </p:nvSpPr>
-          <p:spPr>
-            <a:xfrm>
-              <a:off x="4186956" y="6516246"/>
-              <a:ext cx="1463039" cy="277000"/>
-            </a:xfrm>
-            <a:prstGeom prst="rect">
-              <a:avLst/>
-            </a:prstGeom>
-            <a:noFill/>
-          </p:spPr>
-          <p:txBody>
-            <a:bodyPr wrap="square" rtlCol="0">
-              <a:spAutoFit/>
-            </a:bodyPr>
-            <a:lstStyle/>
-            <a:p>
-              <a:pPr algn="ctr"/>
-              <a:r>
-                <a:rPr lang="en-US" sz="1200" dirty="0">
-                  <a:solidFill>
-                    <a:schemeClr val="bg1">
-                      <a:lumMod val="50000"/>
-                    </a:schemeClr>
-                  </a:solidFill>
-                  <a:latin typeface="Arial" panose="020B0604020202020204" pitchFamily="34" charset="0"/>
-                  <a:cs typeface="Arial" panose="020B0604020202020204" pitchFamily="34" charset="0"/>
-                </a:rPr>
-                <a:t>NCI Biorepository</a:t>
-              </a:r>
-            </a:p>
-          </p:txBody>
-        </p:sp>
-        <p:sp>
-          <p:nvSpPr>
-            <p:cNvPr id="230" name="Rectangle 229">
-              <a:extLst>
-                <a:ext uri="{FF2B5EF4-FFF2-40B4-BE49-F238E27FC236}">
-                  <a16:creationId xmlns:a16="http://schemas.microsoft.com/office/drawing/2014/main" id="{208EDB13-3ABA-DC44-80E6-5608632BDE67}"/>
-                </a:ext>
-              </a:extLst>
-            </p:cNvPr>
-            <p:cNvSpPr/>
-            <p:nvPr/>
-          </p:nvSpPr>
-          <p:spPr>
-            <a:xfrm>
-              <a:off x="4264208" y="5275685"/>
+              <a:off x="1989991" y="5755173"/>
               <a:ext cx="1321796" cy="276999"/>
             </a:xfrm>
             <a:prstGeom prst="rect">
@@ -6818,54 +6443,6 @@
       </p:grpSp>
       <p:cxnSp>
         <p:nvCxnSpPr>
-          <p:cNvPr id="231" name="Elbow Connector 230">
-            <a:extLst>
-              <a:ext uri="{FF2B5EF4-FFF2-40B4-BE49-F238E27FC236}">
-                <a16:creationId xmlns:a16="http://schemas.microsoft.com/office/drawing/2014/main" id="{9D61D727-6D19-A04F-8A07-3D0321CEE030}"/>
-              </a:ext>
-            </a:extLst>
-          </p:cNvPr>
-          <p:cNvCxnSpPr>
-            <a:cxnSpLocks/>
-            <a:stCxn id="230" idx="0"/>
-            <a:endCxn id="78" idx="2"/>
-          </p:cNvCxnSpPr>
-          <p:nvPr/>
-        </p:nvCxnSpPr>
-        <p:spPr>
-          <a:xfrm rot="16200000" flipV="1">
-            <a:off x="3518877" y="4397490"/>
-            <a:ext cx="894933" cy="861458"/>
-          </a:xfrm>
-          <a:prstGeom prst="bentConnector3">
-            <a:avLst>
-              <a:gd name="adj1" fmla="val 50000"/>
-            </a:avLst>
-          </a:prstGeom>
-          <a:ln w="38100">
-            <a:solidFill>
-              <a:srgbClr val="FF0000"/>
-            </a:solidFill>
-            <a:tailEnd type="triangle"/>
-          </a:ln>
-        </p:spPr>
-        <p:style>
-          <a:lnRef idx="1">
-            <a:schemeClr val="accent1"/>
-          </a:lnRef>
-          <a:fillRef idx="0">
-            <a:schemeClr val="accent1"/>
-          </a:fillRef>
-          <a:effectRef idx="0">
-            <a:schemeClr val="accent1"/>
-          </a:effectRef>
-          <a:fontRef idx="minor">
-            <a:schemeClr val="tx1"/>
-          </a:fontRef>
-        </p:style>
-      </p:cxnSp>
-      <p:cxnSp>
-        <p:nvCxnSpPr>
           <p:cNvPr id="235" name="Elbow Connector 234">
             <a:extLst>
               <a:ext uri="{FF2B5EF4-FFF2-40B4-BE49-F238E27FC236}">
@@ -6882,12 +6459,12 @@
         </p:nvCxnSpPr>
         <p:spPr>
           <a:xfrm rot="5400000" flipH="1" flipV="1">
-            <a:off x="2643361" y="4383433"/>
-            <a:ext cx="894933" cy="889573"/>
+            <a:off x="2406041" y="4625601"/>
+            <a:ext cx="1374421" cy="884725"/>
           </a:xfrm>
           <a:prstGeom prst="bentConnector3">
             <a:avLst>
-              <a:gd name="adj1" fmla="val 50000"/>
+              <a:gd name="adj1" fmla="val 17659"/>
             </a:avLst>
           </a:prstGeom>
           <a:ln w="38100">
@@ -6926,7 +6503,7 @@
         </p:nvGrpSpPr>
         <p:grpSpPr>
           <a:xfrm>
-            <a:off x="7816338" y="632625"/>
+            <a:off x="7815046" y="632625"/>
             <a:ext cx="1371600" cy="2198293"/>
             <a:chOff x="7845289" y="361073"/>
             <a:chExt cx="1371600" cy="2198293"/>
@@ -7310,477 +6887,6 @@
           </p:txBody>
         </p:sp>
       </p:grpSp>
-      <p:sp>
-        <p:nvSpPr>
-          <p:cNvPr id="25" name="Rectangle 24">
-            <a:extLst>
-              <a:ext uri="{FF2B5EF4-FFF2-40B4-BE49-F238E27FC236}">
-                <a16:creationId xmlns:a16="http://schemas.microsoft.com/office/drawing/2014/main" id="{44E58876-C7DF-7748-879A-E8CFB7A88C90}"/>
-              </a:ext>
-            </a:extLst>
-          </p:cNvPr>
-          <p:cNvSpPr/>
-          <p:nvPr/>
-        </p:nvSpPr>
-        <p:spPr>
-          <a:xfrm>
-            <a:off x="6030826" y="632625"/>
-            <a:ext cx="1371600" cy="3387567"/>
-          </a:xfrm>
-          <a:prstGeom prst="rect">
-            <a:avLst/>
-          </a:prstGeom>
-          <a:solidFill>
-            <a:schemeClr val="bg1">
-              <a:lumMod val="85000"/>
-            </a:schemeClr>
-          </a:solidFill>
-        </p:spPr>
-        <p:style>
-          <a:lnRef idx="2">
-            <a:schemeClr val="accent1">
-              <a:shade val="50000"/>
-            </a:schemeClr>
-          </a:lnRef>
-          <a:fillRef idx="1">
-            <a:schemeClr val="accent1"/>
-          </a:fillRef>
-          <a:effectRef idx="0">
-            <a:schemeClr val="accent1"/>
-          </a:effectRef>
-          <a:fontRef idx="minor">
-            <a:schemeClr val="lt1"/>
-          </a:fontRef>
-        </p:style>
-        <p:txBody>
-          <a:bodyPr rtlCol="0" anchor="ctr"/>
-          <a:lstStyle/>
-          <a:p>
-            <a:pPr algn="ctr"/>
-            <a:endParaRPr lang="en-US" dirty="0"/>
-          </a:p>
-        </p:txBody>
-      </p:sp>
-      <p:sp>
-        <p:nvSpPr>
-          <p:cNvPr id="27" name="TextBox 26">
-            <a:extLst>
-              <a:ext uri="{FF2B5EF4-FFF2-40B4-BE49-F238E27FC236}">
-                <a16:creationId xmlns:a16="http://schemas.microsoft.com/office/drawing/2014/main" id="{C216CB91-04EF-114E-848E-934101196852}"/>
-              </a:ext>
-            </a:extLst>
-          </p:cNvPr>
-          <p:cNvSpPr txBox="1"/>
-          <p:nvPr/>
-        </p:nvSpPr>
-        <p:spPr>
-          <a:xfrm>
-            <a:off x="6034495" y="632625"/>
-            <a:ext cx="1364262" cy="276999"/>
-          </a:xfrm>
-          <a:prstGeom prst="rect">
-            <a:avLst/>
-          </a:prstGeom>
-          <a:noFill/>
-        </p:spPr>
-        <p:txBody>
-          <a:bodyPr wrap="square" rtlCol="0">
-            <a:spAutoFit/>
-          </a:bodyPr>
-          <a:lstStyle/>
-          <a:p>
-            <a:pPr algn="ctr"/>
-            <a:r>
-              <a:rPr lang="en-US" sz="1200" dirty="0">
-                <a:solidFill>
-                  <a:schemeClr val="bg1">
-                    <a:lumMod val="50000"/>
-                  </a:schemeClr>
-                </a:solidFill>
-                <a:latin typeface="Arial" panose="020B0604020202020204" pitchFamily="34" charset="0"/>
-                <a:cs typeface="Arial" panose="020B0604020202020204" pitchFamily="34" charset="0"/>
-              </a:rPr>
-              <a:t>Participant App</a:t>
-            </a:r>
-          </a:p>
-        </p:txBody>
-      </p:sp>
-      <p:sp>
-        <p:nvSpPr>
-          <p:cNvPr id="37" name="Rectangle 36">
-            <a:extLst>
-              <a:ext uri="{FF2B5EF4-FFF2-40B4-BE49-F238E27FC236}">
-                <a16:creationId xmlns:a16="http://schemas.microsoft.com/office/drawing/2014/main" id="{67B582C5-2EAB-CF42-9381-F336FD45D0BE}"/>
-              </a:ext>
-            </a:extLst>
-          </p:cNvPr>
-          <p:cNvSpPr/>
-          <p:nvPr/>
-        </p:nvSpPr>
-        <p:spPr>
-          <a:xfrm>
-            <a:off x="6155928" y="1321767"/>
-            <a:ext cx="1121397" cy="276999"/>
-          </a:xfrm>
-          <a:prstGeom prst="rect">
-            <a:avLst/>
-          </a:prstGeom>
-          <a:solidFill>
-            <a:schemeClr val="bg1"/>
-          </a:solidFill>
-          <a:ln w="38100">
-            <a:solidFill>
-              <a:srgbClr val="FFC000"/>
-            </a:solidFill>
-          </a:ln>
-        </p:spPr>
-        <p:txBody>
-          <a:bodyPr wrap="square">
-            <a:spAutoFit/>
-          </a:bodyPr>
-          <a:lstStyle/>
-          <a:p>
-            <a:pPr algn="ctr"/>
-            <a:r>
-              <a:rPr lang="en-US" sz="1200" dirty="0">
-                <a:latin typeface="Arial" panose="020B0604020202020204" pitchFamily="34" charset="0"/>
-                <a:cs typeface="Arial" panose="020B0604020202020204" pitchFamily="34" charset="0"/>
-              </a:rPr>
-              <a:t>Registration</a:t>
-            </a:r>
-            <a:endParaRPr lang="en-US" sz="1200" dirty="0"/>
-          </a:p>
-        </p:txBody>
-      </p:sp>
-      <p:sp>
-        <p:nvSpPr>
-          <p:cNvPr id="38" name="Rectangle 37">
-            <a:extLst>
-              <a:ext uri="{FF2B5EF4-FFF2-40B4-BE49-F238E27FC236}">
-                <a16:creationId xmlns:a16="http://schemas.microsoft.com/office/drawing/2014/main" id="{45247ED2-1D51-DC4B-9B0D-CB3ACF7E3999}"/>
-              </a:ext>
-            </a:extLst>
-          </p:cNvPr>
-          <p:cNvSpPr/>
-          <p:nvPr/>
-        </p:nvSpPr>
-        <p:spPr>
-          <a:xfrm>
-            <a:off x="6155928" y="2009201"/>
-            <a:ext cx="1121397" cy="461665"/>
-          </a:xfrm>
-          <a:prstGeom prst="rect">
-            <a:avLst/>
-          </a:prstGeom>
-          <a:solidFill>
-            <a:schemeClr val="bg1"/>
-          </a:solidFill>
-          <a:ln w="38100">
-            <a:solidFill>
-              <a:srgbClr val="FFC000"/>
-            </a:solidFill>
-          </a:ln>
-        </p:spPr>
-        <p:txBody>
-          <a:bodyPr wrap="square">
-            <a:spAutoFit/>
-          </a:bodyPr>
-          <a:lstStyle/>
-          <a:p>
-            <a:pPr algn="ctr"/>
-            <a:r>
-              <a:rPr lang="en-US" sz="1200" dirty="0">
-                <a:latin typeface="Arial" panose="020B0604020202020204" pitchFamily="34" charset="0"/>
-                <a:cs typeface="Arial" panose="020B0604020202020204" pitchFamily="34" charset="0"/>
-              </a:rPr>
-              <a:t>Participant Dashboard</a:t>
-            </a:r>
-            <a:endParaRPr lang="en-US" sz="1200" dirty="0"/>
-          </a:p>
-        </p:txBody>
-      </p:sp>
-      <p:sp>
-        <p:nvSpPr>
-          <p:cNvPr id="69" name="Rectangle 68">
-            <a:extLst>
-              <a:ext uri="{FF2B5EF4-FFF2-40B4-BE49-F238E27FC236}">
-                <a16:creationId xmlns:a16="http://schemas.microsoft.com/office/drawing/2014/main" id="{CBD3FB4A-0EBF-214A-974A-FA44047D18FF}"/>
-              </a:ext>
-            </a:extLst>
-          </p:cNvPr>
-          <p:cNvSpPr/>
-          <p:nvPr/>
-        </p:nvSpPr>
-        <p:spPr>
-          <a:xfrm>
-            <a:off x="6155928" y="2881301"/>
-            <a:ext cx="1121397" cy="276999"/>
-          </a:xfrm>
-          <a:prstGeom prst="rect">
-            <a:avLst/>
-          </a:prstGeom>
-          <a:solidFill>
-            <a:schemeClr val="bg1"/>
-          </a:solidFill>
-          <a:ln w="38100">
-            <a:solidFill>
-              <a:srgbClr val="FFFF00"/>
-            </a:solidFill>
-          </a:ln>
-        </p:spPr>
-        <p:txBody>
-          <a:bodyPr wrap="square">
-            <a:spAutoFit/>
-          </a:bodyPr>
-          <a:lstStyle/>
-          <a:p>
-            <a:pPr algn="ctr"/>
-            <a:r>
-              <a:rPr lang="en-US" sz="1200" dirty="0">
-                <a:latin typeface="Arial" panose="020B0604020202020204" pitchFamily="34" charset="0"/>
-                <a:cs typeface="Arial" panose="020B0604020202020204" pitchFamily="34" charset="0"/>
-              </a:rPr>
-              <a:t>Consent</a:t>
-            </a:r>
-            <a:endParaRPr lang="en-US" sz="1200" dirty="0"/>
-          </a:p>
-        </p:txBody>
-      </p:sp>
-      <p:sp>
-        <p:nvSpPr>
-          <p:cNvPr id="109" name="Rectangle 108">
-            <a:extLst>
-              <a:ext uri="{FF2B5EF4-FFF2-40B4-BE49-F238E27FC236}">
-                <a16:creationId xmlns:a16="http://schemas.microsoft.com/office/drawing/2014/main" id="{4B9CC4C0-EA90-D246-8F11-B1F7F9699B2F}"/>
-              </a:ext>
-            </a:extLst>
-          </p:cNvPr>
-          <p:cNvSpPr/>
-          <p:nvPr/>
-        </p:nvSpPr>
-        <p:spPr>
-          <a:xfrm>
-            <a:off x="6155928" y="978050"/>
-            <a:ext cx="1121397" cy="276999"/>
-          </a:xfrm>
-          <a:prstGeom prst="rect">
-            <a:avLst/>
-          </a:prstGeom>
-          <a:solidFill>
-            <a:schemeClr val="bg1"/>
-          </a:solidFill>
-          <a:ln w="38100">
-            <a:solidFill>
-              <a:srgbClr val="FFFF00"/>
-            </a:solidFill>
-          </a:ln>
-        </p:spPr>
-        <p:txBody>
-          <a:bodyPr wrap="square">
-            <a:spAutoFit/>
-          </a:bodyPr>
-          <a:lstStyle/>
-          <a:p>
-            <a:pPr algn="ctr"/>
-            <a:r>
-              <a:rPr lang="en-US" sz="1200" dirty="0">
-                <a:latin typeface="Arial" panose="020B0604020202020204" pitchFamily="34" charset="0"/>
-                <a:cs typeface="Arial" panose="020B0604020202020204" pitchFamily="34" charset="0"/>
-              </a:rPr>
-              <a:t>Sign in</a:t>
-            </a:r>
-            <a:endParaRPr lang="en-US" sz="1200" dirty="0"/>
-          </a:p>
-        </p:txBody>
-      </p:sp>
-      <p:sp>
-        <p:nvSpPr>
-          <p:cNvPr id="112" name="Rectangle 111">
-            <a:extLst>
-              <a:ext uri="{FF2B5EF4-FFF2-40B4-BE49-F238E27FC236}">
-                <a16:creationId xmlns:a16="http://schemas.microsoft.com/office/drawing/2014/main" id="{1A4EFEC3-770E-144D-8688-4E51D4EDA395}"/>
-              </a:ext>
-            </a:extLst>
-          </p:cNvPr>
-          <p:cNvSpPr/>
-          <p:nvPr/>
-        </p:nvSpPr>
-        <p:spPr>
-          <a:xfrm>
-            <a:off x="6155928" y="2537584"/>
-            <a:ext cx="1121397" cy="276999"/>
-          </a:xfrm>
-          <a:prstGeom prst="rect">
-            <a:avLst/>
-          </a:prstGeom>
-          <a:solidFill>
-            <a:schemeClr val="bg1"/>
-          </a:solidFill>
-          <a:ln w="38100">
-            <a:solidFill>
-              <a:srgbClr val="FFC000"/>
-            </a:solidFill>
-          </a:ln>
-        </p:spPr>
-        <p:txBody>
-          <a:bodyPr wrap="square">
-            <a:spAutoFit/>
-          </a:bodyPr>
-          <a:lstStyle/>
-          <a:p>
-            <a:pPr algn="ctr"/>
-            <a:r>
-              <a:rPr lang="en-US" sz="1200" dirty="0">
-                <a:latin typeface="Arial" panose="020B0604020202020204" pitchFamily="34" charset="0"/>
-                <a:cs typeface="Arial" panose="020B0604020202020204" pitchFamily="34" charset="0"/>
-              </a:rPr>
-              <a:t>My Data</a:t>
-            </a:r>
-            <a:endParaRPr lang="en-US" sz="1200" dirty="0"/>
-          </a:p>
-        </p:txBody>
-      </p:sp>
-      <p:sp>
-        <p:nvSpPr>
-          <p:cNvPr id="126" name="Rectangle 125">
-            <a:extLst>
-              <a:ext uri="{FF2B5EF4-FFF2-40B4-BE49-F238E27FC236}">
-                <a16:creationId xmlns:a16="http://schemas.microsoft.com/office/drawing/2014/main" id="{EDE889A5-4F27-3D45-8954-2D194BFF0844}"/>
-              </a:ext>
-            </a:extLst>
-          </p:cNvPr>
-          <p:cNvSpPr/>
-          <p:nvPr/>
-        </p:nvSpPr>
-        <p:spPr>
-          <a:xfrm>
-            <a:off x="6155928" y="1665484"/>
-            <a:ext cx="1121397" cy="276999"/>
-          </a:xfrm>
-          <a:prstGeom prst="rect">
-            <a:avLst/>
-          </a:prstGeom>
-          <a:solidFill>
-            <a:schemeClr val="bg1"/>
-          </a:solidFill>
-          <a:ln w="38100">
-            <a:solidFill>
-              <a:srgbClr val="FFC000"/>
-            </a:solidFill>
-          </a:ln>
-        </p:spPr>
-        <p:txBody>
-          <a:bodyPr wrap="square">
-            <a:spAutoFit/>
-          </a:bodyPr>
-          <a:lstStyle/>
-          <a:p>
-            <a:pPr algn="ctr"/>
-            <a:r>
-              <a:rPr lang="en-US" sz="1200" dirty="0">
-                <a:latin typeface="Arial" panose="020B0604020202020204" pitchFamily="34" charset="0"/>
-                <a:cs typeface="Arial" panose="020B0604020202020204" pitchFamily="34" charset="0"/>
-              </a:rPr>
-              <a:t>User profile</a:t>
-            </a:r>
-            <a:endParaRPr lang="en-US" sz="1200" dirty="0"/>
-          </a:p>
-        </p:txBody>
-      </p:sp>
-      <p:sp>
-        <p:nvSpPr>
-          <p:cNvPr id="129" name="Rectangle 128">
-            <a:extLst>
-              <a:ext uri="{FF2B5EF4-FFF2-40B4-BE49-F238E27FC236}">
-                <a16:creationId xmlns:a16="http://schemas.microsoft.com/office/drawing/2014/main" id="{88C8A10A-67EA-D54C-A29F-FE36C7A32234}"/>
-              </a:ext>
-            </a:extLst>
-          </p:cNvPr>
-          <p:cNvSpPr/>
-          <p:nvPr/>
-        </p:nvSpPr>
-        <p:spPr>
-          <a:xfrm>
-            <a:off x="6155928" y="3225018"/>
-            <a:ext cx="1121397" cy="276999"/>
-          </a:xfrm>
-          <a:prstGeom prst="rect">
-            <a:avLst/>
-          </a:prstGeom>
-          <a:solidFill>
-            <a:schemeClr val="bg1"/>
-          </a:solidFill>
-          <a:ln w="38100">
-            <a:solidFill>
-              <a:srgbClr val="FFC000"/>
-            </a:solidFill>
-          </a:ln>
-        </p:spPr>
-        <p:txBody>
-          <a:bodyPr wrap="square">
-            <a:spAutoFit/>
-          </a:bodyPr>
-          <a:lstStyle/>
-          <a:p>
-            <a:pPr algn="ctr"/>
-            <a:r>
-              <a:rPr lang="en-US" sz="1200" dirty="0">
-                <a:latin typeface="Arial" panose="020B0604020202020204" pitchFamily="34" charset="0"/>
-                <a:cs typeface="Arial" panose="020B0604020202020204" pitchFamily="34" charset="0"/>
-              </a:rPr>
-              <a:t>Settings</a:t>
-            </a:r>
-            <a:endParaRPr lang="en-US" sz="1200" dirty="0"/>
-          </a:p>
-        </p:txBody>
-      </p:sp>
-      <p:sp>
-        <p:nvSpPr>
-          <p:cNvPr id="130" name="Rectangle 129">
-            <a:extLst>
-              <a:ext uri="{FF2B5EF4-FFF2-40B4-BE49-F238E27FC236}">
-                <a16:creationId xmlns:a16="http://schemas.microsoft.com/office/drawing/2014/main" id="{283517C2-4C0D-0344-B15F-69BD9678BA13}"/>
-              </a:ext>
-            </a:extLst>
-          </p:cNvPr>
-          <p:cNvSpPr/>
-          <p:nvPr/>
-        </p:nvSpPr>
-        <p:spPr>
-          <a:xfrm>
-            <a:off x="6155928" y="3568732"/>
-            <a:ext cx="1121397" cy="276999"/>
-          </a:xfrm>
-          <a:prstGeom prst="rect">
-            <a:avLst/>
-          </a:prstGeom>
-          <a:solidFill>
-            <a:schemeClr val="bg1"/>
-          </a:solidFill>
-          <a:ln w="38100">
-            <a:solidFill>
-              <a:srgbClr val="FFC000"/>
-            </a:solidFill>
-          </a:ln>
-        </p:spPr>
-        <p:txBody>
-          <a:bodyPr wrap="square">
-            <a:spAutoFit/>
-          </a:bodyPr>
-          <a:lstStyle/>
-          <a:p>
-            <a:pPr algn="ctr"/>
-            <a:r>
-              <a:rPr lang="en-US" sz="1200" dirty="0">
-                <a:latin typeface="Arial" panose="020B0604020202020204" pitchFamily="34" charset="0"/>
-                <a:cs typeface="Arial" panose="020B0604020202020204" pitchFamily="34" charset="0"/>
-              </a:rPr>
-              <a:t>Support</a:t>
-            </a:r>
-            <a:endParaRPr lang="en-US" sz="1200" dirty="0"/>
-          </a:p>
-        </p:txBody>
-      </p:sp>
       <p:cxnSp>
         <p:nvCxnSpPr>
           <p:cNvPr id="151" name="Straight Arrow Connector 150">
@@ -7825,12 +6931,1453 @@
           </a:fontRef>
         </p:style>
       </p:cxnSp>
+      <p:grpSp>
+        <p:nvGrpSpPr>
+          <p:cNvPr id="106" name="Group 105">
+            <a:extLst>
+              <a:ext uri="{FF2B5EF4-FFF2-40B4-BE49-F238E27FC236}">
+                <a16:creationId xmlns:a16="http://schemas.microsoft.com/office/drawing/2014/main" id="{CA0F26EB-F8E8-9D4A-B8E0-4AEDBBB25121}"/>
+              </a:ext>
+            </a:extLst>
+          </p:cNvPr>
+          <p:cNvGrpSpPr/>
+          <p:nvPr/>
+        </p:nvGrpSpPr>
+        <p:grpSpPr>
+          <a:xfrm>
+            <a:off x="2740330" y="750191"/>
+            <a:ext cx="2062842" cy="3673489"/>
+            <a:chOff x="2740330" y="750191"/>
+            <a:chExt cx="2062842" cy="3673489"/>
+          </a:xfrm>
+        </p:grpSpPr>
+        <p:sp>
+          <p:nvSpPr>
+            <p:cNvPr id="11" name="Rectangle 10">
+              <a:extLst>
+                <a:ext uri="{FF2B5EF4-FFF2-40B4-BE49-F238E27FC236}">
+                  <a16:creationId xmlns:a16="http://schemas.microsoft.com/office/drawing/2014/main" id="{DA1BCB67-E5DB-0A48-9120-698E32B5F743}"/>
+                </a:ext>
+              </a:extLst>
+            </p:cNvPr>
+            <p:cNvSpPr/>
+            <p:nvPr/>
+          </p:nvSpPr>
+          <p:spPr>
+            <a:xfrm>
+              <a:off x="2740331" y="750191"/>
+              <a:ext cx="1371600" cy="3673489"/>
+            </a:xfrm>
+            <a:prstGeom prst="rect">
+              <a:avLst/>
+            </a:prstGeom>
+            <a:solidFill>
+              <a:schemeClr val="bg1">
+                <a:lumMod val="85000"/>
+              </a:schemeClr>
+            </a:solidFill>
+          </p:spPr>
+          <p:style>
+            <a:lnRef idx="2">
+              <a:schemeClr val="accent1">
+                <a:shade val="50000"/>
+              </a:schemeClr>
+            </a:lnRef>
+            <a:fillRef idx="1">
+              <a:schemeClr val="accent1"/>
+            </a:fillRef>
+            <a:effectRef idx="0">
+              <a:schemeClr val="accent1"/>
+            </a:effectRef>
+            <a:fontRef idx="minor">
+              <a:schemeClr val="lt1"/>
+            </a:fontRef>
+          </p:style>
+          <p:txBody>
+            <a:bodyPr rtlCol="0" anchor="ctr"/>
+            <a:lstStyle/>
+            <a:p>
+              <a:pPr algn="ctr"/>
+              <a:endParaRPr lang="en-US"/>
+            </a:p>
+          </p:txBody>
+        </p:sp>
+        <p:sp>
+          <p:nvSpPr>
+            <p:cNvPr id="10" name="TextBox 9">
+              <a:extLst>
+                <a:ext uri="{FF2B5EF4-FFF2-40B4-BE49-F238E27FC236}">
+                  <a16:creationId xmlns:a16="http://schemas.microsoft.com/office/drawing/2014/main" id="{EC491EBB-1795-9F49-9EEB-C8D552E8A1C9}"/>
+                </a:ext>
+              </a:extLst>
+            </p:cNvPr>
+            <p:cNvSpPr txBox="1"/>
+            <p:nvPr/>
+          </p:nvSpPr>
+          <p:spPr>
+            <a:xfrm>
+              <a:off x="2740330" y="766766"/>
+              <a:ext cx="1357726" cy="276999"/>
+            </a:xfrm>
+            <a:prstGeom prst="rect">
+              <a:avLst/>
+            </a:prstGeom>
+            <a:noFill/>
+          </p:spPr>
+          <p:txBody>
+            <a:bodyPr wrap="square" rtlCol="0">
+              <a:spAutoFit/>
+            </a:bodyPr>
+            <a:lstStyle/>
+            <a:p>
+              <a:pPr algn="ctr"/>
+              <a:r>
+                <a:rPr lang="en-US" sz="1200" dirty="0">
+                  <a:solidFill>
+                    <a:schemeClr val="bg1">
+                      <a:lumMod val="50000"/>
+                    </a:schemeClr>
+                  </a:solidFill>
+                  <a:latin typeface="Arial" panose="020B0604020202020204" pitchFamily="34" charset="0"/>
+                  <a:cs typeface="Arial" panose="020B0604020202020204" pitchFamily="34" charset="0"/>
+                </a:rPr>
+                <a:t>Connect APIs</a:t>
+              </a:r>
+            </a:p>
+          </p:txBody>
+        </p:sp>
+        <p:sp>
+          <p:nvSpPr>
+            <p:cNvPr id="22" name="Rectangle 21">
+              <a:extLst>
+                <a:ext uri="{FF2B5EF4-FFF2-40B4-BE49-F238E27FC236}">
+                  <a16:creationId xmlns:a16="http://schemas.microsoft.com/office/drawing/2014/main" id="{0D4AA49B-4385-AE4E-9A72-2CFD2468B3D6}"/>
+                </a:ext>
+              </a:extLst>
+            </p:cNvPr>
+            <p:cNvSpPr/>
+            <p:nvPr/>
+          </p:nvSpPr>
+          <p:spPr>
+            <a:xfrm>
+              <a:off x="3041151" y="1011255"/>
+              <a:ext cx="1121397" cy="276999"/>
+            </a:xfrm>
+            <a:prstGeom prst="rect">
+              <a:avLst/>
+            </a:prstGeom>
+            <a:solidFill>
+              <a:schemeClr val="bg1"/>
+            </a:solidFill>
+            <a:ln w="38100">
+              <a:solidFill>
+                <a:srgbClr val="00B050"/>
+              </a:solidFill>
+            </a:ln>
+          </p:spPr>
+          <p:txBody>
+            <a:bodyPr wrap="none">
+              <a:spAutoFit/>
+            </a:bodyPr>
+            <a:lstStyle/>
+            <a:p>
+              <a:r>
+                <a:rPr lang="en-US" sz="1200" dirty="0" err="1">
+                  <a:latin typeface="Arial" panose="020B0604020202020204" pitchFamily="34" charset="0"/>
+                  <a:cs typeface="Arial" panose="020B0604020202020204" pitchFamily="34" charset="0"/>
+                </a:rPr>
+                <a:t>validateToken</a:t>
+              </a:r>
+              <a:endParaRPr lang="en-US" sz="1200" dirty="0"/>
+            </a:p>
+          </p:txBody>
+        </p:sp>
+        <p:sp>
+          <p:nvSpPr>
+            <p:cNvPr id="23" name="Rectangle 22">
+              <a:extLst>
+                <a:ext uri="{FF2B5EF4-FFF2-40B4-BE49-F238E27FC236}">
+                  <a16:creationId xmlns:a16="http://schemas.microsoft.com/office/drawing/2014/main" id="{5FA90A53-119B-4F4B-8687-96E559FFCDD3}"/>
+                </a:ext>
+              </a:extLst>
+            </p:cNvPr>
+            <p:cNvSpPr/>
+            <p:nvPr/>
+          </p:nvSpPr>
+          <p:spPr>
+            <a:xfrm>
+              <a:off x="3041151" y="1353523"/>
+              <a:ext cx="1156086" cy="276999"/>
+            </a:xfrm>
+            <a:prstGeom prst="rect">
+              <a:avLst/>
+            </a:prstGeom>
+            <a:solidFill>
+              <a:schemeClr val="bg1"/>
+            </a:solidFill>
+            <a:ln w="38100">
+              <a:solidFill>
+                <a:srgbClr val="00B050"/>
+              </a:solidFill>
+            </a:ln>
+          </p:spPr>
+          <p:txBody>
+            <a:bodyPr wrap="none">
+              <a:spAutoFit/>
+            </a:bodyPr>
+            <a:lstStyle/>
+            <a:p>
+              <a:r>
+                <a:rPr lang="en-US" sz="1200" dirty="0" err="1">
+                  <a:latin typeface="Arial" panose="020B0604020202020204" pitchFamily="34" charset="0"/>
+                  <a:cs typeface="Arial" panose="020B0604020202020204" pitchFamily="34" charset="0"/>
+                </a:rPr>
+                <a:t>getUserProfile</a:t>
+              </a:r>
+              <a:endParaRPr lang="en-US" sz="1200" dirty="0"/>
+            </a:p>
+          </p:txBody>
+        </p:sp>
+        <p:sp>
+          <p:nvSpPr>
+            <p:cNvPr id="26" name="Rectangle 25">
+              <a:extLst>
+                <a:ext uri="{FF2B5EF4-FFF2-40B4-BE49-F238E27FC236}">
+                  <a16:creationId xmlns:a16="http://schemas.microsoft.com/office/drawing/2014/main" id="{63D8B9B2-D0FC-FD4E-AA96-6D0B9B418CB9}"/>
+                </a:ext>
+              </a:extLst>
+            </p:cNvPr>
+            <p:cNvSpPr/>
+            <p:nvPr/>
+          </p:nvSpPr>
+          <p:spPr>
+            <a:xfrm>
+              <a:off x="3041151" y="2407125"/>
+              <a:ext cx="1531766" cy="276999"/>
+            </a:xfrm>
+            <a:prstGeom prst="rect">
+              <a:avLst/>
+            </a:prstGeom>
+            <a:solidFill>
+              <a:schemeClr val="bg1"/>
+            </a:solidFill>
+            <a:ln w="38100">
+              <a:solidFill>
+                <a:srgbClr val="00B050"/>
+              </a:solidFill>
+            </a:ln>
+          </p:spPr>
+          <p:txBody>
+            <a:bodyPr wrap="none">
+              <a:spAutoFit/>
+            </a:bodyPr>
+            <a:lstStyle/>
+            <a:p>
+              <a:r>
+                <a:rPr lang="en-US" sz="1200" dirty="0" err="1">
+                  <a:latin typeface="Arial" panose="020B0604020202020204" pitchFamily="34" charset="0"/>
+                  <a:cs typeface="Arial" panose="020B0604020202020204" pitchFamily="34" charset="0"/>
+                </a:rPr>
+                <a:t>getParticipantToken</a:t>
+              </a:r>
+              <a:endParaRPr lang="en-US" sz="1200" dirty="0">
+                <a:latin typeface="Arial" panose="020B0604020202020204" pitchFamily="34" charset="0"/>
+                <a:cs typeface="Arial" panose="020B0604020202020204" pitchFamily="34" charset="0"/>
+              </a:endParaRPr>
+            </a:p>
+          </p:txBody>
+        </p:sp>
+        <p:sp>
+          <p:nvSpPr>
+            <p:cNvPr id="62" name="Rectangle 61">
+              <a:extLst>
+                <a:ext uri="{FF2B5EF4-FFF2-40B4-BE49-F238E27FC236}">
+                  <a16:creationId xmlns:a16="http://schemas.microsoft.com/office/drawing/2014/main" id="{575CA71D-10E0-BD4B-993E-C82114014B7C}"/>
+                </a:ext>
+              </a:extLst>
+            </p:cNvPr>
+            <p:cNvSpPr/>
+            <p:nvPr/>
+          </p:nvSpPr>
+          <p:spPr>
+            <a:xfrm>
+              <a:off x="3041151" y="2768583"/>
+              <a:ext cx="1199367" cy="276999"/>
+            </a:xfrm>
+            <a:prstGeom prst="rect">
+              <a:avLst/>
+            </a:prstGeom>
+            <a:solidFill>
+              <a:schemeClr val="bg1"/>
+            </a:solidFill>
+            <a:ln w="38100">
+              <a:solidFill>
+                <a:srgbClr val="00B050"/>
+              </a:solidFill>
+            </a:ln>
+          </p:spPr>
+          <p:txBody>
+            <a:bodyPr wrap="none">
+              <a:spAutoFit/>
+            </a:bodyPr>
+            <a:lstStyle/>
+            <a:p>
+              <a:r>
+                <a:rPr lang="en-US" sz="1200" b="0" i="0" dirty="0" err="1">
+                  <a:solidFill>
+                    <a:srgbClr val="282828"/>
+                  </a:solidFill>
+                  <a:effectLst/>
+                  <a:latin typeface="Arial" panose="020B0604020202020204" pitchFamily="34" charset="0"/>
+                  <a:cs typeface="Arial" panose="020B0604020202020204" pitchFamily="34" charset="0"/>
+                </a:rPr>
+                <a:t>getParticipants</a:t>
+              </a:r>
+              <a:endParaRPr lang="en-US" sz="1200" dirty="0">
+                <a:latin typeface="Arial" panose="020B0604020202020204" pitchFamily="34" charset="0"/>
+                <a:cs typeface="Arial" panose="020B0604020202020204" pitchFamily="34" charset="0"/>
+              </a:endParaRPr>
+            </a:p>
+          </p:txBody>
+        </p:sp>
+        <p:sp>
+          <p:nvSpPr>
+            <p:cNvPr id="78" name="Rectangle 77">
+              <a:extLst>
+                <a:ext uri="{FF2B5EF4-FFF2-40B4-BE49-F238E27FC236}">
+                  <a16:creationId xmlns:a16="http://schemas.microsoft.com/office/drawing/2014/main" id="{E434DD4D-3E84-0F4C-8688-8A7E5D78FAE0}"/>
+                </a:ext>
+              </a:extLst>
+            </p:cNvPr>
+            <p:cNvSpPr/>
+            <p:nvPr/>
+          </p:nvSpPr>
+          <p:spPr>
+            <a:xfrm>
+              <a:off x="3041151" y="4103753"/>
+              <a:ext cx="988925" cy="276999"/>
+            </a:xfrm>
+            <a:prstGeom prst="rect">
+              <a:avLst/>
+            </a:prstGeom>
+            <a:solidFill>
+              <a:schemeClr val="bg1"/>
+            </a:solidFill>
+            <a:ln w="38100">
+              <a:solidFill>
+                <a:srgbClr val="C00000"/>
+              </a:solidFill>
+            </a:ln>
+          </p:spPr>
+          <p:txBody>
+            <a:bodyPr wrap="none">
+              <a:spAutoFit/>
+            </a:bodyPr>
+            <a:lstStyle/>
+            <a:p>
+              <a:r>
+                <a:rPr lang="en-US" sz="1200" dirty="0">
+                  <a:latin typeface="Arial" panose="020B0604020202020204" pitchFamily="34" charset="0"/>
+                  <a:cs typeface="Arial" panose="020B0604020202020204" pitchFamily="34" charset="0"/>
+                </a:rPr>
+                <a:t>Future APIs</a:t>
+              </a:r>
+            </a:p>
+          </p:txBody>
+        </p:sp>
+        <p:sp>
+          <p:nvSpPr>
+            <p:cNvPr id="113" name="Rectangle 112">
+              <a:extLst>
+                <a:ext uri="{FF2B5EF4-FFF2-40B4-BE49-F238E27FC236}">
+                  <a16:creationId xmlns:a16="http://schemas.microsoft.com/office/drawing/2014/main" id="{C4341477-B53B-5C4F-AEA9-F3320DCC97BE}"/>
+                </a:ext>
+              </a:extLst>
+            </p:cNvPr>
+            <p:cNvSpPr/>
+            <p:nvPr/>
+          </p:nvSpPr>
+          <p:spPr>
+            <a:xfrm>
+              <a:off x="3041151" y="1716817"/>
+              <a:ext cx="1300356" cy="276999"/>
+            </a:xfrm>
+            <a:prstGeom prst="rect">
+              <a:avLst/>
+            </a:prstGeom>
+            <a:solidFill>
+              <a:schemeClr val="bg1"/>
+            </a:solidFill>
+            <a:ln w="38100">
+              <a:solidFill>
+                <a:srgbClr val="00B050"/>
+              </a:solidFill>
+            </a:ln>
+          </p:spPr>
+          <p:txBody>
+            <a:bodyPr wrap="none">
+              <a:spAutoFit/>
+            </a:bodyPr>
+            <a:lstStyle/>
+            <a:p>
+              <a:r>
+                <a:rPr lang="en-US" sz="1200" dirty="0" err="1">
+                  <a:latin typeface="Arial" panose="020B0604020202020204" pitchFamily="34" charset="0"/>
+                  <a:cs typeface="Arial" panose="020B0604020202020204" pitchFamily="34" charset="0"/>
+                </a:rPr>
+                <a:t>validateSiteUser</a:t>
+              </a:r>
+              <a:endParaRPr lang="en-US" sz="1200" dirty="0">
+                <a:latin typeface="Arial" panose="020B0604020202020204" pitchFamily="34" charset="0"/>
+                <a:cs typeface="Arial" panose="020B0604020202020204" pitchFamily="34" charset="0"/>
+              </a:endParaRPr>
+            </a:p>
+          </p:txBody>
+        </p:sp>
+        <p:sp>
+          <p:nvSpPr>
+            <p:cNvPr id="118" name="Rectangle 117">
+              <a:extLst>
+                <a:ext uri="{FF2B5EF4-FFF2-40B4-BE49-F238E27FC236}">
+                  <a16:creationId xmlns:a16="http://schemas.microsoft.com/office/drawing/2014/main" id="{6D1D19BE-9657-A349-9097-F04C4F096CFF}"/>
+                </a:ext>
+              </a:extLst>
+            </p:cNvPr>
+            <p:cNvSpPr/>
+            <p:nvPr/>
+          </p:nvSpPr>
+          <p:spPr>
+            <a:xfrm>
+              <a:off x="3041151" y="2080776"/>
+              <a:ext cx="1394934" cy="276999"/>
+            </a:xfrm>
+            <a:prstGeom prst="rect">
+              <a:avLst/>
+            </a:prstGeom>
+            <a:solidFill>
+              <a:schemeClr val="bg1"/>
+            </a:solidFill>
+            <a:ln w="38100">
+              <a:solidFill>
+                <a:srgbClr val="00B050"/>
+              </a:solidFill>
+            </a:ln>
+          </p:spPr>
+          <p:txBody>
+            <a:bodyPr wrap="none">
+              <a:spAutoFit/>
+            </a:bodyPr>
+            <a:lstStyle/>
+            <a:p>
+              <a:r>
+                <a:rPr lang="en-US" sz="1200" dirty="0" err="1">
+                  <a:latin typeface="Arial" panose="020B0604020202020204" pitchFamily="34" charset="0"/>
+                  <a:cs typeface="Arial" panose="020B0604020202020204" pitchFamily="34" charset="0"/>
+                </a:rPr>
+                <a:t>identifyParticipant</a:t>
+              </a:r>
+              <a:endParaRPr lang="en-US" sz="1200" dirty="0">
+                <a:latin typeface="Arial" panose="020B0604020202020204" pitchFamily="34" charset="0"/>
+                <a:cs typeface="Arial" panose="020B0604020202020204" pitchFamily="34" charset="0"/>
+              </a:endParaRPr>
+            </a:p>
+          </p:txBody>
+        </p:sp>
+        <p:sp>
+          <p:nvSpPr>
+            <p:cNvPr id="104" name="Rectangle 103">
+              <a:extLst>
+                <a:ext uri="{FF2B5EF4-FFF2-40B4-BE49-F238E27FC236}">
+                  <a16:creationId xmlns:a16="http://schemas.microsoft.com/office/drawing/2014/main" id="{390979E1-AD45-924E-B03D-897C112F2138}"/>
+                </a:ext>
+              </a:extLst>
+            </p:cNvPr>
+            <p:cNvSpPr/>
+            <p:nvPr/>
+          </p:nvSpPr>
+          <p:spPr>
+            <a:xfrm>
+              <a:off x="3041151" y="3108649"/>
+              <a:ext cx="1762021" cy="276999"/>
+            </a:xfrm>
+            <a:prstGeom prst="rect">
+              <a:avLst/>
+            </a:prstGeom>
+            <a:solidFill>
+              <a:schemeClr val="bg1"/>
+            </a:solidFill>
+            <a:ln w="38100">
+              <a:solidFill>
+                <a:srgbClr val="00B050"/>
+              </a:solidFill>
+            </a:ln>
+          </p:spPr>
+          <p:txBody>
+            <a:bodyPr wrap="none">
+              <a:spAutoFit/>
+            </a:bodyPr>
+            <a:lstStyle/>
+            <a:p>
+              <a:r>
+                <a:rPr lang="en-US" sz="1200" dirty="0" err="1">
+                  <a:latin typeface="Arial" panose="020B0604020202020204" pitchFamily="34" charset="0"/>
+                  <a:cs typeface="Arial" panose="020B0604020202020204" pitchFamily="34" charset="0"/>
+                </a:rPr>
+                <a:t>submitParticipantsData</a:t>
+              </a:r>
+              <a:endParaRPr lang="en-US" sz="1200" dirty="0">
+                <a:latin typeface="Arial" panose="020B0604020202020204" pitchFamily="34" charset="0"/>
+                <a:cs typeface="Arial" panose="020B0604020202020204" pitchFamily="34" charset="0"/>
+              </a:endParaRPr>
+            </a:p>
+          </p:txBody>
+        </p:sp>
+      </p:grpSp>
+      <p:grpSp>
+        <p:nvGrpSpPr>
+          <p:cNvPr id="68" name="Group 67">
+            <a:extLst>
+              <a:ext uri="{FF2B5EF4-FFF2-40B4-BE49-F238E27FC236}">
+                <a16:creationId xmlns:a16="http://schemas.microsoft.com/office/drawing/2014/main" id="{DC449E8E-0A75-9646-B6CA-701B2FE5E5F2}"/>
+              </a:ext>
+            </a:extLst>
+          </p:cNvPr>
+          <p:cNvGrpSpPr/>
+          <p:nvPr/>
+        </p:nvGrpSpPr>
+        <p:grpSpPr>
+          <a:xfrm>
+            <a:off x="6030826" y="632624"/>
+            <a:ext cx="1367931" cy="3675959"/>
+            <a:chOff x="6030826" y="632624"/>
+            <a:chExt cx="1367931" cy="3675959"/>
+          </a:xfrm>
+        </p:grpSpPr>
+        <p:sp>
+          <p:nvSpPr>
+            <p:cNvPr id="25" name="Rectangle 24">
+              <a:extLst>
+                <a:ext uri="{FF2B5EF4-FFF2-40B4-BE49-F238E27FC236}">
+                  <a16:creationId xmlns:a16="http://schemas.microsoft.com/office/drawing/2014/main" id="{44E58876-C7DF-7748-879A-E8CFB7A88C90}"/>
+                </a:ext>
+              </a:extLst>
+            </p:cNvPr>
+            <p:cNvSpPr/>
+            <p:nvPr/>
+          </p:nvSpPr>
+          <p:spPr>
+            <a:xfrm>
+              <a:off x="6030826" y="632624"/>
+              <a:ext cx="1336276" cy="3675959"/>
+            </a:xfrm>
+            <a:prstGeom prst="rect">
+              <a:avLst/>
+            </a:prstGeom>
+            <a:solidFill>
+              <a:schemeClr val="bg1">
+                <a:lumMod val="85000"/>
+              </a:schemeClr>
+            </a:solidFill>
+          </p:spPr>
+          <p:style>
+            <a:lnRef idx="2">
+              <a:schemeClr val="accent1">
+                <a:shade val="50000"/>
+              </a:schemeClr>
+            </a:lnRef>
+            <a:fillRef idx="1">
+              <a:schemeClr val="accent1"/>
+            </a:fillRef>
+            <a:effectRef idx="0">
+              <a:schemeClr val="accent1"/>
+            </a:effectRef>
+            <a:fontRef idx="minor">
+              <a:schemeClr val="lt1"/>
+            </a:fontRef>
+          </p:style>
+          <p:txBody>
+            <a:bodyPr rtlCol="0" anchor="ctr"/>
+            <a:lstStyle/>
+            <a:p>
+              <a:pPr algn="ctr"/>
+              <a:endParaRPr lang="en-US" dirty="0"/>
+            </a:p>
+          </p:txBody>
+        </p:sp>
+        <p:sp>
+          <p:nvSpPr>
+            <p:cNvPr id="27" name="TextBox 26">
+              <a:extLst>
+                <a:ext uri="{FF2B5EF4-FFF2-40B4-BE49-F238E27FC236}">
+                  <a16:creationId xmlns:a16="http://schemas.microsoft.com/office/drawing/2014/main" id="{C216CB91-04EF-114E-848E-934101196852}"/>
+                </a:ext>
+              </a:extLst>
+            </p:cNvPr>
+            <p:cNvSpPr txBox="1"/>
+            <p:nvPr/>
+          </p:nvSpPr>
+          <p:spPr>
+            <a:xfrm>
+              <a:off x="6034495" y="632625"/>
+              <a:ext cx="1364262" cy="276999"/>
+            </a:xfrm>
+            <a:prstGeom prst="rect">
+              <a:avLst/>
+            </a:prstGeom>
+            <a:noFill/>
+          </p:spPr>
+          <p:txBody>
+            <a:bodyPr wrap="square" rtlCol="0">
+              <a:spAutoFit/>
+            </a:bodyPr>
+            <a:lstStyle/>
+            <a:p>
+              <a:pPr algn="ctr"/>
+              <a:r>
+                <a:rPr lang="en-US" sz="1200" dirty="0">
+                  <a:solidFill>
+                    <a:schemeClr val="bg1">
+                      <a:lumMod val="50000"/>
+                    </a:schemeClr>
+                  </a:solidFill>
+                  <a:latin typeface="Arial" panose="020B0604020202020204" pitchFamily="34" charset="0"/>
+                  <a:cs typeface="Arial" panose="020B0604020202020204" pitchFamily="34" charset="0"/>
+                </a:rPr>
+                <a:t>Participant App</a:t>
+              </a:r>
+            </a:p>
+          </p:txBody>
+        </p:sp>
+        <p:sp>
+          <p:nvSpPr>
+            <p:cNvPr id="37" name="Rectangle 36">
+              <a:extLst>
+                <a:ext uri="{FF2B5EF4-FFF2-40B4-BE49-F238E27FC236}">
+                  <a16:creationId xmlns:a16="http://schemas.microsoft.com/office/drawing/2014/main" id="{67B582C5-2EAB-CF42-9381-F336FD45D0BE}"/>
+                </a:ext>
+              </a:extLst>
+            </p:cNvPr>
+            <p:cNvSpPr/>
+            <p:nvPr/>
+          </p:nvSpPr>
+          <p:spPr>
+            <a:xfrm>
+              <a:off x="6155928" y="1326722"/>
+              <a:ext cx="1121397" cy="276999"/>
+            </a:xfrm>
+            <a:prstGeom prst="rect">
+              <a:avLst/>
+            </a:prstGeom>
+            <a:solidFill>
+              <a:schemeClr val="bg1"/>
+            </a:solidFill>
+            <a:ln w="38100">
+              <a:solidFill>
+                <a:srgbClr val="FFC000"/>
+              </a:solidFill>
+            </a:ln>
+          </p:spPr>
+          <p:txBody>
+            <a:bodyPr wrap="square">
+              <a:spAutoFit/>
+            </a:bodyPr>
+            <a:lstStyle/>
+            <a:p>
+              <a:pPr algn="ctr"/>
+              <a:r>
+                <a:rPr lang="en-US" sz="1200" dirty="0">
+                  <a:latin typeface="Arial" panose="020B0604020202020204" pitchFamily="34" charset="0"/>
+                  <a:cs typeface="Arial" panose="020B0604020202020204" pitchFamily="34" charset="0"/>
+                </a:rPr>
+                <a:t>Registration</a:t>
+              </a:r>
+              <a:endParaRPr lang="en-US" sz="1200" dirty="0"/>
+            </a:p>
+          </p:txBody>
+        </p:sp>
+        <p:sp>
+          <p:nvSpPr>
+            <p:cNvPr id="38" name="Rectangle 37">
+              <a:extLst>
+                <a:ext uri="{FF2B5EF4-FFF2-40B4-BE49-F238E27FC236}">
+                  <a16:creationId xmlns:a16="http://schemas.microsoft.com/office/drawing/2014/main" id="{45247ED2-1D51-DC4B-9B0D-CB3ACF7E3999}"/>
+                </a:ext>
+              </a:extLst>
+            </p:cNvPr>
+            <p:cNvSpPr/>
+            <p:nvPr/>
+          </p:nvSpPr>
+          <p:spPr>
+            <a:xfrm>
+              <a:off x="6155928" y="2024066"/>
+              <a:ext cx="1121397" cy="461665"/>
+            </a:xfrm>
+            <a:prstGeom prst="rect">
+              <a:avLst/>
+            </a:prstGeom>
+            <a:solidFill>
+              <a:schemeClr val="bg1"/>
+            </a:solidFill>
+            <a:ln w="38100">
+              <a:solidFill>
+                <a:srgbClr val="FFC000"/>
+              </a:solidFill>
+            </a:ln>
+          </p:spPr>
+          <p:txBody>
+            <a:bodyPr wrap="square">
+              <a:spAutoFit/>
+            </a:bodyPr>
+            <a:lstStyle/>
+            <a:p>
+              <a:pPr algn="ctr"/>
+              <a:r>
+                <a:rPr lang="en-US" sz="1200" dirty="0">
+                  <a:latin typeface="Arial" panose="020B0604020202020204" pitchFamily="34" charset="0"/>
+                  <a:cs typeface="Arial" panose="020B0604020202020204" pitchFamily="34" charset="0"/>
+                </a:rPr>
+                <a:t>Participant Dashboard</a:t>
+              </a:r>
+              <a:endParaRPr lang="en-US" sz="1200" dirty="0"/>
+            </a:p>
+          </p:txBody>
+        </p:sp>
+        <p:sp>
+          <p:nvSpPr>
+            <p:cNvPr id="69" name="Rectangle 68">
+              <a:extLst>
+                <a:ext uri="{FF2B5EF4-FFF2-40B4-BE49-F238E27FC236}">
+                  <a16:creationId xmlns:a16="http://schemas.microsoft.com/office/drawing/2014/main" id="{CBD3FB4A-0EBF-214A-974A-FA44047D18FF}"/>
+                </a:ext>
+              </a:extLst>
+            </p:cNvPr>
+            <p:cNvSpPr/>
+            <p:nvPr/>
+          </p:nvSpPr>
+          <p:spPr>
+            <a:xfrm>
+              <a:off x="6155928" y="2906076"/>
+              <a:ext cx="1121397" cy="276999"/>
+            </a:xfrm>
+            <a:prstGeom prst="rect">
+              <a:avLst/>
+            </a:prstGeom>
+            <a:solidFill>
+              <a:schemeClr val="bg1"/>
+            </a:solidFill>
+            <a:ln w="38100">
+              <a:solidFill>
+                <a:srgbClr val="FFFF00"/>
+              </a:solidFill>
+            </a:ln>
+          </p:spPr>
+          <p:txBody>
+            <a:bodyPr wrap="square">
+              <a:spAutoFit/>
+            </a:bodyPr>
+            <a:lstStyle/>
+            <a:p>
+              <a:pPr algn="ctr"/>
+              <a:r>
+                <a:rPr lang="en-US" sz="1200" dirty="0">
+                  <a:latin typeface="Arial" panose="020B0604020202020204" pitchFamily="34" charset="0"/>
+                  <a:cs typeface="Arial" panose="020B0604020202020204" pitchFamily="34" charset="0"/>
+                </a:rPr>
+                <a:t>Consent</a:t>
+              </a:r>
+              <a:endParaRPr lang="en-US" sz="1200" dirty="0"/>
+            </a:p>
+          </p:txBody>
+        </p:sp>
+        <p:sp>
+          <p:nvSpPr>
+            <p:cNvPr id="109" name="Rectangle 108">
+              <a:extLst>
+                <a:ext uri="{FF2B5EF4-FFF2-40B4-BE49-F238E27FC236}">
+                  <a16:creationId xmlns:a16="http://schemas.microsoft.com/office/drawing/2014/main" id="{4B9CC4C0-EA90-D246-8F11-B1F7F9699B2F}"/>
+                </a:ext>
+              </a:extLst>
+            </p:cNvPr>
+            <p:cNvSpPr/>
+            <p:nvPr/>
+          </p:nvSpPr>
+          <p:spPr>
+            <a:xfrm>
+              <a:off x="6155928" y="978050"/>
+              <a:ext cx="1121397" cy="276999"/>
+            </a:xfrm>
+            <a:prstGeom prst="rect">
+              <a:avLst/>
+            </a:prstGeom>
+            <a:solidFill>
+              <a:schemeClr val="bg1"/>
+            </a:solidFill>
+            <a:ln w="38100">
+              <a:solidFill>
+                <a:srgbClr val="FFFF00"/>
+              </a:solidFill>
+            </a:ln>
+          </p:spPr>
+          <p:txBody>
+            <a:bodyPr wrap="square">
+              <a:spAutoFit/>
+            </a:bodyPr>
+            <a:lstStyle/>
+            <a:p>
+              <a:pPr algn="ctr"/>
+              <a:r>
+                <a:rPr lang="en-US" sz="1200" dirty="0">
+                  <a:latin typeface="Arial" panose="020B0604020202020204" pitchFamily="34" charset="0"/>
+                  <a:cs typeface="Arial" panose="020B0604020202020204" pitchFamily="34" charset="0"/>
+                </a:rPr>
+                <a:t>Sign in</a:t>
+              </a:r>
+              <a:endParaRPr lang="en-US" sz="1200" dirty="0"/>
+            </a:p>
+          </p:txBody>
+        </p:sp>
+        <p:sp>
+          <p:nvSpPr>
+            <p:cNvPr id="112" name="Rectangle 111">
+              <a:extLst>
+                <a:ext uri="{FF2B5EF4-FFF2-40B4-BE49-F238E27FC236}">
+                  <a16:creationId xmlns:a16="http://schemas.microsoft.com/office/drawing/2014/main" id="{1A4EFEC3-770E-144D-8688-4E51D4EDA395}"/>
+                </a:ext>
+              </a:extLst>
+            </p:cNvPr>
+            <p:cNvSpPr/>
+            <p:nvPr/>
+          </p:nvSpPr>
+          <p:spPr>
+            <a:xfrm>
+              <a:off x="6155928" y="2557404"/>
+              <a:ext cx="1121397" cy="276999"/>
+            </a:xfrm>
+            <a:prstGeom prst="rect">
+              <a:avLst/>
+            </a:prstGeom>
+            <a:solidFill>
+              <a:schemeClr val="bg1"/>
+            </a:solidFill>
+            <a:ln w="38100">
+              <a:solidFill>
+                <a:srgbClr val="FFC000"/>
+              </a:solidFill>
+            </a:ln>
+          </p:spPr>
+          <p:txBody>
+            <a:bodyPr wrap="square">
+              <a:spAutoFit/>
+            </a:bodyPr>
+            <a:lstStyle/>
+            <a:p>
+              <a:pPr algn="ctr"/>
+              <a:r>
+                <a:rPr lang="en-US" sz="1200" dirty="0">
+                  <a:latin typeface="Arial" panose="020B0604020202020204" pitchFamily="34" charset="0"/>
+                  <a:cs typeface="Arial" panose="020B0604020202020204" pitchFamily="34" charset="0"/>
+                </a:rPr>
+                <a:t>My Data</a:t>
+              </a:r>
+              <a:endParaRPr lang="en-US" sz="1200" dirty="0"/>
+            </a:p>
+          </p:txBody>
+        </p:sp>
+        <p:sp>
+          <p:nvSpPr>
+            <p:cNvPr id="126" name="Rectangle 125">
+              <a:extLst>
+                <a:ext uri="{FF2B5EF4-FFF2-40B4-BE49-F238E27FC236}">
+                  <a16:creationId xmlns:a16="http://schemas.microsoft.com/office/drawing/2014/main" id="{EDE889A5-4F27-3D45-8954-2D194BFF0844}"/>
+                </a:ext>
+              </a:extLst>
+            </p:cNvPr>
+            <p:cNvSpPr/>
+            <p:nvPr/>
+          </p:nvSpPr>
+          <p:spPr>
+            <a:xfrm>
+              <a:off x="6155928" y="1675394"/>
+              <a:ext cx="1121397" cy="276999"/>
+            </a:xfrm>
+            <a:prstGeom prst="rect">
+              <a:avLst/>
+            </a:prstGeom>
+            <a:solidFill>
+              <a:schemeClr val="bg1"/>
+            </a:solidFill>
+            <a:ln w="38100">
+              <a:solidFill>
+                <a:srgbClr val="FFC000"/>
+              </a:solidFill>
+            </a:ln>
+          </p:spPr>
+          <p:txBody>
+            <a:bodyPr wrap="square">
+              <a:spAutoFit/>
+            </a:bodyPr>
+            <a:lstStyle/>
+            <a:p>
+              <a:pPr algn="ctr"/>
+              <a:r>
+                <a:rPr lang="en-US" sz="1200" dirty="0">
+                  <a:latin typeface="Arial" panose="020B0604020202020204" pitchFamily="34" charset="0"/>
+                  <a:cs typeface="Arial" panose="020B0604020202020204" pitchFamily="34" charset="0"/>
+                </a:rPr>
+                <a:t>User profile</a:t>
+              </a:r>
+              <a:endParaRPr lang="en-US" sz="1200" dirty="0"/>
+            </a:p>
+          </p:txBody>
+        </p:sp>
+        <p:sp>
+          <p:nvSpPr>
+            <p:cNvPr id="129" name="Rectangle 128">
+              <a:extLst>
+                <a:ext uri="{FF2B5EF4-FFF2-40B4-BE49-F238E27FC236}">
+                  <a16:creationId xmlns:a16="http://schemas.microsoft.com/office/drawing/2014/main" id="{88C8A10A-67EA-D54C-A29F-FE36C7A32234}"/>
+                </a:ext>
+              </a:extLst>
+            </p:cNvPr>
+            <p:cNvSpPr/>
+            <p:nvPr/>
+          </p:nvSpPr>
+          <p:spPr>
+            <a:xfrm>
+              <a:off x="6155928" y="3254748"/>
+              <a:ext cx="1121397" cy="276999"/>
+            </a:xfrm>
+            <a:prstGeom prst="rect">
+              <a:avLst/>
+            </a:prstGeom>
+            <a:solidFill>
+              <a:schemeClr val="bg1"/>
+            </a:solidFill>
+            <a:ln w="38100">
+              <a:solidFill>
+                <a:srgbClr val="FFC000"/>
+              </a:solidFill>
+            </a:ln>
+          </p:spPr>
+          <p:txBody>
+            <a:bodyPr wrap="square">
+              <a:spAutoFit/>
+            </a:bodyPr>
+            <a:lstStyle/>
+            <a:p>
+              <a:pPr algn="ctr"/>
+              <a:r>
+                <a:rPr lang="en-US" sz="1200" dirty="0">
+                  <a:latin typeface="Arial" panose="020B0604020202020204" pitchFamily="34" charset="0"/>
+                  <a:cs typeface="Arial" panose="020B0604020202020204" pitchFamily="34" charset="0"/>
+                </a:rPr>
+                <a:t>Settings</a:t>
+              </a:r>
+              <a:endParaRPr lang="en-US" sz="1200" dirty="0"/>
+            </a:p>
+          </p:txBody>
+        </p:sp>
+        <p:sp>
+          <p:nvSpPr>
+            <p:cNvPr id="130" name="Rectangle 129">
+              <a:extLst>
+                <a:ext uri="{FF2B5EF4-FFF2-40B4-BE49-F238E27FC236}">
+                  <a16:creationId xmlns:a16="http://schemas.microsoft.com/office/drawing/2014/main" id="{283517C2-4C0D-0344-B15F-69BD9678BA13}"/>
+                </a:ext>
+              </a:extLst>
+            </p:cNvPr>
+            <p:cNvSpPr/>
+            <p:nvPr/>
+          </p:nvSpPr>
+          <p:spPr>
+            <a:xfrm>
+              <a:off x="6155928" y="3603420"/>
+              <a:ext cx="1121397" cy="276999"/>
+            </a:xfrm>
+            <a:prstGeom prst="rect">
+              <a:avLst/>
+            </a:prstGeom>
+            <a:solidFill>
+              <a:schemeClr val="bg1"/>
+            </a:solidFill>
+            <a:ln w="38100">
+              <a:solidFill>
+                <a:srgbClr val="FFC000"/>
+              </a:solidFill>
+            </a:ln>
+          </p:spPr>
+          <p:txBody>
+            <a:bodyPr wrap="square">
+              <a:spAutoFit/>
+            </a:bodyPr>
+            <a:lstStyle/>
+            <a:p>
+              <a:pPr algn="ctr"/>
+              <a:r>
+                <a:rPr lang="en-US" sz="1200" dirty="0">
+                  <a:latin typeface="Arial" panose="020B0604020202020204" pitchFamily="34" charset="0"/>
+                  <a:cs typeface="Arial" panose="020B0604020202020204" pitchFamily="34" charset="0"/>
+                </a:rPr>
+                <a:t>Support</a:t>
+              </a:r>
+              <a:endParaRPr lang="en-US" sz="1200" dirty="0"/>
+            </a:p>
+          </p:txBody>
+        </p:sp>
+        <p:sp>
+          <p:nvSpPr>
+            <p:cNvPr id="127" name="Rectangle 126">
+              <a:extLst>
+                <a:ext uri="{FF2B5EF4-FFF2-40B4-BE49-F238E27FC236}">
+                  <a16:creationId xmlns:a16="http://schemas.microsoft.com/office/drawing/2014/main" id="{366374CF-78B0-2D43-BAD5-C7C63CDD866B}"/>
+                </a:ext>
+              </a:extLst>
+            </p:cNvPr>
+            <p:cNvSpPr/>
+            <p:nvPr/>
+          </p:nvSpPr>
+          <p:spPr>
+            <a:xfrm>
+              <a:off x="6155928" y="3952094"/>
+              <a:ext cx="1121397" cy="276999"/>
+            </a:xfrm>
+            <a:prstGeom prst="rect">
+              <a:avLst/>
+            </a:prstGeom>
+            <a:solidFill>
+              <a:schemeClr val="bg1"/>
+            </a:solidFill>
+            <a:ln w="38100">
+              <a:solidFill>
+                <a:srgbClr val="FFC000"/>
+              </a:solidFill>
+            </a:ln>
+          </p:spPr>
+          <p:txBody>
+            <a:bodyPr wrap="square">
+              <a:spAutoFit/>
+            </a:bodyPr>
+            <a:lstStyle/>
+            <a:p>
+              <a:pPr algn="ctr"/>
+              <a:r>
+                <a:rPr lang="en-US" sz="1200" dirty="0">
+                  <a:latin typeface="Arial" panose="020B0604020202020204" pitchFamily="34" charset="0"/>
+                  <a:cs typeface="Arial" panose="020B0604020202020204" pitchFamily="34" charset="0"/>
+                </a:rPr>
+                <a:t>Reminders</a:t>
+              </a:r>
+              <a:endParaRPr lang="en-US" sz="1200" dirty="0"/>
+            </a:p>
+          </p:txBody>
+        </p:sp>
+      </p:grpSp>
+      <p:grpSp>
+        <p:nvGrpSpPr>
+          <p:cNvPr id="138" name="Group 137">
+            <a:extLst>
+              <a:ext uri="{FF2B5EF4-FFF2-40B4-BE49-F238E27FC236}">
+                <a16:creationId xmlns:a16="http://schemas.microsoft.com/office/drawing/2014/main" id="{CFF73D3C-66CD-7141-9C3E-F4A5D717BEB3}"/>
+              </a:ext>
+            </a:extLst>
+          </p:cNvPr>
+          <p:cNvGrpSpPr/>
+          <p:nvPr/>
+        </p:nvGrpSpPr>
+        <p:grpSpPr>
+          <a:xfrm>
+            <a:off x="3658922" y="5647816"/>
+            <a:ext cx="1463039" cy="1145430"/>
+            <a:chOff x="3658922" y="5647816"/>
+            <a:chExt cx="1463039" cy="1145430"/>
+          </a:xfrm>
+        </p:grpSpPr>
+        <p:sp>
+          <p:nvSpPr>
+            <p:cNvPr id="227" name="Rectangle 226">
+              <a:extLst>
+                <a:ext uri="{FF2B5EF4-FFF2-40B4-BE49-F238E27FC236}">
+                  <a16:creationId xmlns:a16="http://schemas.microsoft.com/office/drawing/2014/main" id="{F41CA851-BA55-0C45-83A8-061F166F3408}"/>
+                </a:ext>
+              </a:extLst>
+            </p:cNvPr>
+            <p:cNvSpPr/>
+            <p:nvPr/>
+          </p:nvSpPr>
+          <p:spPr>
+            <a:xfrm>
+              <a:off x="3658922" y="5647816"/>
+              <a:ext cx="1463039" cy="1145429"/>
+            </a:xfrm>
+            <a:prstGeom prst="rect">
+              <a:avLst/>
+            </a:prstGeom>
+            <a:solidFill>
+              <a:schemeClr val="bg1">
+                <a:lumMod val="85000"/>
+              </a:schemeClr>
+            </a:solidFill>
+          </p:spPr>
+          <p:style>
+            <a:lnRef idx="2">
+              <a:schemeClr val="accent1">
+                <a:shade val="50000"/>
+              </a:schemeClr>
+            </a:lnRef>
+            <a:fillRef idx="1">
+              <a:schemeClr val="accent1"/>
+            </a:fillRef>
+            <a:effectRef idx="0">
+              <a:schemeClr val="accent1"/>
+            </a:effectRef>
+            <a:fontRef idx="minor">
+              <a:schemeClr val="lt1"/>
+            </a:fontRef>
+          </p:style>
+          <p:txBody>
+            <a:bodyPr rtlCol="0" anchor="ctr"/>
+            <a:lstStyle/>
+            <a:p>
+              <a:pPr algn="ctr"/>
+              <a:endParaRPr lang="en-US" dirty="0"/>
+            </a:p>
+          </p:txBody>
+        </p:sp>
+        <p:sp>
+          <p:nvSpPr>
+            <p:cNvPr id="228" name="TextBox 227">
+              <a:extLst>
+                <a:ext uri="{FF2B5EF4-FFF2-40B4-BE49-F238E27FC236}">
+                  <a16:creationId xmlns:a16="http://schemas.microsoft.com/office/drawing/2014/main" id="{B146FEE7-C19E-354D-8DE0-8FF8991ECB06}"/>
+                </a:ext>
+              </a:extLst>
+            </p:cNvPr>
+            <p:cNvSpPr txBox="1"/>
+            <p:nvPr/>
+          </p:nvSpPr>
+          <p:spPr>
+            <a:xfrm>
+              <a:off x="3658922" y="6516246"/>
+              <a:ext cx="1463039" cy="277000"/>
+            </a:xfrm>
+            <a:prstGeom prst="rect">
+              <a:avLst/>
+            </a:prstGeom>
+            <a:noFill/>
+          </p:spPr>
+          <p:txBody>
+            <a:bodyPr wrap="square" rtlCol="0">
+              <a:spAutoFit/>
+            </a:bodyPr>
+            <a:lstStyle/>
+            <a:p>
+              <a:pPr algn="ctr"/>
+              <a:r>
+                <a:rPr lang="en-US" sz="1200" dirty="0">
+                  <a:solidFill>
+                    <a:schemeClr val="bg1">
+                      <a:lumMod val="50000"/>
+                    </a:schemeClr>
+                  </a:solidFill>
+                  <a:latin typeface="Arial" panose="020B0604020202020204" pitchFamily="34" charset="0"/>
+                  <a:cs typeface="Arial" panose="020B0604020202020204" pitchFamily="34" charset="0"/>
+                </a:rPr>
+                <a:t>NCI Biospecimens</a:t>
+              </a:r>
+            </a:p>
+          </p:txBody>
+        </p:sp>
+        <p:sp>
+          <p:nvSpPr>
+            <p:cNvPr id="230" name="Rectangle 229">
+              <a:extLst>
+                <a:ext uri="{FF2B5EF4-FFF2-40B4-BE49-F238E27FC236}">
+                  <a16:creationId xmlns:a16="http://schemas.microsoft.com/office/drawing/2014/main" id="{208EDB13-3ABA-DC44-80E6-5608632BDE67}"/>
+                </a:ext>
+              </a:extLst>
+            </p:cNvPr>
+            <p:cNvSpPr/>
+            <p:nvPr/>
+          </p:nvSpPr>
+          <p:spPr>
+            <a:xfrm>
+              <a:off x="3729543" y="5755173"/>
+              <a:ext cx="1321796" cy="276999"/>
+            </a:xfrm>
+            <a:prstGeom prst="rect">
+              <a:avLst/>
+            </a:prstGeom>
+            <a:solidFill>
+              <a:schemeClr val="bg1"/>
+            </a:solidFill>
+            <a:ln w="38100">
+              <a:solidFill>
+                <a:srgbClr val="C00000"/>
+              </a:solidFill>
+            </a:ln>
+          </p:spPr>
+          <p:txBody>
+            <a:bodyPr wrap="square">
+              <a:spAutoFit/>
+            </a:bodyPr>
+            <a:lstStyle/>
+            <a:p>
+              <a:pPr algn="ctr"/>
+              <a:r>
+                <a:rPr lang="en-US" sz="1200" dirty="0">
+                  <a:latin typeface="Arial" panose="020B0604020202020204" pitchFamily="34" charset="0"/>
+                  <a:cs typeface="Arial" panose="020B0604020202020204" pitchFamily="34" charset="0"/>
+                </a:rPr>
+                <a:t>Additional needs</a:t>
+              </a:r>
+              <a:endParaRPr lang="en-US" sz="1200" dirty="0"/>
+            </a:p>
+          </p:txBody>
+        </p:sp>
+        <p:sp>
+          <p:nvSpPr>
+            <p:cNvPr id="140" name="Rectangle 139">
+              <a:extLst>
+                <a:ext uri="{FF2B5EF4-FFF2-40B4-BE49-F238E27FC236}">
+                  <a16:creationId xmlns:a16="http://schemas.microsoft.com/office/drawing/2014/main" id="{2B0E6832-C880-2B43-A663-EDAA93D5C2DB}"/>
+                </a:ext>
+              </a:extLst>
+            </p:cNvPr>
+            <p:cNvSpPr/>
+            <p:nvPr/>
+          </p:nvSpPr>
+          <p:spPr>
+            <a:xfrm>
+              <a:off x="4173875" y="6141104"/>
+              <a:ext cx="433132" cy="276999"/>
+            </a:xfrm>
+            <a:prstGeom prst="rect">
+              <a:avLst/>
+            </a:prstGeom>
+            <a:solidFill>
+              <a:schemeClr val="bg1"/>
+            </a:solidFill>
+            <a:ln w="38100">
+              <a:solidFill>
+                <a:srgbClr val="C00000"/>
+              </a:solidFill>
+            </a:ln>
+          </p:spPr>
+          <p:txBody>
+            <a:bodyPr wrap="none">
+              <a:spAutoFit/>
+            </a:bodyPr>
+            <a:lstStyle/>
+            <a:p>
+              <a:r>
+                <a:rPr lang="en-US" sz="1200" dirty="0">
+                  <a:latin typeface="Arial" panose="020B0604020202020204" pitchFamily="34" charset="0"/>
+                  <a:cs typeface="Arial" panose="020B0604020202020204" pitchFamily="34" charset="0"/>
+                </a:rPr>
+                <a:t>BSI</a:t>
+              </a:r>
+            </a:p>
+          </p:txBody>
+        </p:sp>
+      </p:grpSp>
+      <p:cxnSp>
+        <p:nvCxnSpPr>
+          <p:cNvPr id="231" name="Elbow Connector 230">
+            <a:extLst>
+              <a:ext uri="{FF2B5EF4-FFF2-40B4-BE49-F238E27FC236}">
+                <a16:creationId xmlns:a16="http://schemas.microsoft.com/office/drawing/2014/main" id="{9D61D727-6D19-A04F-8A07-3D0321CEE030}"/>
+              </a:ext>
+            </a:extLst>
+          </p:cNvPr>
+          <p:cNvCxnSpPr>
+            <a:cxnSpLocks/>
+            <a:stCxn id="227" idx="0"/>
+            <a:endCxn id="78" idx="2"/>
+          </p:cNvCxnSpPr>
+          <p:nvPr/>
+        </p:nvCxnSpPr>
+        <p:spPr>
+          <a:xfrm rot="16200000" flipV="1">
+            <a:off x="3329496" y="4586870"/>
+            <a:ext cx="1267064" cy="854828"/>
+          </a:xfrm>
+          <a:prstGeom prst="bentConnector3">
+            <a:avLst>
+              <a:gd name="adj1" fmla="val 10909"/>
+            </a:avLst>
+          </a:prstGeom>
+          <a:ln w="38100">
+            <a:solidFill>
+              <a:srgbClr val="FF0000"/>
+            </a:solidFill>
+            <a:tailEnd type="triangle"/>
+          </a:ln>
+        </p:spPr>
+        <p:style>
+          <a:lnRef idx="1">
+            <a:schemeClr val="accent1"/>
+          </a:lnRef>
+          <a:fillRef idx="0">
+            <a:schemeClr val="accent1"/>
+          </a:fillRef>
+          <a:effectRef idx="0">
+            <a:schemeClr val="accent1"/>
+          </a:effectRef>
+          <a:fontRef idx="minor">
+            <a:schemeClr val="tx1"/>
+          </a:fontRef>
+        </p:style>
+      </p:cxnSp>
+      <p:cxnSp>
+        <p:nvCxnSpPr>
+          <p:cNvPr id="13" name="Elbow Connector 12">
+            <a:extLst>
+              <a:ext uri="{FF2B5EF4-FFF2-40B4-BE49-F238E27FC236}">
+                <a16:creationId xmlns:a16="http://schemas.microsoft.com/office/drawing/2014/main" id="{E49B0032-3016-664A-95A5-8B685B7ED4D2}"/>
+              </a:ext>
+            </a:extLst>
+          </p:cNvPr>
+          <p:cNvCxnSpPr>
+            <a:cxnSpLocks/>
+            <a:stCxn id="85" idx="3"/>
+            <a:endCxn id="26" idx="1"/>
+          </p:cNvCxnSpPr>
+          <p:nvPr/>
+        </p:nvCxnSpPr>
+        <p:spPr>
+          <a:xfrm flipV="1">
+            <a:off x="1527206" y="2545625"/>
+            <a:ext cx="1513945" cy="889118"/>
+          </a:xfrm>
+          <a:prstGeom prst="bentConnector3">
+            <a:avLst>
+              <a:gd name="adj1" fmla="val 64261"/>
+            </a:avLst>
+          </a:prstGeom>
+          <a:ln w="38100">
+            <a:solidFill>
+              <a:srgbClr val="00B050"/>
+            </a:solidFill>
+            <a:tailEnd type="triangle"/>
+          </a:ln>
+        </p:spPr>
+        <p:style>
+          <a:lnRef idx="1">
+            <a:schemeClr val="accent1"/>
+          </a:lnRef>
+          <a:fillRef idx="0">
+            <a:schemeClr val="accent1"/>
+          </a:fillRef>
+          <a:effectRef idx="0">
+            <a:schemeClr val="accent1"/>
+          </a:effectRef>
+          <a:fontRef idx="minor">
+            <a:schemeClr val="tx1"/>
+          </a:fontRef>
+        </p:style>
+      </p:cxnSp>
+      <p:cxnSp>
+        <p:nvCxnSpPr>
+          <p:cNvPr id="102" name="Elbow Connector 101">
+            <a:extLst>
+              <a:ext uri="{FF2B5EF4-FFF2-40B4-BE49-F238E27FC236}">
+                <a16:creationId xmlns:a16="http://schemas.microsoft.com/office/drawing/2014/main" id="{86185922-0933-6342-87AF-9A4AF02C1420}"/>
+              </a:ext>
+            </a:extLst>
+          </p:cNvPr>
+          <p:cNvCxnSpPr>
+            <a:cxnSpLocks/>
+            <a:stCxn id="99" idx="3"/>
+            <a:endCxn id="62" idx="1"/>
+          </p:cNvCxnSpPr>
+          <p:nvPr/>
+        </p:nvCxnSpPr>
+        <p:spPr>
+          <a:xfrm flipV="1">
+            <a:off x="2210064" y="2907083"/>
+            <a:ext cx="831087" cy="895332"/>
+          </a:xfrm>
+          <a:prstGeom prst="bentConnector3">
+            <a:avLst>
+              <a:gd name="adj1" fmla="val 45415"/>
+            </a:avLst>
+          </a:prstGeom>
+          <a:ln w="38100">
+            <a:solidFill>
+              <a:srgbClr val="00B050"/>
+            </a:solidFill>
+            <a:tailEnd type="triangle"/>
+          </a:ln>
+        </p:spPr>
+        <p:style>
+          <a:lnRef idx="1">
+            <a:schemeClr val="accent1"/>
+          </a:lnRef>
+          <a:fillRef idx="0">
+            <a:schemeClr val="accent1"/>
+          </a:fillRef>
+          <a:effectRef idx="0">
+            <a:schemeClr val="accent1"/>
+          </a:effectRef>
+          <a:fontRef idx="minor">
+            <a:schemeClr val="tx1"/>
+          </a:fontRef>
+        </p:style>
+      </p:cxnSp>
+      <p:cxnSp>
+        <p:nvCxnSpPr>
+          <p:cNvPr id="202" name="Elbow Connector 201">
+            <a:extLst>
+              <a:ext uri="{FF2B5EF4-FFF2-40B4-BE49-F238E27FC236}">
+                <a16:creationId xmlns:a16="http://schemas.microsoft.com/office/drawing/2014/main" id="{C811549B-2B36-A84A-B858-0FB219CF429D}"/>
+              </a:ext>
+            </a:extLst>
+          </p:cNvPr>
+          <p:cNvCxnSpPr>
+            <a:cxnSpLocks/>
+            <a:stCxn id="198" idx="3"/>
+            <a:endCxn id="78" idx="1"/>
+          </p:cNvCxnSpPr>
+          <p:nvPr/>
+        </p:nvCxnSpPr>
+        <p:spPr>
+          <a:xfrm flipV="1">
+            <a:off x="1527207" y="4242253"/>
+            <a:ext cx="1513944" cy="328439"/>
+          </a:xfrm>
+          <a:prstGeom prst="bentConnector3">
+            <a:avLst>
+              <a:gd name="adj1" fmla="val 50000"/>
+            </a:avLst>
+          </a:prstGeom>
+          <a:ln w="38100">
+            <a:solidFill>
+              <a:srgbClr val="FF0000"/>
+            </a:solidFill>
+            <a:tailEnd type="triangle"/>
+          </a:ln>
+        </p:spPr>
+        <p:style>
+          <a:lnRef idx="1">
+            <a:schemeClr val="accent1"/>
+          </a:lnRef>
+          <a:fillRef idx="0">
+            <a:schemeClr val="accent1"/>
+          </a:fillRef>
+          <a:effectRef idx="0">
+            <a:schemeClr val="accent1"/>
+          </a:effectRef>
+          <a:fontRef idx="minor">
+            <a:schemeClr val="tx1"/>
+          </a:fontRef>
+        </p:style>
+      </p:cxnSp>
       <p:sp>
         <p:nvSpPr>
-          <p:cNvPr id="104" name="Rectangle 103">
-            <a:extLst>
-              <a:ext uri="{FF2B5EF4-FFF2-40B4-BE49-F238E27FC236}">
-                <a16:creationId xmlns:a16="http://schemas.microsoft.com/office/drawing/2014/main" id="{390979E1-AD45-924E-B03D-897C112F2138}"/>
+          <p:cNvPr id="167" name="Rectangle 166">
+            <a:extLst>
+              <a:ext uri="{FF2B5EF4-FFF2-40B4-BE49-F238E27FC236}">
+                <a16:creationId xmlns:a16="http://schemas.microsoft.com/office/drawing/2014/main" id="{5386E418-0D34-764D-8ED1-88EE1748FB2A}"/>
               </a:ext>
             </a:extLst>
           </p:cNvPr>
@@ -7839,8 +8386,8 @@
         </p:nvSpPr>
         <p:spPr>
           <a:xfrm>
-            <a:off x="3088722" y="3664062"/>
-            <a:ext cx="1762021" cy="276999"/>
+            <a:off x="205411" y="4044621"/>
+            <a:ext cx="1835360" cy="276999"/>
           </a:xfrm>
           <a:prstGeom prst="rect">
             <a:avLst/>
@@ -7850,30 +8397,229 @@
           </a:solidFill>
           <a:ln w="38100">
             <a:solidFill>
-              <a:srgbClr val="00B050"/>
+              <a:srgbClr val="C00000"/>
             </a:solidFill>
           </a:ln>
         </p:spPr>
         <p:txBody>
-          <a:bodyPr wrap="none">
+          <a:bodyPr wrap="square">
             <a:spAutoFit/>
           </a:bodyPr>
           <a:lstStyle/>
           <a:p>
+            <a:pPr algn="ctr"/>
             <a:r>
-              <a:rPr lang="en-US" sz="1200" dirty="0" err="1">
+              <a:rPr lang="en-US" sz="1200" dirty="0">
                 <a:latin typeface="Arial" panose="020B0604020202020204" pitchFamily="34" charset="0"/>
                 <a:cs typeface="Arial" panose="020B0604020202020204" pitchFamily="34" charset="0"/>
               </a:rPr>
-              <a:t>submitParticipantsData</a:t>
+              <a:t>Submit Participant Data</a:t>
             </a:r>
-            <a:endParaRPr lang="en-US" sz="1200" dirty="0">
-              <a:latin typeface="Arial" panose="020B0604020202020204" pitchFamily="34" charset="0"/>
-              <a:cs typeface="Arial" panose="020B0604020202020204" pitchFamily="34" charset="0"/>
-            </a:endParaRPr>
+            <a:endParaRPr lang="en-US" sz="1200" dirty="0"/>
           </a:p>
         </p:txBody>
       </p:sp>
+      <p:cxnSp>
+        <p:nvCxnSpPr>
+          <p:cNvPr id="168" name="Elbow Connector 167">
+            <a:extLst>
+              <a:ext uri="{FF2B5EF4-FFF2-40B4-BE49-F238E27FC236}">
+                <a16:creationId xmlns:a16="http://schemas.microsoft.com/office/drawing/2014/main" id="{113E9BC6-690D-E043-AA23-717A84B04F08}"/>
+              </a:ext>
+            </a:extLst>
+          </p:cNvPr>
+          <p:cNvCxnSpPr>
+            <a:cxnSpLocks/>
+            <a:stCxn id="167" idx="3"/>
+            <a:endCxn id="104" idx="1"/>
+          </p:cNvCxnSpPr>
+          <p:nvPr/>
+        </p:nvCxnSpPr>
+        <p:spPr>
+          <a:xfrm flipV="1">
+            <a:off x="2040771" y="3247149"/>
+            <a:ext cx="1000380" cy="935972"/>
+          </a:xfrm>
+          <a:prstGeom prst="bentConnector3">
+            <a:avLst>
+              <a:gd name="adj1" fmla="val 62060"/>
+            </a:avLst>
+          </a:prstGeom>
+          <a:ln w="38100">
+            <a:solidFill>
+              <a:srgbClr val="FF0000"/>
+            </a:solidFill>
+            <a:tailEnd type="triangle"/>
+          </a:ln>
+        </p:spPr>
+        <p:style>
+          <a:lnRef idx="1">
+            <a:schemeClr val="accent1"/>
+          </a:lnRef>
+          <a:fillRef idx="0">
+            <a:schemeClr val="accent1"/>
+          </a:fillRef>
+          <a:effectRef idx="0">
+            <a:schemeClr val="accent1"/>
+          </a:effectRef>
+          <a:fontRef idx="minor">
+            <a:schemeClr val="tx1"/>
+          </a:fontRef>
+        </p:style>
+      </p:cxnSp>
+      <p:grpSp>
+        <p:nvGrpSpPr>
+          <p:cNvPr id="159" name="Group 158">
+            <a:extLst>
+              <a:ext uri="{FF2B5EF4-FFF2-40B4-BE49-F238E27FC236}">
+                <a16:creationId xmlns:a16="http://schemas.microsoft.com/office/drawing/2014/main" id="{D05F1430-840A-454D-A350-48308C8AF294}"/>
+              </a:ext>
+            </a:extLst>
+          </p:cNvPr>
+          <p:cNvGrpSpPr/>
+          <p:nvPr/>
+        </p:nvGrpSpPr>
+        <p:grpSpPr>
+          <a:xfrm>
+            <a:off x="3412371" y="4484108"/>
+            <a:ext cx="761504" cy="1795496"/>
+            <a:chOff x="3412371" y="4484108"/>
+            <a:chExt cx="761504" cy="1795496"/>
+          </a:xfrm>
+        </p:grpSpPr>
+        <p:cxnSp>
+          <p:nvCxnSpPr>
+            <p:cNvPr id="141" name="Elbow Connector 140">
+              <a:extLst>
+                <a:ext uri="{FF2B5EF4-FFF2-40B4-BE49-F238E27FC236}">
+                  <a16:creationId xmlns:a16="http://schemas.microsoft.com/office/drawing/2014/main" id="{D5F6A01E-0A0E-3A45-BAF5-EBF5423B6FC6}"/>
+                </a:ext>
+              </a:extLst>
+            </p:cNvPr>
+            <p:cNvCxnSpPr>
+              <a:cxnSpLocks/>
+              <a:endCxn id="140" idx="1"/>
+            </p:cNvCxnSpPr>
+            <p:nvPr/>
+          </p:nvCxnSpPr>
+          <p:spPr>
+            <a:xfrm rot="16200000" flipH="1">
+              <a:off x="2895375" y="5001104"/>
+              <a:ext cx="1795496" cy="761504"/>
+            </a:xfrm>
+            <a:prstGeom prst="bentConnector2">
+              <a:avLst/>
+            </a:prstGeom>
+            <a:ln w="38100" cmpd="dbl">
+              <a:solidFill>
+                <a:srgbClr val="FF0000"/>
+              </a:solidFill>
+              <a:prstDash val="solid"/>
+              <a:tailEnd type="triangle"/>
+            </a:ln>
+          </p:spPr>
+          <p:style>
+            <a:lnRef idx="1">
+              <a:schemeClr val="accent1"/>
+            </a:lnRef>
+            <a:fillRef idx="0">
+              <a:schemeClr val="accent1"/>
+            </a:fillRef>
+            <a:effectRef idx="0">
+              <a:schemeClr val="accent1"/>
+            </a:effectRef>
+            <a:fontRef idx="minor">
+              <a:schemeClr val="tx1"/>
+            </a:fontRef>
+          </p:style>
+        </p:cxnSp>
+        <p:cxnSp>
+          <p:nvCxnSpPr>
+            <p:cNvPr id="154" name="Straight Connector 153">
+              <a:extLst>
+                <a:ext uri="{FF2B5EF4-FFF2-40B4-BE49-F238E27FC236}">
+                  <a16:creationId xmlns:a16="http://schemas.microsoft.com/office/drawing/2014/main" id="{440299FE-7EDC-A44B-848C-7FAB015FF2DD}"/>
+                </a:ext>
+              </a:extLst>
+            </p:cNvPr>
+            <p:cNvCxnSpPr>
+              <a:cxnSpLocks/>
+            </p:cNvCxnSpPr>
+            <p:nvPr/>
+          </p:nvCxnSpPr>
+          <p:spPr>
+            <a:xfrm>
+              <a:off x="3412371" y="4496789"/>
+              <a:ext cx="0" cy="1782815"/>
+            </a:xfrm>
+            <a:prstGeom prst="line">
+              <a:avLst/>
+            </a:prstGeom>
+            <a:ln w="12700">
+              <a:solidFill>
+                <a:srgbClr val="FFFF00"/>
+              </a:solidFill>
+            </a:ln>
+          </p:spPr>
+          <p:style>
+            <a:lnRef idx="1">
+              <a:schemeClr val="accent1"/>
+            </a:lnRef>
+            <a:fillRef idx="0">
+              <a:schemeClr val="accent1"/>
+            </a:fillRef>
+            <a:effectRef idx="0">
+              <a:schemeClr val="accent1"/>
+            </a:effectRef>
+            <a:fontRef idx="minor">
+              <a:schemeClr val="tx1"/>
+            </a:fontRef>
+          </p:style>
+        </p:cxnSp>
+        <p:cxnSp>
+          <p:nvCxnSpPr>
+            <p:cNvPr id="182" name="Straight Connector 181">
+              <a:extLst>
+                <a:ext uri="{FF2B5EF4-FFF2-40B4-BE49-F238E27FC236}">
+                  <a16:creationId xmlns:a16="http://schemas.microsoft.com/office/drawing/2014/main" id="{1589348D-B494-2845-BFA3-7194B172A594}"/>
+                </a:ext>
+              </a:extLst>
+            </p:cNvPr>
+            <p:cNvCxnSpPr>
+              <a:cxnSpLocks/>
+            </p:cNvCxnSpPr>
+            <p:nvPr/>
+          </p:nvCxnSpPr>
+          <p:spPr>
+            <a:xfrm flipH="1">
+              <a:off x="3412371" y="6279604"/>
+              <a:ext cx="649560" cy="0"/>
+            </a:xfrm>
+            <a:prstGeom prst="line">
+              <a:avLst/>
+            </a:prstGeom>
+            <a:ln w="12700">
+              <a:solidFill>
+                <a:srgbClr val="FFFF00"/>
+              </a:solidFill>
+            </a:ln>
+          </p:spPr>
+          <p:style>
+            <a:lnRef idx="1">
+              <a:schemeClr val="accent1"/>
+            </a:lnRef>
+            <a:fillRef idx="0">
+              <a:schemeClr val="accent1"/>
+            </a:fillRef>
+            <a:effectRef idx="0">
+              <a:schemeClr val="accent1"/>
+            </a:effectRef>
+            <a:fontRef idx="minor">
+              <a:schemeClr val="tx1"/>
+            </a:fontRef>
+          </p:style>
+        </p:cxnSp>
+      </p:grpSp>
     </p:spTree>
     <p:extLst>
       <p:ext uri="{BB962C8B-B14F-4D97-AF65-F5344CB8AC3E}">
@@ -8180,4 +8926,299 @@
     </a:ext>
   </a:extLst>
 </a:theme>
+</file>
+
+<file path=ppt/theme/theme2.xml><?xml version="1.0" encoding="utf-8"?>
+<a:theme xmlns:a="http://schemas.openxmlformats.org/drawingml/2006/main" name="Office Theme">
+  <a:themeElements>
+    <a:clrScheme name="Office">
+      <a:dk1>
+        <a:sysClr val="windowText" lastClr="000000"/>
+      </a:dk1>
+      <a:lt1>
+        <a:sysClr val="window" lastClr="FFFFFF"/>
+      </a:lt1>
+      <a:dk2>
+        <a:srgbClr val="44546A"/>
+      </a:dk2>
+      <a:lt2>
+        <a:srgbClr val="E7E6E6"/>
+      </a:lt2>
+      <a:accent1>
+        <a:srgbClr val="4472C4"/>
+      </a:accent1>
+      <a:accent2>
+        <a:srgbClr val="ED7D31"/>
+      </a:accent2>
+      <a:accent3>
+        <a:srgbClr val="A5A5A5"/>
+      </a:accent3>
+      <a:accent4>
+        <a:srgbClr val="FFC000"/>
+      </a:accent4>
+      <a:accent5>
+        <a:srgbClr val="5B9BD5"/>
+      </a:accent5>
+      <a:accent6>
+        <a:srgbClr val="70AD47"/>
+      </a:accent6>
+      <a:hlink>
+        <a:srgbClr val="0563C1"/>
+      </a:hlink>
+      <a:folHlink>
+        <a:srgbClr val="954F72"/>
+      </a:folHlink>
+    </a:clrScheme>
+    <a:fontScheme name="Office">
+      <a:majorFont>
+        <a:latin typeface="Calibri Light" panose="020F0302020204030204"/>
+        <a:ea typeface=""/>
+        <a:cs typeface=""/>
+        <a:font script="Jpan" typeface="游ゴシック Light"/>
+        <a:font script="Hang" typeface="맑은 고딕"/>
+        <a:font script="Hans" typeface="等线 Light"/>
+        <a:font script="Hant" typeface="新細明體"/>
+        <a:font script="Arab" typeface="Times New Roman"/>
+        <a:font script="Hebr" typeface="Times New Roman"/>
+        <a:font script="Thai" typeface="Angsana New"/>
+        <a:font script="Ethi" typeface="Nyala"/>
+        <a:font script="Beng" typeface="Vrinda"/>
+        <a:font script="Gujr" typeface="Shruti"/>
+        <a:font script="Khmr" typeface="MoolBoran"/>
+        <a:font script="Knda" typeface="Tunga"/>
+        <a:font script="Guru" typeface="Raavi"/>
+        <a:font script="Cans" typeface="Euphemia"/>
+        <a:font script="Cher" typeface="Plantagenet Cherokee"/>
+        <a:font script="Yiii" typeface="Microsoft Yi Baiti"/>
+        <a:font script="Tibt" typeface="Microsoft Himalaya"/>
+        <a:font script="Thaa" typeface="MV Boli"/>
+        <a:font script="Deva" typeface="Mangal"/>
+        <a:font script="Telu" typeface="Gautami"/>
+        <a:font script="Taml" typeface="Latha"/>
+        <a:font script="Syrc" typeface="Estrangelo Edessa"/>
+        <a:font script="Orya" typeface="Kalinga"/>
+        <a:font script="Mlym" typeface="Kartika"/>
+        <a:font script="Laoo" typeface="DokChampa"/>
+        <a:font script="Sinh" typeface="Iskoola Pota"/>
+        <a:font script="Mong" typeface="Mongolian Baiti"/>
+        <a:font script="Viet" typeface="Times New Roman"/>
+        <a:font script="Uigh" typeface="Microsoft Uighur"/>
+        <a:font script="Geor" typeface="Sylfaen"/>
+        <a:font script="Armn" typeface="Arial"/>
+        <a:font script="Bugi" typeface="Leelawadee UI"/>
+        <a:font script="Bopo" typeface="Microsoft JhengHei"/>
+        <a:font script="Java" typeface="Javanese Text"/>
+        <a:font script="Lisu" typeface="Segoe UI"/>
+        <a:font script="Mymr" typeface="Myanmar Text"/>
+        <a:font script="Nkoo" typeface="Ebrima"/>
+        <a:font script="Olck" typeface="Nirmala UI"/>
+        <a:font script="Osma" typeface="Ebrima"/>
+        <a:font script="Phag" typeface="Phagspa"/>
+        <a:font script="Syrn" typeface="Estrangelo Edessa"/>
+        <a:font script="Syrj" typeface="Estrangelo Edessa"/>
+        <a:font script="Syre" typeface="Estrangelo Edessa"/>
+        <a:font script="Sora" typeface="Nirmala UI"/>
+        <a:font script="Tale" typeface="Microsoft Tai Le"/>
+        <a:font script="Talu" typeface="Microsoft New Tai Lue"/>
+        <a:font script="Tfng" typeface="Ebrima"/>
+      </a:majorFont>
+      <a:minorFont>
+        <a:latin typeface="Calibri" panose="020F0502020204030204"/>
+        <a:ea typeface=""/>
+        <a:cs typeface=""/>
+        <a:font script="Jpan" typeface="游ゴシック"/>
+        <a:font script="Hang" typeface="맑은 고딕"/>
+        <a:font script="Hans" typeface="等线"/>
+        <a:font script="Hant" typeface="新細明體"/>
+        <a:font script="Arab" typeface="Arial"/>
+        <a:font script="Hebr" typeface="Arial"/>
+        <a:font script="Thai" typeface="Cordia New"/>
+        <a:font script="Ethi" typeface="Nyala"/>
+        <a:font script="Beng" typeface="Vrinda"/>
+        <a:font script="Gujr" typeface="Shruti"/>
+        <a:font script="Khmr" typeface="DaunPenh"/>
+        <a:font script="Knda" typeface="Tunga"/>
+        <a:font script="Guru" typeface="Raavi"/>
+        <a:font script="Cans" typeface="Euphemia"/>
+        <a:font script="Cher" typeface="Plantagenet Cherokee"/>
+        <a:font script="Yiii" typeface="Microsoft Yi Baiti"/>
+        <a:font script="Tibt" typeface="Microsoft Himalaya"/>
+        <a:font script="Thaa" typeface="MV Boli"/>
+        <a:font script="Deva" typeface="Mangal"/>
+        <a:font script="Telu" typeface="Gautami"/>
+        <a:font script="Taml" typeface="Latha"/>
+        <a:font script="Syrc" typeface="Estrangelo Edessa"/>
+        <a:font script="Orya" typeface="Kalinga"/>
+        <a:font script="Mlym" typeface="Kartika"/>
+        <a:font script="Laoo" typeface="DokChampa"/>
+        <a:font script="Sinh" typeface="Iskoola Pota"/>
+        <a:font script="Mong" typeface="Mongolian Baiti"/>
+        <a:font script="Viet" typeface="Arial"/>
+        <a:font script="Uigh" typeface="Microsoft Uighur"/>
+        <a:font script="Geor" typeface="Sylfaen"/>
+        <a:font script="Armn" typeface="Arial"/>
+        <a:font script="Bugi" typeface="Leelawadee UI"/>
+        <a:font script="Bopo" typeface="Microsoft JhengHei"/>
+        <a:font script="Java" typeface="Javanese Text"/>
+        <a:font script="Lisu" typeface="Segoe UI"/>
+        <a:font script="Mymr" typeface="Myanmar Text"/>
+        <a:font script="Nkoo" typeface="Ebrima"/>
+        <a:font script="Olck" typeface="Nirmala UI"/>
+        <a:font script="Osma" typeface="Ebrima"/>
+        <a:font script="Phag" typeface="Phagspa"/>
+        <a:font script="Syrn" typeface="Estrangelo Edessa"/>
+        <a:font script="Syrj" typeface="Estrangelo Edessa"/>
+        <a:font script="Syre" typeface="Estrangelo Edessa"/>
+        <a:font script="Sora" typeface="Nirmala UI"/>
+        <a:font script="Tale" typeface="Microsoft Tai Le"/>
+        <a:font script="Talu" typeface="Microsoft New Tai Lue"/>
+        <a:font script="Tfng" typeface="Ebrima"/>
+      </a:minorFont>
+    </a:fontScheme>
+    <a:fmtScheme name="Office">
+      <a:fillStyleLst>
+        <a:solidFill>
+          <a:schemeClr val="phClr"/>
+        </a:solidFill>
+        <a:gradFill rotWithShape="1">
+          <a:gsLst>
+            <a:gs pos="0">
+              <a:schemeClr val="phClr">
+                <a:lumMod val="110000"/>
+                <a:satMod val="105000"/>
+                <a:tint val="67000"/>
+              </a:schemeClr>
+            </a:gs>
+            <a:gs pos="50000">
+              <a:schemeClr val="phClr">
+                <a:lumMod val="105000"/>
+                <a:satMod val="103000"/>
+                <a:tint val="73000"/>
+              </a:schemeClr>
+            </a:gs>
+            <a:gs pos="100000">
+              <a:schemeClr val="phClr">
+                <a:lumMod val="105000"/>
+                <a:satMod val="109000"/>
+                <a:tint val="81000"/>
+              </a:schemeClr>
+            </a:gs>
+          </a:gsLst>
+          <a:lin ang="5400000" scaled="0"/>
+        </a:gradFill>
+        <a:gradFill rotWithShape="1">
+          <a:gsLst>
+            <a:gs pos="0">
+              <a:schemeClr val="phClr">
+                <a:satMod val="103000"/>
+                <a:lumMod val="102000"/>
+                <a:tint val="94000"/>
+              </a:schemeClr>
+            </a:gs>
+            <a:gs pos="50000">
+              <a:schemeClr val="phClr">
+                <a:satMod val="110000"/>
+                <a:lumMod val="100000"/>
+                <a:shade val="100000"/>
+              </a:schemeClr>
+            </a:gs>
+            <a:gs pos="100000">
+              <a:schemeClr val="phClr">
+                <a:lumMod val="99000"/>
+                <a:satMod val="120000"/>
+                <a:shade val="78000"/>
+              </a:schemeClr>
+            </a:gs>
+          </a:gsLst>
+          <a:lin ang="5400000" scaled="0"/>
+        </a:gradFill>
+      </a:fillStyleLst>
+      <a:lnStyleLst>
+        <a:ln w="6350" cap="flat" cmpd="sng" algn="ctr">
+          <a:solidFill>
+            <a:schemeClr val="phClr"/>
+          </a:solidFill>
+          <a:prstDash val="solid"/>
+          <a:miter lim="800000"/>
+        </a:ln>
+        <a:ln w="12700" cap="flat" cmpd="sng" algn="ctr">
+          <a:solidFill>
+            <a:schemeClr val="phClr"/>
+          </a:solidFill>
+          <a:prstDash val="solid"/>
+          <a:miter lim="800000"/>
+        </a:ln>
+        <a:ln w="19050" cap="flat" cmpd="sng" algn="ctr">
+          <a:solidFill>
+            <a:schemeClr val="phClr"/>
+          </a:solidFill>
+          <a:prstDash val="solid"/>
+          <a:miter lim="800000"/>
+        </a:ln>
+      </a:lnStyleLst>
+      <a:effectStyleLst>
+        <a:effectStyle>
+          <a:effectLst/>
+        </a:effectStyle>
+        <a:effectStyle>
+          <a:effectLst/>
+        </a:effectStyle>
+        <a:effectStyle>
+          <a:effectLst>
+            <a:outerShdw blurRad="57150" dist="19050" dir="5400000" algn="ctr" rotWithShape="0">
+              <a:srgbClr val="000000">
+                <a:alpha val="63000"/>
+              </a:srgbClr>
+            </a:outerShdw>
+          </a:effectLst>
+        </a:effectStyle>
+      </a:effectStyleLst>
+      <a:bgFillStyleLst>
+        <a:solidFill>
+          <a:schemeClr val="phClr"/>
+        </a:solidFill>
+        <a:solidFill>
+          <a:schemeClr val="phClr">
+            <a:tint val="95000"/>
+            <a:satMod val="170000"/>
+          </a:schemeClr>
+        </a:solidFill>
+        <a:gradFill rotWithShape="1">
+          <a:gsLst>
+            <a:gs pos="0">
+              <a:schemeClr val="phClr">
+                <a:tint val="93000"/>
+                <a:satMod val="150000"/>
+                <a:shade val="98000"/>
+                <a:lumMod val="102000"/>
+              </a:schemeClr>
+            </a:gs>
+            <a:gs pos="50000">
+              <a:schemeClr val="phClr">
+                <a:tint val="98000"/>
+                <a:satMod val="130000"/>
+                <a:shade val="90000"/>
+                <a:lumMod val="103000"/>
+              </a:schemeClr>
+            </a:gs>
+            <a:gs pos="100000">
+              <a:schemeClr val="phClr">
+                <a:shade val="63000"/>
+                <a:satMod val="120000"/>
+              </a:schemeClr>
+            </a:gs>
+          </a:gsLst>
+          <a:lin ang="5400000" scaled="0"/>
+        </a:gradFill>
+      </a:bgFillStyleLst>
+    </a:fmtScheme>
+  </a:themeElements>
+  <a:objectDefaults/>
+  <a:extraClrSchemeLst/>
+  <a:extLst>
+    <a:ext uri="{05A4C25C-085E-4340-85A3-A5531E510DB2}">
+      <thm15:themeFamily xmlns:thm15="http://schemas.microsoft.com/office/thememl/2012/main" name="Office Theme" id="{62F939B6-93AF-4DB8-9C6B-D6C7DFDC589F}" vid="{4A3C46E8-61CC-4603-A589-7422A47A8E4A}"/>
+    </a:ext>
+  </a:extLst>
+</a:theme>
 </file>
--- a/ArchitectureOverviewStatus.pptx
+++ b/ArchitectureOverviewStatus.pptx
@@ -197,7 +197,7 @@
           <a:p>
             <a:fld id="{B891EDBD-3129-D143-B981-B22A6A412B3C}" type="datetimeFigureOut">
               <a:rPr lang="en-US" smtClean="0"/>
-              <a:t>5/26/20</a:t>
+              <a:t>7/7/2020</a:t>
             </a:fld>
             <a:endParaRPr lang="en-US"/>
           </a:p>
@@ -695,7 +695,7 @@
           <a:p>
             <a:fld id="{F6BA3A16-3FC4-A846-A984-B81C473670D4}" type="datetimeFigureOut">
               <a:rPr lang="en-US" smtClean="0"/>
-              <a:t>5/26/20</a:t>
+              <a:t>7/7/2020</a:t>
             </a:fld>
             <a:endParaRPr lang="en-US"/>
           </a:p>
@@ -893,7 +893,7 @@
           <a:p>
             <a:fld id="{F6BA3A16-3FC4-A846-A984-B81C473670D4}" type="datetimeFigureOut">
               <a:rPr lang="en-US" smtClean="0"/>
-              <a:t>5/26/20</a:t>
+              <a:t>7/7/2020</a:t>
             </a:fld>
             <a:endParaRPr lang="en-US"/>
           </a:p>
@@ -1101,7 +1101,7 @@
           <a:p>
             <a:fld id="{F6BA3A16-3FC4-A846-A984-B81C473670D4}" type="datetimeFigureOut">
               <a:rPr lang="en-US" smtClean="0"/>
-              <a:t>5/26/20</a:t>
+              <a:t>7/7/2020</a:t>
             </a:fld>
             <a:endParaRPr lang="en-US"/>
           </a:p>
@@ -1299,7 +1299,7 @@
           <a:p>
             <a:fld id="{F6BA3A16-3FC4-A846-A984-B81C473670D4}" type="datetimeFigureOut">
               <a:rPr lang="en-US" smtClean="0"/>
-              <a:t>5/26/20</a:t>
+              <a:t>7/7/2020</a:t>
             </a:fld>
             <a:endParaRPr lang="en-US"/>
           </a:p>
@@ -1574,7 +1574,7 @@
           <a:p>
             <a:fld id="{F6BA3A16-3FC4-A846-A984-B81C473670D4}" type="datetimeFigureOut">
               <a:rPr lang="en-US" smtClean="0"/>
-              <a:t>5/26/20</a:t>
+              <a:t>7/7/2020</a:t>
             </a:fld>
             <a:endParaRPr lang="en-US"/>
           </a:p>
@@ -1839,7 +1839,7 @@
           <a:p>
             <a:fld id="{F6BA3A16-3FC4-A846-A984-B81C473670D4}" type="datetimeFigureOut">
               <a:rPr lang="en-US" smtClean="0"/>
-              <a:t>5/26/20</a:t>
+              <a:t>7/7/2020</a:t>
             </a:fld>
             <a:endParaRPr lang="en-US"/>
           </a:p>
@@ -2251,7 +2251,7 @@
           <a:p>
             <a:fld id="{F6BA3A16-3FC4-A846-A984-B81C473670D4}" type="datetimeFigureOut">
               <a:rPr lang="en-US" smtClean="0"/>
-              <a:t>5/26/20</a:t>
+              <a:t>7/7/2020</a:t>
             </a:fld>
             <a:endParaRPr lang="en-US"/>
           </a:p>
@@ -2392,7 +2392,7 @@
           <a:p>
             <a:fld id="{F6BA3A16-3FC4-A846-A984-B81C473670D4}" type="datetimeFigureOut">
               <a:rPr lang="en-US" smtClean="0"/>
-              <a:t>5/26/20</a:t>
+              <a:t>7/7/2020</a:t>
             </a:fld>
             <a:endParaRPr lang="en-US"/>
           </a:p>
@@ -2505,7 +2505,7 @@
           <a:p>
             <a:fld id="{F6BA3A16-3FC4-A846-A984-B81C473670D4}" type="datetimeFigureOut">
               <a:rPr lang="en-US" smtClean="0"/>
-              <a:t>5/26/20</a:t>
+              <a:t>7/7/2020</a:t>
             </a:fld>
             <a:endParaRPr lang="en-US"/>
           </a:p>
@@ -2816,7 +2816,7 @@
           <a:p>
             <a:fld id="{F6BA3A16-3FC4-A846-A984-B81C473670D4}" type="datetimeFigureOut">
               <a:rPr lang="en-US" smtClean="0"/>
-              <a:t>5/26/20</a:t>
+              <a:t>7/7/2020</a:t>
             </a:fld>
             <a:endParaRPr lang="en-US"/>
           </a:p>
@@ -3104,7 +3104,7 @@
           <a:p>
             <a:fld id="{F6BA3A16-3FC4-A846-A984-B81C473670D4}" type="datetimeFigureOut">
               <a:rPr lang="en-US" smtClean="0"/>
-              <a:t>5/26/20</a:t>
+              <a:t>7/7/2020</a:t>
             </a:fld>
             <a:endParaRPr lang="en-US"/>
           </a:p>
@@ -3345,7 +3345,7 @@
           <a:p>
             <a:fld id="{F6BA3A16-3FC4-A846-A984-B81C473670D4}" type="datetimeFigureOut">
               <a:rPr lang="en-US" smtClean="0"/>
-              <a:t>5/26/20</a:t>
+              <a:t>7/7/2020</a:t>
             </a:fld>
             <a:endParaRPr lang="en-US"/>
           </a:p>
@@ -4981,53 +4981,6 @@
                 </a:rPr>
                 <a:t>Biospecimen App </a:t>
               </a:r>
-            </a:p>
-          </p:txBody>
-        </p:sp>
-        <p:sp>
-          <p:nvSpPr>
-            <p:cNvPr id="95" name="Rectangle 94">
-              <a:extLst>
-                <a:ext uri="{FF2B5EF4-FFF2-40B4-BE49-F238E27FC236}">
-                  <a16:creationId xmlns:a16="http://schemas.microsoft.com/office/drawing/2014/main" id="{4D1ADB37-B226-6B4C-BFA1-613924273049}"/>
-                </a:ext>
-              </a:extLst>
-            </p:cNvPr>
-            <p:cNvSpPr/>
-            <p:nvPr/>
-          </p:nvSpPr>
-          <p:spPr>
-            <a:xfrm>
-              <a:off x="6140670" y="2914711"/>
-              <a:ext cx="1121397" cy="461665"/>
-            </a:xfrm>
-            <a:prstGeom prst="rect">
-              <a:avLst/>
-            </a:prstGeom>
-            <a:solidFill>
-              <a:schemeClr val="bg1"/>
-            </a:solidFill>
-            <a:ln w="38100">
-              <a:solidFill>
-                <a:srgbClr val="C00000"/>
-              </a:solidFill>
-            </a:ln>
-          </p:spPr>
-          <p:txBody>
-            <a:bodyPr wrap="square">
-              <a:spAutoFit/>
-            </a:bodyPr>
-            <a:lstStyle/>
-            <a:p>
-              <a:pPr algn="ctr"/>
-              <a:r>
-                <a:rPr lang="en-US" sz="1200" dirty="0">
-                  <a:latin typeface="Arial" panose="020B0604020202020204" pitchFamily="34" charset="0"/>
-                  <a:cs typeface="Arial" panose="020B0604020202020204" pitchFamily="34" charset="0"/>
-                </a:rPr>
-                <a:t>Lab Dashboard</a:t>
-              </a:r>
-              <a:endParaRPr lang="en-US" sz="1200" dirty="0"/>
             </a:p>
           </p:txBody>
         </p:sp>
@@ -7965,7 +7918,7 @@
                   <a:latin typeface="Arial" panose="020B0604020202020204" pitchFamily="34" charset="0"/>
                   <a:cs typeface="Arial" panose="020B0604020202020204" pitchFamily="34" charset="0"/>
                 </a:rPr>
-                <a:t>Reminders</a:t>
+                <a:t>Notifications</a:t>
               </a:r>
               <a:endParaRPr lang="en-US" sz="1200" dirty="0"/>
             </a:p>
@@ -8620,6 +8573,53 @@
           </p:style>
         </p:cxnSp>
       </p:grpSp>
+      <p:sp>
+        <p:nvSpPr>
+          <p:cNvPr id="114" name="Rectangle 113">
+            <a:extLst>
+              <a:ext uri="{FF2B5EF4-FFF2-40B4-BE49-F238E27FC236}">
+                <a16:creationId xmlns:a16="http://schemas.microsoft.com/office/drawing/2014/main" id="{35E3FCA4-26BA-48F2-BB69-FA5C0D7FD169}"/>
+              </a:ext>
+            </a:extLst>
+          </p:cNvPr>
+          <p:cNvSpPr/>
+          <p:nvPr/>
+        </p:nvSpPr>
+        <p:spPr>
+          <a:xfrm>
+            <a:off x="9705590" y="2351822"/>
+            <a:ext cx="1097280" cy="461665"/>
+          </a:xfrm>
+          <a:prstGeom prst="rect">
+            <a:avLst/>
+          </a:prstGeom>
+          <a:solidFill>
+            <a:schemeClr val="bg1"/>
+          </a:solidFill>
+          <a:ln w="38100">
+            <a:solidFill>
+              <a:srgbClr val="FFC000"/>
+            </a:solidFill>
+          </a:ln>
+        </p:spPr>
+        <p:txBody>
+          <a:bodyPr wrap="square">
+            <a:spAutoFit/>
+          </a:bodyPr>
+          <a:lstStyle/>
+          <a:p>
+            <a:pPr algn="ctr"/>
+            <a:r>
+              <a:rPr lang="en-US" sz="1200" dirty="0">
+                <a:latin typeface="Arial" panose="020B0604020202020204" pitchFamily="34" charset="0"/>
+                <a:cs typeface="Arial" panose="020B0604020202020204" pitchFamily="34" charset="0"/>
+              </a:rPr>
+              <a:t>Lab Dashboard</a:t>
+            </a:r>
+            <a:endParaRPr lang="en-US" sz="1200" dirty="0"/>
+          </a:p>
+        </p:txBody>
+      </p:sp>
     </p:spTree>
     <p:extLst>
       <p:ext uri="{BB962C8B-B14F-4D97-AF65-F5344CB8AC3E}">

--- a/ArchitectureOverviewStatus.pptx
+++ b/ArchitectureOverviewStatus.pptx
@@ -197,7 +197,7 @@
           <a:p>
             <a:fld id="{B891EDBD-3129-D143-B981-B22A6A412B3C}" type="datetimeFigureOut">
               <a:rPr lang="en-US" smtClean="0"/>
-              <a:t>7/7/2020</a:t>
+              <a:t>7/8/2020</a:t>
             </a:fld>
             <a:endParaRPr lang="en-US"/>
           </a:p>
@@ -695,7 +695,7 @@
           <a:p>
             <a:fld id="{F6BA3A16-3FC4-A846-A984-B81C473670D4}" type="datetimeFigureOut">
               <a:rPr lang="en-US" smtClean="0"/>
-              <a:t>7/7/2020</a:t>
+              <a:t>7/8/2020</a:t>
             </a:fld>
             <a:endParaRPr lang="en-US"/>
           </a:p>
@@ -893,7 +893,7 @@
           <a:p>
             <a:fld id="{F6BA3A16-3FC4-A846-A984-B81C473670D4}" type="datetimeFigureOut">
               <a:rPr lang="en-US" smtClean="0"/>
-              <a:t>7/7/2020</a:t>
+              <a:t>7/8/2020</a:t>
             </a:fld>
             <a:endParaRPr lang="en-US"/>
           </a:p>
@@ -1101,7 +1101,7 @@
           <a:p>
             <a:fld id="{F6BA3A16-3FC4-A846-A984-B81C473670D4}" type="datetimeFigureOut">
               <a:rPr lang="en-US" smtClean="0"/>
-              <a:t>7/7/2020</a:t>
+              <a:t>7/8/2020</a:t>
             </a:fld>
             <a:endParaRPr lang="en-US"/>
           </a:p>
@@ -1299,7 +1299,7 @@
           <a:p>
             <a:fld id="{F6BA3A16-3FC4-A846-A984-B81C473670D4}" type="datetimeFigureOut">
               <a:rPr lang="en-US" smtClean="0"/>
-              <a:t>7/7/2020</a:t>
+              <a:t>7/8/2020</a:t>
             </a:fld>
             <a:endParaRPr lang="en-US"/>
           </a:p>
@@ -1574,7 +1574,7 @@
           <a:p>
             <a:fld id="{F6BA3A16-3FC4-A846-A984-B81C473670D4}" type="datetimeFigureOut">
               <a:rPr lang="en-US" smtClean="0"/>
-              <a:t>7/7/2020</a:t>
+              <a:t>7/8/2020</a:t>
             </a:fld>
             <a:endParaRPr lang="en-US"/>
           </a:p>
@@ -1839,7 +1839,7 @@
           <a:p>
             <a:fld id="{F6BA3A16-3FC4-A846-A984-B81C473670D4}" type="datetimeFigureOut">
               <a:rPr lang="en-US" smtClean="0"/>
-              <a:t>7/7/2020</a:t>
+              <a:t>7/8/2020</a:t>
             </a:fld>
             <a:endParaRPr lang="en-US"/>
           </a:p>
@@ -2251,7 +2251,7 @@
           <a:p>
             <a:fld id="{F6BA3A16-3FC4-A846-A984-B81C473670D4}" type="datetimeFigureOut">
               <a:rPr lang="en-US" smtClean="0"/>
-              <a:t>7/7/2020</a:t>
+              <a:t>7/8/2020</a:t>
             </a:fld>
             <a:endParaRPr lang="en-US"/>
           </a:p>
@@ -2392,7 +2392,7 @@
           <a:p>
             <a:fld id="{F6BA3A16-3FC4-A846-A984-B81C473670D4}" type="datetimeFigureOut">
               <a:rPr lang="en-US" smtClean="0"/>
-              <a:t>7/7/2020</a:t>
+              <a:t>7/8/2020</a:t>
             </a:fld>
             <a:endParaRPr lang="en-US"/>
           </a:p>
@@ -2505,7 +2505,7 @@
           <a:p>
             <a:fld id="{F6BA3A16-3FC4-A846-A984-B81C473670D4}" type="datetimeFigureOut">
               <a:rPr lang="en-US" smtClean="0"/>
-              <a:t>7/7/2020</a:t>
+              <a:t>7/8/2020</a:t>
             </a:fld>
             <a:endParaRPr lang="en-US"/>
           </a:p>
@@ -2816,7 +2816,7 @@
           <a:p>
             <a:fld id="{F6BA3A16-3FC4-A846-A984-B81C473670D4}" type="datetimeFigureOut">
               <a:rPr lang="en-US" smtClean="0"/>
-              <a:t>7/7/2020</a:t>
+              <a:t>7/8/2020</a:t>
             </a:fld>
             <a:endParaRPr lang="en-US"/>
           </a:p>
@@ -3104,7 +3104,7 @@
           <a:p>
             <a:fld id="{F6BA3A16-3FC4-A846-A984-B81C473670D4}" type="datetimeFigureOut">
               <a:rPr lang="en-US" smtClean="0"/>
-              <a:t>7/7/2020</a:t>
+              <a:t>7/8/2020</a:t>
             </a:fld>
             <a:endParaRPr lang="en-US"/>
           </a:p>
@@ -3345,7 +3345,7 @@
           <a:p>
             <a:fld id="{F6BA3A16-3FC4-A846-A984-B81C473670D4}" type="datetimeFigureOut">
               <a:rPr lang="en-US" smtClean="0"/>
-              <a:t>7/7/2020</a:t>
+              <a:t>7/8/2020</a:t>
             </a:fld>
             <a:endParaRPr lang="en-US"/>
           </a:p>
@@ -5003,12 +5003,12 @@
         </p:nvCxnSpPr>
         <p:spPr>
           <a:xfrm rot="10800000">
-            <a:off x="4341508" y="1855318"/>
-            <a:ext cx="3473539" cy="2963333"/>
+            <a:off x="4299060" y="2325532"/>
+            <a:ext cx="3515987" cy="2493119"/>
           </a:xfrm>
           <a:prstGeom prst="bentConnector3">
             <a:avLst>
-              <a:gd name="adj1" fmla="val 84125"/>
+              <a:gd name="adj1" fmla="val 50000"/>
             </a:avLst>
           </a:prstGeom>
           <a:ln w="38100">
@@ -5051,12 +5051,12 @@
         </p:nvCxnSpPr>
         <p:spPr>
           <a:xfrm rot="10800000">
-            <a:off x="4197238" y="1492024"/>
-            <a:ext cx="1833589" cy="978581"/>
+            <a:off x="4157764" y="1973918"/>
+            <a:ext cx="1873063" cy="496687"/>
           </a:xfrm>
           <a:prstGeom prst="bentConnector3">
             <a:avLst>
-              <a:gd name="adj1" fmla="val 51478"/>
+              <a:gd name="adj1" fmla="val 50000"/>
             </a:avLst>
           </a:prstGeom>
           <a:ln w="38100">
@@ -5099,8 +5099,8 @@
         </p:nvCxnSpPr>
         <p:spPr>
           <a:xfrm rot="10800000">
-            <a:off x="4162548" y="1149756"/>
-            <a:ext cx="1868278" cy="1320849"/>
+            <a:off x="4114910" y="1631892"/>
+            <a:ext cx="1915916" cy="838712"/>
           </a:xfrm>
           <a:prstGeom prst="bentConnector3">
             <a:avLst>
@@ -5990,12 +5990,12 @@
         </p:nvCxnSpPr>
         <p:spPr>
           <a:xfrm rot="10800000">
-            <a:off x="4436086" y="2219276"/>
-            <a:ext cx="3378961" cy="2599374"/>
+            <a:off x="4396374" y="2671882"/>
+            <a:ext cx="3418672" cy="2146769"/>
           </a:xfrm>
           <a:prstGeom prst="bentConnector3">
             <a:avLst>
-              <a:gd name="adj1" fmla="val 86483"/>
+              <a:gd name="adj1" fmla="val 50000"/>
             </a:avLst>
           </a:prstGeom>
           <a:ln w="38100">
@@ -6898,10 +6898,10 @@
         </p:nvGrpSpPr>
         <p:grpSpPr>
           <a:xfrm>
-            <a:off x="2740330" y="750191"/>
-            <a:ext cx="2062842" cy="3673489"/>
-            <a:chOff x="2740330" y="750191"/>
-            <a:chExt cx="2062842" cy="3673489"/>
+            <a:off x="2740330" y="663733"/>
+            <a:ext cx="2052755" cy="3759947"/>
+            <a:chOff x="2740330" y="663733"/>
+            <a:chExt cx="2052755" cy="3759947"/>
           </a:xfrm>
         </p:grpSpPr>
         <p:sp>
@@ -6918,8 +6918,8 @@
           </p:nvSpPr>
           <p:spPr>
             <a:xfrm>
-              <a:off x="2740331" y="750191"/>
-              <a:ext cx="1371600" cy="3673489"/>
+              <a:off x="2740331" y="663733"/>
+              <a:ext cx="1371600" cy="3759947"/>
             </a:xfrm>
             <a:prstGeom prst="rect">
               <a:avLst/>
@@ -6969,7 +6969,7 @@
           </p:nvSpPr>
           <p:spPr>
             <a:xfrm>
-              <a:off x="2740330" y="766766"/>
+              <a:off x="2740330" y="1202408"/>
               <a:ext cx="1357726" cy="276999"/>
             </a:xfrm>
             <a:prstGeom prst="rect">
@@ -7013,7 +7013,7 @@
           </p:nvSpPr>
           <p:spPr>
             <a:xfrm>
-              <a:off x="3041151" y="1011255"/>
+              <a:off x="2993513" y="1493392"/>
               <a:ext cx="1121397" cy="276999"/>
             </a:xfrm>
             <a:prstGeom prst="rect">
@@ -7059,7 +7059,7 @@
           </p:nvSpPr>
           <p:spPr>
             <a:xfrm>
-              <a:off x="3041151" y="1353523"/>
+              <a:off x="3001677" y="1835417"/>
               <a:ext cx="1156086" cy="276999"/>
             </a:xfrm>
             <a:prstGeom prst="rect">
@@ -7105,7 +7105,7 @@
           </p:nvSpPr>
           <p:spPr>
             <a:xfrm>
-              <a:off x="3041151" y="2407125"/>
+              <a:off x="2993513" y="2878534"/>
               <a:ext cx="1531766" cy="276999"/>
             </a:xfrm>
             <a:prstGeom prst="rect">
@@ -7154,7 +7154,7 @@
           </p:nvSpPr>
           <p:spPr>
             <a:xfrm>
-              <a:off x="3041151" y="2768583"/>
+              <a:off x="3021842" y="3229906"/>
               <a:ext cx="1199367" cy="276999"/>
             </a:xfrm>
             <a:prstGeom prst="rect">
@@ -7252,7 +7252,7 @@
           </p:nvSpPr>
           <p:spPr>
             <a:xfrm>
-              <a:off x="3041151" y="1716817"/>
+              <a:off x="2998703" y="2187031"/>
               <a:ext cx="1300356" cy="276999"/>
             </a:xfrm>
             <a:prstGeom prst="rect">
@@ -7301,7 +7301,7 @@
           </p:nvSpPr>
           <p:spPr>
             <a:xfrm>
-              <a:off x="3041151" y="2080776"/>
+              <a:off x="3001440" y="2533381"/>
               <a:ext cx="1394934" cy="276999"/>
             </a:xfrm>
             <a:prstGeom prst="rect">
@@ -7350,7 +7350,7 @@
           </p:nvSpPr>
           <p:spPr>
             <a:xfrm>
-              <a:off x="3041151" y="3108649"/>
+              <a:off x="3031064" y="3569934"/>
               <a:ext cx="1762021" cy="276999"/>
             </a:xfrm>
             <a:prstGeom prst="rect">
@@ -8199,12 +8199,12 @@
         </p:nvCxnSpPr>
         <p:spPr>
           <a:xfrm flipV="1">
-            <a:off x="1527206" y="2545625"/>
-            <a:ext cx="1513945" cy="889118"/>
+            <a:off x="1527206" y="3017034"/>
+            <a:ext cx="1466307" cy="417709"/>
           </a:xfrm>
           <a:prstGeom prst="bentConnector3">
             <a:avLst>
-              <a:gd name="adj1" fmla="val 64261"/>
+              <a:gd name="adj1" fmla="val 50000"/>
             </a:avLst>
           </a:prstGeom>
           <a:ln w="38100">
@@ -8247,12 +8247,12 @@
         </p:nvCxnSpPr>
         <p:spPr>
           <a:xfrm flipV="1">
-            <a:off x="2210064" y="2907083"/>
-            <a:ext cx="831087" cy="895332"/>
+            <a:off x="2210064" y="3368406"/>
+            <a:ext cx="811778" cy="434009"/>
           </a:xfrm>
           <a:prstGeom prst="bentConnector3">
             <a:avLst>
-              <a:gd name="adj1" fmla="val 45415"/>
+              <a:gd name="adj1" fmla="val 50000"/>
             </a:avLst>
           </a:prstGeom>
           <a:ln w="38100">
@@ -8350,7 +8350,7 @@
           </a:solidFill>
           <a:ln w="38100">
             <a:solidFill>
-              <a:srgbClr val="C00000"/>
+              <a:srgbClr val="FFC000"/>
             </a:solidFill>
           </a:ln>
         </p:spPr>
@@ -8390,17 +8390,17 @@
         </p:nvCxnSpPr>
         <p:spPr>
           <a:xfrm flipV="1">
-            <a:off x="2040771" y="3247149"/>
-            <a:ext cx="1000380" cy="935972"/>
+            <a:off x="2040771" y="3708434"/>
+            <a:ext cx="990293" cy="474687"/>
           </a:xfrm>
           <a:prstGeom prst="bentConnector3">
             <a:avLst>
-              <a:gd name="adj1" fmla="val 62060"/>
+              <a:gd name="adj1" fmla="val 50000"/>
             </a:avLst>
           </a:prstGeom>
           <a:ln w="38100">
             <a:solidFill>
-              <a:srgbClr val="FF0000"/>
+              <a:srgbClr val="FFC000"/>
             </a:solidFill>
             <a:tailEnd type="triangle"/>
           </a:ln>
@@ -8620,6 +8620,36 @@
           </a:p>
         </p:txBody>
       </p:sp>
+      <p:pic>
+        <p:nvPicPr>
+          <p:cNvPr id="31" name="Picture 30">
+            <a:extLst>
+              <a:ext uri="{FF2B5EF4-FFF2-40B4-BE49-F238E27FC236}">
+                <a16:creationId xmlns:a16="http://schemas.microsoft.com/office/drawing/2014/main" id="{541B0360-3504-4FE2-BE7D-0CC771978F6F}"/>
+              </a:ext>
+            </a:extLst>
+          </p:cNvPr>
+          <p:cNvPicPr>
+            <a:picLocks noChangeAspect="1"/>
+          </p:cNvPicPr>
+          <p:nvPr/>
+        </p:nvPicPr>
+        <p:blipFill>
+          <a:blip r:embed="rId7"/>
+          <a:stretch>
+            <a:fillRect/>
+          </a:stretch>
+        </p:blipFill>
+        <p:spPr>
+          <a:xfrm>
+            <a:off x="3166258" y="753725"/>
+            <a:ext cx="519746" cy="469504"/>
+          </a:xfrm>
+          <a:prstGeom prst="rect">
+            <a:avLst/>
+          </a:prstGeom>
+        </p:spPr>
+      </p:pic>
     </p:spTree>
     <p:extLst>
       <p:ext uri="{BB962C8B-B14F-4D97-AF65-F5344CB8AC3E}">
